--- a/Reports/Presentation_P0_11_10.pptx
+++ b/Reports/Presentation_P0_11_10.pptx
@@ -1066,7 +1066,7 @@
                 <a:cs typeface="Arial"/>
                 <a:sym typeface="Arial"/>
               </a:rPr>
-              <a:t>‹Nº›</a:t>
+              <a:t>‹Nr.›</a:t>
             </a:fld>
             <a:endParaRPr lang="da" sz="1000" b="0" i="0" u="none" strike="noStrike" cap="none">
               <a:solidFill>
@@ -1796,7 +1796,7 @@
                 <a:cs typeface="Arial"/>
                 <a:sym typeface="Arial"/>
               </a:rPr>
-              <a:t>‹Nº›</a:t>
+              <a:t>‹Nr.›</a:t>
             </a:fld>
             <a:endParaRPr lang="da" sz="1000" b="0" i="0" u="none" strike="noStrike" cap="none">
               <a:solidFill>
@@ -2465,7 +2465,7 @@
                 <a:cs typeface="Arial"/>
                 <a:sym typeface="Arial"/>
               </a:rPr>
-              <a:t>‹Nº›</a:t>
+              <a:t>‹Nr.›</a:t>
             </a:fld>
             <a:endParaRPr lang="da" sz="1000" b="0" i="0" u="none" strike="noStrike" cap="none">
               <a:solidFill>
@@ -2896,7 +2896,7 @@
                 <a:cs typeface="Arial"/>
                 <a:sym typeface="Arial"/>
               </a:rPr>
-              <a:t>‹Nº›</a:t>
+              <a:t>‹Nr.›</a:t>
             </a:fld>
             <a:endParaRPr lang="da" sz="1000" b="0" i="0" u="none" strike="noStrike" cap="none">
               <a:solidFill>
@@ -3175,7 +3175,7 @@
                 <a:cs typeface="Arial"/>
                 <a:sym typeface="Arial"/>
               </a:rPr>
-              <a:t>‹Nº›</a:t>
+              <a:t>‹Nr.›</a:t>
             </a:fld>
             <a:endParaRPr lang="da" sz="1000" b="0" i="0" u="none" strike="noStrike" cap="none">
               <a:solidFill>
@@ -3853,7 +3853,7 @@
                 <a:cs typeface="Arial"/>
                 <a:sym typeface="Arial"/>
               </a:rPr>
-              <a:t>‹Nº›</a:t>
+              <a:t>‹Nr.›</a:t>
             </a:fld>
             <a:endParaRPr lang="da" sz="1000" b="0" i="0" u="none" strike="noStrike" cap="none">
               <a:solidFill>
@@ -4622,7 +4622,7 @@
                 <a:cs typeface="Arial"/>
                 <a:sym typeface="Arial"/>
               </a:rPr>
-              <a:t>‹Nº›</a:t>
+              <a:t>‹Nr.›</a:t>
             </a:fld>
             <a:endParaRPr lang="da" sz="1000" b="0" i="0" u="none" strike="noStrike" cap="none">
               <a:solidFill>
@@ -5387,7 +5387,7 @@
                 <a:cs typeface="Arial"/>
                 <a:sym typeface="Arial"/>
               </a:rPr>
-              <a:t>‹Nº›</a:t>
+              <a:t>‹Nr.›</a:t>
             </a:fld>
             <a:endParaRPr lang="da" sz="1000" b="0" i="0" u="none" strike="noStrike" cap="none">
               <a:solidFill>
@@ -6170,7 +6170,7 @@
                 <a:cs typeface="Arial"/>
                 <a:sym typeface="Arial"/>
               </a:rPr>
-              <a:t>‹Nº›</a:t>
+              <a:t>‹Nr.›</a:t>
             </a:fld>
             <a:endParaRPr lang="da" sz="1000" b="0" i="0" u="none" strike="noStrike" cap="none">
               <a:solidFill>
@@ -6422,7 +6422,7 @@
                 <a:cs typeface="Arial"/>
                 <a:sym typeface="Arial"/>
               </a:rPr>
-              <a:t>‹Nº›</a:t>
+              <a:t>‹Nr.›</a:t>
             </a:fld>
             <a:endParaRPr lang="da" sz="1000" b="0" i="0" u="none" strike="noStrike" cap="none">
               <a:solidFill>
@@ -6984,7 +6984,7 @@
                 <a:cs typeface="Arial"/>
                 <a:sym typeface="Arial"/>
               </a:rPr>
-              <a:t>‹Nº›</a:t>
+              <a:t>‹Nr.›</a:t>
             </a:fld>
             <a:endParaRPr lang="da" sz="1000" b="0" i="0" u="none" strike="noStrike" cap="none">
               <a:solidFill>
@@ -7961,7 +7961,7 @@
                 <a:cs typeface="Arial"/>
                 <a:sym typeface="Arial"/>
               </a:rPr>
-              <a:t>‹Nº›</a:t>
+              <a:t>‹Nr.›</a:t>
             </a:fld>
             <a:endParaRPr lang="da" sz="1000" b="0" i="0" u="none" strike="noStrike" cap="none">
               <a:solidFill>
@@ -8540,7 +8540,7 @@
                 <a:cs typeface="Arial"/>
                 <a:sym typeface="Arial"/>
               </a:rPr>
-              <a:t>‹Nº›</a:t>
+              <a:t>‹Nr.›</a:t>
             </a:fld>
             <a:endParaRPr lang="da" sz="1000" b="0" i="0" u="none" strike="noStrike" cap="none">
               <a:solidFill>
@@ -9255,7 +9255,7 @@
 </file>
 
 <file path=ppt/slides/slide10.xml><?xml version="1.0" encoding="utf-8"?>
-<p:sld xmlns:a="http://schemas.openxmlformats.org/drawingml/2006/main" xmlns:r="http://schemas.openxmlformats.org/officeDocument/2006/relationships" xmlns:p="http://schemas.openxmlformats.org/presentationml/2006/main">
+<p:sld xmlns:a="http://schemas.openxmlformats.org/drawingml/2006/main" xmlns:r="http://schemas.openxmlformats.org/officeDocument/2006/relationships" xmlns:p="http://schemas.openxmlformats.org/presentationml/2006/main" show="0">
   <p:cSld>
     <p:spTree>
       <p:nvGrpSpPr>
@@ -9658,8 +9658,8 @@
           </a:p>
         </p:txBody>
       </p:sp>
-      <mc:AlternateContent xmlns:mc="http://schemas.openxmlformats.org/markup-compatibility/2006">
-        <mc:Choice xmlns:a14="http://schemas.microsoft.com/office/drawing/2010/main" Requires="a14">
+      <mc:AlternateContent xmlns:mc="http://schemas.openxmlformats.org/markup-compatibility/2006" xmlns:a14="http://schemas.microsoft.com/office/drawing/2010/main">
+        <mc:Choice Requires="a14">
           <p:sp>
             <p:nvSpPr>
               <p:cNvPr id="16" name="CuadroTexto 15">
@@ -9693,6 +9693,7 @@
               </a:bodyPr>
               <a:lstStyle/>
               <a:p>
+                <a:pPr/>
                 <a14:m>
                   <m:oMathPara xmlns:m="http://schemas.openxmlformats.org/officeDocument/2006/math">
                     <m:oMathParaPr>
@@ -9802,7 +9803,7 @@
             </p:txBody>
           </p:sp>
         </mc:Choice>
-        <mc:Fallback>
+        <mc:Fallback xmlns="">
           <p:sp>
             <p:nvSpPr>
               <p:cNvPr id="16" name="CuadroTexto 15">
@@ -9953,7 +9954,7 @@
 </file>
 
 <file path=ppt/slides/slide11.xml><?xml version="1.0" encoding="utf-8"?>
-<p:sld xmlns:a="http://schemas.openxmlformats.org/drawingml/2006/main" xmlns:r="http://schemas.openxmlformats.org/officeDocument/2006/relationships" xmlns:p="http://schemas.openxmlformats.org/presentationml/2006/main">
+<p:sld xmlns:a="http://schemas.openxmlformats.org/drawingml/2006/main" xmlns:r="http://schemas.openxmlformats.org/officeDocument/2006/relationships" xmlns:p="http://schemas.openxmlformats.org/presentationml/2006/main" show="0">
   <p:cSld>
     <p:spTree>
       <p:nvGrpSpPr>
@@ -10250,7 +10251,7 @@
 </file>
 
 <file path=ppt/slides/slide12.xml><?xml version="1.0" encoding="utf-8"?>
-<p:sld xmlns:a="http://schemas.openxmlformats.org/drawingml/2006/main" xmlns:r="http://schemas.openxmlformats.org/officeDocument/2006/relationships" xmlns:p="http://schemas.openxmlformats.org/presentationml/2006/main">
+<p:sld xmlns:a="http://schemas.openxmlformats.org/drawingml/2006/main" xmlns:r="http://schemas.openxmlformats.org/officeDocument/2006/relationships" xmlns:p="http://schemas.openxmlformats.org/presentationml/2006/main" show="0">
   <p:cSld>
     <p:spTree>
       <p:nvGrpSpPr>
@@ -13595,36 +13596,6 @@
           </a:p>
         </p:txBody>
       </p:sp>
-      <p:pic>
-        <p:nvPicPr>
-          <p:cNvPr id="12" name="Imagen 11">
-            <a:extLst>
-              <a:ext uri="{FF2B5EF4-FFF2-40B4-BE49-F238E27FC236}">
-                <a16:creationId xmlns:a16="http://schemas.microsoft.com/office/drawing/2014/main" id="{29FDFF5C-D7C1-4788-9CDD-20D8BF8BC255}"/>
-              </a:ext>
-            </a:extLst>
-          </p:cNvPr>
-          <p:cNvPicPr>
-            <a:picLocks noChangeAspect="1"/>
-          </p:cNvPicPr>
-          <p:nvPr/>
-        </p:nvPicPr>
-        <p:blipFill>
-          <a:blip r:embed="rId2"/>
-          <a:stretch>
-            <a:fillRect/>
-          </a:stretch>
-        </p:blipFill>
-        <p:spPr>
-          <a:xfrm>
-            <a:off x="1413374" y="1685774"/>
-            <a:ext cx="6317252" cy="2538374"/>
-          </a:xfrm>
-          <a:prstGeom prst="rect">
-            <a:avLst/>
-          </a:prstGeom>
-        </p:spPr>
-      </p:pic>
       <p:sp>
         <p:nvSpPr>
           <p:cNvPr id="13" name="CuadroTexto 12">
@@ -14006,6 +13977,36 @@
           </a:fontRef>
         </p:style>
       </p:cxnSp>
+      <p:pic>
+        <p:nvPicPr>
+          <p:cNvPr id="7" name="Grafik 6">
+            <a:extLst>
+              <a:ext uri="{FF2B5EF4-FFF2-40B4-BE49-F238E27FC236}">
+                <a16:creationId xmlns:a16="http://schemas.microsoft.com/office/drawing/2014/main" id="{A4ED2976-950E-4C7F-999F-FB20D81DD4E6}"/>
+              </a:ext>
+            </a:extLst>
+          </p:cNvPr>
+          <p:cNvPicPr>
+            <a:picLocks noChangeAspect="1"/>
+          </p:cNvPicPr>
+          <p:nvPr/>
+        </p:nvPicPr>
+        <p:blipFill>
+          <a:blip r:embed="rId2"/>
+          <a:stretch>
+            <a:fillRect/>
+          </a:stretch>
+        </p:blipFill>
+        <p:spPr>
+          <a:xfrm>
+            <a:off x="1446589" y="1585166"/>
+            <a:ext cx="6250821" cy="2293060"/>
+          </a:xfrm>
+          <a:prstGeom prst="rect">
+            <a:avLst/>
+          </a:prstGeom>
+        </p:spPr>
+      </p:pic>
     </p:spTree>
     <p:extLst>
       <p:ext uri="{BB962C8B-B14F-4D97-AF65-F5344CB8AC3E}">
@@ -14532,36 +14533,6 @@
           </a:p>
         </p:txBody>
       </p:sp>
-      <p:pic>
-        <p:nvPicPr>
-          <p:cNvPr id="7" name="Imagen 6">
-            <a:extLst>
-              <a:ext uri="{FF2B5EF4-FFF2-40B4-BE49-F238E27FC236}">
-                <a16:creationId xmlns:a16="http://schemas.microsoft.com/office/drawing/2014/main" id="{10DD94CF-0C3D-4B8A-AD82-1D22E8EA42B4}"/>
-              </a:ext>
-            </a:extLst>
-          </p:cNvPr>
-          <p:cNvPicPr>
-            <a:picLocks noChangeAspect="1"/>
-          </p:cNvPicPr>
-          <p:nvPr/>
-        </p:nvPicPr>
-        <p:blipFill>
-          <a:blip r:embed="rId2"/>
-          <a:stretch>
-            <a:fillRect/>
-          </a:stretch>
-        </p:blipFill>
-        <p:spPr>
-          <a:xfrm>
-            <a:off x="2886960" y="1798896"/>
-            <a:ext cx="3095625" cy="2333625"/>
-          </a:xfrm>
-          <a:prstGeom prst="rect">
-            <a:avLst/>
-          </a:prstGeom>
-        </p:spPr>
-      </p:pic>
       <p:sp>
         <p:nvSpPr>
           <p:cNvPr id="8" name="CuadroTexto 7">
@@ -14623,46 +14594,11 @@
           <a:lstStyle/>
           <a:p>
             <a:r>
-              <a:rPr lang="es-ES" sz="1200" dirty="0" err="1">
-                <a:latin typeface="Times New Roman" panose="02020603050405020304" pitchFamily="18" charset="0"/>
-                <a:cs typeface="Times New Roman" panose="02020603050405020304" pitchFamily="18" charset="0"/>
-              </a:rPr>
-              <a:t>Maximum</a:t>
-            </a:r>
-            <a:r>
               <a:rPr lang="es-ES" sz="1200" dirty="0">
                 <a:latin typeface="Times New Roman" panose="02020603050405020304" pitchFamily="18" charset="0"/>
                 <a:cs typeface="Times New Roman" panose="02020603050405020304" pitchFamily="18" charset="0"/>
               </a:rPr>
-              <a:t> Power Point </a:t>
-            </a:r>
-            <a:r>
-              <a:rPr lang="es-ES" sz="1200" dirty="0" err="1">
-                <a:latin typeface="Times New Roman" panose="02020603050405020304" pitchFamily="18" charset="0"/>
-                <a:cs typeface="Times New Roman" panose="02020603050405020304" pitchFamily="18" charset="0"/>
-              </a:rPr>
-              <a:t>of</a:t>
-            </a:r>
-            <a:r>
-              <a:rPr lang="es-ES" sz="1200" dirty="0">
-                <a:latin typeface="Times New Roman" panose="02020603050405020304" pitchFamily="18" charset="0"/>
-                <a:cs typeface="Times New Roman" panose="02020603050405020304" pitchFamily="18" charset="0"/>
-              </a:rPr>
-              <a:t> </a:t>
-            </a:r>
-            <a:r>
-              <a:rPr lang="es-ES" sz="1200" dirty="0" err="1">
-                <a:latin typeface="Times New Roman" panose="02020603050405020304" pitchFamily="18" charset="0"/>
-                <a:cs typeface="Times New Roman" panose="02020603050405020304" pitchFamily="18" charset="0"/>
-              </a:rPr>
-              <a:t>generic</a:t>
-            </a:r>
-            <a:r>
-              <a:rPr lang="es-ES" sz="1200" dirty="0">
-                <a:latin typeface="Times New Roman" panose="02020603050405020304" pitchFamily="18" charset="0"/>
-                <a:cs typeface="Times New Roman" panose="02020603050405020304" pitchFamily="18" charset="0"/>
-              </a:rPr>
-              <a:t> solar panel [????].</a:t>
+              <a:t>Maximum Power Point of generic solar panel [].</a:t>
             </a:r>
           </a:p>
         </p:txBody>
@@ -14759,6 +14695,36 @@
           </a:p>
         </p:txBody>
       </p:sp>
+      <p:pic>
+        <p:nvPicPr>
+          <p:cNvPr id="10" name="Grafik 9">
+            <a:extLst>
+              <a:ext uri="{FF2B5EF4-FFF2-40B4-BE49-F238E27FC236}">
+                <a16:creationId xmlns:a16="http://schemas.microsoft.com/office/drawing/2014/main" id="{7283B0A9-70AA-4872-BD7A-77D592B0640A}"/>
+              </a:ext>
+            </a:extLst>
+          </p:cNvPr>
+          <p:cNvPicPr>
+            <a:picLocks noChangeAspect="1"/>
+          </p:cNvPicPr>
+          <p:nvPr/>
+        </p:nvPicPr>
+        <p:blipFill>
+          <a:blip r:embed="rId2"/>
+          <a:stretch>
+            <a:fillRect/>
+          </a:stretch>
+        </p:blipFill>
+        <p:spPr>
+          <a:xfrm>
+            <a:off x="3098145" y="1717158"/>
+            <a:ext cx="2947710" cy="2203959"/>
+          </a:xfrm>
+          <a:prstGeom prst="rect">
+            <a:avLst/>
+          </a:prstGeom>
+        </p:spPr>
+      </p:pic>
     </p:spTree>
     <p:extLst>
       <p:ext uri="{BB962C8B-B14F-4D97-AF65-F5344CB8AC3E}">
@@ -15070,7 +15036,7 @@
 </file>
 
 <file path=ppt/slides/slide7.xml><?xml version="1.0" encoding="utf-8"?>
-<p:sld xmlns:a="http://schemas.openxmlformats.org/drawingml/2006/main" xmlns:r="http://schemas.openxmlformats.org/officeDocument/2006/relationships" xmlns:p="http://schemas.openxmlformats.org/presentationml/2006/main">
+<p:sld xmlns:a="http://schemas.openxmlformats.org/drawingml/2006/main" xmlns:r="http://schemas.openxmlformats.org/officeDocument/2006/relationships" xmlns:p="http://schemas.openxmlformats.org/presentationml/2006/main" show="0">
   <p:cSld>
     <p:spTree>
       <p:nvGrpSpPr>
@@ -15454,8 +15420,8 @@
           </a:p>
         </p:txBody>
       </p:sp>
-      <mc:AlternateContent xmlns:mc="http://schemas.openxmlformats.org/markup-compatibility/2006">
-        <mc:Choice xmlns:a14="http://schemas.microsoft.com/office/drawing/2010/main" Requires="a14">
+      <mc:AlternateContent xmlns:mc="http://schemas.openxmlformats.org/markup-compatibility/2006" xmlns:a14="http://schemas.microsoft.com/office/drawing/2010/main">
+        <mc:Choice Requires="a14">
           <p:sp>
             <p:nvSpPr>
               <p:cNvPr id="14" name="CuadroTexto 13">
@@ -15484,6 +15450,7 @@
               </a:bodyPr>
               <a:lstStyle/>
               <a:p>
+                <a:pPr/>
                 <a14:m>
                   <m:oMathPara xmlns:m="http://schemas.openxmlformats.org/officeDocument/2006/math">
                     <m:oMathParaPr>
@@ -15560,7 +15527,7 @@
             </p:txBody>
           </p:sp>
         </mc:Choice>
-        <mc:Fallback>
+        <mc:Fallback xmlns="">
           <p:sp>
             <p:nvSpPr>
               <p:cNvPr id="14" name="CuadroTexto 13">
@@ -15605,8 +15572,8 @@
           </p:sp>
         </mc:Fallback>
       </mc:AlternateContent>
-      <mc:AlternateContent xmlns:mc="http://schemas.openxmlformats.org/markup-compatibility/2006">
-        <mc:Choice xmlns:a14="http://schemas.microsoft.com/office/drawing/2010/main" Requires="a14">
+      <mc:AlternateContent xmlns:mc="http://schemas.openxmlformats.org/markup-compatibility/2006" xmlns:a14="http://schemas.microsoft.com/office/drawing/2010/main">
+        <mc:Choice Requires="a14">
           <p:sp>
             <p:nvSpPr>
               <p:cNvPr id="18" name="CuadroTexto 17">
@@ -15635,6 +15602,7 @@
               </a:bodyPr>
               <a:lstStyle/>
               <a:p>
+                <a:pPr/>
                 <a14:m>
                   <m:oMathPara xmlns:m="http://schemas.openxmlformats.org/officeDocument/2006/math">
                     <m:oMathParaPr>
@@ -15711,7 +15679,7 @@
             </p:txBody>
           </p:sp>
         </mc:Choice>
-        <mc:Fallback>
+        <mc:Fallback xmlns="">
           <p:sp>
             <p:nvSpPr>
               <p:cNvPr id="18" name="CuadroTexto 17">
@@ -15770,7 +15738,7 @@
 </file>
 
 <file path=ppt/slides/slide8.xml><?xml version="1.0" encoding="utf-8"?>
-<p:sld xmlns:a="http://schemas.openxmlformats.org/drawingml/2006/main" xmlns:r="http://schemas.openxmlformats.org/officeDocument/2006/relationships" xmlns:p="http://schemas.openxmlformats.org/presentationml/2006/main">
+<p:sld xmlns:a="http://schemas.openxmlformats.org/drawingml/2006/main" xmlns:r="http://schemas.openxmlformats.org/officeDocument/2006/relationships" xmlns:p="http://schemas.openxmlformats.org/presentationml/2006/main" show="0">
   <p:cSld>
     <p:spTree>
       <p:nvGrpSpPr>
@@ -16112,7 +16080,7 @@
 </file>
 
 <file path=ppt/slides/slide9.xml><?xml version="1.0" encoding="utf-8"?>
-<p:sld xmlns:a="http://schemas.openxmlformats.org/drawingml/2006/main" xmlns:r="http://schemas.openxmlformats.org/officeDocument/2006/relationships" xmlns:p="http://schemas.openxmlformats.org/presentationml/2006/main">
+<p:sld xmlns:a="http://schemas.openxmlformats.org/drawingml/2006/main" xmlns:r="http://schemas.openxmlformats.org/officeDocument/2006/relationships" xmlns:p="http://schemas.openxmlformats.org/presentationml/2006/main" show="0">
   <p:cSld>
     <p:spTree>
       <p:nvGrpSpPr>
@@ -16515,8 +16483,8 @@
           </a:p>
         </p:txBody>
       </p:sp>
-      <mc:AlternateContent xmlns:mc="http://schemas.openxmlformats.org/markup-compatibility/2006">
-        <mc:Choice xmlns:a14="http://schemas.microsoft.com/office/drawing/2010/main" Requires="a14">
+      <mc:AlternateContent xmlns:mc="http://schemas.openxmlformats.org/markup-compatibility/2006" xmlns:a14="http://schemas.microsoft.com/office/drawing/2010/main">
+        <mc:Choice Requires="a14">
           <p:sp>
             <p:nvSpPr>
               <p:cNvPr id="16" name="CuadroTexto 15">
@@ -16550,6 +16518,7 @@
               </a:bodyPr>
               <a:lstStyle/>
               <a:p>
+                <a:pPr/>
                 <a14:m>
                   <m:oMathPara xmlns:m="http://schemas.openxmlformats.org/officeDocument/2006/math">
                     <m:oMathParaPr>
@@ -16659,7 +16628,7 @@
             </p:txBody>
           </p:sp>
         </mc:Choice>
-        <mc:Fallback>
+        <mc:Fallback xmlns="">
           <p:sp>
             <p:nvSpPr>
               <p:cNvPr id="16" name="CuadroTexto 15">

--- a/Reports/Presentation_P0_11_10.pptx
+++ b/Reports/Presentation_P0_11_10.pptx
@@ -5,7 +5,7 @@
     <p:sldMasterId id="2147483661" r:id="rId1"/>
   </p:sldMasterIdLst>
   <p:notesMasterIdLst>
-    <p:notesMasterId r:id="rId19"/>
+    <p:notesMasterId r:id="rId20"/>
   </p:notesMasterIdLst>
   <p:sldIdLst>
     <p:sldId id="256" r:id="rId2"/>
@@ -24,7 +24,8 @@
     <p:sldId id="335" r:id="rId15"/>
     <p:sldId id="337" r:id="rId16"/>
     <p:sldId id="336" r:id="rId17"/>
-    <p:sldId id="338" r:id="rId18"/>
+    <p:sldId id="344" r:id="rId18"/>
+    <p:sldId id="338" r:id="rId19"/>
   </p:sldIdLst>
   <p:sldSz cx="9144000" cy="5143500" type="screen16x9"/>
   <p:notesSz cx="6858000" cy="9144000"/>
@@ -9125,7 +9126,15 @@
             <p:ph type="sldNum" idx="12"/>
           </p:nvPr>
         </p:nvSpPr>
-        <p:spPr/>
+        <p:spPr>
+          <a:xfrm>
+            <a:off x="8214732" y="4767264"/>
+            <a:ext cx="472068" cy="250785"/>
+          </a:xfrm>
+          <a:solidFill>
+            <a:srgbClr val="423C6C"/>
+          </a:solidFill>
+        </p:spPr>
         <p:txBody>
           <a:bodyPr/>
           <a:lstStyle/>
@@ -9136,7 +9145,7 @@
             <a:fld id="{00000000-1234-1234-1234-123412341234}" type="slidenum">
               <a:rPr lang="da" sz="1000" b="0" i="0" u="none" strike="noStrike" cap="none" smtClean="0">
                 <a:solidFill>
-                  <a:srgbClr val="54616E"/>
+                  <a:schemeClr val="bg1"/>
                 </a:solidFill>
                 <a:latin typeface="Arial"/>
                 <a:ea typeface="Arial"/>
@@ -9151,18 +9160,15 @@
             <a:r>
               <a:rPr lang="da" sz="1000" dirty="0">
                 <a:solidFill>
-                  <a:srgbClr val="54616E"/>
-                </a:solidFill>
-              </a:rPr>
-              <a:t>/49</a:t>
+                  <a:schemeClr val="bg1"/>
+                </a:solidFill>
+              </a:rPr>
+              <a:t>/11</a:t>
             </a:r>
             <a:endParaRPr lang="da" sz="1000" b="0" i="0" u="none" strike="noStrike" cap="none" dirty="0">
               <a:solidFill>
-                <a:srgbClr val="54616E"/>
+                <a:schemeClr val="bg1"/>
               </a:solidFill>
-              <a:latin typeface="Arial"/>
-              <a:ea typeface="Arial"/>
-              <a:cs typeface="Arial"/>
               <a:sym typeface="Arial"/>
             </a:endParaRPr>
           </a:p>
@@ -10831,28 +10837,13 @@
             <a:pPr lvl="0" algn="r">
               <a:buSzPct val="25000"/>
             </a:pPr>
-            <a:fld id="{00000000-1234-1234-1234-123412341234}" type="slidenum">
-              <a:rPr lang="da" sz="1000" b="0" i="0" u="none" strike="noStrike" cap="none" smtClean="0">
+            <a:r>
+              <a:rPr lang="da" sz="1000" dirty="0">
                 <a:solidFill>
                   <a:srgbClr val="54616E"/>
                 </a:solidFill>
-                <a:latin typeface="Arial"/>
-                <a:ea typeface="Arial"/>
-                <a:cs typeface="Arial"/>
-                <a:sym typeface="Arial"/>
-              </a:rPr>
-              <a:pPr lvl="0" algn="r">
-                <a:buSzPct val="25000"/>
-              </a:pPr>
-              <a:t>13</a:t>
-            </a:fld>
-            <a:r>
-              <a:rPr lang="da" sz="1000" dirty="0">
-                <a:solidFill>
-                  <a:srgbClr val="54616E"/>
-                </a:solidFill>
-              </a:rPr>
-              <a:t>/49</a:t>
+              </a:rPr>
+              <a:t>7/11</a:t>
             </a:r>
             <a:endParaRPr lang="da" sz="1000" b="0" i="0" u="none" strike="noStrike" cap="none" dirty="0">
               <a:solidFill>
@@ -10961,33 +10952,9 @@
             </a:r>
           </a:p>
           <a:p>
-            <a:pPr marL="342900" lvl="1" indent="-228600"/>
-            <a:endParaRPr lang="da-DK" dirty="0">
-              <a:latin typeface="Times New Roman" panose="02020603050405020304" pitchFamily="18" charset="0"/>
-              <a:cs typeface="Times New Roman" panose="02020603050405020304" pitchFamily="18" charset="0"/>
-            </a:endParaRPr>
-          </a:p>
-          <a:p>
-            <a:r>
-              <a:rPr lang="da-DK" dirty="0">
-                <a:latin typeface="Times New Roman" panose="02020603050405020304" pitchFamily="18" charset="0"/>
-                <a:cs typeface="Times New Roman" panose="02020603050405020304" pitchFamily="18" charset="0"/>
-              </a:rPr>
-              <a:t>CONVERTER TOPOLOGIES</a:t>
-            </a:r>
-          </a:p>
-          <a:p>
-            <a:pPr marL="742950" lvl="2" indent="-228600"/>
-            <a:r>
-              <a:rPr lang="da-DK" dirty="0">
-                <a:latin typeface="Times New Roman" panose="02020603050405020304" pitchFamily="18" charset="0"/>
-                <a:cs typeface="Times New Roman" panose="02020603050405020304" pitchFamily="18" charset="0"/>
-              </a:rPr>
-              <a:t>Selection of the MIC topology</a:t>
-            </a:r>
-          </a:p>
-          <a:p>
-            <a:pPr marL="342900" lvl="1" indent="-228600"/>
+            <a:pPr marL="114300" lvl="1" indent="0">
+              <a:buNone/>
+            </a:pPr>
             <a:endParaRPr lang="da-DK" dirty="0">
               <a:latin typeface="Times New Roman" panose="02020603050405020304" pitchFamily="18" charset="0"/>
               <a:cs typeface="Times New Roman" panose="02020603050405020304" pitchFamily="18" charset="0"/>
@@ -11213,8 +11180,8 @@
             <a:pPr lvl="0" algn="r">
               <a:buSzPct val="25000"/>
             </a:pPr>
-            <a:fld id="{00000000-1234-1234-1234-123412341234}" type="slidenum">
-              <a:rPr lang="da" sz="1000" b="0" i="0" u="none" strike="noStrike" cap="none" smtClean="0">
+            <a:r>
+              <a:rPr lang="da" sz="1000" b="0" i="0" u="none" strike="noStrike" cap="none" dirty="0">
                 <a:solidFill>
                   <a:srgbClr val="54616E"/>
                 </a:solidFill>
@@ -11223,28 +11190,8 @@
                 <a:cs typeface="Arial"/>
                 <a:sym typeface="Arial"/>
               </a:rPr>
-              <a:pPr lvl="0" algn="r">
-                <a:buSzPct val="25000"/>
-              </a:pPr>
-              <a:t>14</a:t>
-            </a:fld>
-            <a:r>
-              <a:rPr lang="da" sz="1000" dirty="0">
-                <a:solidFill>
-                  <a:srgbClr val="54616E"/>
-                </a:solidFill>
-              </a:rPr>
-              <a:t>/49</a:t>
-            </a:r>
-            <a:endParaRPr lang="da" sz="1000" b="0" i="0" u="none" strike="noStrike" cap="none" dirty="0">
-              <a:solidFill>
-                <a:srgbClr val="54616E"/>
-              </a:solidFill>
-              <a:latin typeface="Arial"/>
-              <a:ea typeface="Arial"/>
-              <a:cs typeface="Arial"/>
-              <a:sym typeface="Arial"/>
-            </a:endParaRPr>
+              <a:t>8/11</a:t>
+            </a:r>
           </a:p>
         </p:txBody>
       </p:sp>
@@ -12049,8 +11996,8 @@
             <a:pPr lvl="0" algn="r">
               <a:buSzPct val="25000"/>
             </a:pPr>
-            <a:fld id="{00000000-1234-1234-1234-123412341234}" type="slidenum">
-              <a:rPr lang="da" sz="1000" b="0" i="0" u="none" strike="noStrike" cap="none" smtClean="0">
+            <a:r>
+              <a:rPr lang="da" sz="1000" b="0" i="0" u="none" strike="noStrike" cap="none" dirty="0">
                 <a:solidFill>
                   <a:srgbClr val="54616E"/>
                 </a:solidFill>
@@ -12059,28 +12006,8 @@
                 <a:cs typeface="Arial"/>
                 <a:sym typeface="Arial"/>
               </a:rPr>
-              <a:pPr lvl="0" algn="r">
-                <a:buSzPct val="25000"/>
-              </a:pPr>
-              <a:t>15</a:t>
-            </a:fld>
-            <a:r>
-              <a:rPr lang="da" sz="1000" dirty="0">
-                <a:solidFill>
-                  <a:srgbClr val="54616E"/>
-                </a:solidFill>
-              </a:rPr>
-              <a:t>/49</a:t>
-            </a:r>
-            <a:endParaRPr lang="da" sz="1000" b="0" i="0" u="none" strike="noStrike" cap="none" dirty="0">
-              <a:solidFill>
-                <a:srgbClr val="54616E"/>
-              </a:solidFill>
-              <a:latin typeface="Arial"/>
-              <a:ea typeface="Arial"/>
-              <a:cs typeface="Arial"/>
-              <a:sym typeface="Arial"/>
-            </a:endParaRPr>
+              <a:t>9/11</a:t>
+            </a:r>
           </a:p>
         </p:txBody>
       </p:sp>
@@ -12179,33 +12106,9 @@
             </a:r>
           </a:p>
           <a:p>
-            <a:pPr marL="342900" lvl="1" indent="-228600"/>
-            <a:endParaRPr lang="da-DK" dirty="0">
-              <a:latin typeface="Times New Roman" panose="02020603050405020304" pitchFamily="18" charset="0"/>
-              <a:cs typeface="Times New Roman" panose="02020603050405020304" pitchFamily="18" charset="0"/>
-            </a:endParaRPr>
-          </a:p>
-          <a:p>
-            <a:r>
-              <a:rPr lang="da-DK" dirty="0">
-                <a:latin typeface="Times New Roman" panose="02020603050405020304" pitchFamily="18" charset="0"/>
-                <a:cs typeface="Times New Roman" panose="02020603050405020304" pitchFamily="18" charset="0"/>
-              </a:rPr>
-              <a:t>CONVERTER TOPOLOGIES</a:t>
-            </a:r>
-          </a:p>
-          <a:p>
-            <a:pPr marL="742950" lvl="2" indent="-228600"/>
-            <a:r>
-              <a:rPr lang="da-DK" dirty="0">
-                <a:latin typeface="Times New Roman" panose="02020603050405020304" pitchFamily="18" charset="0"/>
-                <a:cs typeface="Times New Roman" panose="02020603050405020304" pitchFamily="18" charset="0"/>
-              </a:rPr>
-              <a:t>Selection of the MIC topology</a:t>
-            </a:r>
-          </a:p>
-          <a:p>
-            <a:pPr marL="342900" lvl="1" indent="-228600"/>
+            <a:pPr marL="114300" lvl="1" indent="0">
+              <a:buNone/>
+            </a:pPr>
             <a:endParaRPr lang="da-DK" dirty="0">
               <a:latin typeface="Times New Roman" panose="02020603050405020304" pitchFamily="18" charset="0"/>
               <a:cs typeface="Times New Roman" panose="02020603050405020304" pitchFamily="18" charset="0"/>
@@ -12389,8 +12292,8 @@
             <a:pPr lvl="0" algn="r">
               <a:buSzPct val="25000"/>
             </a:pPr>
-            <a:fld id="{00000000-1234-1234-1234-123412341234}" type="slidenum">
-              <a:rPr lang="da" sz="1000" b="0" i="0" u="none" strike="noStrike" cap="none" smtClean="0">
+            <a:r>
+              <a:rPr lang="da" sz="1000" b="0" i="0" u="none" strike="noStrike" cap="none" dirty="0">
                 <a:solidFill>
                   <a:srgbClr val="54616E"/>
                 </a:solidFill>
@@ -12399,18 +12302,15 @@
                 <a:cs typeface="Arial"/>
                 <a:sym typeface="Arial"/>
               </a:rPr>
-              <a:pPr lvl="0" algn="r">
-                <a:buSzPct val="25000"/>
-              </a:pPr>
-              <a:t>16</a:t>
-            </a:fld>
-            <a:r>
-              <a:rPr lang="da" sz="1000" dirty="0">
+              <a:t>1</a:t>
+            </a:r>
+            <a:r>
+              <a:rPr lang="de-DE" sz="1000" dirty="0">
                 <a:solidFill>
                   <a:srgbClr val="54616E"/>
                 </a:solidFill>
               </a:rPr>
-              <a:t>/49</a:t>
+              <a:t>0/11</a:t>
             </a:r>
             <a:endParaRPr lang="da" sz="1000" b="0" i="0" u="none" strike="noStrike" cap="none" dirty="0">
               <a:solidFill>
@@ -12904,6 +12804,247 @@
 </file>
 
 <file path=ppt/slides/slide17.xml><?xml version="1.0" encoding="utf-8"?>
+<p:sld xmlns:a="http://schemas.openxmlformats.org/drawingml/2006/main" xmlns:r="http://schemas.openxmlformats.org/officeDocument/2006/relationships" xmlns:p="http://schemas.openxmlformats.org/presentationml/2006/main">
+  <p:cSld>
+    <p:spTree>
+      <p:nvGrpSpPr>
+        <p:cNvPr id="1" name=""/>
+        <p:cNvGrpSpPr/>
+        <p:nvPr/>
+      </p:nvGrpSpPr>
+      <p:grpSpPr>
+        <a:xfrm>
+          <a:off x="0" y="0"/>
+          <a:ext cx="0" cy="0"/>
+          <a:chOff x="0" y="0"/>
+          <a:chExt cx="0" cy="0"/>
+        </a:xfrm>
+      </p:grpSpPr>
+      <p:sp>
+        <p:nvSpPr>
+          <p:cNvPr id="2" name="Titel 1">
+            <a:extLst>
+              <a:ext uri="{FF2B5EF4-FFF2-40B4-BE49-F238E27FC236}">
+                <a16:creationId xmlns:a16="http://schemas.microsoft.com/office/drawing/2014/main" id="{7A41F82B-177A-4594-B9B4-405109C97155}"/>
+              </a:ext>
+            </a:extLst>
+          </p:cNvPr>
+          <p:cNvSpPr>
+            <a:spLocks noGrp="1"/>
+          </p:cNvSpPr>
+          <p:nvPr>
+            <p:ph type="title"/>
+          </p:nvPr>
+        </p:nvSpPr>
+        <p:spPr>
+          <a:xfrm>
+            <a:off x="457200" y="192464"/>
+            <a:ext cx="8348968" cy="636352"/>
+          </a:xfrm>
+        </p:spPr>
+        <p:txBody>
+          <a:bodyPr/>
+          <a:lstStyle/>
+          <a:p>
+            <a:r>
+              <a:rPr lang="da-DK" dirty="0">
+                <a:solidFill>
+                  <a:schemeClr val="tx1"/>
+                </a:solidFill>
+                <a:latin typeface="Times New Roman" panose="02020603050405020304" pitchFamily="18" charset="0"/>
+                <a:cs typeface="Times New Roman" panose="02020603050405020304" pitchFamily="18" charset="0"/>
+              </a:rPr>
+              <a:t>Group process</a:t>
+            </a:r>
+            <a:endParaRPr lang="en-US" dirty="0">
+              <a:solidFill>
+                <a:schemeClr val="tx1"/>
+              </a:solidFill>
+              <a:latin typeface="Times New Roman" panose="02020603050405020304" pitchFamily="18" charset="0"/>
+              <a:cs typeface="Times New Roman" panose="02020603050405020304" pitchFamily="18" charset="0"/>
+            </a:endParaRPr>
+          </a:p>
+        </p:txBody>
+      </p:sp>
+      <p:sp>
+        <p:nvSpPr>
+          <p:cNvPr id="5" name="Pladsholder til slidenummer 4">
+            <a:extLst>
+              <a:ext uri="{FF2B5EF4-FFF2-40B4-BE49-F238E27FC236}">
+                <a16:creationId xmlns:a16="http://schemas.microsoft.com/office/drawing/2014/main" id="{4CF00402-4836-49BB-85FA-4CD4C7A794E5}"/>
+              </a:ext>
+            </a:extLst>
+          </p:cNvPr>
+          <p:cNvSpPr>
+            <a:spLocks noGrp="1"/>
+          </p:cNvSpPr>
+          <p:nvPr>
+            <p:ph type="sldNum" idx="12"/>
+          </p:nvPr>
+        </p:nvSpPr>
+        <p:spPr/>
+        <p:txBody>
+          <a:bodyPr/>
+          <a:lstStyle/>
+          <a:p>
+            <a:pPr lvl="0" algn="r">
+              <a:buSzPct val="25000"/>
+            </a:pPr>
+            <a:r>
+              <a:rPr lang="da" sz="1000" b="0" i="0" u="none" strike="noStrike" cap="none" dirty="0">
+                <a:solidFill>
+                  <a:srgbClr val="54616E"/>
+                </a:solidFill>
+                <a:latin typeface="Arial"/>
+                <a:ea typeface="Arial"/>
+                <a:cs typeface="Arial"/>
+                <a:sym typeface="Arial"/>
+              </a:rPr>
+              <a:t>1</a:t>
+            </a:r>
+            <a:r>
+              <a:rPr lang="de-DE" sz="1000" dirty="0">
+                <a:solidFill>
+                  <a:srgbClr val="54616E"/>
+                </a:solidFill>
+              </a:rPr>
+              <a:t>0/11</a:t>
+            </a:r>
+            <a:endParaRPr lang="da" sz="1000" b="0" i="0" u="none" strike="noStrike" cap="none" dirty="0">
+              <a:solidFill>
+                <a:srgbClr val="54616E"/>
+              </a:solidFill>
+              <a:latin typeface="Arial"/>
+              <a:ea typeface="Arial"/>
+              <a:cs typeface="Arial"/>
+              <a:sym typeface="Arial"/>
+            </a:endParaRPr>
+          </a:p>
+        </p:txBody>
+      </p:sp>
+      <p:sp>
+        <p:nvSpPr>
+          <p:cNvPr id="6" name="Pladsholder til dato 3">
+            <a:extLst>
+              <a:ext uri="{FF2B5EF4-FFF2-40B4-BE49-F238E27FC236}">
+                <a16:creationId xmlns:a16="http://schemas.microsoft.com/office/drawing/2014/main" id="{F4838450-7D83-4704-9410-F82812C0E789}"/>
+              </a:ext>
+            </a:extLst>
+          </p:cNvPr>
+          <p:cNvSpPr>
+            <a:spLocks noGrp="1"/>
+          </p:cNvSpPr>
+          <p:nvPr>
+            <p:ph type="dt" sz="half" idx="10"/>
+          </p:nvPr>
+        </p:nvSpPr>
+        <p:spPr>
+          <a:xfrm>
+            <a:off x="403147" y="4736893"/>
+            <a:ext cx="2133600" cy="304271"/>
+          </a:xfrm>
+        </p:spPr>
+        <p:txBody>
+          <a:bodyPr/>
+          <a:lstStyle/>
+          <a:p>
+            <a:r>
+              <a:rPr lang="da-DK" dirty="0"/>
+              <a:t>Marianne Rasborg Knudsen</a:t>
+            </a:r>
+          </a:p>
+        </p:txBody>
+      </p:sp>
+      <p:sp>
+        <p:nvSpPr>
+          <p:cNvPr id="8" name="CuadroTexto 7">
+            <a:extLst>
+              <a:ext uri="{FF2B5EF4-FFF2-40B4-BE49-F238E27FC236}">
+                <a16:creationId xmlns:a16="http://schemas.microsoft.com/office/drawing/2014/main" id="{BCEA971B-D870-490F-8EC4-65A19DC6D0B9}"/>
+              </a:ext>
+            </a:extLst>
+          </p:cNvPr>
+          <p:cNvSpPr txBox="1"/>
+          <p:nvPr/>
+        </p:nvSpPr>
+        <p:spPr>
+          <a:xfrm>
+            <a:off x="4631684" y="4132521"/>
+            <a:ext cx="45719" cy="307777"/>
+          </a:xfrm>
+          <a:prstGeom prst="rect">
+            <a:avLst/>
+          </a:prstGeom>
+          <a:noFill/>
+        </p:spPr>
+        <p:txBody>
+          <a:bodyPr wrap="square" rtlCol="0">
+            <a:spAutoFit/>
+          </a:bodyPr>
+          <a:lstStyle/>
+          <a:p>
+            <a:endParaRPr lang="es-ES" dirty="0"/>
+          </a:p>
+        </p:txBody>
+      </p:sp>
+      <p:sp>
+        <p:nvSpPr>
+          <p:cNvPr id="10" name="CuadroTexto 9">
+            <a:extLst>
+              <a:ext uri="{FF2B5EF4-FFF2-40B4-BE49-F238E27FC236}">
+                <a16:creationId xmlns:a16="http://schemas.microsoft.com/office/drawing/2014/main" id="{4D642FBE-958C-46FE-A68B-A4E878B3DBC0}"/>
+              </a:ext>
+            </a:extLst>
+          </p:cNvPr>
+          <p:cNvSpPr txBox="1"/>
+          <p:nvPr/>
+        </p:nvSpPr>
+        <p:spPr>
+          <a:xfrm>
+            <a:off x="978195" y="1084522"/>
+            <a:ext cx="7074195" cy="738664"/>
+          </a:xfrm>
+          <a:prstGeom prst="rect">
+            <a:avLst/>
+          </a:prstGeom>
+          <a:noFill/>
+        </p:spPr>
+        <p:txBody>
+          <a:bodyPr wrap="square" rtlCol="0">
+            <a:spAutoFit/>
+          </a:bodyPr>
+          <a:lstStyle/>
+          <a:p>
+            <a:pPr marL="285750" indent="-285750">
+              <a:buFont typeface="Arial" panose="020B0604020202020204" pitchFamily="34" charset="0"/>
+              <a:buChar char="•"/>
+            </a:pPr>
+            <a:endParaRPr lang="es-ES" dirty="0">
+              <a:sym typeface="Wingdings" panose="05000000000000000000" pitchFamily="2" charset="2"/>
+            </a:endParaRPr>
+          </a:p>
+          <a:p>
+            <a:endParaRPr lang="es-ES" dirty="0"/>
+          </a:p>
+          <a:p>
+            <a:endParaRPr lang="es-ES" dirty="0"/>
+          </a:p>
+        </p:txBody>
+      </p:sp>
+    </p:spTree>
+    <p:extLst>
+      <p:ext uri="{BB962C8B-B14F-4D97-AF65-F5344CB8AC3E}">
+        <p14:creationId xmlns:p14="http://schemas.microsoft.com/office/powerpoint/2010/main" val="3277650461"/>
+      </p:ext>
+    </p:extLst>
+  </p:cSld>
+  <p:clrMapOvr>
+    <a:masterClrMapping/>
+  </p:clrMapOvr>
+</p:sld>
+</file>
+
+<file path=ppt/slides/slide18.xml><?xml version="1.0" encoding="utf-8"?>
 <p:sld xmlns:a="http://schemas.openxmlformats.org/drawingml/2006/main" xmlns:r="http://schemas.openxmlformats.org/officeDocument/2006/relationships" xmlns:p="http://schemas.openxmlformats.org/presentationml/2006/main">
   <p:cSld>
     <p:spTree>
@@ -12978,7 +13119,15 @@
             <p:ph type="sldNum" idx="12"/>
           </p:nvPr>
         </p:nvSpPr>
-        <p:spPr/>
+        <p:spPr>
+          <a:xfrm>
+            <a:off x="8170126" y="4767264"/>
+            <a:ext cx="516673" cy="250785"/>
+          </a:xfrm>
+          <a:solidFill>
+            <a:srgbClr val="423C6C"/>
+          </a:solidFill>
+        </p:spPr>
         <p:txBody>
           <a:bodyPr/>
           <a:lstStyle/>
@@ -12986,38 +13135,18 @@
             <a:pPr lvl="0" algn="r">
               <a:buSzPct val="25000"/>
             </a:pPr>
-            <a:fld id="{00000000-1234-1234-1234-123412341234}" type="slidenum">
-              <a:rPr lang="da" sz="1000" b="0" i="0" u="none" strike="noStrike" cap="none" smtClean="0">
-                <a:solidFill>
-                  <a:srgbClr val="54616E"/>
-                </a:solidFill>
-                <a:latin typeface="Arial"/>
-                <a:ea typeface="Arial"/>
-                <a:cs typeface="Arial"/>
-                <a:sym typeface="Arial"/>
-              </a:rPr>
-              <a:pPr lvl="0" algn="r">
-                <a:buSzPct val="25000"/>
-              </a:pPr>
-              <a:t>17</a:t>
-            </a:fld>
-            <a:r>
-              <a:rPr lang="da" sz="1000" dirty="0">
-                <a:solidFill>
-                  <a:srgbClr val="54616E"/>
-                </a:solidFill>
-              </a:rPr>
-              <a:t>/49</a:t>
-            </a:r>
-            <a:endParaRPr lang="da" sz="1000" b="0" i="0" u="none" strike="noStrike" cap="none" dirty="0">
-              <a:solidFill>
-                <a:srgbClr val="54616E"/>
-              </a:solidFill>
-              <a:latin typeface="Arial"/>
-              <a:ea typeface="Arial"/>
-              <a:cs typeface="Arial"/>
-              <a:sym typeface="Arial"/>
-            </a:endParaRPr>
+            <a:r>
+              <a:rPr lang="da" sz="1000" b="0" i="0" u="none" strike="noStrike" cap="none" dirty="0">
+                <a:solidFill>
+                  <a:schemeClr val="bg1"/>
+                </a:solidFill>
+                <a:latin typeface="Arial"/>
+                <a:ea typeface="Arial"/>
+                <a:cs typeface="Arial"/>
+                <a:sym typeface="Arial"/>
+              </a:rPr>
+              <a:t>11/11</a:t>
+            </a:r>
           </a:p>
         </p:txBody>
       </p:sp>
@@ -13158,7 +13287,7 @@
                   <a:srgbClr val="54616E"/>
                 </a:solidFill>
               </a:rPr>
-              <a:t>/49</a:t>
+              <a:t>/11</a:t>
             </a:r>
             <a:endParaRPr lang="da" sz="1000" b="0" i="0" u="none" strike="noStrike" cap="none" dirty="0">
               <a:solidFill>
@@ -13549,7 +13678,7 @@
                   <a:srgbClr val="54616E"/>
                 </a:solidFill>
               </a:rPr>
-              <a:t>/49</a:t>
+              <a:t>/11</a:t>
             </a:r>
             <a:endParaRPr lang="da" sz="1000" b="0" i="0" u="none" strike="noStrike" cap="none" dirty="0">
               <a:solidFill>
@@ -14082,7 +14211,7 @@
                   <a:srgbClr val="54616E"/>
                 </a:solidFill>
               </a:rPr>
-              <a:t>/49</a:t>
+              <a:t>/11</a:t>
             </a:r>
             <a:endParaRPr lang="da" sz="1000" b="0" i="0" u="none" strike="noStrike" cap="none" dirty="0">
               <a:solidFill>
@@ -14191,33 +14320,9 @@
             </a:r>
           </a:p>
           <a:p>
-            <a:pPr lvl="1"/>
-            <a:endParaRPr lang="da-DK" sz="1400" dirty="0">
-              <a:latin typeface="Times New Roman" panose="02020603050405020304" pitchFamily="18" charset="0"/>
-              <a:cs typeface="Times New Roman" panose="02020603050405020304" pitchFamily="18" charset="0"/>
-            </a:endParaRPr>
-          </a:p>
-          <a:p>
-            <a:r>
-              <a:rPr lang="da-DK" sz="1600" dirty="0">
-                <a:latin typeface="Times New Roman" panose="02020603050405020304" pitchFamily="18" charset="0"/>
-                <a:cs typeface="Times New Roman" panose="02020603050405020304" pitchFamily="18" charset="0"/>
-              </a:rPr>
-              <a:t>CONVERTER TOPOLOGIES</a:t>
-            </a:r>
-          </a:p>
-          <a:p>
-            <a:pPr lvl="1"/>
-            <a:r>
-              <a:rPr lang="da-DK" sz="1600" dirty="0">
-                <a:latin typeface="Times New Roman" panose="02020603050405020304" pitchFamily="18" charset="0"/>
-                <a:cs typeface="Times New Roman" panose="02020603050405020304" pitchFamily="18" charset="0"/>
-              </a:rPr>
-              <a:t>Selection of the MIC topology</a:t>
-            </a:r>
-          </a:p>
-          <a:p>
-            <a:pPr lvl="1"/>
+            <a:pPr marL="571500" lvl="1" indent="0">
+              <a:buNone/>
+            </a:pPr>
             <a:endParaRPr lang="da-DK" sz="1600" dirty="0">
               <a:latin typeface="Times New Roman" panose="02020603050405020304" pitchFamily="18" charset="0"/>
               <a:cs typeface="Times New Roman" panose="02020603050405020304" pitchFamily="18" charset="0"/>
@@ -14483,7 +14588,7 @@
                   <a:srgbClr val="54616E"/>
                 </a:solidFill>
               </a:rPr>
-              <a:t>/49</a:t>
+              <a:t>/11</a:t>
             </a:r>
             <a:endParaRPr lang="da" sz="1000" b="0" i="0" u="none" strike="noStrike" cap="none" dirty="0">
               <a:solidFill>
@@ -14800,7 +14905,7 @@
                   <a:srgbClr val="54616E"/>
                 </a:solidFill>
               </a:rPr>
-              <a:t>/49</a:t>
+              <a:t>/11</a:t>
             </a:r>
             <a:endParaRPr lang="da" sz="1000" b="0" i="0" u="none" strike="noStrike" cap="none" dirty="0">
               <a:solidFill>
@@ -14909,33 +15014,9 @@
             </a:r>
           </a:p>
           <a:p>
-            <a:pPr lvl="1"/>
-            <a:endParaRPr lang="da-DK" sz="1400" dirty="0">
-              <a:latin typeface="Times New Roman" panose="02020603050405020304" pitchFamily="18" charset="0"/>
-              <a:cs typeface="Times New Roman" panose="02020603050405020304" pitchFamily="18" charset="0"/>
-            </a:endParaRPr>
-          </a:p>
-          <a:p>
-            <a:r>
-              <a:rPr lang="da-DK" sz="1600" b="1" dirty="0">
-                <a:latin typeface="Times New Roman" panose="02020603050405020304" pitchFamily="18" charset="0"/>
-                <a:cs typeface="Times New Roman" panose="02020603050405020304" pitchFamily="18" charset="0"/>
-              </a:rPr>
-              <a:t>CONVERTER TOPOLOGIES</a:t>
-            </a:r>
-          </a:p>
-          <a:p>
-            <a:pPr lvl="1"/>
-            <a:r>
-              <a:rPr lang="da-DK" sz="1600" dirty="0">
-                <a:latin typeface="Times New Roman" panose="02020603050405020304" pitchFamily="18" charset="0"/>
-                <a:cs typeface="Times New Roman" panose="02020603050405020304" pitchFamily="18" charset="0"/>
-              </a:rPr>
-              <a:t>Selection of the MIC topology</a:t>
-            </a:r>
-          </a:p>
-          <a:p>
-            <a:pPr lvl="1"/>
+            <a:pPr marL="571500" lvl="1" indent="0">
+              <a:buNone/>
+            </a:pPr>
             <a:endParaRPr lang="da-DK" sz="1600" dirty="0">
               <a:latin typeface="Times New Roman" panose="02020603050405020304" pitchFamily="18" charset="0"/>
               <a:cs typeface="Times New Roman" panose="02020603050405020304" pitchFamily="18" charset="0"/>

--- a/Reports/Presentation_P0_11_10.pptx
+++ b/Reports/Presentation_P0_11_10.pptx
@@ -5,27 +5,22 @@
     <p:sldMasterId id="2147483661" r:id="rId1"/>
   </p:sldMasterIdLst>
   <p:notesMasterIdLst>
-    <p:notesMasterId r:id="rId20"/>
+    <p:notesMasterId r:id="rId15"/>
   </p:notesMasterIdLst>
   <p:sldIdLst>
     <p:sldId id="256" r:id="rId2"/>
     <p:sldId id="343" r:id="rId3"/>
     <p:sldId id="276" r:id="rId4"/>
-    <p:sldId id="342" r:id="rId5"/>
+    <p:sldId id="347" r:id="rId5"/>
     <p:sldId id="326" r:id="rId6"/>
-    <p:sldId id="341" r:id="rId7"/>
-    <p:sldId id="328" r:id="rId8"/>
-    <p:sldId id="329" r:id="rId9"/>
-    <p:sldId id="330" r:id="rId10"/>
-    <p:sldId id="331" r:id="rId11"/>
-    <p:sldId id="339" r:id="rId12"/>
-    <p:sldId id="333" r:id="rId13"/>
-    <p:sldId id="340" r:id="rId14"/>
-    <p:sldId id="335" r:id="rId15"/>
-    <p:sldId id="337" r:id="rId16"/>
-    <p:sldId id="336" r:id="rId17"/>
-    <p:sldId id="344" r:id="rId18"/>
-    <p:sldId id="338" r:id="rId19"/>
+    <p:sldId id="348" r:id="rId7"/>
+    <p:sldId id="349" r:id="rId8"/>
+    <p:sldId id="346" r:id="rId9"/>
+    <p:sldId id="350" r:id="rId10"/>
+    <p:sldId id="351" r:id="rId11"/>
+    <p:sldId id="352" r:id="rId12"/>
+    <p:sldId id="344" r:id="rId13"/>
+    <p:sldId id="338" r:id="rId14"/>
   </p:sldIdLst>
   <p:sldSz cx="9144000" cy="5143500" type="screen16x9"/>
   <p:notesSz cx="6858000" cy="9144000"/>
@@ -1067,7 +1062,7 @@
                 <a:cs typeface="Arial"/>
                 <a:sym typeface="Arial"/>
               </a:rPr>
-              <a:t>‹Nr.›</a:t>
+              <a:t>‹Nº›</a:t>
             </a:fld>
             <a:endParaRPr lang="da" sz="1000" b="0" i="0" u="none" strike="noStrike" cap="none">
               <a:solidFill>
@@ -1797,7 +1792,7 @@
                 <a:cs typeface="Arial"/>
                 <a:sym typeface="Arial"/>
               </a:rPr>
-              <a:t>‹Nr.›</a:t>
+              <a:t>‹Nº›</a:t>
             </a:fld>
             <a:endParaRPr lang="da" sz="1000" b="0" i="0" u="none" strike="noStrike" cap="none">
               <a:solidFill>
@@ -2466,7 +2461,7 @@
                 <a:cs typeface="Arial"/>
                 <a:sym typeface="Arial"/>
               </a:rPr>
-              <a:t>‹Nr.›</a:t>
+              <a:t>‹Nº›</a:t>
             </a:fld>
             <a:endParaRPr lang="da" sz="1000" b="0" i="0" u="none" strike="noStrike" cap="none">
               <a:solidFill>
@@ -2897,7 +2892,7 @@
                 <a:cs typeface="Arial"/>
                 <a:sym typeface="Arial"/>
               </a:rPr>
-              <a:t>‹Nr.›</a:t>
+              <a:t>‹Nº›</a:t>
             </a:fld>
             <a:endParaRPr lang="da" sz="1000" b="0" i="0" u="none" strike="noStrike" cap="none">
               <a:solidFill>
@@ -3176,7 +3171,7 @@
                 <a:cs typeface="Arial"/>
                 <a:sym typeface="Arial"/>
               </a:rPr>
-              <a:t>‹Nr.›</a:t>
+              <a:t>‹Nº›</a:t>
             </a:fld>
             <a:endParaRPr lang="da" sz="1000" b="0" i="0" u="none" strike="noStrike" cap="none">
               <a:solidFill>
@@ -3854,7 +3849,7 @@
                 <a:cs typeface="Arial"/>
                 <a:sym typeface="Arial"/>
               </a:rPr>
-              <a:t>‹Nr.›</a:t>
+              <a:t>‹Nº›</a:t>
             </a:fld>
             <a:endParaRPr lang="da" sz="1000" b="0" i="0" u="none" strike="noStrike" cap="none">
               <a:solidFill>
@@ -4623,7 +4618,7 @@
                 <a:cs typeface="Arial"/>
                 <a:sym typeface="Arial"/>
               </a:rPr>
-              <a:t>‹Nr.›</a:t>
+              <a:t>‹Nº›</a:t>
             </a:fld>
             <a:endParaRPr lang="da" sz="1000" b="0" i="0" u="none" strike="noStrike" cap="none">
               <a:solidFill>
@@ -5388,7 +5383,7 @@
                 <a:cs typeface="Arial"/>
                 <a:sym typeface="Arial"/>
               </a:rPr>
-              <a:t>‹Nr.›</a:t>
+              <a:t>‹Nº›</a:t>
             </a:fld>
             <a:endParaRPr lang="da" sz="1000" b="0" i="0" u="none" strike="noStrike" cap="none">
               <a:solidFill>
@@ -6171,7 +6166,7 @@
                 <a:cs typeface="Arial"/>
                 <a:sym typeface="Arial"/>
               </a:rPr>
-              <a:t>‹Nr.›</a:t>
+              <a:t>‹Nº›</a:t>
             </a:fld>
             <a:endParaRPr lang="da" sz="1000" b="0" i="0" u="none" strike="noStrike" cap="none">
               <a:solidFill>
@@ -6423,7 +6418,7 @@
                 <a:cs typeface="Arial"/>
                 <a:sym typeface="Arial"/>
               </a:rPr>
-              <a:t>‹Nr.›</a:t>
+              <a:t>‹Nº›</a:t>
             </a:fld>
             <a:endParaRPr lang="da" sz="1000" b="0" i="0" u="none" strike="noStrike" cap="none">
               <a:solidFill>
@@ -6985,7 +6980,7 @@
                 <a:cs typeface="Arial"/>
                 <a:sym typeface="Arial"/>
               </a:rPr>
-              <a:t>‹Nr.›</a:t>
+              <a:t>‹Nº›</a:t>
             </a:fld>
             <a:endParaRPr lang="da" sz="1000" b="0" i="0" u="none" strike="noStrike" cap="none">
               <a:solidFill>
@@ -7962,7 +7957,7 @@
                 <a:cs typeface="Arial"/>
                 <a:sym typeface="Arial"/>
               </a:rPr>
-              <a:t>‹Nr.›</a:t>
+              <a:t>‹Nº›</a:t>
             </a:fld>
             <a:endParaRPr lang="da" sz="1000" b="0" i="0" u="none" strike="noStrike" cap="none">
               <a:solidFill>
@@ -8541,7 +8536,7 @@
                 <a:cs typeface="Arial"/>
                 <a:sym typeface="Arial"/>
               </a:rPr>
-              <a:t>‹Nr.›</a:t>
+              <a:t>‹Nº›</a:t>
             </a:fld>
             <a:endParaRPr lang="da" sz="1000" b="0" i="0" u="none" strike="noStrike" cap="none">
               <a:solidFill>
@@ -9163,7 +9158,7 @@
                   <a:schemeClr val="bg1"/>
                 </a:solidFill>
               </a:rPr>
-              <a:t>/11</a:t>
+              <a:t>/13</a:t>
             </a:r>
             <a:endParaRPr lang="da" sz="1000" b="0" i="0" u="none" strike="noStrike" cap="none" dirty="0">
               <a:solidFill>
@@ -9261,7 +9256,7 @@
 </file>
 
 <file path=ppt/slides/slide10.xml><?xml version="1.0" encoding="utf-8"?>
-<p:sld xmlns:a="http://schemas.openxmlformats.org/drawingml/2006/main" xmlns:r="http://schemas.openxmlformats.org/officeDocument/2006/relationships" xmlns:p="http://schemas.openxmlformats.org/presentationml/2006/main" show="0">
+<p:sld xmlns:a="http://schemas.openxmlformats.org/drawingml/2006/main" xmlns:r="http://schemas.openxmlformats.org/officeDocument/2006/relationships" xmlns:p="http://schemas.openxmlformats.org/presentationml/2006/main">
   <p:cSld>
     <p:spTree>
       <p:nvGrpSpPr>
@@ -9295,7 +9290,7 @@
         </p:nvSpPr>
         <p:spPr>
           <a:xfrm>
-            <a:off x="457200" y="192464"/>
+            <a:off x="457200" y="249408"/>
             <a:ext cx="8348968" cy="636352"/>
           </a:xfrm>
         </p:spPr>
@@ -9311,7 +9306,7 @@
                 <a:latin typeface="Times New Roman" panose="02020603050405020304" pitchFamily="18" charset="0"/>
                 <a:cs typeface="Times New Roman" panose="02020603050405020304" pitchFamily="18" charset="0"/>
               </a:rPr>
-              <a:t>CONVERTER TOPOLOGIES </a:t>
+              <a:t>OBJECTIVES</a:t>
             </a:r>
             <a:endParaRPr lang="en-US" dirty="0">
               <a:solidFill>
@@ -9320,45 +9315,6 @@
               <a:latin typeface="Times New Roman" panose="02020603050405020304" pitchFamily="18" charset="0"/>
               <a:cs typeface="Times New Roman" panose="02020603050405020304" pitchFamily="18" charset="0"/>
             </a:endParaRPr>
-          </a:p>
-        </p:txBody>
-      </p:sp>
-      <p:sp>
-        <p:nvSpPr>
-          <p:cNvPr id="3" name="Pladsholder til tekst 2">
-            <a:extLst>
-              <a:ext uri="{FF2B5EF4-FFF2-40B4-BE49-F238E27FC236}">
-                <a16:creationId xmlns:a16="http://schemas.microsoft.com/office/drawing/2014/main" id="{E93A0280-2F25-4ECE-A307-2B05D45D3B2C}"/>
-              </a:ext>
-            </a:extLst>
-          </p:cNvPr>
-          <p:cNvSpPr>
-            <a:spLocks noGrp="1"/>
-          </p:cNvSpPr>
-          <p:nvPr>
-            <p:ph type="body" idx="1"/>
-          </p:nvPr>
-        </p:nvSpPr>
-        <p:spPr>
-          <a:xfrm>
-            <a:off x="457200" y="887755"/>
-            <a:ext cx="8348968" cy="3336915"/>
-          </a:xfrm>
-        </p:spPr>
-        <p:txBody>
-          <a:bodyPr/>
-          <a:lstStyle/>
-          <a:p>
-            <a:pPr marL="114300" indent="0">
-              <a:buNone/>
-            </a:pPr>
-            <a:r>
-              <a:rPr lang="da-DK" dirty="0"/>
-              <a:t>			</a:t>
-            </a:r>
-          </a:p>
-          <a:p>
-            <a:endParaRPr lang="da-DK" dirty="0"/>
           </a:p>
         </p:txBody>
       </p:sp>
@@ -9386,8 +9342,8 @@
             <a:pPr lvl="0" algn="r">
               <a:buSzPct val="25000"/>
             </a:pPr>
-            <a:fld id="{00000000-1234-1234-1234-123412341234}" type="slidenum">
-              <a:rPr lang="da" sz="1000" b="0" i="0" u="none" strike="noStrike" cap="none" smtClean="0">
+            <a:r>
+              <a:rPr lang="da" sz="1000" b="0" i="0" u="none" strike="noStrike" cap="none" dirty="0">
                 <a:solidFill>
                   <a:srgbClr val="54616E"/>
                 </a:solidFill>
@@ -9396,18 +9352,15 @@
                 <a:cs typeface="Arial"/>
                 <a:sym typeface="Arial"/>
               </a:rPr>
-              <a:pPr lvl="0" algn="r">
-                <a:buSzPct val="25000"/>
-              </a:pPr>
-              <a:t>10</a:t>
-            </a:fld>
+              <a:t>1</a:t>
+            </a:r>
             <a:r>
-              <a:rPr lang="da" sz="1000" dirty="0">
+              <a:rPr lang="de-DE" sz="1000" dirty="0">
                 <a:solidFill>
                   <a:srgbClr val="54616E"/>
                 </a:solidFill>
               </a:rPr>
-              <a:t>/49</a:t>
+              <a:t>0/13</a:t>
             </a:r>
             <a:endParaRPr lang="da" sz="1000" b="0" i="0" u="none" strike="noStrike" cap="none" dirty="0">
               <a:solidFill>
@@ -9449,7 +9402,7 @@
           <a:p>
             <a:r>
               <a:rPr lang="da-DK" dirty="0"/>
-              <a:t>Marianne Rasborg Knudsen</a:t>
+              <a:t>Nicolai H. Fransen</a:t>
             </a:r>
           </a:p>
         </p:txBody>
@@ -9488,10 +9441,10 @@
       </p:sp>
       <p:sp>
         <p:nvSpPr>
-          <p:cNvPr id="15" name="CuadroTexto 14">
+          <p:cNvPr id="10" name="CuadroTexto 9">
             <a:extLst>
               <a:ext uri="{FF2B5EF4-FFF2-40B4-BE49-F238E27FC236}">
-                <a16:creationId xmlns:a16="http://schemas.microsoft.com/office/drawing/2014/main" id="{398C9807-26AB-4DD2-9A12-B4278253EC89}"/>
+                <a16:creationId xmlns:a16="http://schemas.microsoft.com/office/drawing/2014/main" id="{4D642FBE-958C-46FE-A68B-A4E878B3DBC0}"/>
               </a:ext>
             </a:extLst>
           </p:cNvPr>
@@ -9500,8 +9453,8 @@
         </p:nvSpPr>
         <p:spPr>
           <a:xfrm>
-            <a:off x="1032919" y="2756024"/>
-            <a:ext cx="3410048" cy="276999"/>
+            <a:off x="-396948" y="1362532"/>
+            <a:ext cx="6067646" cy="2769989"/>
           </a:xfrm>
           <a:prstGeom prst="rect">
             <a:avLst/>
@@ -9514,103 +9467,174 @@
           </a:bodyPr>
           <a:lstStyle/>
           <a:p>
+            <a:pPr marL="1314450" lvl="2" indent="-285750">
+              <a:spcBef>
+                <a:spcPts val="360"/>
+              </a:spcBef>
+              <a:buClr>
+                <a:srgbClr val="211A52"/>
+              </a:buClr>
+              <a:buSzPct val="100000"/>
+              <a:buFont typeface="Wingdings" panose="05000000000000000000" pitchFamily="2" charset="2"/>
+              <a:buChar char="ü"/>
+            </a:pPr>
             <a:r>
-              <a:rPr lang="es-ES" sz="1200" dirty="0"/>
-              <a:t>Non-</a:t>
+              <a:rPr lang="da-DK" sz="1600" dirty="0">
+                <a:solidFill>
+                  <a:srgbClr val="211A52"/>
+                </a:solidFill>
+                <a:latin typeface="Times New Roman" panose="02020603050405020304" pitchFamily="18" charset="0"/>
+                <a:cs typeface="Times New Roman" panose="02020603050405020304" pitchFamily="18" charset="0"/>
+              </a:rPr>
+              <a:t>Design of DC-DC converter.</a:t>
             </a:r>
+          </a:p>
+          <a:p>
+            <a:pPr marL="1028700" lvl="2">
+              <a:spcBef>
+                <a:spcPts val="360"/>
+              </a:spcBef>
+              <a:buClr>
+                <a:srgbClr val="211A52"/>
+              </a:buClr>
+              <a:buSzPct val="100000"/>
+            </a:pPr>
+            <a:endParaRPr lang="da-DK" sz="1600" dirty="0">
+              <a:solidFill>
+                <a:srgbClr val="211A52"/>
+              </a:solidFill>
+              <a:latin typeface="Times New Roman" panose="02020603050405020304" pitchFamily="18" charset="0"/>
+              <a:cs typeface="Times New Roman" panose="02020603050405020304" pitchFamily="18" charset="0"/>
+            </a:endParaRPr>
+          </a:p>
+          <a:p>
+            <a:pPr marL="1314450" lvl="2" indent="-285750">
+              <a:spcBef>
+                <a:spcPts val="360"/>
+              </a:spcBef>
+              <a:buClr>
+                <a:srgbClr val="211A52"/>
+              </a:buClr>
+              <a:buSzPct val="100000"/>
+              <a:buFont typeface="Wingdings" panose="05000000000000000000" pitchFamily="2" charset="2"/>
+              <a:buChar char="ü"/>
+            </a:pPr>
             <a:r>
-              <a:rPr lang="es-ES" sz="1200" dirty="0" err="1"/>
-              <a:t>inverting</a:t>
+              <a:rPr lang="da-DK" sz="1600" dirty="0">
+                <a:solidFill>
+                  <a:srgbClr val="211A52"/>
+                </a:solidFill>
+                <a:latin typeface="Times New Roman" panose="02020603050405020304" pitchFamily="18" charset="0"/>
+                <a:cs typeface="Times New Roman" panose="02020603050405020304" pitchFamily="18" charset="0"/>
+              </a:rPr>
+              <a:t>Design of MPPT control system.</a:t>
             </a:r>
+          </a:p>
+          <a:p>
+            <a:pPr marL="1028700" lvl="2">
+              <a:spcBef>
+                <a:spcPts val="360"/>
+              </a:spcBef>
+              <a:buClr>
+                <a:srgbClr val="211A52"/>
+              </a:buClr>
+              <a:buSzPct val="100000"/>
+            </a:pPr>
+            <a:endParaRPr lang="da-DK" sz="1600" dirty="0">
+              <a:solidFill>
+                <a:srgbClr val="211A52"/>
+              </a:solidFill>
+              <a:latin typeface="Times New Roman" panose="02020603050405020304" pitchFamily="18" charset="0"/>
+              <a:cs typeface="Times New Roman" panose="02020603050405020304" pitchFamily="18" charset="0"/>
+            </a:endParaRPr>
+          </a:p>
+          <a:p>
+            <a:pPr marL="1314450" lvl="2" indent="-285750">
+              <a:spcBef>
+                <a:spcPts val="360"/>
+              </a:spcBef>
+              <a:buClr>
+                <a:srgbClr val="211A52"/>
+              </a:buClr>
+              <a:buSzPct val="100000"/>
+              <a:buFont typeface="Wingdings" panose="05000000000000000000" pitchFamily="2" charset="2"/>
+              <a:buChar char="ü"/>
+            </a:pPr>
             <a:r>
-              <a:rPr lang="es-ES" sz="1200" dirty="0"/>
-              <a:t> Buck-</a:t>
+              <a:rPr lang="da-DK" sz="1600" dirty="0">
+                <a:solidFill>
+                  <a:srgbClr val="211A52"/>
+                </a:solidFill>
+                <a:latin typeface="Times New Roman" panose="02020603050405020304" pitchFamily="18" charset="0"/>
+                <a:cs typeface="Times New Roman" panose="02020603050405020304" pitchFamily="18" charset="0"/>
+              </a:rPr>
+              <a:t>Hardware implementation.</a:t>
             </a:r>
+          </a:p>
+          <a:p>
+            <a:pPr marL="1028700" lvl="2">
+              <a:spcBef>
+                <a:spcPts val="360"/>
+              </a:spcBef>
+              <a:buClr>
+                <a:srgbClr val="211A52"/>
+              </a:buClr>
+              <a:buSzPct val="100000"/>
+            </a:pPr>
+            <a:endParaRPr lang="da-DK" sz="1600" dirty="0">
+              <a:solidFill>
+                <a:srgbClr val="211A52"/>
+              </a:solidFill>
+              <a:latin typeface="Times New Roman" panose="02020603050405020304" pitchFamily="18" charset="0"/>
+              <a:cs typeface="Times New Roman" panose="02020603050405020304" pitchFamily="18" charset="0"/>
+            </a:endParaRPr>
+          </a:p>
+          <a:p>
+            <a:pPr marL="1314450" lvl="2" indent="-285750">
+              <a:spcBef>
+                <a:spcPts val="360"/>
+              </a:spcBef>
+              <a:buClr>
+                <a:srgbClr val="211A52"/>
+              </a:buClr>
+              <a:buSzPct val="100000"/>
+              <a:buFont typeface="Wingdings" panose="05000000000000000000" pitchFamily="2" charset="2"/>
+              <a:buChar char="ü"/>
+            </a:pPr>
             <a:r>
-              <a:rPr lang="es-ES" sz="1200" dirty="0" err="1"/>
-              <a:t>boost</a:t>
+              <a:rPr lang="da-DK" sz="1600" dirty="0">
+                <a:solidFill>
+                  <a:srgbClr val="211A52"/>
+                </a:solidFill>
+                <a:latin typeface="Times New Roman" panose="02020603050405020304" pitchFamily="18" charset="0"/>
+                <a:cs typeface="Times New Roman" panose="02020603050405020304" pitchFamily="18" charset="0"/>
+              </a:rPr>
+              <a:t>Test &amp; Validation using PV simulator.</a:t>
             </a:r>
-            <a:r>
-              <a:rPr lang="es-ES" sz="1200" dirty="0"/>
-              <a:t> </a:t>
-            </a:r>
-            <a:r>
-              <a:rPr lang="es-ES" sz="1200" dirty="0" err="1"/>
-              <a:t>converter</a:t>
-            </a:r>
-            <a:r>
-              <a:rPr lang="es-ES" sz="1200" dirty="0"/>
-              <a:t> – 2 SW</a:t>
-            </a:r>
+          </a:p>
+          <a:p>
+            <a:pPr marL="285750" indent="-285750">
+              <a:buFont typeface="Arial" panose="020B0604020202020204" pitchFamily="34" charset="0"/>
+              <a:buChar char="•"/>
+            </a:pPr>
+            <a:endParaRPr lang="es-ES" dirty="0">
+              <a:sym typeface="Wingdings" panose="05000000000000000000" pitchFamily="2" charset="2"/>
+            </a:endParaRPr>
+          </a:p>
+          <a:p>
+            <a:endParaRPr lang="es-ES" dirty="0"/>
+          </a:p>
+          <a:p>
+            <a:endParaRPr lang="es-ES" dirty="0"/>
           </a:p>
         </p:txBody>
       </p:sp>
-      <p:pic>
-        <p:nvPicPr>
-          <p:cNvPr id="7" name="Imagen 6">
+      <p:sp>
+        <p:nvSpPr>
+          <p:cNvPr id="3" name="CuadroTexto 2">
             <a:extLst>
               <a:ext uri="{FF2B5EF4-FFF2-40B4-BE49-F238E27FC236}">
-                <a16:creationId xmlns:a16="http://schemas.microsoft.com/office/drawing/2014/main" id="{E806910A-CF80-4997-8870-EC5D09B8EB52}"/>
-              </a:ext>
-            </a:extLst>
-          </p:cNvPr>
-          <p:cNvPicPr>
-            <a:picLocks noChangeAspect="1"/>
-          </p:cNvPicPr>
-          <p:nvPr/>
-        </p:nvPicPr>
-        <p:blipFill>
-          <a:blip r:embed="rId2"/>
-          <a:stretch>
-            <a:fillRect/>
-          </a:stretch>
-        </p:blipFill>
-        <p:spPr>
-          <a:xfrm>
-            <a:off x="794904" y="1264526"/>
-            <a:ext cx="3738998" cy="1535984"/>
-          </a:xfrm>
-          <a:prstGeom prst="rect">
-            <a:avLst/>
-          </a:prstGeom>
-        </p:spPr>
-      </p:pic>
-      <p:pic>
-        <p:nvPicPr>
-          <p:cNvPr id="10" name="Imagen 9">
-            <a:extLst>
-              <a:ext uri="{FF2B5EF4-FFF2-40B4-BE49-F238E27FC236}">
-                <a16:creationId xmlns:a16="http://schemas.microsoft.com/office/drawing/2014/main" id="{28199F62-EC88-4768-A286-B2772E10A8EB}"/>
-              </a:ext>
-            </a:extLst>
-          </p:cNvPr>
-          <p:cNvPicPr>
-            <a:picLocks noChangeAspect="1"/>
-          </p:cNvPicPr>
-          <p:nvPr/>
-        </p:nvPicPr>
-        <p:blipFill>
-          <a:blip r:embed="rId3"/>
-          <a:stretch>
-            <a:fillRect/>
-          </a:stretch>
-        </p:blipFill>
-        <p:spPr>
-          <a:xfrm>
-            <a:off x="4743212" y="1256245"/>
-            <a:ext cx="3853645" cy="1535983"/>
-          </a:xfrm>
-          <a:prstGeom prst="rect">
-            <a:avLst/>
-          </a:prstGeom>
-        </p:spPr>
-      </p:pic>
-      <p:sp>
-        <p:nvSpPr>
-          <p:cNvPr id="14" name="CuadroTexto 13">
-            <a:extLst>
-              <a:ext uri="{FF2B5EF4-FFF2-40B4-BE49-F238E27FC236}">
-                <a16:creationId xmlns:a16="http://schemas.microsoft.com/office/drawing/2014/main" id="{3D95698E-0332-43DE-A9D9-22C314E1BDB2}"/>
+                <a16:creationId xmlns:a16="http://schemas.microsoft.com/office/drawing/2014/main" id="{7579BA31-61B3-4A72-9194-2861D47FD458}"/>
               </a:ext>
             </a:extLst>
           </p:cNvPr>
@@ -9619,8 +9643,8 @@
         </p:nvSpPr>
         <p:spPr>
           <a:xfrm>
-            <a:off x="5010478" y="2777951"/>
-            <a:ext cx="3410048" cy="276999"/>
+            <a:off x="5043377" y="3114623"/>
+            <a:ext cx="3366977" cy="307777"/>
           </a:xfrm>
           <a:prstGeom prst="rect">
             <a:avLst/>
@@ -9634,312 +9658,69 @@
           <a:lstStyle/>
           <a:p>
             <a:r>
-              <a:rPr lang="es-ES" sz="1200" dirty="0"/>
+              <a:rPr lang="es-ES" dirty="0">
+                <a:solidFill>
+                  <a:schemeClr val="tx1"/>
+                </a:solidFill>
+                <a:latin typeface="Times New Roman" panose="02020603050405020304" pitchFamily="18" charset="0"/>
+                <a:cs typeface="Times New Roman" panose="02020603050405020304" pitchFamily="18" charset="0"/>
+              </a:rPr>
               <a:t>Non-</a:t>
             </a:r>
             <a:r>
-              <a:rPr lang="es-ES" sz="1200" dirty="0" err="1"/>
+              <a:rPr lang="es-ES" dirty="0" err="1">
+                <a:solidFill>
+                  <a:schemeClr val="tx1"/>
+                </a:solidFill>
+                <a:latin typeface="Times New Roman" panose="02020603050405020304" pitchFamily="18" charset="0"/>
+                <a:cs typeface="Times New Roman" panose="02020603050405020304" pitchFamily="18" charset="0"/>
+              </a:rPr>
               <a:t>inverting</a:t>
             </a:r>
             <a:r>
-              <a:rPr lang="es-ES" sz="1200" dirty="0"/>
+              <a:rPr lang="es-ES" dirty="0">
+                <a:solidFill>
+                  <a:schemeClr val="tx1"/>
+                </a:solidFill>
+                <a:latin typeface="Times New Roman" panose="02020603050405020304" pitchFamily="18" charset="0"/>
+                <a:cs typeface="Times New Roman" panose="02020603050405020304" pitchFamily="18" charset="0"/>
+              </a:rPr>
               <a:t> Buck-</a:t>
             </a:r>
             <a:r>
-              <a:rPr lang="es-ES" sz="1200" dirty="0" err="1"/>
-              <a:t>boost</a:t>
+              <a:rPr lang="es-ES" dirty="0" err="1">
+                <a:solidFill>
+                  <a:schemeClr val="tx1"/>
+                </a:solidFill>
+                <a:latin typeface="Times New Roman" panose="02020603050405020304" pitchFamily="18" charset="0"/>
+                <a:cs typeface="Times New Roman" panose="02020603050405020304" pitchFamily="18" charset="0"/>
+              </a:rPr>
+              <a:t>Boost</a:t>
             </a:r>
             <a:r>
-              <a:rPr lang="es-ES" sz="1200" dirty="0"/>
+              <a:rPr lang="es-ES" dirty="0">
+                <a:solidFill>
+                  <a:schemeClr val="tx1"/>
+                </a:solidFill>
+                <a:latin typeface="Times New Roman" panose="02020603050405020304" pitchFamily="18" charset="0"/>
+                <a:cs typeface="Times New Roman" panose="02020603050405020304" pitchFamily="18" charset="0"/>
+              </a:rPr>
               <a:t> </a:t>
             </a:r>
             <a:r>
-              <a:rPr lang="es-ES" sz="1200" dirty="0" err="1"/>
-              <a:t>converter</a:t>
-            </a:r>
-            <a:r>
-              <a:rPr lang="es-ES" sz="1200" dirty="0"/>
-              <a:t> – 4 SW</a:t>
-            </a:r>
-          </a:p>
-        </p:txBody>
-      </p:sp>
-      <mc:AlternateContent xmlns:mc="http://schemas.openxmlformats.org/markup-compatibility/2006" xmlns:a14="http://schemas.microsoft.com/office/drawing/2010/main">
-        <mc:Choice Requires="a14">
-          <p:sp>
-            <p:nvSpPr>
-              <p:cNvPr id="16" name="CuadroTexto 15">
-                <a:extLst>
-                  <a:ext uri="{FF2B5EF4-FFF2-40B4-BE49-F238E27FC236}">
-                    <a16:creationId xmlns:a16="http://schemas.microsoft.com/office/drawing/2014/main" id="{D8D151FC-775C-4F83-9FB3-CF2A444FD87A}"/>
-                  </a:ext>
-                </a:extLst>
-              </p:cNvPr>
-              <p:cNvSpPr txBox="1"/>
-              <p:nvPr/>
-            </p:nvSpPr>
-            <p:spPr>
-              <a:xfrm>
-                <a:off x="3316790" y="3183592"/>
-                <a:ext cx="2629787" cy="326564"/>
-              </a:xfrm>
-              <a:prstGeom prst="rect">
-                <a:avLst/>
-              </a:prstGeom>
-              <a:noFill/>
-              <a:ln>
-                <a:solidFill>
-                  <a:srgbClr val="423C6C"/>
-                </a:solidFill>
-              </a:ln>
-            </p:spPr>
-            <p:txBody>
-              <a:bodyPr wrap="square" rtlCol="0">
-                <a:spAutoFit/>
-              </a:bodyPr>
-              <a:lstStyle/>
-              <a:p>
-                <a:pPr/>
-                <a14:m>
-                  <m:oMathPara xmlns:m="http://schemas.openxmlformats.org/officeDocument/2006/math">
-                    <m:oMathParaPr>
-                      <m:jc m:val="centerGroup"/>
-                    </m:oMathParaPr>
-                    <m:oMath xmlns:m="http://schemas.openxmlformats.org/officeDocument/2006/math">
-                      <m:sSub>
-                        <m:sSubPr>
-                          <m:ctrlPr>
-                            <a:rPr lang="es-ES" i="1" smtClean="0">
-                              <a:latin typeface="Cambria Math" panose="02040503050406030204" pitchFamily="18" charset="0"/>
-                            </a:rPr>
-                          </m:ctrlPr>
-                        </m:sSubPr>
-                        <m:e>
-                          <m:r>
-                            <a:rPr lang="es-ES" b="0" i="1" smtClean="0">
-                              <a:latin typeface="Cambria Math" panose="02040503050406030204" pitchFamily="18" charset="0"/>
-                            </a:rPr>
-                            <m:t>𝑉</m:t>
-                          </m:r>
-                        </m:e>
-                        <m:sub>
-                          <m:r>
-                            <a:rPr lang="es-ES" b="0" i="1" smtClean="0">
-                              <a:latin typeface="Cambria Math" panose="02040503050406030204" pitchFamily="18" charset="0"/>
-                            </a:rPr>
-                            <m:t>𝑖𝑛𝑝𝑢𝑡</m:t>
-                          </m:r>
-                          <m:r>
-                            <a:rPr lang="es-ES" b="0" i="1" smtClean="0">
-                              <a:latin typeface="Cambria Math" panose="02040503050406030204" pitchFamily="18" charset="0"/>
-                            </a:rPr>
-                            <m:t> </m:t>
-                          </m:r>
-                        </m:sub>
-                      </m:sSub>
-                      <m:sPre>
-                        <m:sPrePr>
-                          <m:ctrlPr>
-                            <a:rPr lang="es-ES" i="1" smtClean="0">
-                              <a:latin typeface="Cambria Math" panose="02040503050406030204" pitchFamily="18" charset="0"/>
-                            </a:rPr>
-                          </m:ctrlPr>
-                        </m:sPrePr>
-                        <m:sub>
-                          <m:r>
-                            <a:rPr lang="es-ES" b="0" i="1" smtClean="0">
-                              <a:latin typeface="Cambria Math" panose="02040503050406030204" pitchFamily="18" charset="0"/>
-                            </a:rPr>
-                            <m:t>&lt;</m:t>
-                          </m:r>
-                        </m:sub>
-                        <m:sup>
-                          <m:r>
-                            <a:rPr lang="es-ES" b="0" i="1" smtClean="0">
-                              <a:latin typeface="Cambria Math" panose="02040503050406030204" pitchFamily="18" charset="0"/>
-                            </a:rPr>
-                            <m:t>&gt;</m:t>
-                          </m:r>
-                        </m:sup>
-                        <m:e>
-                          <m:r>
-                            <a:rPr lang="es-ES" b="0" i="1" smtClean="0">
-                              <a:latin typeface="Cambria Math" panose="02040503050406030204" pitchFamily="18" charset="0"/>
-                            </a:rPr>
-                            <m:t> </m:t>
-                          </m:r>
-                        </m:e>
-                      </m:sPre>
-                      <m:r>
-                        <a:rPr lang="es-ES" b="0" i="1" smtClean="0">
-                          <a:latin typeface="Cambria Math" panose="02040503050406030204" pitchFamily="18" charset="0"/>
-                        </a:rPr>
-                        <m:t> </m:t>
-                      </m:r>
-                      <m:sSub>
-                        <m:sSubPr>
-                          <m:ctrlPr>
-                            <a:rPr lang="es-ES" b="0" i="1" smtClean="0">
-                              <a:latin typeface="Cambria Math" panose="02040503050406030204" pitchFamily="18" charset="0"/>
-                            </a:rPr>
-                          </m:ctrlPr>
-                        </m:sSubPr>
-                        <m:e>
-                          <m:r>
-                            <a:rPr lang="es-ES" b="0" i="1" smtClean="0">
-                              <a:latin typeface="Cambria Math" panose="02040503050406030204" pitchFamily="18" charset="0"/>
-                            </a:rPr>
-                            <m:t>𝑉</m:t>
-                          </m:r>
-                        </m:e>
-                        <m:sub>
-                          <m:r>
-                            <a:rPr lang="es-ES" b="0" i="1" smtClean="0">
-                              <a:latin typeface="Cambria Math" panose="02040503050406030204" pitchFamily="18" charset="0"/>
-                            </a:rPr>
-                            <m:t>𝑙𝑜𝑎𝑑</m:t>
-                          </m:r>
-                        </m:sub>
-                      </m:sSub>
-                    </m:oMath>
-                  </m:oMathPara>
-                </a14:m>
-                <a:endParaRPr lang="es-ES" dirty="0"/>
-              </a:p>
-            </p:txBody>
-          </p:sp>
-        </mc:Choice>
-        <mc:Fallback xmlns="">
-          <p:sp>
-            <p:nvSpPr>
-              <p:cNvPr id="16" name="CuadroTexto 15">
-                <a:extLst>
-                  <a:ext uri="{FF2B5EF4-FFF2-40B4-BE49-F238E27FC236}">
-                    <a16:creationId xmlns:a16="http://schemas.microsoft.com/office/drawing/2014/main" id="{D8D151FC-775C-4F83-9FB3-CF2A444FD87A}"/>
-                  </a:ext>
-                </a:extLst>
-              </p:cNvPr>
-              <p:cNvSpPr txBox="1">
-                <a:spLocks noRot="1" noChangeAspect="1" noMove="1" noResize="1" noEditPoints="1" noAdjustHandles="1" noChangeArrowheads="1" noChangeShapeType="1" noTextEdit="1"/>
-              </p:cNvSpPr>
-              <p:nvPr/>
-            </p:nvSpPr>
-            <p:spPr>
-              <a:xfrm>
-                <a:off x="3316790" y="3183592"/>
-                <a:ext cx="2629787" cy="326564"/>
-              </a:xfrm>
-              <a:prstGeom prst="rect">
-                <a:avLst/>
-              </a:prstGeom>
-              <a:blipFill>
-                <a:blip r:embed="rId4"/>
-                <a:stretch>
-                  <a:fillRect/>
-                </a:stretch>
-              </a:blipFill>
-              <a:ln>
-                <a:solidFill>
-                  <a:srgbClr val="423C6C"/>
-                </a:solidFill>
-              </a:ln>
-            </p:spPr>
-            <p:txBody>
-              <a:bodyPr/>
-              <a:lstStyle/>
-              <a:p>
-                <a:r>
-                  <a:rPr lang="es-ES">
-                    <a:noFill/>
-                  </a:rPr>
-                  <a:t> </a:t>
-                </a:r>
-              </a:p>
-            </p:txBody>
-          </p:sp>
-        </mc:Fallback>
-      </mc:AlternateContent>
-      <p:sp>
-        <p:nvSpPr>
-          <p:cNvPr id="17" name="Flecha: a la derecha 16">
-            <a:extLst>
-              <a:ext uri="{FF2B5EF4-FFF2-40B4-BE49-F238E27FC236}">
-                <a16:creationId xmlns:a16="http://schemas.microsoft.com/office/drawing/2014/main" id="{B0DA49AC-30E5-4917-8DE5-6AA1D0BAF3E8}"/>
-              </a:ext>
-            </a:extLst>
-          </p:cNvPr>
-          <p:cNvSpPr/>
-          <p:nvPr/>
-        </p:nvSpPr>
-        <p:spPr>
-          <a:xfrm>
-            <a:off x="4423147" y="3856114"/>
-            <a:ext cx="297706" cy="45719"/>
-          </a:xfrm>
-          <a:prstGeom prst="rightArrow">
-            <a:avLst/>
-          </a:prstGeom>
-        </p:spPr>
-        <p:style>
-          <a:lnRef idx="2">
-            <a:schemeClr val="accent1">
-              <a:shade val="50000"/>
-            </a:schemeClr>
-          </a:lnRef>
-          <a:fillRef idx="1">
-            <a:schemeClr val="accent1"/>
-          </a:fillRef>
-          <a:effectRef idx="0">
-            <a:schemeClr val="accent1"/>
-          </a:effectRef>
-          <a:fontRef idx="minor">
-            <a:schemeClr val="lt1"/>
-          </a:fontRef>
-        </p:style>
-        <p:txBody>
-          <a:bodyPr rtlCol="0" anchor="ctr"/>
-          <a:lstStyle/>
-          <a:p>
-            <a:pPr algn="ctr"/>
-            <a:endParaRPr lang="es-ES"/>
-          </a:p>
-        </p:txBody>
-      </p:sp>
-      <p:sp>
-        <p:nvSpPr>
-          <p:cNvPr id="11" name="Rectángulo 10">
-            <a:extLst>
-              <a:ext uri="{FF2B5EF4-FFF2-40B4-BE49-F238E27FC236}">
-                <a16:creationId xmlns:a16="http://schemas.microsoft.com/office/drawing/2014/main" id="{0EB4208D-51AF-4985-8445-211465F41820}"/>
-              </a:ext>
-            </a:extLst>
-          </p:cNvPr>
-          <p:cNvSpPr/>
-          <p:nvPr/>
-        </p:nvSpPr>
-        <p:spPr>
-          <a:xfrm>
-            <a:off x="3351161" y="3725084"/>
-            <a:ext cx="2536272" cy="307777"/>
-          </a:xfrm>
-          <a:prstGeom prst="rect">
-            <a:avLst/>
-          </a:prstGeom>
-        </p:spPr>
-        <p:txBody>
-          <a:bodyPr wrap="none">
-            <a:spAutoFit/>
-          </a:bodyPr>
-          <a:lstStyle/>
-          <a:p>
-            <a:r>
-              <a:rPr lang="da-DK" dirty="0">
+              <a:rPr lang="es-ES" dirty="0" err="1">
+                <a:solidFill>
+                  <a:schemeClr val="tx1"/>
+                </a:solidFill>
                 <a:latin typeface="Times New Roman" panose="02020603050405020304" pitchFamily="18" charset="0"/>
                 <a:cs typeface="Times New Roman" panose="02020603050405020304" pitchFamily="18" charset="0"/>
               </a:rPr>
-              <a:t>Full bridge             Bidirectional</a:t>
+              <a:t>converter</a:t>
             </a:r>
             <a:endParaRPr lang="es-ES" dirty="0">
+              <a:solidFill>
+                <a:schemeClr val="tx1"/>
+              </a:solidFill>
               <a:latin typeface="Times New Roman" panose="02020603050405020304" pitchFamily="18" charset="0"/>
               <a:cs typeface="Times New Roman" panose="02020603050405020304" pitchFamily="18" charset="0"/>
             </a:endParaRPr>
@@ -9949,7 +9730,7 @@
     </p:spTree>
     <p:extLst>
       <p:ext uri="{BB962C8B-B14F-4D97-AF65-F5344CB8AC3E}">
-        <p14:creationId xmlns:p14="http://schemas.microsoft.com/office/powerpoint/2010/main" val="479686611"/>
+        <p14:creationId xmlns:p14="http://schemas.microsoft.com/office/powerpoint/2010/main" val="2892030047"/>
       </p:ext>
     </p:extLst>
   </p:cSld>
@@ -9960,7 +9741,7 @@
 </file>
 
 <file path=ppt/slides/slide11.xml><?xml version="1.0" encoding="utf-8"?>
-<p:sld xmlns:a="http://schemas.openxmlformats.org/drawingml/2006/main" xmlns:r="http://schemas.openxmlformats.org/officeDocument/2006/relationships" xmlns:p="http://schemas.openxmlformats.org/presentationml/2006/main" show="0">
+<p:sld xmlns:a="http://schemas.openxmlformats.org/drawingml/2006/main" xmlns:r="http://schemas.openxmlformats.org/officeDocument/2006/relationships" xmlns:p="http://schemas.openxmlformats.org/presentationml/2006/main">
   <p:cSld>
     <p:spTree>
       <p:nvGrpSpPr>
@@ -10021,7 +9802,7 @@
                   <a:srgbClr val="54616E"/>
                 </a:solidFill>
               </a:rPr>
-              <a:t>/49</a:t>
+              <a:t>/13</a:t>
             </a:r>
             <a:endParaRPr lang="da" sz="1000" b="0" i="0" u="none" strike="noStrike" cap="none" dirty="0">
               <a:solidFill>
@@ -10110,27 +9891,24 @@
             </a:r>
           </a:p>
           <a:p>
-            <a:pPr lvl="1"/>
+            <a:endParaRPr lang="da-DK" sz="1600" b="1" dirty="0">
+              <a:latin typeface="Times New Roman" panose="02020603050405020304" pitchFamily="18" charset="0"/>
+              <a:cs typeface="Times New Roman" panose="02020603050405020304" pitchFamily="18" charset="0"/>
+            </a:endParaRPr>
+          </a:p>
+          <a:p>
             <a:r>
               <a:rPr lang="da-DK" sz="1600" dirty="0">
                 <a:latin typeface="Times New Roman" panose="02020603050405020304" pitchFamily="18" charset="0"/>
                 <a:cs typeface="Times New Roman" panose="02020603050405020304" pitchFamily="18" charset="0"/>
               </a:rPr>
-              <a:t>PV generation</a:t>
+              <a:t>MODULE INTEGRATED  CONVERTER (MIC)</a:t>
             </a:r>
           </a:p>
           <a:p>
-            <a:pPr lvl="1"/>
-            <a:r>
-              <a:rPr lang="da-DK" sz="1400" dirty="0">
-                <a:latin typeface="Times New Roman" panose="02020603050405020304" pitchFamily="18" charset="0"/>
-                <a:cs typeface="Times New Roman" panose="02020603050405020304" pitchFamily="18" charset="0"/>
-              </a:rPr>
-              <a:t>Module Integrated Converter (MIC)</a:t>
-            </a:r>
-          </a:p>
-          <a:p>
-            <a:pPr lvl="1"/>
+            <a:pPr marL="571500" lvl="1" indent="0">
+              <a:buNone/>
+            </a:pPr>
             <a:endParaRPr lang="da-DK" sz="1400" dirty="0">
               <a:latin typeface="Times New Roman" panose="02020603050405020304" pitchFamily="18" charset="0"/>
               <a:cs typeface="Times New Roman" panose="02020603050405020304" pitchFamily="18" charset="0"/>
@@ -10142,21 +9920,13 @@
                 <a:latin typeface="Times New Roman" panose="02020603050405020304" pitchFamily="18" charset="0"/>
                 <a:cs typeface="Times New Roman" panose="02020603050405020304" pitchFamily="18" charset="0"/>
               </a:rPr>
-              <a:t>CONVERTER TOPOLOGIES</a:t>
+              <a:t>PROBLEM STATEMENT</a:t>
             </a:r>
           </a:p>
           <a:p>
-            <a:pPr lvl="1"/>
-            <a:r>
-              <a:rPr lang="da-DK" sz="1600" b="1" dirty="0">
-                <a:latin typeface="Times New Roman" panose="02020603050405020304" pitchFamily="18" charset="0"/>
-                <a:cs typeface="Times New Roman" panose="02020603050405020304" pitchFamily="18" charset="0"/>
-              </a:rPr>
-              <a:t>Selection of the MIC topology</a:t>
-            </a:r>
-          </a:p>
-          <a:p>
-            <a:pPr lvl="1"/>
+            <a:pPr marL="114300" indent="0">
+              <a:buNone/>
+            </a:pPr>
             <a:endParaRPr lang="da-DK" sz="1600" dirty="0">
               <a:latin typeface="Times New Roman" panose="02020603050405020304" pitchFamily="18" charset="0"/>
               <a:cs typeface="Times New Roman" panose="02020603050405020304" pitchFamily="18" charset="0"/>
@@ -10165,38 +9935,34 @@
           <a:p>
             <a:r>
               <a:rPr lang="da-DK" sz="1600" dirty="0">
+                <a:solidFill>
+                  <a:srgbClr val="423C6C"/>
+                </a:solidFill>
                 <a:latin typeface="Times New Roman" panose="02020603050405020304" pitchFamily="18" charset="0"/>
                 <a:cs typeface="Times New Roman" panose="02020603050405020304" pitchFamily="18" charset="0"/>
               </a:rPr>
-              <a:t>PROBLEM ANALYSIS</a:t>
+              <a:t>OBJECTIVES</a:t>
             </a:r>
           </a:p>
           <a:p>
-            <a:pPr lvl="1"/>
+            <a:endParaRPr lang="da-DK" sz="1600" dirty="0">
+              <a:solidFill>
+                <a:srgbClr val="423C6C"/>
+              </a:solidFill>
+              <a:latin typeface="Times New Roman" panose="02020603050405020304" pitchFamily="18" charset="0"/>
+              <a:cs typeface="Times New Roman" panose="02020603050405020304" pitchFamily="18" charset="0"/>
+            </a:endParaRPr>
+          </a:p>
+          <a:p>
             <a:r>
-              <a:rPr lang="da-DK" sz="1600" dirty="0">
+              <a:rPr lang="da-DK" sz="1600" b="1" dirty="0">
+                <a:solidFill>
+                  <a:srgbClr val="423C6C"/>
+                </a:solidFill>
                 <a:latin typeface="Times New Roman" panose="02020603050405020304" pitchFamily="18" charset="0"/>
                 <a:cs typeface="Times New Roman" panose="02020603050405020304" pitchFamily="18" charset="0"/>
               </a:rPr>
-              <a:t>Problem statement</a:t>
-            </a:r>
-          </a:p>
-          <a:p>
-            <a:endParaRPr lang="da-DK" sz="1600" dirty="0">
-              <a:latin typeface="Times New Roman" panose="02020603050405020304" pitchFamily="18" charset="0"/>
-              <a:cs typeface="Times New Roman" panose="02020603050405020304" pitchFamily="18" charset="0"/>
-            </a:endParaRPr>
-          </a:p>
-          <a:p>
-            <a:r>
-              <a:rPr lang="da-DK" sz="1600" dirty="0">
-                <a:solidFill>
-                  <a:srgbClr val="423C6C"/>
-                </a:solidFill>
-                <a:latin typeface="Times New Roman" panose="02020603050405020304" pitchFamily="18" charset="0"/>
-                <a:cs typeface="Times New Roman" panose="02020603050405020304" pitchFamily="18" charset="0"/>
-              </a:rPr>
-              <a:t>FUTURE WORK</a:t>
+              <a:t>GROUP PROCESS</a:t>
             </a:r>
           </a:p>
           <a:p>
@@ -10235,7 +10001,7 @@
           <a:p>
             <a:r>
               <a:rPr lang="da-DK" dirty="0"/>
-              <a:t>Name presenter</a:t>
+              <a:t>Jesper Kloster</a:t>
             </a:r>
           </a:p>
           <a:p>
@@ -10246,7 +10012,7 @@
     </p:spTree>
     <p:extLst>
       <p:ext uri="{BB962C8B-B14F-4D97-AF65-F5344CB8AC3E}">
-        <p14:creationId xmlns:p14="http://schemas.microsoft.com/office/powerpoint/2010/main" val="858956355"/>
+        <p14:creationId xmlns:p14="http://schemas.microsoft.com/office/powerpoint/2010/main" val="2155715837"/>
       </p:ext>
     </p:extLst>
   </p:cSld>
@@ -10257,801 +10023,6 @@
 </file>
 
 <file path=ppt/slides/slide12.xml><?xml version="1.0" encoding="utf-8"?>
-<p:sld xmlns:a="http://schemas.openxmlformats.org/drawingml/2006/main" xmlns:r="http://schemas.openxmlformats.org/officeDocument/2006/relationships" xmlns:p="http://schemas.openxmlformats.org/presentationml/2006/main" show="0">
-  <p:cSld>
-    <p:spTree>
-      <p:nvGrpSpPr>
-        <p:cNvPr id="1" name=""/>
-        <p:cNvGrpSpPr/>
-        <p:nvPr/>
-      </p:nvGrpSpPr>
-      <p:grpSpPr>
-        <a:xfrm>
-          <a:off x="0" y="0"/>
-          <a:ext cx="0" cy="0"/>
-          <a:chOff x="0" y="0"/>
-          <a:chExt cx="0" cy="0"/>
-        </a:xfrm>
-      </p:grpSpPr>
-      <p:sp>
-        <p:nvSpPr>
-          <p:cNvPr id="2" name="Titel 1">
-            <a:extLst>
-              <a:ext uri="{FF2B5EF4-FFF2-40B4-BE49-F238E27FC236}">
-                <a16:creationId xmlns:a16="http://schemas.microsoft.com/office/drawing/2014/main" id="{7A41F82B-177A-4594-B9B4-405109C97155}"/>
-              </a:ext>
-            </a:extLst>
-          </p:cNvPr>
-          <p:cNvSpPr>
-            <a:spLocks noGrp="1"/>
-          </p:cNvSpPr>
-          <p:nvPr>
-            <p:ph type="title"/>
-          </p:nvPr>
-        </p:nvSpPr>
-        <p:spPr>
-          <a:xfrm>
-            <a:off x="457200" y="192464"/>
-            <a:ext cx="8348968" cy="636352"/>
-          </a:xfrm>
-        </p:spPr>
-        <p:txBody>
-          <a:bodyPr/>
-          <a:lstStyle/>
-          <a:p>
-            <a:r>
-              <a:rPr lang="da-DK" dirty="0">
-                <a:solidFill>
-                  <a:schemeClr val="tx1"/>
-                </a:solidFill>
-                <a:latin typeface="Times New Roman" panose="02020603050405020304" pitchFamily="18" charset="0"/>
-                <a:cs typeface="Times New Roman" panose="02020603050405020304" pitchFamily="18" charset="0"/>
-              </a:rPr>
-              <a:t>CONVERTER TOPOLOGIES – Selection of MIC topology</a:t>
-            </a:r>
-            <a:endParaRPr lang="en-US" dirty="0">
-              <a:solidFill>
-                <a:schemeClr val="tx1"/>
-              </a:solidFill>
-              <a:latin typeface="Times New Roman" panose="02020603050405020304" pitchFamily="18" charset="0"/>
-              <a:cs typeface="Times New Roman" panose="02020603050405020304" pitchFamily="18" charset="0"/>
-            </a:endParaRPr>
-          </a:p>
-        </p:txBody>
-      </p:sp>
-      <p:sp>
-        <p:nvSpPr>
-          <p:cNvPr id="3" name="Pladsholder til tekst 2">
-            <a:extLst>
-              <a:ext uri="{FF2B5EF4-FFF2-40B4-BE49-F238E27FC236}">
-                <a16:creationId xmlns:a16="http://schemas.microsoft.com/office/drawing/2014/main" id="{E93A0280-2F25-4ECE-A307-2B05D45D3B2C}"/>
-              </a:ext>
-            </a:extLst>
-          </p:cNvPr>
-          <p:cNvSpPr>
-            <a:spLocks noGrp="1"/>
-          </p:cNvSpPr>
-          <p:nvPr>
-            <p:ph type="body" idx="1"/>
-          </p:nvPr>
-        </p:nvSpPr>
-        <p:spPr>
-          <a:xfrm>
-            <a:off x="457200" y="851457"/>
-            <a:ext cx="8348968" cy="3336915"/>
-          </a:xfrm>
-        </p:spPr>
-        <p:txBody>
-          <a:bodyPr/>
-          <a:lstStyle/>
-          <a:p>
-            <a:pPr>
-              <a:buFont typeface="Arial" panose="020B0604020202020204" pitchFamily="34" charset="0"/>
-              <a:buChar char="•"/>
-            </a:pPr>
-            <a:r>
-              <a:rPr lang="da-DK" dirty="0">
-                <a:latin typeface="Times New Roman" panose="02020603050405020304" pitchFamily="18" charset="0"/>
-                <a:cs typeface="Times New Roman" panose="02020603050405020304" pitchFamily="18" charset="0"/>
-              </a:rPr>
-              <a:t>Buck and Boost converters limited to either     or     the voltage.</a:t>
-            </a:r>
-          </a:p>
-          <a:p>
-            <a:pPr>
-              <a:buFont typeface="Arial" panose="020B0604020202020204" pitchFamily="34" charset="0"/>
-              <a:buChar char="•"/>
-            </a:pPr>
-            <a:endParaRPr lang="da-DK" dirty="0">
-              <a:latin typeface="Times New Roman" panose="02020603050405020304" pitchFamily="18" charset="0"/>
-              <a:cs typeface="Times New Roman" panose="02020603050405020304" pitchFamily="18" charset="0"/>
-            </a:endParaRPr>
-          </a:p>
-          <a:p>
-            <a:pPr>
-              <a:buFont typeface="Arial" panose="020B0604020202020204" pitchFamily="34" charset="0"/>
-              <a:buChar char="•"/>
-            </a:pPr>
-            <a:r>
-              <a:rPr lang="da-DK" dirty="0">
-                <a:latin typeface="Times New Roman" panose="02020603050405020304" pitchFamily="18" charset="0"/>
-                <a:cs typeface="Times New Roman" panose="02020603050405020304" pitchFamily="18" charset="0"/>
-              </a:rPr>
-              <a:t>Flyback has    </a:t>
-            </a:r>
-            <a:r>
-              <a:rPr lang="el-GR" dirty="0">
-                <a:latin typeface="Times New Roman" panose="02020603050405020304" pitchFamily="18" charset="0"/>
-                <a:cs typeface="Times New Roman" panose="02020603050405020304" pitchFamily="18" charset="0"/>
-              </a:rPr>
-              <a:t>η</a:t>
-            </a:r>
-            <a:r>
-              <a:rPr lang="es-ES" dirty="0">
-                <a:latin typeface="Times New Roman" panose="02020603050405020304" pitchFamily="18" charset="0"/>
-                <a:cs typeface="Times New Roman" panose="02020603050405020304" pitchFamily="18" charset="0"/>
-              </a:rPr>
-              <a:t> </a:t>
-            </a:r>
-            <a:r>
-              <a:rPr lang="da-DK" dirty="0">
-                <a:latin typeface="Times New Roman" panose="02020603050405020304" pitchFamily="18" charset="0"/>
-                <a:cs typeface="Times New Roman" panose="02020603050405020304" pitchFamily="18" charset="0"/>
-              </a:rPr>
-              <a:t>because of the transformer.</a:t>
-            </a:r>
-          </a:p>
-          <a:p>
-            <a:pPr>
-              <a:buFont typeface="Arial" panose="020B0604020202020204" pitchFamily="34" charset="0"/>
-              <a:buChar char="•"/>
-            </a:pPr>
-            <a:endParaRPr lang="da-DK" dirty="0">
-              <a:latin typeface="Times New Roman" panose="02020603050405020304" pitchFamily="18" charset="0"/>
-              <a:cs typeface="Times New Roman" panose="02020603050405020304" pitchFamily="18" charset="0"/>
-            </a:endParaRPr>
-          </a:p>
-          <a:p>
-            <a:pPr>
-              <a:buFont typeface="Arial" panose="020B0604020202020204" pitchFamily="34" charset="0"/>
-              <a:buChar char="•"/>
-            </a:pPr>
-            <a:r>
-              <a:rPr lang="da-DK" dirty="0">
-                <a:latin typeface="Times New Roman" panose="02020603050405020304" pitchFamily="18" charset="0"/>
-                <a:cs typeface="Times New Roman" panose="02020603050405020304" pitchFamily="18" charset="0"/>
-              </a:rPr>
-              <a:t>2-SW buck-boost has     power loss.</a:t>
-            </a:r>
-          </a:p>
-          <a:p>
-            <a:endParaRPr lang="da-DK" dirty="0">
-              <a:latin typeface="Times New Roman" panose="02020603050405020304" pitchFamily="18" charset="0"/>
-              <a:cs typeface="Times New Roman" panose="02020603050405020304" pitchFamily="18" charset="0"/>
-            </a:endParaRPr>
-          </a:p>
-          <a:p>
-            <a:r>
-              <a:rPr lang="da-DK" dirty="0">
-                <a:latin typeface="Times New Roman" panose="02020603050405020304" pitchFamily="18" charset="0"/>
-                <a:cs typeface="Times New Roman" panose="02020603050405020304" pitchFamily="18" charset="0"/>
-              </a:rPr>
-              <a:t>4-SW Non-inverting buck-boost converter!!   </a:t>
-            </a:r>
-          </a:p>
-          <a:p>
-            <a:endParaRPr lang="da-DK" dirty="0">
-              <a:latin typeface="Times New Roman" panose="02020603050405020304" pitchFamily="18" charset="0"/>
-              <a:cs typeface="Times New Roman" panose="02020603050405020304" pitchFamily="18" charset="0"/>
-            </a:endParaRPr>
-          </a:p>
-          <a:p>
-            <a:r>
-              <a:rPr lang="da-DK" dirty="0">
-                <a:latin typeface="Times New Roman" panose="02020603050405020304" pitchFamily="18" charset="0"/>
-                <a:cs typeface="Times New Roman" panose="02020603050405020304" pitchFamily="18" charset="0"/>
-              </a:rPr>
-              <a:t>Why?  Bidirectional and      Efficiency than the other topologies</a:t>
-            </a:r>
-          </a:p>
-          <a:p>
-            <a:endParaRPr lang="da-DK" dirty="0"/>
-          </a:p>
-        </p:txBody>
-      </p:sp>
-      <p:sp>
-        <p:nvSpPr>
-          <p:cNvPr id="5" name="Pladsholder til slidenummer 4">
-            <a:extLst>
-              <a:ext uri="{FF2B5EF4-FFF2-40B4-BE49-F238E27FC236}">
-                <a16:creationId xmlns:a16="http://schemas.microsoft.com/office/drawing/2014/main" id="{4CF00402-4836-49BB-85FA-4CD4C7A794E5}"/>
-              </a:ext>
-            </a:extLst>
-          </p:cNvPr>
-          <p:cNvSpPr>
-            <a:spLocks noGrp="1"/>
-          </p:cNvSpPr>
-          <p:nvPr>
-            <p:ph type="sldNum" idx="12"/>
-          </p:nvPr>
-        </p:nvSpPr>
-        <p:spPr/>
-        <p:txBody>
-          <a:bodyPr/>
-          <a:lstStyle/>
-          <a:p>
-            <a:pPr lvl="0" algn="r">
-              <a:buSzPct val="25000"/>
-            </a:pPr>
-            <a:fld id="{00000000-1234-1234-1234-123412341234}" type="slidenum">
-              <a:rPr lang="da" sz="1000" b="0" i="0" u="none" strike="noStrike" cap="none" smtClean="0">
-                <a:solidFill>
-                  <a:srgbClr val="54616E"/>
-                </a:solidFill>
-                <a:latin typeface="Arial"/>
-                <a:ea typeface="Arial"/>
-                <a:cs typeface="Arial"/>
-                <a:sym typeface="Arial"/>
-              </a:rPr>
-              <a:pPr lvl="0" algn="r">
-                <a:buSzPct val="25000"/>
-              </a:pPr>
-              <a:t>12</a:t>
-            </a:fld>
-            <a:r>
-              <a:rPr lang="da" sz="1000" dirty="0">
-                <a:solidFill>
-                  <a:srgbClr val="54616E"/>
-                </a:solidFill>
-              </a:rPr>
-              <a:t>/49</a:t>
-            </a:r>
-            <a:endParaRPr lang="da" sz="1000" b="0" i="0" u="none" strike="noStrike" cap="none" dirty="0">
-              <a:solidFill>
-                <a:srgbClr val="54616E"/>
-              </a:solidFill>
-              <a:latin typeface="Arial"/>
-              <a:ea typeface="Arial"/>
-              <a:cs typeface="Arial"/>
-              <a:sym typeface="Arial"/>
-            </a:endParaRPr>
-          </a:p>
-        </p:txBody>
-      </p:sp>
-      <p:sp>
-        <p:nvSpPr>
-          <p:cNvPr id="6" name="Pladsholder til dato 3">
-            <a:extLst>
-              <a:ext uri="{FF2B5EF4-FFF2-40B4-BE49-F238E27FC236}">
-                <a16:creationId xmlns:a16="http://schemas.microsoft.com/office/drawing/2014/main" id="{F4838450-7D83-4704-9410-F82812C0E789}"/>
-              </a:ext>
-            </a:extLst>
-          </p:cNvPr>
-          <p:cNvSpPr>
-            <a:spLocks noGrp="1"/>
-          </p:cNvSpPr>
-          <p:nvPr>
-            <p:ph type="dt" sz="half" idx="10"/>
-          </p:nvPr>
-        </p:nvSpPr>
-        <p:spPr>
-          <a:xfrm>
-            <a:off x="403147" y="4736893"/>
-            <a:ext cx="2133600" cy="304271"/>
-          </a:xfrm>
-        </p:spPr>
-        <p:txBody>
-          <a:bodyPr/>
-          <a:lstStyle/>
-          <a:p>
-            <a:r>
-              <a:rPr lang="da-DK" dirty="0"/>
-              <a:t>Marianne Rasborg Knudsen</a:t>
-            </a:r>
-          </a:p>
-        </p:txBody>
-      </p:sp>
-      <p:sp>
-        <p:nvSpPr>
-          <p:cNvPr id="8" name="CuadroTexto 7">
-            <a:extLst>
-              <a:ext uri="{FF2B5EF4-FFF2-40B4-BE49-F238E27FC236}">
-                <a16:creationId xmlns:a16="http://schemas.microsoft.com/office/drawing/2014/main" id="{BCEA971B-D870-490F-8EC4-65A19DC6D0B9}"/>
-              </a:ext>
-            </a:extLst>
-          </p:cNvPr>
-          <p:cNvSpPr txBox="1"/>
-          <p:nvPr/>
-        </p:nvSpPr>
-        <p:spPr>
-          <a:xfrm>
-            <a:off x="4631684" y="4132521"/>
-            <a:ext cx="45719" cy="307777"/>
-          </a:xfrm>
-          <a:prstGeom prst="rect">
-            <a:avLst/>
-          </a:prstGeom>
-          <a:noFill/>
-        </p:spPr>
-        <p:txBody>
-          <a:bodyPr wrap="square" rtlCol="0">
-            <a:spAutoFit/>
-          </a:bodyPr>
-          <a:lstStyle/>
-          <a:p>
-            <a:endParaRPr lang="es-ES" dirty="0"/>
-          </a:p>
-        </p:txBody>
-      </p:sp>
-      <p:cxnSp>
-        <p:nvCxnSpPr>
-          <p:cNvPr id="9" name="Conector recto de flecha 8">
-            <a:extLst>
-              <a:ext uri="{FF2B5EF4-FFF2-40B4-BE49-F238E27FC236}">
-                <a16:creationId xmlns:a16="http://schemas.microsoft.com/office/drawing/2014/main" id="{838C098B-BADB-41DB-B5AD-F30D79252FCB}"/>
-              </a:ext>
-            </a:extLst>
-          </p:cNvPr>
-          <p:cNvCxnSpPr/>
-          <p:nvPr/>
-        </p:nvCxnSpPr>
-        <p:spPr>
-          <a:xfrm flipV="1">
-            <a:off x="4997303" y="985284"/>
-            <a:ext cx="0" cy="241004"/>
-          </a:xfrm>
-          <a:prstGeom prst="straightConnector1">
-            <a:avLst/>
-          </a:prstGeom>
-          <a:ln>
-            <a:tailEnd type="triangle"/>
-          </a:ln>
-        </p:spPr>
-        <p:style>
-          <a:lnRef idx="1">
-            <a:schemeClr val="accent1"/>
-          </a:lnRef>
-          <a:fillRef idx="0">
-            <a:schemeClr val="accent1"/>
-          </a:fillRef>
-          <a:effectRef idx="0">
-            <a:schemeClr val="accent1"/>
-          </a:effectRef>
-          <a:fontRef idx="minor">
-            <a:schemeClr val="tx1"/>
-          </a:fontRef>
-        </p:style>
-      </p:cxnSp>
-      <p:cxnSp>
-        <p:nvCxnSpPr>
-          <p:cNvPr id="13" name="Conector recto de flecha 12">
-            <a:extLst>
-              <a:ext uri="{FF2B5EF4-FFF2-40B4-BE49-F238E27FC236}">
-                <a16:creationId xmlns:a16="http://schemas.microsoft.com/office/drawing/2014/main" id="{FE51CB39-155A-4595-9210-5F44D8E8FC0E}"/>
-              </a:ext>
-            </a:extLst>
-          </p:cNvPr>
-          <p:cNvCxnSpPr/>
-          <p:nvPr/>
-        </p:nvCxnSpPr>
-        <p:spPr>
-          <a:xfrm>
-            <a:off x="5514753" y="985284"/>
-            <a:ext cx="0" cy="241004"/>
-          </a:xfrm>
-          <a:prstGeom prst="straightConnector1">
-            <a:avLst/>
-          </a:prstGeom>
-          <a:ln>
-            <a:tailEnd type="triangle"/>
-          </a:ln>
-        </p:spPr>
-        <p:style>
-          <a:lnRef idx="1">
-            <a:schemeClr val="accent1"/>
-          </a:lnRef>
-          <a:fillRef idx="0">
-            <a:schemeClr val="accent1"/>
-          </a:fillRef>
-          <a:effectRef idx="0">
-            <a:schemeClr val="accent1"/>
-          </a:effectRef>
-          <a:fontRef idx="minor">
-            <a:schemeClr val="tx1"/>
-          </a:fontRef>
-        </p:style>
-      </p:cxnSp>
-      <p:cxnSp>
-        <p:nvCxnSpPr>
-          <p:cNvPr id="18" name="Conector recto de flecha 17">
-            <a:extLst>
-              <a:ext uri="{FF2B5EF4-FFF2-40B4-BE49-F238E27FC236}">
-                <a16:creationId xmlns:a16="http://schemas.microsoft.com/office/drawing/2014/main" id="{05575B19-5767-474C-8607-66E8A1E48D16}"/>
-              </a:ext>
-            </a:extLst>
-          </p:cNvPr>
-          <p:cNvCxnSpPr/>
-          <p:nvPr/>
-        </p:nvCxnSpPr>
-        <p:spPr>
-          <a:xfrm flipV="1">
-            <a:off x="2966484" y="2278911"/>
-            <a:ext cx="0" cy="241004"/>
-          </a:xfrm>
-          <a:prstGeom prst="straightConnector1">
-            <a:avLst/>
-          </a:prstGeom>
-          <a:ln>
-            <a:tailEnd type="triangle"/>
-          </a:ln>
-        </p:spPr>
-        <p:style>
-          <a:lnRef idx="1">
-            <a:schemeClr val="accent1"/>
-          </a:lnRef>
-          <a:fillRef idx="0">
-            <a:schemeClr val="accent1"/>
-          </a:fillRef>
-          <a:effectRef idx="0">
-            <a:schemeClr val="accent1"/>
-          </a:effectRef>
-          <a:fontRef idx="minor">
-            <a:schemeClr val="tx1"/>
-          </a:fontRef>
-        </p:style>
-      </p:cxnSp>
-      <p:cxnSp>
-        <p:nvCxnSpPr>
-          <p:cNvPr id="19" name="Conector recto de flecha 18">
-            <a:extLst>
-              <a:ext uri="{FF2B5EF4-FFF2-40B4-BE49-F238E27FC236}">
-                <a16:creationId xmlns:a16="http://schemas.microsoft.com/office/drawing/2014/main" id="{0C3263E3-6890-48EA-B24D-2F9B3ED0846D}"/>
-              </a:ext>
-            </a:extLst>
-          </p:cNvPr>
-          <p:cNvCxnSpPr/>
-          <p:nvPr/>
-        </p:nvCxnSpPr>
-        <p:spPr>
-          <a:xfrm>
-            <a:off x="2087525" y="1633870"/>
-            <a:ext cx="0" cy="241004"/>
-          </a:xfrm>
-          <a:prstGeom prst="straightConnector1">
-            <a:avLst/>
-          </a:prstGeom>
-          <a:ln>
-            <a:tailEnd type="triangle"/>
-          </a:ln>
-        </p:spPr>
-        <p:style>
-          <a:lnRef idx="1">
-            <a:schemeClr val="accent1"/>
-          </a:lnRef>
-          <a:fillRef idx="0">
-            <a:schemeClr val="accent1"/>
-          </a:fillRef>
-          <a:effectRef idx="0">
-            <a:schemeClr val="accent1"/>
-          </a:effectRef>
-          <a:fontRef idx="minor">
-            <a:schemeClr val="tx1"/>
-          </a:fontRef>
-        </p:style>
-      </p:cxnSp>
-      <p:cxnSp>
-        <p:nvCxnSpPr>
-          <p:cNvPr id="20" name="Conector recto de flecha 19">
-            <a:extLst>
-              <a:ext uri="{FF2B5EF4-FFF2-40B4-BE49-F238E27FC236}">
-                <a16:creationId xmlns:a16="http://schemas.microsoft.com/office/drawing/2014/main" id="{F17DD130-DE35-46C0-B48B-7F30A69A2ECA}"/>
-              </a:ext>
-            </a:extLst>
-          </p:cNvPr>
-          <p:cNvCxnSpPr/>
-          <p:nvPr/>
-        </p:nvCxnSpPr>
-        <p:spPr>
-          <a:xfrm flipV="1">
-            <a:off x="3313814" y="3554820"/>
-            <a:ext cx="0" cy="241004"/>
-          </a:xfrm>
-          <a:prstGeom prst="straightConnector1">
-            <a:avLst/>
-          </a:prstGeom>
-          <a:ln>
-            <a:tailEnd type="triangle"/>
-          </a:ln>
-        </p:spPr>
-        <p:style>
-          <a:lnRef idx="1">
-            <a:schemeClr val="accent1"/>
-          </a:lnRef>
-          <a:fillRef idx="0">
-            <a:schemeClr val="accent1"/>
-          </a:fillRef>
-          <a:effectRef idx="0">
-            <a:schemeClr val="accent1"/>
-          </a:effectRef>
-          <a:fontRef idx="minor">
-            <a:schemeClr val="tx1"/>
-          </a:fontRef>
-        </p:style>
-      </p:cxnSp>
-    </p:spTree>
-    <p:extLst>
-      <p:ext uri="{BB962C8B-B14F-4D97-AF65-F5344CB8AC3E}">
-        <p14:creationId xmlns:p14="http://schemas.microsoft.com/office/powerpoint/2010/main" val="2716550847"/>
-      </p:ext>
-    </p:extLst>
-  </p:cSld>
-  <p:clrMapOvr>
-    <a:masterClrMapping/>
-  </p:clrMapOvr>
-</p:sld>
-</file>
-
-<file path=ppt/slides/slide13.xml><?xml version="1.0" encoding="utf-8"?>
-<p:sld xmlns:a="http://schemas.openxmlformats.org/drawingml/2006/main" xmlns:r="http://schemas.openxmlformats.org/officeDocument/2006/relationships" xmlns:p="http://schemas.openxmlformats.org/presentationml/2006/main">
-  <p:cSld>
-    <p:spTree>
-      <p:nvGrpSpPr>
-        <p:cNvPr id="1" name=""/>
-        <p:cNvGrpSpPr/>
-        <p:nvPr/>
-      </p:nvGrpSpPr>
-      <p:grpSpPr>
-        <a:xfrm>
-          <a:off x="0" y="0"/>
-          <a:ext cx="0" cy="0"/>
-          <a:chOff x="0" y="0"/>
-          <a:chExt cx="0" cy="0"/>
-        </a:xfrm>
-      </p:grpSpPr>
-      <p:sp>
-        <p:nvSpPr>
-          <p:cNvPr id="2" name="Pladsholder til slidenummer 1">
-            <a:extLst>
-              <a:ext uri="{FF2B5EF4-FFF2-40B4-BE49-F238E27FC236}">
-                <a16:creationId xmlns:a16="http://schemas.microsoft.com/office/drawing/2014/main" id="{6FC65677-B603-4E1E-8F95-7DABEFE7B9A2}"/>
-              </a:ext>
-            </a:extLst>
-          </p:cNvPr>
-          <p:cNvSpPr>
-            <a:spLocks noGrp="1"/>
-          </p:cNvSpPr>
-          <p:nvPr>
-            <p:ph type="sldNum" idx="12"/>
-          </p:nvPr>
-        </p:nvSpPr>
-        <p:spPr>
-          <a:xfrm>
-            <a:off x="6553200" y="4767264"/>
-            <a:ext cx="2133600" cy="273900"/>
-          </a:xfrm>
-        </p:spPr>
-        <p:txBody>
-          <a:bodyPr/>
-          <a:lstStyle/>
-          <a:p>
-            <a:pPr lvl="0" algn="r">
-              <a:buSzPct val="25000"/>
-            </a:pPr>
-            <a:r>
-              <a:rPr lang="da" sz="1000" dirty="0">
-                <a:solidFill>
-                  <a:srgbClr val="54616E"/>
-                </a:solidFill>
-              </a:rPr>
-              <a:t>7/11</a:t>
-            </a:r>
-            <a:endParaRPr lang="da" sz="1000" b="0" i="0" u="none" strike="noStrike" cap="none" dirty="0">
-              <a:solidFill>
-                <a:srgbClr val="54616E"/>
-              </a:solidFill>
-              <a:latin typeface="Arial"/>
-              <a:ea typeface="Arial"/>
-              <a:cs typeface="Arial"/>
-              <a:sym typeface="Arial"/>
-            </a:endParaRPr>
-          </a:p>
-        </p:txBody>
-      </p:sp>
-      <p:sp>
-        <p:nvSpPr>
-          <p:cNvPr id="3" name="Titel 2">
-            <a:extLst>
-              <a:ext uri="{FF2B5EF4-FFF2-40B4-BE49-F238E27FC236}">
-                <a16:creationId xmlns:a16="http://schemas.microsoft.com/office/drawing/2014/main" id="{BAD2D4CC-ACAB-4C22-9AA4-2978B27CB069}"/>
-              </a:ext>
-            </a:extLst>
-          </p:cNvPr>
-          <p:cNvSpPr>
-            <a:spLocks noGrp="1"/>
-          </p:cNvSpPr>
-          <p:nvPr>
-            <p:ph type="title"/>
-          </p:nvPr>
-        </p:nvSpPr>
-        <p:spPr>
-          <a:xfrm>
-            <a:off x="457200" y="205977"/>
-            <a:ext cx="8229600" cy="582299"/>
-          </a:xfrm>
-        </p:spPr>
-        <p:txBody>
-          <a:bodyPr/>
-          <a:lstStyle/>
-          <a:p>
-            <a:r>
-              <a:rPr lang="da-DK" dirty="0">
-                <a:latin typeface="Times New Roman" panose="02020603050405020304" pitchFamily="18" charset="0"/>
-                <a:cs typeface="Times New Roman" panose="02020603050405020304" pitchFamily="18" charset="0"/>
-              </a:rPr>
-              <a:t>AGENDA</a:t>
-            </a:r>
-            <a:endParaRPr lang="en-US" dirty="0">
-              <a:latin typeface="Times New Roman" panose="02020603050405020304" pitchFamily="18" charset="0"/>
-              <a:cs typeface="Times New Roman" panose="02020603050405020304" pitchFamily="18" charset="0"/>
-            </a:endParaRPr>
-          </a:p>
-        </p:txBody>
-      </p:sp>
-      <p:sp>
-        <p:nvSpPr>
-          <p:cNvPr id="4" name="Pladsholder til tekst 3">
-            <a:extLst>
-              <a:ext uri="{FF2B5EF4-FFF2-40B4-BE49-F238E27FC236}">
-                <a16:creationId xmlns:a16="http://schemas.microsoft.com/office/drawing/2014/main" id="{441F1E0B-EE15-4F8C-B4AB-0F27D0475D14}"/>
-              </a:ext>
-            </a:extLst>
-          </p:cNvPr>
-          <p:cNvSpPr>
-            <a:spLocks noGrp="1"/>
-          </p:cNvSpPr>
-          <p:nvPr>
-            <p:ph type="body" idx="1"/>
-          </p:nvPr>
-        </p:nvSpPr>
-        <p:spPr>
-          <a:xfrm>
-            <a:off x="457200" y="922955"/>
-            <a:ext cx="8229600" cy="3508954"/>
-          </a:xfrm>
-        </p:spPr>
-        <p:txBody>
-          <a:bodyPr/>
-          <a:lstStyle/>
-          <a:p>
-            <a:r>
-              <a:rPr lang="da-DK" dirty="0">
-                <a:latin typeface="Times New Roman" panose="02020603050405020304" pitchFamily="18" charset="0"/>
-                <a:cs typeface="Times New Roman" panose="02020603050405020304" pitchFamily="18" charset="0"/>
-              </a:rPr>
-              <a:t>INTRODUCTION</a:t>
-            </a:r>
-          </a:p>
-          <a:p>
-            <a:pPr marL="742950" lvl="2" indent="-228600"/>
-            <a:r>
-              <a:rPr lang="da-DK" dirty="0">
-                <a:latin typeface="Times New Roman" panose="02020603050405020304" pitchFamily="18" charset="0"/>
-                <a:cs typeface="Times New Roman" panose="02020603050405020304" pitchFamily="18" charset="0"/>
-              </a:rPr>
-              <a:t>PV generation</a:t>
-            </a:r>
-          </a:p>
-          <a:p>
-            <a:pPr marL="742950" lvl="2" indent="-228600"/>
-            <a:r>
-              <a:rPr lang="da-DK" dirty="0">
-                <a:latin typeface="Times New Roman" panose="02020603050405020304" pitchFamily="18" charset="0"/>
-                <a:cs typeface="Times New Roman" panose="02020603050405020304" pitchFamily="18" charset="0"/>
-              </a:rPr>
-              <a:t>Module Integrated Converter (MIC)</a:t>
-            </a:r>
-          </a:p>
-          <a:p>
-            <a:pPr marL="114300" lvl="1" indent="0">
-              <a:buNone/>
-            </a:pPr>
-            <a:endParaRPr lang="da-DK" dirty="0">
-              <a:latin typeface="Times New Roman" panose="02020603050405020304" pitchFamily="18" charset="0"/>
-              <a:cs typeface="Times New Roman" panose="02020603050405020304" pitchFamily="18" charset="0"/>
-            </a:endParaRPr>
-          </a:p>
-          <a:p>
-            <a:r>
-              <a:rPr lang="da-DK" b="1" dirty="0">
-                <a:latin typeface="Times New Roman" panose="02020603050405020304" pitchFamily="18" charset="0"/>
-                <a:cs typeface="Times New Roman" panose="02020603050405020304" pitchFamily="18" charset="0"/>
-              </a:rPr>
-              <a:t>PROBLEM ANALYSIS</a:t>
-            </a:r>
-          </a:p>
-          <a:p>
-            <a:pPr marL="742950" lvl="2" indent="-228600"/>
-            <a:r>
-              <a:rPr lang="da-DK" dirty="0">
-                <a:latin typeface="Times New Roman" panose="02020603050405020304" pitchFamily="18" charset="0"/>
-                <a:cs typeface="Times New Roman" panose="02020603050405020304" pitchFamily="18" charset="0"/>
-              </a:rPr>
-              <a:t>Problem statement</a:t>
-            </a:r>
-          </a:p>
-          <a:p>
-            <a:endParaRPr lang="da-DK" dirty="0">
-              <a:latin typeface="Times New Roman" panose="02020603050405020304" pitchFamily="18" charset="0"/>
-              <a:cs typeface="Times New Roman" panose="02020603050405020304" pitchFamily="18" charset="0"/>
-            </a:endParaRPr>
-          </a:p>
-          <a:p>
-            <a:r>
-              <a:rPr lang="da-DK" dirty="0">
-                <a:latin typeface="Times New Roman" panose="02020603050405020304" pitchFamily="18" charset="0"/>
-                <a:cs typeface="Times New Roman" panose="02020603050405020304" pitchFamily="18" charset="0"/>
-              </a:rPr>
-              <a:t>FUTURE WORK</a:t>
-            </a:r>
-          </a:p>
-          <a:p>
-            <a:pPr marL="114300" indent="0">
-              <a:buNone/>
-            </a:pPr>
-            <a:endParaRPr lang="da-DK" sz="1400" dirty="0"/>
-          </a:p>
-        </p:txBody>
-      </p:sp>
-      <p:sp>
-        <p:nvSpPr>
-          <p:cNvPr id="5" name="Pladsholder til dato 3">
-            <a:extLst>
-              <a:ext uri="{FF2B5EF4-FFF2-40B4-BE49-F238E27FC236}">
-                <a16:creationId xmlns:a16="http://schemas.microsoft.com/office/drawing/2014/main" id="{6AA825D5-5F64-49E2-BA19-3ACE2BA08BAE}"/>
-              </a:ext>
-            </a:extLst>
-          </p:cNvPr>
-          <p:cNvSpPr>
-            <a:spLocks noGrp="1"/>
-          </p:cNvSpPr>
-          <p:nvPr>
-            <p:ph type="dt" sz="half" idx="10"/>
-          </p:nvPr>
-        </p:nvSpPr>
-        <p:spPr>
-          <a:xfrm>
-            <a:off x="403147" y="4736893"/>
-            <a:ext cx="2133600" cy="304271"/>
-          </a:xfrm>
-        </p:spPr>
-        <p:txBody>
-          <a:bodyPr/>
-          <a:lstStyle/>
-          <a:p>
-            <a:r>
-              <a:rPr lang="da-DK" dirty="0"/>
-              <a:t>Name presenter</a:t>
-            </a:r>
-          </a:p>
-          <a:p>
-            <a:endParaRPr lang="da-DK" dirty="0"/>
-          </a:p>
-        </p:txBody>
-      </p:sp>
-    </p:spTree>
-    <p:extLst>
-      <p:ext uri="{BB962C8B-B14F-4D97-AF65-F5344CB8AC3E}">
-        <p14:creationId xmlns:p14="http://schemas.microsoft.com/office/powerpoint/2010/main" val="1090600669"/>
-      </p:ext>
-    </p:extLst>
-  </p:cSld>
-  <p:clrMapOvr>
-    <a:masterClrMapping/>
-  </p:clrMapOvr>
-</p:sld>
-</file>
-
-<file path=ppt/slides/slide14.xml><?xml version="1.0" encoding="utf-8"?>
 <p:sld xmlns:a="http://schemas.openxmlformats.org/drawingml/2006/main" xmlns:r="http://schemas.openxmlformats.org/officeDocument/2006/relationships" xmlns:p="http://schemas.openxmlformats.org/presentationml/2006/main">
   <p:cSld>
     <p:spTree>
@@ -11102,7 +10073,7 @@
                 <a:latin typeface="Times New Roman" panose="02020603050405020304" pitchFamily="18" charset="0"/>
                 <a:cs typeface="Times New Roman" panose="02020603050405020304" pitchFamily="18" charset="0"/>
               </a:rPr>
-              <a:t>PROBLEM ANALYSIS</a:t>
+              <a:t>Group process</a:t>
             </a:r>
             <a:endParaRPr lang="en-US" dirty="0">
               <a:solidFill>
@@ -11111,48 +10082,6 @@
               <a:latin typeface="Times New Roman" panose="02020603050405020304" pitchFamily="18" charset="0"/>
               <a:cs typeface="Times New Roman" panose="02020603050405020304" pitchFamily="18" charset="0"/>
             </a:endParaRPr>
-          </a:p>
-        </p:txBody>
-      </p:sp>
-      <p:sp>
-        <p:nvSpPr>
-          <p:cNvPr id="3" name="Pladsholder til tekst 2">
-            <a:extLst>
-              <a:ext uri="{FF2B5EF4-FFF2-40B4-BE49-F238E27FC236}">
-                <a16:creationId xmlns:a16="http://schemas.microsoft.com/office/drawing/2014/main" id="{E93A0280-2F25-4ECE-A307-2B05D45D3B2C}"/>
-              </a:ext>
-            </a:extLst>
-          </p:cNvPr>
-          <p:cNvSpPr>
-            <a:spLocks noGrp="1"/>
-          </p:cNvSpPr>
-          <p:nvPr>
-            <p:ph type="body" idx="1"/>
-          </p:nvPr>
-        </p:nvSpPr>
-        <p:spPr>
-          <a:xfrm>
-            <a:off x="457200" y="887755"/>
-            <a:ext cx="8348968" cy="3336915"/>
-          </a:xfrm>
-        </p:spPr>
-        <p:txBody>
-          <a:bodyPr/>
-          <a:lstStyle/>
-          <a:p>
-            <a:pPr marL="114300" indent="0">
-              <a:buNone/>
-            </a:pPr>
-            <a:r>
-              <a:rPr lang="da-DK" dirty="0"/>
-              <a:t>			</a:t>
-            </a:r>
-          </a:p>
-          <a:p>
-            <a:pPr marL="114300" indent="0">
-              <a:buNone/>
-            </a:pPr>
-            <a:endParaRPr lang="da-DK" dirty="0"/>
           </a:p>
         </p:txBody>
       </p:sp>
@@ -11190,8 +10119,25 @@
                 <a:cs typeface="Arial"/>
                 <a:sym typeface="Arial"/>
               </a:rPr>
-              <a:t>8/11</a:t>
+              <a:t>1</a:t>
             </a:r>
+            <a:r>
+              <a:rPr lang="de-DE" sz="1000" dirty="0">
+                <a:solidFill>
+                  <a:srgbClr val="54616E"/>
+                </a:solidFill>
+              </a:rPr>
+              <a:t>2/13</a:t>
+            </a:r>
+            <a:endParaRPr lang="da" sz="1000" b="0" i="0" u="none" strike="noStrike" cap="none" dirty="0">
+              <a:solidFill>
+                <a:srgbClr val="54616E"/>
+              </a:solidFill>
+              <a:latin typeface="Arial"/>
+              <a:ea typeface="Arial"/>
+              <a:cs typeface="Arial"/>
+              <a:sym typeface="Arial"/>
+            </a:endParaRPr>
           </a:p>
         </p:txBody>
       </p:sp>
@@ -11223,7 +10169,7 @@
           <a:p>
             <a:r>
               <a:rPr lang="da-DK" dirty="0"/>
-              <a:t>Marianne Rasborg Knudsen</a:t>
+              <a:t>Jesper Kloster</a:t>
             </a:r>
           </a:p>
         </p:txBody>
@@ -11260,12 +10206,56 @@
           </a:p>
         </p:txBody>
       </p:sp>
+      <p:sp>
+        <p:nvSpPr>
+          <p:cNvPr id="10" name="CuadroTexto 9">
+            <a:extLst>
+              <a:ext uri="{FF2B5EF4-FFF2-40B4-BE49-F238E27FC236}">
+                <a16:creationId xmlns:a16="http://schemas.microsoft.com/office/drawing/2014/main" id="{4D642FBE-958C-46FE-A68B-A4E878B3DBC0}"/>
+              </a:ext>
+            </a:extLst>
+          </p:cNvPr>
+          <p:cNvSpPr txBox="1"/>
+          <p:nvPr/>
+        </p:nvSpPr>
+        <p:spPr>
+          <a:xfrm>
+            <a:off x="956930" y="1084522"/>
+            <a:ext cx="7074195" cy="738664"/>
+          </a:xfrm>
+          <a:prstGeom prst="rect">
+            <a:avLst/>
+          </a:prstGeom>
+          <a:noFill/>
+        </p:spPr>
+        <p:txBody>
+          <a:bodyPr wrap="square" rtlCol="0">
+            <a:spAutoFit/>
+          </a:bodyPr>
+          <a:lstStyle/>
+          <a:p>
+            <a:pPr marL="285750" indent="-285750">
+              <a:buFont typeface="Arial" panose="020B0604020202020204" pitchFamily="34" charset="0"/>
+              <a:buChar char="•"/>
+            </a:pPr>
+            <a:endParaRPr lang="es-ES" dirty="0">
+              <a:sym typeface="Wingdings" panose="05000000000000000000" pitchFamily="2" charset="2"/>
+            </a:endParaRPr>
+          </a:p>
+          <a:p>
+            <a:endParaRPr lang="es-ES" dirty="0"/>
+          </a:p>
+          <a:p>
+            <a:endParaRPr lang="es-ES" dirty="0"/>
+          </a:p>
+        </p:txBody>
+      </p:sp>
       <p:pic>
         <p:nvPicPr>
-          <p:cNvPr id="7" name="Imagen 6">
+          <p:cNvPr id="4" name="Imagen 3">
             <a:extLst>
               <a:ext uri="{FF2B5EF4-FFF2-40B4-BE49-F238E27FC236}">
-                <a16:creationId xmlns:a16="http://schemas.microsoft.com/office/drawing/2014/main" id="{19786CA7-4933-44B8-AC5B-1EA13D82520A}"/>
+                <a16:creationId xmlns:a16="http://schemas.microsoft.com/office/drawing/2014/main" id="{155960C9-4E9C-4CFC-8817-5C8856CE39A4}"/>
               </a:ext>
             </a:extLst>
           </p:cNvPr>
@@ -11282,1755 +10272,14 @@
         </p:blipFill>
         <p:spPr>
           <a:xfrm>
-            <a:off x="933415" y="773789"/>
-            <a:ext cx="1795607" cy="3350486"/>
+            <a:off x="1817367" y="703202"/>
+            <a:ext cx="4777609" cy="3583207"/>
           </a:xfrm>
           <a:prstGeom prst="rect">
             <a:avLst/>
           </a:prstGeom>
         </p:spPr>
       </p:pic>
-      <p:sp>
-        <p:nvSpPr>
-          <p:cNvPr id="9" name="CuadroTexto 8">
-            <a:extLst>
-              <a:ext uri="{FF2B5EF4-FFF2-40B4-BE49-F238E27FC236}">
-                <a16:creationId xmlns:a16="http://schemas.microsoft.com/office/drawing/2014/main" id="{1333B7F0-DE30-4B20-92EC-5CB0772A0B89}"/>
-              </a:ext>
-            </a:extLst>
-          </p:cNvPr>
-          <p:cNvSpPr txBox="1"/>
-          <p:nvPr/>
-        </p:nvSpPr>
-        <p:spPr>
-          <a:xfrm>
-            <a:off x="563998" y="4061637"/>
-            <a:ext cx="2725006" cy="276999"/>
-          </a:xfrm>
-          <a:prstGeom prst="rect">
-            <a:avLst/>
-          </a:prstGeom>
-          <a:noFill/>
-        </p:spPr>
-        <p:txBody>
-          <a:bodyPr wrap="square" rtlCol="0">
-            <a:spAutoFit/>
-          </a:bodyPr>
-          <a:lstStyle/>
-          <a:p>
-            <a:r>
-              <a:rPr lang="es-ES" sz="1200" dirty="0">
-                <a:latin typeface="Times New Roman" panose="02020603050405020304" pitchFamily="18" charset="0"/>
-                <a:cs typeface="Times New Roman" panose="02020603050405020304" pitchFamily="18" charset="0"/>
-              </a:rPr>
-              <a:t>PV module </a:t>
-            </a:r>
-            <a:r>
-              <a:rPr lang="es-ES" sz="1200" dirty="0" err="1">
-                <a:latin typeface="Times New Roman" panose="02020603050405020304" pitchFamily="18" charset="0"/>
-                <a:cs typeface="Times New Roman" panose="02020603050405020304" pitchFamily="18" charset="0"/>
-              </a:rPr>
-              <a:t>being</a:t>
-            </a:r>
-            <a:r>
-              <a:rPr lang="es-ES" sz="1200" dirty="0">
-                <a:latin typeface="Times New Roman" panose="02020603050405020304" pitchFamily="18" charset="0"/>
-                <a:cs typeface="Times New Roman" panose="02020603050405020304" pitchFamily="18" charset="0"/>
-              </a:rPr>
-              <a:t> </a:t>
-            </a:r>
-            <a:r>
-              <a:rPr lang="es-ES" sz="1200" dirty="0" err="1">
-                <a:latin typeface="Times New Roman" panose="02020603050405020304" pitchFamily="18" charset="0"/>
-                <a:cs typeface="Times New Roman" panose="02020603050405020304" pitchFamily="18" charset="0"/>
-              </a:rPr>
-              <a:t>bypassed</a:t>
-            </a:r>
-            <a:r>
-              <a:rPr lang="es-ES" sz="1200" dirty="0">
-                <a:latin typeface="Times New Roman" panose="02020603050405020304" pitchFamily="18" charset="0"/>
-                <a:cs typeface="Times New Roman" panose="02020603050405020304" pitchFamily="18" charset="0"/>
-              </a:rPr>
-              <a:t> </a:t>
-            </a:r>
-            <a:r>
-              <a:rPr lang="es-ES" sz="1200" dirty="0" err="1">
-                <a:latin typeface="Times New Roman" panose="02020603050405020304" pitchFamily="18" charset="0"/>
-                <a:cs typeface="Times New Roman" panose="02020603050405020304" pitchFamily="18" charset="0"/>
-              </a:rPr>
-              <a:t>by</a:t>
-            </a:r>
-            <a:r>
-              <a:rPr lang="es-ES" sz="1200" dirty="0">
-                <a:latin typeface="Times New Roman" panose="02020603050405020304" pitchFamily="18" charset="0"/>
-                <a:cs typeface="Times New Roman" panose="02020603050405020304" pitchFamily="18" charset="0"/>
-              </a:rPr>
-              <a:t> a </a:t>
-            </a:r>
-            <a:r>
-              <a:rPr lang="es-ES" sz="1200" dirty="0" err="1">
-                <a:latin typeface="Times New Roman" panose="02020603050405020304" pitchFamily="18" charset="0"/>
-                <a:cs typeface="Times New Roman" panose="02020603050405020304" pitchFamily="18" charset="0"/>
-              </a:rPr>
-              <a:t>diode</a:t>
-            </a:r>
-            <a:r>
-              <a:rPr lang="es-ES" sz="1200" dirty="0">
-                <a:latin typeface="Times New Roman" panose="02020603050405020304" pitchFamily="18" charset="0"/>
-                <a:cs typeface="Times New Roman" panose="02020603050405020304" pitchFamily="18" charset="0"/>
-              </a:rPr>
-              <a:t>.</a:t>
-            </a:r>
-          </a:p>
-        </p:txBody>
-      </p:sp>
-      <p:sp>
-        <p:nvSpPr>
-          <p:cNvPr id="10" name="CuadroTexto 9">
-            <a:extLst>
-              <a:ext uri="{FF2B5EF4-FFF2-40B4-BE49-F238E27FC236}">
-                <a16:creationId xmlns:a16="http://schemas.microsoft.com/office/drawing/2014/main" id="{4D642FBE-958C-46FE-A68B-A4E878B3DBC0}"/>
-              </a:ext>
-            </a:extLst>
-          </p:cNvPr>
-          <p:cNvSpPr txBox="1"/>
-          <p:nvPr/>
-        </p:nvSpPr>
-        <p:spPr>
-          <a:xfrm>
-            <a:off x="3480390" y="1448365"/>
-            <a:ext cx="4912242" cy="2246769"/>
-          </a:xfrm>
-          <a:prstGeom prst="rect">
-            <a:avLst/>
-          </a:prstGeom>
-          <a:noFill/>
-        </p:spPr>
-        <p:txBody>
-          <a:bodyPr wrap="square" rtlCol="0">
-            <a:spAutoFit/>
-          </a:bodyPr>
-          <a:lstStyle/>
-          <a:p>
-            <a:pPr marL="285750" indent="-285750">
-              <a:buFont typeface="Arial" panose="020B0604020202020204" pitchFamily="34" charset="0"/>
-              <a:buChar char="•"/>
-            </a:pPr>
-            <a:r>
-              <a:rPr lang="es-ES" dirty="0" err="1">
-                <a:solidFill>
-                  <a:schemeClr val="tx1"/>
-                </a:solidFill>
-              </a:rPr>
-              <a:t>Mismatches</a:t>
-            </a:r>
-            <a:r>
-              <a:rPr lang="es-ES" dirty="0">
-                <a:solidFill>
-                  <a:schemeClr val="tx1"/>
-                </a:solidFill>
-              </a:rPr>
-              <a:t> </a:t>
-            </a:r>
-            <a:r>
-              <a:rPr lang="es-ES" dirty="0">
-                <a:solidFill>
-                  <a:schemeClr val="tx1"/>
-                </a:solidFill>
-                <a:sym typeface="Wingdings" panose="05000000000000000000" pitchFamily="2" charset="2"/>
-              </a:rPr>
-              <a:t> </a:t>
-            </a:r>
-            <a:r>
-              <a:rPr lang="es-ES" dirty="0" err="1">
-                <a:solidFill>
-                  <a:schemeClr val="tx1"/>
-                </a:solidFill>
-                <a:sym typeface="Wingdings" panose="05000000000000000000" pitchFamily="2" charset="2"/>
-              </a:rPr>
-              <a:t>Lower</a:t>
-            </a:r>
-            <a:r>
-              <a:rPr lang="es-ES" dirty="0">
-                <a:solidFill>
-                  <a:schemeClr val="tx1"/>
-                </a:solidFill>
-                <a:sym typeface="Wingdings" panose="05000000000000000000" pitchFamily="2" charset="2"/>
-              </a:rPr>
-              <a:t> </a:t>
-            </a:r>
-            <a:r>
-              <a:rPr lang="es-ES" dirty="0" err="1">
-                <a:solidFill>
-                  <a:schemeClr val="tx1"/>
-                </a:solidFill>
-                <a:sym typeface="Wingdings" panose="05000000000000000000" pitchFamily="2" charset="2"/>
-              </a:rPr>
-              <a:t>power</a:t>
-            </a:r>
-            <a:r>
-              <a:rPr lang="es-ES" dirty="0">
-                <a:solidFill>
-                  <a:schemeClr val="tx1"/>
-                </a:solidFill>
-                <a:sym typeface="Wingdings" panose="05000000000000000000" pitchFamily="2" charset="2"/>
-              </a:rPr>
-              <a:t> </a:t>
-            </a:r>
-            <a:r>
-              <a:rPr lang="es-ES" dirty="0" err="1">
-                <a:solidFill>
-                  <a:schemeClr val="tx1"/>
-                </a:solidFill>
-                <a:sym typeface="Wingdings" panose="05000000000000000000" pitchFamily="2" charset="2"/>
-              </a:rPr>
-              <a:t>generation</a:t>
-            </a:r>
-            <a:endParaRPr lang="es-ES" dirty="0">
-              <a:solidFill>
-                <a:schemeClr val="tx1"/>
-              </a:solidFill>
-              <a:sym typeface="Wingdings" panose="05000000000000000000" pitchFamily="2" charset="2"/>
-            </a:endParaRPr>
-          </a:p>
-          <a:p>
-            <a:pPr marL="285750" indent="-285750">
-              <a:buFont typeface="Arial" panose="020B0604020202020204" pitchFamily="34" charset="0"/>
-              <a:buChar char="•"/>
-            </a:pPr>
-            <a:endParaRPr lang="es-ES" dirty="0">
-              <a:solidFill>
-                <a:schemeClr val="tx1"/>
-              </a:solidFill>
-              <a:sym typeface="Wingdings" panose="05000000000000000000" pitchFamily="2" charset="2"/>
-            </a:endParaRPr>
-          </a:p>
-          <a:p>
-            <a:pPr marL="285750" indent="-285750">
-              <a:buFont typeface="Arial" panose="020B0604020202020204" pitchFamily="34" charset="0"/>
-              <a:buChar char="•"/>
-            </a:pPr>
-            <a:r>
-              <a:rPr lang="es-ES" dirty="0" err="1">
-                <a:solidFill>
-                  <a:schemeClr val="tx1"/>
-                </a:solidFill>
-                <a:sym typeface="Wingdings" panose="05000000000000000000" pitchFamily="2" charset="2"/>
-              </a:rPr>
-              <a:t>Solution</a:t>
-            </a:r>
-            <a:r>
-              <a:rPr lang="es-ES" dirty="0">
-                <a:solidFill>
-                  <a:schemeClr val="tx1"/>
-                </a:solidFill>
-                <a:sym typeface="Wingdings" panose="05000000000000000000" pitchFamily="2" charset="2"/>
-              </a:rPr>
-              <a:t>  Bypass </a:t>
-            </a:r>
-            <a:r>
-              <a:rPr lang="es-ES" dirty="0" err="1">
-                <a:solidFill>
-                  <a:schemeClr val="tx1"/>
-                </a:solidFill>
-                <a:sym typeface="Wingdings" panose="05000000000000000000" pitchFamily="2" charset="2"/>
-              </a:rPr>
-              <a:t>diodes</a:t>
-            </a:r>
-            <a:r>
-              <a:rPr lang="es-ES" dirty="0">
-                <a:solidFill>
-                  <a:schemeClr val="tx1"/>
-                </a:solidFill>
-                <a:sym typeface="Wingdings" panose="05000000000000000000" pitchFamily="2" charset="2"/>
-              </a:rPr>
-              <a:t> </a:t>
-            </a:r>
-            <a:r>
-              <a:rPr lang="es-ES" dirty="0" err="1">
-                <a:solidFill>
-                  <a:schemeClr val="tx1"/>
-                </a:solidFill>
-                <a:sym typeface="Wingdings" panose="05000000000000000000" pitchFamily="2" charset="2"/>
-              </a:rPr>
-              <a:t>to</a:t>
-            </a:r>
-            <a:r>
-              <a:rPr lang="es-ES" dirty="0">
-                <a:solidFill>
-                  <a:schemeClr val="tx1"/>
-                </a:solidFill>
-                <a:sym typeface="Wingdings" panose="05000000000000000000" pitchFamily="2" charset="2"/>
-              </a:rPr>
-              <a:t> </a:t>
-            </a:r>
-            <a:r>
-              <a:rPr lang="es-ES" dirty="0" err="1">
-                <a:solidFill>
-                  <a:schemeClr val="tx1"/>
-                </a:solidFill>
-                <a:sym typeface="Wingdings" panose="05000000000000000000" pitchFamily="2" charset="2"/>
-              </a:rPr>
-              <a:t>keep</a:t>
-            </a:r>
-            <a:r>
-              <a:rPr lang="es-ES" dirty="0">
-                <a:solidFill>
-                  <a:schemeClr val="tx1"/>
-                </a:solidFill>
-                <a:sym typeface="Wingdings" panose="05000000000000000000" pitchFamily="2" charset="2"/>
-              </a:rPr>
-              <a:t> </a:t>
-            </a:r>
-            <a:r>
-              <a:rPr lang="es-ES" dirty="0" err="1">
-                <a:solidFill>
-                  <a:schemeClr val="tx1"/>
-                </a:solidFill>
-                <a:sym typeface="Wingdings" panose="05000000000000000000" pitchFamily="2" charset="2"/>
-              </a:rPr>
-              <a:t>the</a:t>
-            </a:r>
-            <a:r>
-              <a:rPr lang="es-ES" dirty="0">
-                <a:solidFill>
-                  <a:schemeClr val="tx1"/>
-                </a:solidFill>
-                <a:sym typeface="Wingdings" panose="05000000000000000000" pitchFamily="2" charset="2"/>
-              </a:rPr>
-              <a:t> </a:t>
-            </a:r>
-            <a:r>
-              <a:rPr lang="es-ES" dirty="0" err="1">
-                <a:solidFill>
-                  <a:schemeClr val="tx1"/>
-                </a:solidFill>
-                <a:sym typeface="Wingdings" panose="05000000000000000000" pitchFamily="2" charset="2"/>
-              </a:rPr>
-              <a:t>current</a:t>
-            </a:r>
-            <a:r>
-              <a:rPr lang="es-ES" dirty="0">
-                <a:solidFill>
-                  <a:schemeClr val="tx1"/>
-                </a:solidFill>
-                <a:sym typeface="Wingdings" panose="05000000000000000000" pitchFamily="2" charset="2"/>
-              </a:rPr>
-              <a:t> </a:t>
-            </a:r>
-            <a:r>
-              <a:rPr lang="es-ES" dirty="0" err="1">
-                <a:solidFill>
-                  <a:schemeClr val="tx1"/>
-                </a:solidFill>
-                <a:sym typeface="Wingdings" panose="05000000000000000000" pitchFamily="2" charset="2"/>
-              </a:rPr>
-              <a:t>flow</a:t>
-            </a:r>
-            <a:endParaRPr lang="es-ES" dirty="0">
-              <a:solidFill>
-                <a:schemeClr val="tx1"/>
-              </a:solidFill>
-              <a:sym typeface="Wingdings" panose="05000000000000000000" pitchFamily="2" charset="2"/>
-            </a:endParaRPr>
-          </a:p>
-          <a:p>
-            <a:pPr marL="285750" indent="-285750">
-              <a:buFont typeface="Arial" panose="020B0604020202020204" pitchFamily="34" charset="0"/>
-              <a:buChar char="•"/>
-            </a:pPr>
-            <a:endParaRPr lang="es-ES" dirty="0">
-              <a:solidFill>
-                <a:schemeClr val="tx1"/>
-              </a:solidFill>
-              <a:sym typeface="Wingdings" panose="05000000000000000000" pitchFamily="2" charset="2"/>
-            </a:endParaRPr>
-          </a:p>
-          <a:p>
-            <a:pPr marL="285750" indent="-285750">
-              <a:buFont typeface="Arial" panose="020B0604020202020204" pitchFamily="34" charset="0"/>
-              <a:buChar char="•"/>
-            </a:pPr>
-            <a:r>
-              <a:rPr lang="es-ES" dirty="0" err="1">
-                <a:solidFill>
-                  <a:schemeClr val="tx1"/>
-                </a:solidFill>
-                <a:sym typeface="Wingdings" panose="05000000000000000000" pitchFamily="2" charset="2"/>
-              </a:rPr>
-              <a:t>Problem</a:t>
-            </a:r>
-            <a:r>
-              <a:rPr lang="es-ES" dirty="0">
-                <a:solidFill>
-                  <a:schemeClr val="tx1"/>
-                </a:solidFill>
-                <a:sym typeface="Wingdings" panose="05000000000000000000" pitchFamily="2" charset="2"/>
-              </a:rPr>
-              <a:t>  PV </a:t>
-            </a:r>
-            <a:r>
-              <a:rPr lang="es-ES" dirty="0" err="1">
-                <a:solidFill>
-                  <a:schemeClr val="tx1"/>
-                </a:solidFill>
-                <a:sym typeface="Wingdings" panose="05000000000000000000" pitchFamily="2" charset="2"/>
-              </a:rPr>
-              <a:t>bypassed</a:t>
-            </a:r>
-            <a:r>
-              <a:rPr lang="es-ES" dirty="0">
-                <a:solidFill>
-                  <a:schemeClr val="tx1"/>
-                </a:solidFill>
-                <a:sym typeface="Wingdings" panose="05000000000000000000" pitchFamily="2" charset="2"/>
-              </a:rPr>
-              <a:t> module </a:t>
-            </a:r>
-            <a:r>
-              <a:rPr lang="es-ES" dirty="0" err="1">
-                <a:solidFill>
-                  <a:schemeClr val="tx1"/>
-                </a:solidFill>
-                <a:sym typeface="Wingdings" panose="05000000000000000000" pitchFamily="2" charset="2"/>
-              </a:rPr>
-              <a:t>power</a:t>
-            </a:r>
-            <a:r>
-              <a:rPr lang="es-ES" dirty="0">
-                <a:solidFill>
-                  <a:schemeClr val="tx1"/>
-                </a:solidFill>
-                <a:sym typeface="Wingdings" panose="05000000000000000000" pitchFamily="2" charset="2"/>
-              </a:rPr>
-              <a:t> </a:t>
-            </a:r>
-            <a:r>
-              <a:rPr lang="es-ES" dirty="0" err="1">
-                <a:solidFill>
-                  <a:schemeClr val="tx1"/>
-                </a:solidFill>
-                <a:sym typeface="Wingdings" panose="05000000000000000000" pitchFamily="2" charset="2"/>
-              </a:rPr>
-              <a:t>generation</a:t>
-            </a:r>
-            <a:r>
-              <a:rPr lang="es-ES" dirty="0">
-                <a:solidFill>
-                  <a:schemeClr val="tx1"/>
-                </a:solidFill>
-                <a:sym typeface="Wingdings" panose="05000000000000000000" pitchFamily="2" charset="2"/>
-              </a:rPr>
-              <a:t> = 0 !</a:t>
-            </a:r>
-          </a:p>
-          <a:p>
-            <a:pPr marL="285750" indent="-285750">
-              <a:buFont typeface="Arial" panose="020B0604020202020204" pitchFamily="34" charset="0"/>
-              <a:buChar char="•"/>
-            </a:pPr>
-            <a:endParaRPr lang="es-ES" dirty="0">
-              <a:solidFill>
-                <a:schemeClr val="tx1"/>
-              </a:solidFill>
-              <a:sym typeface="Wingdings" panose="05000000000000000000" pitchFamily="2" charset="2"/>
-            </a:endParaRPr>
-          </a:p>
-          <a:p>
-            <a:pPr marL="285750" indent="-285750">
-              <a:buFont typeface="Arial" panose="020B0604020202020204" pitchFamily="34" charset="0"/>
-              <a:buChar char="•"/>
-            </a:pPr>
-            <a:r>
-              <a:rPr lang="es-ES" dirty="0" err="1">
-                <a:solidFill>
-                  <a:schemeClr val="tx1"/>
-                </a:solidFill>
-                <a:sym typeface="Wingdings" panose="05000000000000000000" pitchFamily="2" charset="2"/>
-              </a:rPr>
-              <a:t>Advanced</a:t>
-            </a:r>
-            <a:r>
-              <a:rPr lang="es-ES" dirty="0">
-                <a:solidFill>
-                  <a:schemeClr val="tx1"/>
-                </a:solidFill>
-                <a:sym typeface="Wingdings" panose="05000000000000000000" pitchFamily="2" charset="2"/>
-              </a:rPr>
-              <a:t> </a:t>
-            </a:r>
-            <a:r>
-              <a:rPr lang="es-ES" dirty="0" err="1">
-                <a:solidFill>
-                  <a:schemeClr val="tx1"/>
-                </a:solidFill>
-                <a:sym typeface="Wingdings" panose="05000000000000000000" pitchFamily="2" charset="2"/>
-              </a:rPr>
-              <a:t>solution</a:t>
-            </a:r>
-            <a:r>
-              <a:rPr lang="es-ES" dirty="0">
-                <a:solidFill>
-                  <a:schemeClr val="tx1"/>
-                </a:solidFill>
-                <a:sym typeface="Wingdings" panose="05000000000000000000" pitchFamily="2" charset="2"/>
-              </a:rPr>
-              <a:t>  </a:t>
-            </a:r>
-            <a:r>
-              <a:rPr lang="es-ES" dirty="0" err="1">
-                <a:solidFill>
-                  <a:schemeClr val="tx1"/>
-                </a:solidFill>
-                <a:sym typeface="Wingdings" panose="05000000000000000000" pitchFamily="2" charset="2"/>
-              </a:rPr>
-              <a:t>Implementation</a:t>
-            </a:r>
-            <a:r>
-              <a:rPr lang="es-ES" dirty="0">
-                <a:solidFill>
-                  <a:schemeClr val="tx1"/>
-                </a:solidFill>
-                <a:sym typeface="Wingdings" panose="05000000000000000000" pitchFamily="2" charset="2"/>
-              </a:rPr>
-              <a:t> </a:t>
-            </a:r>
-            <a:r>
-              <a:rPr lang="es-ES" dirty="0" err="1">
-                <a:solidFill>
-                  <a:schemeClr val="tx1"/>
-                </a:solidFill>
-                <a:sym typeface="Wingdings" panose="05000000000000000000" pitchFamily="2" charset="2"/>
-              </a:rPr>
-              <a:t>of</a:t>
-            </a:r>
-            <a:r>
-              <a:rPr lang="es-ES" dirty="0">
-                <a:solidFill>
-                  <a:schemeClr val="tx1"/>
-                </a:solidFill>
-                <a:sym typeface="Wingdings" panose="05000000000000000000" pitchFamily="2" charset="2"/>
-              </a:rPr>
-              <a:t> </a:t>
-            </a:r>
-            <a:r>
-              <a:rPr lang="es-ES" dirty="0" err="1">
-                <a:solidFill>
-                  <a:schemeClr val="tx1"/>
-                </a:solidFill>
-                <a:sym typeface="Wingdings" panose="05000000000000000000" pitchFamily="2" charset="2"/>
-              </a:rPr>
-              <a:t>MICs</a:t>
-            </a:r>
-            <a:endParaRPr lang="es-ES" dirty="0">
-              <a:solidFill>
-                <a:schemeClr val="tx1"/>
-              </a:solidFill>
-              <a:sym typeface="Wingdings" panose="05000000000000000000" pitchFamily="2" charset="2"/>
-            </a:endParaRPr>
-          </a:p>
-          <a:p>
-            <a:pPr marL="285750" indent="-285750">
-              <a:buFont typeface="Arial" panose="020B0604020202020204" pitchFamily="34" charset="0"/>
-              <a:buChar char="•"/>
-            </a:pPr>
-            <a:endParaRPr lang="es-ES" dirty="0">
-              <a:solidFill>
-                <a:schemeClr val="tx1"/>
-              </a:solidFill>
-              <a:sym typeface="Wingdings" panose="05000000000000000000" pitchFamily="2" charset="2"/>
-            </a:endParaRPr>
-          </a:p>
-          <a:p>
-            <a:pPr marL="285750" indent="-285750">
-              <a:buFont typeface="Arial" panose="020B0604020202020204" pitchFamily="34" charset="0"/>
-              <a:buChar char="•"/>
-            </a:pPr>
-            <a:r>
-              <a:rPr lang="es-ES" dirty="0">
-                <a:solidFill>
-                  <a:schemeClr val="tx1"/>
-                </a:solidFill>
-                <a:sym typeface="Wingdings" panose="05000000000000000000" pitchFamily="2" charset="2"/>
-              </a:rPr>
-              <a:t>Non- </a:t>
-            </a:r>
-            <a:r>
-              <a:rPr lang="es-ES" dirty="0" err="1">
-                <a:solidFill>
-                  <a:schemeClr val="tx1"/>
-                </a:solidFill>
-                <a:sym typeface="Wingdings" panose="05000000000000000000" pitchFamily="2" charset="2"/>
-              </a:rPr>
-              <a:t>inverting</a:t>
-            </a:r>
-            <a:r>
-              <a:rPr lang="es-ES" dirty="0">
-                <a:solidFill>
-                  <a:schemeClr val="tx1"/>
-                </a:solidFill>
-                <a:sym typeface="Wingdings" panose="05000000000000000000" pitchFamily="2" charset="2"/>
-              </a:rPr>
-              <a:t> </a:t>
-            </a:r>
-            <a:r>
-              <a:rPr lang="es-ES" dirty="0" err="1">
-                <a:solidFill>
-                  <a:schemeClr val="tx1"/>
-                </a:solidFill>
-                <a:sym typeface="Wingdings" panose="05000000000000000000" pitchFamily="2" charset="2"/>
-              </a:rPr>
-              <a:t>buck-boost</a:t>
-            </a:r>
-            <a:r>
-              <a:rPr lang="es-ES" dirty="0">
-                <a:solidFill>
-                  <a:schemeClr val="tx1"/>
-                </a:solidFill>
-                <a:sym typeface="Wingdings" panose="05000000000000000000" pitchFamily="2" charset="2"/>
-              </a:rPr>
-              <a:t> </a:t>
-            </a:r>
-            <a:r>
-              <a:rPr lang="es-ES" dirty="0" err="1">
-                <a:solidFill>
-                  <a:schemeClr val="tx1"/>
-                </a:solidFill>
-                <a:sym typeface="Wingdings" panose="05000000000000000000" pitchFamily="2" charset="2"/>
-              </a:rPr>
-              <a:t>converter</a:t>
-            </a:r>
-            <a:r>
-              <a:rPr lang="es-ES" dirty="0">
-                <a:solidFill>
-                  <a:schemeClr val="tx1"/>
-                </a:solidFill>
-                <a:sym typeface="Wingdings" panose="05000000000000000000" pitchFamily="2" charset="2"/>
-              </a:rPr>
-              <a:t> </a:t>
-            </a:r>
-            <a:r>
-              <a:rPr lang="es-ES" dirty="0" err="1">
-                <a:solidFill>
-                  <a:schemeClr val="tx1"/>
-                </a:solidFill>
-                <a:sym typeface="Wingdings" panose="05000000000000000000" pitchFamily="2" charset="2"/>
-              </a:rPr>
-              <a:t>for</a:t>
-            </a:r>
-            <a:r>
-              <a:rPr lang="es-ES" dirty="0">
-                <a:solidFill>
-                  <a:schemeClr val="tx1"/>
-                </a:solidFill>
-                <a:sym typeface="Wingdings" panose="05000000000000000000" pitchFamily="2" charset="2"/>
-              </a:rPr>
-              <a:t> MPPT</a:t>
-            </a:r>
-          </a:p>
-          <a:p>
-            <a:pPr marL="285750" indent="-285750">
-              <a:buFont typeface="Arial" panose="020B0604020202020204" pitchFamily="34" charset="0"/>
-              <a:buChar char="•"/>
-            </a:pPr>
-            <a:endParaRPr lang="es-ES" dirty="0"/>
-          </a:p>
-        </p:txBody>
-      </p:sp>
-    </p:spTree>
-    <p:extLst>
-      <p:ext uri="{BB962C8B-B14F-4D97-AF65-F5344CB8AC3E}">
-        <p14:creationId xmlns:p14="http://schemas.microsoft.com/office/powerpoint/2010/main" val="466082300"/>
-      </p:ext>
-    </p:extLst>
-  </p:cSld>
-  <p:clrMapOvr>
-    <a:masterClrMapping/>
-  </p:clrMapOvr>
-</p:sld>
-</file>
-
-<file path=ppt/slides/slide15.xml><?xml version="1.0" encoding="utf-8"?>
-<p:sld xmlns:a="http://schemas.openxmlformats.org/drawingml/2006/main" xmlns:r="http://schemas.openxmlformats.org/officeDocument/2006/relationships" xmlns:p="http://schemas.openxmlformats.org/presentationml/2006/main">
-  <p:cSld>
-    <p:spTree>
-      <p:nvGrpSpPr>
-        <p:cNvPr id="1" name=""/>
-        <p:cNvGrpSpPr/>
-        <p:nvPr/>
-      </p:nvGrpSpPr>
-      <p:grpSpPr>
-        <a:xfrm>
-          <a:off x="0" y="0"/>
-          <a:ext cx="0" cy="0"/>
-          <a:chOff x="0" y="0"/>
-          <a:chExt cx="0" cy="0"/>
-        </a:xfrm>
-      </p:grpSpPr>
-      <p:sp>
-        <p:nvSpPr>
-          <p:cNvPr id="2" name="Pladsholder til slidenummer 1">
-            <a:extLst>
-              <a:ext uri="{FF2B5EF4-FFF2-40B4-BE49-F238E27FC236}">
-                <a16:creationId xmlns:a16="http://schemas.microsoft.com/office/drawing/2014/main" id="{6FC65677-B603-4E1E-8F95-7DABEFE7B9A2}"/>
-              </a:ext>
-            </a:extLst>
-          </p:cNvPr>
-          <p:cNvSpPr>
-            <a:spLocks noGrp="1"/>
-          </p:cNvSpPr>
-          <p:nvPr>
-            <p:ph type="sldNum" idx="12"/>
-          </p:nvPr>
-        </p:nvSpPr>
-        <p:spPr>
-          <a:xfrm>
-            <a:off x="6553200" y="4767264"/>
-            <a:ext cx="2133600" cy="273900"/>
-          </a:xfrm>
-        </p:spPr>
-        <p:txBody>
-          <a:bodyPr/>
-          <a:lstStyle/>
-          <a:p>
-            <a:pPr lvl="0" algn="r">
-              <a:buSzPct val="25000"/>
-            </a:pPr>
-            <a:r>
-              <a:rPr lang="da" sz="1000" b="0" i="0" u="none" strike="noStrike" cap="none" dirty="0">
-                <a:solidFill>
-                  <a:srgbClr val="54616E"/>
-                </a:solidFill>
-                <a:latin typeface="Arial"/>
-                <a:ea typeface="Arial"/>
-                <a:cs typeface="Arial"/>
-                <a:sym typeface="Arial"/>
-              </a:rPr>
-              <a:t>9/11</a:t>
-            </a:r>
-          </a:p>
-        </p:txBody>
-      </p:sp>
-      <p:sp>
-        <p:nvSpPr>
-          <p:cNvPr id="3" name="Titel 2">
-            <a:extLst>
-              <a:ext uri="{FF2B5EF4-FFF2-40B4-BE49-F238E27FC236}">
-                <a16:creationId xmlns:a16="http://schemas.microsoft.com/office/drawing/2014/main" id="{BAD2D4CC-ACAB-4C22-9AA4-2978B27CB069}"/>
-              </a:ext>
-            </a:extLst>
-          </p:cNvPr>
-          <p:cNvSpPr>
-            <a:spLocks noGrp="1"/>
-          </p:cNvSpPr>
-          <p:nvPr>
-            <p:ph type="title"/>
-          </p:nvPr>
-        </p:nvSpPr>
-        <p:spPr>
-          <a:xfrm>
-            <a:off x="457200" y="205977"/>
-            <a:ext cx="8229600" cy="582299"/>
-          </a:xfrm>
-        </p:spPr>
-        <p:txBody>
-          <a:bodyPr/>
-          <a:lstStyle/>
-          <a:p>
-            <a:r>
-              <a:rPr lang="da-DK" dirty="0">
-                <a:latin typeface="Times New Roman" panose="02020603050405020304" pitchFamily="18" charset="0"/>
-                <a:cs typeface="Times New Roman" panose="02020603050405020304" pitchFamily="18" charset="0"/>
-              </a:rPr>
-              <a:t>AGENDA</a:t>
-            </a:r>
-            <a:endParaRPr lang="en-US" dirty="0">
-              <a:latin typeface="Times New Roman" panose="02020603050405020304" pitchFamily="18" charset="0"/>
-              <a:cs typeface="Times New Roman" panose="02020603050405020304" pitchFamily="18" charset="0"/>
-            </a:endParaRPr>
-          </a:p>
-        </p:txBody>
-      </p:sp>
-      <p:sp>
-        <p:nvSpPr>
-          <p:cNvPr id="4" name="Pladsholder til tekst 3">
-            <a:extLst>
-              <a:ext uri="{FF2B5EF4-FFF2-40B4-BE49-F238E27FC236}">
-                <a16:creationId xmlns:a16="http://schemas.microsoft.com/office/drawing/2014/main" id="{441F1E0B-EE15-4F8C-B4AB-0F27D0475D14}"/>
-              </a:ext>
-            </a:extLst>
-          </p:cNvPr>
-          <p:cNvSpPr>
-            <a:spLocks noGrp="1"/>
-          </p:cNvSpPr>
-          <p:nvPr>
-            <p:ph type="body" idx="1"/>
-          </p:nvPr>
-        </p:nvSpPr>
-        <p:spPr>
-          <a:xfrm>
-            <a:off x="457200" y="922955"/>
-            <a:ext cx="8229600" cy="3508954"/>
-          </a:xfrm>
-        </p:spPr>
-        <p:txBody>
-          <a:bodyPr/>
-          <a:lstStyle/>
-          <a:p>
-            <a:r>
-              <a:rPr lang="da-DK" dirty="0">
-                <a:latin typeface="Times New Roman" panose="02020603050405020304" pitchFamily="18" charset="0"/>
-                <a:cs typeface="Times New Roman" panose="02020603050405020304" pitchFamily="18" charset="0"/>
-              </a:rPr>
-              <a:t>INTRODUCTION</a:t>
-            </a:r>
-          </a:p>
-          <a:p>
-            <a:pPr marL="742950" lvl="2" indent="-228600"/>
-            <a:r>
-              <a:rPr lang="da-DK" dirty="0">
-                <a:latin typeface="Times New Roman" panose="02020603050405020304" pitchFamily="18" charset="0"/>
-                <a:cs typeface="Times New Roman" panose="02020603050405020304" pitchFamily="18" charset="0"/>
-              </a:rPr>
-              <a:t>PV generation</a:t>
-            </a:r>
-          </a:p>
-          <a:p>
-            <a:pPr marL="742950" lvl="2" indent="-228600"/>
-            <a:r>
-              <a:rPr lang="da-DK" dirty="0">
-                <a:latin typeface="Times New Roman" panose="02020603050405020304" pitchFamily="18" charset="0"/>
-                <a:cs typeface="Times New Roman" panose="02020603050405020304" pitchFamily="18" charset="0"/>
-              </a:rPr>
-              <a:t>Module Integrated Converter (MIC)</a:t>
-            </a:r>
-          </a:p>
-          <a:p>
-            <a:pPr marL="114300" lvl="1" indent="0">
-              <a:buNone/>
-            </a:pPr>
-            <a:endParaRPr lang="da-DK" dirty="0">
-              <a:latin typeface="Times New Roman" panose="02020603050405020304" pitchFamily="18" charset="0"/>
-              <a:cs typeface="Times New Roman" panose="02020603050405020304" pitchFamily="18" charset="0"/>
-            </a:endParaRPr>
-          </a:p>
-          <a:p>
-            <a:r>
-              <a:rPr lang="da-DK" dirty="0">
-                <a:latin typeface="Times New Roman" panose="02020603050405020304" pitchFamily="18" charset="0"/>
-                <a:cs typeface="Times New Roman" panose="02020603050405020304" pitchFamily="18" charset="0"/>
-              </a:rPr>
-              <a:t>PROBLEM ANALYSIS</a:t>
-            </a:r>
-          </a:p>
-          <a:p>
-            <a:pPr marL="742950" lvl="2" indent="-228600"/>
-            <a:r>
-              <a:rPr lang="da-DK" b="1" dirty="0">
-                <a:latin typeface="Times New Roman" panose="02020603050405020304" pitchFamily="18" charset="0"/>
-                <a:cs typeface="Times New Roman" panose="02020603050405020304" pitchFamily="18" charset="0"/>
-              </a:rPr>
-              <a:t>Problem statement</a:t>
-            </a:r>
-          </a:p>
-          <a:p>
-            <a:endParaRPr lang="da-DK" dirty="0">
-              <a:latin typeface="Times New Roman" panose="02020603050405020304" pitchFamily="18" charset="0"/>
-              <a:cs typeface="Times New Roman" panose="02020603050405020304" pitchFamily="18" charset="0"/>
-            </a:endParaRPr>
-          </a:p>
-          <a:p>
-            <a:r>
-              <a:rPr lang="da-DK" dirty="0">
-                <a:latin typeface="Times New Roman" panose="02020603050405020304" pitchFamily="18" charset="0"/>
-                <a:cs typeface="Times New Roman" panose="02020603050405020304" pitchFamily="18" charset="0"/>
-              </a:rPr>
-              <a:t>FUTURE WORK</a:t>
-            </a:r>
-          </a:p>
-          <a:p>
-            <a:pPr marL="114300" indent="0">
-              <a:buNone/>
-            </a:pPr>
-            <a:endParaRPr lang="da-DK" sz="1400" dirty="0"/>
-          </a:p>
-        </p:txBody>
-      </p:sp>
-      <p:sp>
-        <p:nvSpPr>
-          <p:cNvPr id="5" name="Pladsholder til dato 3">
-            <a:extLst>
-              <a:ext uri="{FF2B5EF4-FFF2-40B4-BE49-F238E27FC236}">
-                <a16:creationId xmlns:a16="http://schemas.microsoft.com/office/drawing/2014/main" id="{6AA825D5-5F64-49E2-BA19-3ACE2BA08BAE}"/>
-              </a:ext>
-            </a:extLst>
-          </p:cNvPr>
-          <p:cNvSpPr>
-            <a:spLocks noGrp="1"/>
-          </p:cNvSpPr>
-          <p:nvPr>
-            <p:ph type="dt" sz="half" idx="10"/>
-          </p:nvPr>
-        </p:nvSpPr>
-        <p:spPr>
-          <a:xfrm>
-            <a:off x="403147" y="4736893"/>
-            <a:ext cx="2133600" cy="304271"/>
-          </a:xfrm>
-        </p:spPr>
-        <p:txBody>
-          <a:bodyPr/>
-          <a:lstStyle/>
-          <a:p>
-            <a:r>
-              <a:rPr lang="da-DK" dirty="0"/>
-              <a:t>Name presenter</a:t>
-            </a:r>
-          </a:p>
-          <a:p>
-            <a:endParaRPr lang="da-DK" dirty="0"/>
-          </a:p>
-        </p:txBody>
-      </p:sp>
-    </p:spTree>
-    <p:extLst>
-      <p:ext uri="{BB962C8B-B14F-4D97-AF65-F5344CB8AC3E}">
-        <p14:creationId xmlns:p14="http://schemas.microsoft.com/office/powerpoint/2010/main" val="3052673119"/>
-      </p:ext>
-    </p:extLst>
-  </p:cSld>
-  <p:clrMapOvr>
-    <a:masterClrMapping/>
-  </p:clrMapOvr>
-</p:sld>
-</file>
-
-<file path=ppt/slides/slide16.xml><?xml version="1.0" encoding="utf-8"?>
-<p:sld xmlns:a="http://schemas.openxmlformats.org/drawingml/2006/main" xmlns:r="http://schemas.openxmlformats.org/officeDocument/2006/relationships" xmlns:p="http://schemas.openxmlformats.org/presentationml/2006/main">
-  <p:cSld>
-    <p:spTree>
-      <p:nvGrpSpPr>
-        <p:cNvPr id="1" name=""/>
-        <p:cNvGrpSpPr/>
-        <p:nvPr/>
-      </p:nvGrpSpPr>
-      <p:grpSpPr>
-        <a:xfrm>
-          <a:off x="0" y="0"/>
-          <a:ext cx="0" cy="0"/>
-          <a:chOff x="0" y="0"/>
-          <a:chExt cx="0" cy="0"/>
-        </a:xfrm>
-      </p:grpSpPr>
-      <p:sp>
-        <p:nvSpPr>
-          <p:cNvPr id="2" name="Titel 1">
-            <a:extLst>
-              <a:ext uri="{FF2B5EF4-FFF2-40B4-BE49-F238E27FC236}">
-                <a16:creationId xmlns:a16="http://schemas.microsoft.com/office/drawing/2014/main" id="{7A41F82B-177A-4594-B9B4-405109C97155}"/>
-              </a:ext>
-            </a:extLst>
-          </p:cNvPr>
-          <p:cNvSpPr>
-            <a:spLocks noGrp="1"/>
-          </p:cNvSpPr>
-          <p:nvPr>
-            <p:ph type="title"/>
-          </p:nvPr>
-        </p:nvSpPr>
-        <p:spPr>
-          <a:xfrm>
-            <a:off x="457200" y="192464"/>
-            <a:ext cx="8348968" cy="636352"/>
-          </a:xfrm>
-        </p:spPr>
-        <p:txBody>
-          <a:bodyPr/>
-          <a:lstStyle/>
-          <a:p>
-            <a:r>
-              <a:rPr lang="da-DK" dirty="0">
-                <a:solidFill>
-                  <a:schemeClr val="tx1"/>
-                </a:solidFill>
-                <a:latin typeface="Times New Roman" panose="02020603050405020304" pitchFamily="18" charset="0"/>
-                <a:cs typeface="Times New Roman" panose="02020603050405020304" pitchFamily="18" charset="0"/>
-              </a:rPr>
-              <a:t>PROBLEM ANALYSIS -  Problem statement</a:t>
-            </a:r>
-            <a:endParaRPr lang="en-US" dirty="0">
-              <a:solidFill>
-                <a:schemeClr val="tx1"/>
-              </a:solidFill>
-              <a:latin typeface="Times New Roman" panose="02020603050405020304" pitchFamily="18" charset="0"/>
-              <a:cs typeface="Times New Roman" panose="02020603050405020304" pitchFamily="18" charset="0"/>
-            </a:endParaRPr>
-          </a:p>
-        </p:txBody>
-      </p:sp>
-      <p:sp>
-        <p:nvSpPr>
-          <p:cNvPr id="5" name="Pladsholder til slidenummer 4">
-            <a:extLst>
-              <a:ext uri="{FF2B5EF4-FFF2-40B4-BE49-F238E27FC236}">
-                <a16:creationId xmlns:a16="http://schemas.microsoft.com/office/drawing/2014/main" id="{4CF00402-4836-49BB-85FA-4CD4C7A794E5}"/>
-              </a:ext>
-            </a:extLst>
-          </p:cNvPr>
-          <p:cNvSpPr>
-            <a:spLocks noGrp="1"/>
-          </p:cNvSpPr>
-          <p:nvPr>
-            <p:ph type="sldNum" idx="12"/>
-          </p:nvPr>
-        </p:nvSpPr>
-        <p:spPr/>
-        <p:txBody>
-          <a:bodyPr/>
-          <a:lstStyle/>
-          <a:p>
-            <a:pPr lvl="0" algn="r">
-              <a:buSzPct val="25000"/>
-            </a:pPr>
-            <a:r>
-              <a:rPr lang="da" sz="1000" b="0" i="0" u="none" strike="noStrike" cap="none" dirty="0">
-                <a:solidFill>
-                  <a:srgbClr val="54616E"/>
-                </a:solidFill>
-                <a:latin typeface="Arial"/>
-                <a:ea typeface="Arial"/>
-                <a:cs typeface="Arial"/>
-                <a:sym typeface="Arial"/>
-              </a:rPr>
-              <a:t>1</a:t>
-            </a:r>
-            <a:r>
-              <a:rPr lang="de-DE" sz="1000" dirty="0">
-                <a:solidFill>
-                  <a:srgbClr val="54616E"/>
-                </a:solidFill>
-              </a:rPr>
-              <a:t>0/11</a:t>
-            </a:r>
-            <a:endParaRPr lang="da" sz="1000" b="0" i="0" u="none" strike="noStrike" cap="none" dirty="0">
-              <a:solidFill>
-                <a:srgbClr val="54616E"/>
-              </a:solidFill>
-              <a:latin typeface="Arial"/>
-              <a:ea typeface="Arial"/>
-              <a:cs typeface="Arial"/>
-              <a:sym typeface="Arial"/>
-            </a:endParaRPr>
-          </a:p>
-        </p:txBody>
-      </p:sp>
-      <p:sp>
-        <p:nvSpPr>
-          <p:cNvPr id="6" name="Pladsholder til dato 3">
-            <a:extLst>
-              <a:ext uri="{FF2B5EF4-FFF2-40B4-BE49-F238E27FC236}">
-                <a16:creationId xmlns:a16="http://schemas.microsoft.com/office/drawing/2014/main" id="{F4838450-7D83-4704-9410-F82812C0E789}"/>
-              </a:ext>
-            </a:extLst>
-          </p:cNvPr>
-          <p:cNvSpPr>
-            <a:spLocks noGrp="1"/>
-          </p:cNvSpPr>
-          <p:nvPr>
-            <p:ph type="dt" sz="half" idx="10"/>
-          </p:nvPr>
-        </p:nvSpPr>
-        <p:spPr>
-          <a:xfrm>
-            <a:off x="403147" y="4736893"/>
-            <a:ext cx="2133600" cy="304271"/>
-          </a:xfrm>
-        </p:spPr>
-        <p:txBody>
-          <a:bodyPr/>
-          <a:lstStyle/>
-          <a:p>
-            <a:r>
-              <a:rPr lang="da-DK" dirty="0"/>
-              <a:t>Marianne Rasborg Knudsen</a:t>
-            </a:r>
-          </a:p>
-        </p:txBody>
-      </p:sp>
-      <p:sp>
-        <p:nvSpPr>
-          <p:cNvPr id="8" name="CuadroTexto 7">
-            <a:extLst>
-              <a:ext uri="{FF2B5EF4-FFF2-40B4-BE49-F238E27FC236}">
-                <a16:creationId xmlns:a16="http://schemas.microsoft.com/office/drawing/2014/main" id="{BCEA971B-D870-490F-8EC4-65A19DC6D0B9}"/>
-              </a:ext>
-            </a:extLst>
-          </p:cNvPr>
-          <p:cNvSpPr txBox="1"/>
-          <p:nvPr/>
-        </p:nvSpPr>
-        <p:spPr>
-          <a:xfrm>
-            <a:off x="4631684" y="4132521"/>
-            <a:ext cx="45719" cy="307777"/>
-          </a:xfrm>
-          <a:prstGeom prst="rect">
-            <a:avLst/>
-          </a:prstGeom>
-          <a:noFill/>
-        </p:spPr>
-        <p:txBody>
-          <a:bodyPr wrap="square" rtlCol="0">
-            <a:spAutoFit/>
-          </a:bodyPr>
-          <a:lstStyle/>
-          <a:p>
-            <a:endParaRPr lang="es-ES" dirty="0"/>
-          </a:p>
-        </p:txBody>
-      </p:sp>
-      <p:sp>
-        <p:nvSpPr>
-          <p:cNvPr id="10" name="CuadroTexto 9">
-            <a:extLst>
-              <a:ext uri="{FF2B5EF4-FFF2-40B4-BE49-F238E27FC236}">
-                <a16:creationId xmlns:a16="http://schemas.microsoft.com/office/drawing/2014/main" id="{4D642FBE-958C-46FE-A68B-A4E878B3DBC0}"/>
-              </a:ext>
-            </a:extLst>
-          </p:cNvPr>
-          <p:cNvSpPr txBox="1"/>
-          <p:nvPr/>
-        </p:nvSpPr>
-        <p:spPr>
-          <a:xfrm>
-            <a:off x="978195" y="1084522"/>
-            <a:ext cx="7074195" cy="3611245"/>
-          </a:xfrm>
-          <a:prstGeom prst="rect">
-            <a:avLst/>
-          </a:prstGeom>
-          <a:noFill/>
-        </p:spPr>
-        <p:txBody>
-          <a:bodyPr wrap="square" rtlCol="0">
-            <a:spAutoFit/>
-          </a:bodyPr>
-          <a:lstStyle/>
-          <a:p>
-            <a:pPr algn="ctr"/>
-            <a:r>
-              <a:rPr lang="es-ES" sz="1800" b="1" dirty="0" err="1">
-                <a:latin typeface="Times New Roman" panose="02020603050405020304" pitchFamily="18" charset="0"/>
-                <a:cs typeface="Times New Roman" panose="02020603050405020304" pitchFamily="18" charset="0"/>
-              </a:rPr>
-              <a:t>How</a:t>
-            </a:r>
-            <a:r>
-              <a:rPr lang="es-ES" sz="1800" b="1" dirty="0">
-                <a:latin typeface="Times New Roman" panose="02020603050405020304" pitchFamily="18" charset="0"/>
-                <a:cs typeface="Times New Roman" panose="02020603050405020304" pitchFamily="18" charset="0"/>
-              </a:rPr>
-              <a:t> can a module </a:t>
-            </a:r>
-            <a:r>
-              <a:rPr lang="es-ES" sz="1800" b="1" dirty="0" err="1">
-                <a:latin typeface="Times New Roman" panose="02020603050405020304" pitchFamily="18" charset="0"/>
-                <a:cs typeface="Times New Roman" panose="02020603050405020304" pitchFamily="18" charset="0"/>
-              </a:rPr>
-              <a:t>integrated</a:t>
-            </a:r>
-            <a:r>
-              <a:rPr lang="es-ES" sz="1800" b="1" dirty="0">
-                <a:latin typeface="Times New Roman" panose="02020603050405020304" pitchFamily="18" charset="0"/>
-                <a:cs typeface="Times New Roman" panose="02020603050405020304" pitchFamily="18" charset="0"/>
-              </a:rPr>
-              <a:t> </a:t>
-            </a:r>
-            <a:r>
-              <a:rPr lang="es-ES" sz="1800" b="1" dirty="0" err="1">
-                <a:latin typeface="Times New Roman" panose="02020603050405020304" pitchFamily="18" charset="0"/>
-                <a:cs typeface="Times New Roman" panose="02020603050405020304" pitchFamily="18" charset="0"/>
-              </a:rPr>
-              <a:t>converter</a:t>
-            </a:r>
-            <a:r>
-              <a:rPr lang="es-ES" sz="1800" b="1" dirty="0">
-                <a:latin typeface="Times New Roman" panose="02020603050405020304" pitchFamily="18" charset="0"/>
-                <a:cs typeface="Times New Roman" panose="02020603050405020304" pitchFamily="18" charset="0"/>
-              </a:rPr>
-              <a:t> be </a:t>
-            </a:r>
-            <a:r>
-              <a:rPr lang="es-ES" sz="1800" b="1" dirty="0" err="1">
-                <a:latin typeface="Times New Roman" panose="02020603050405020304" pitchFamily="18" charset="0"/>
-                <a:cs typeface="Times New Roman" panose="02020603050405020304" pitchFamily="18" charset="0"/>
-              </a:rPr>
-              <a:t>designed</a:t>
-            </a:r>
-            <a:r>
-              <a:rPr lang="es-ES" sz="1800" b="1" dirty="0">
-                <a:latin typeface="Times New Roman" panose="02020603050405020304" pitchFamily="18" charset="0"/>
-                <a:cs typeface="Times New Roman" panose="02020603050405020304" pitchFamily="18" charset="0"/>
-              </a:rPr>
-              <a:t> </a:t>
-            </a:r>
-            <a:r>
-              <a:rPr lang="es-ES" sz="1800" b="1" dirty="0" err="1">
-                <a:latin typeface="Times New Roman" panose="02020603050405020304" pitchFamily="18" charset="0"/>
-                <a:cs typeface="Times New Roman" panose="02020603050405020304" pitchFamily="18" charset="0"/>
-              </a:rPr>
-              <a:t>to</a:t>
-            </a:r>
-            <a:r>
-              <a:rPr lang="es-ES" sz="1800" b="1" dirty="0">
-                <a:latin typeface="Times New Roman" panose="02020603050405020304" pitchFamily="18" charset="0"/>
-                <a:cs typeface="Times New Roman" panose="02020603050405020304" pitchFamily="18" charset="0"/>
-              </a:rPr>
-              <a:t> </a:t>
-            </a:r>
-            <a:r>
-              <a:rPr lang="es-ES" sz="1800" b="1" dirty="0" err="1">
-                <a:latin typeface="Times New Roman" panose="02020603050405020304" pitchFamily="18" charset="0"/>
-                <a:cs typeface="Times New Roman" panose="02020603050405020304" pitchFamily="18" charset="0"/>
-              </a:rPr>
-              <a:t>maximize</a:t>
-            </a:r>
-            <a:r>
-              <a:rPr lang="es-ES" sz="1800" b="1" dirty="0">
-                <a:latin typeface="Times New Roman" panose="02020603050405020304" pitchFamily="18" charset="0"/>
-                <a:cs typeface="Times New Roman" panose="02020603050405020304" pitchFamily="18" charset="0"/>
-              </a:rPr>
-              <a:t> </a:t>
-            </a:r>
-            <a:r>
-              <a:rPr lang="es-ES" sz="1800" b="1" dirty="0" err="1">
-                <a:latin typeface="Times New Roman" panose="02020603050405020304" pitchFamily="18" charset="0"/>
-                <a:cs typeface="Times New Roman" panose="02020603050405020304" pitchFamily="18" charset="0"/>
-              </a:rPr>
-              <a:t>the</a:t>
-            </a:r>
-            <a:r>
-              <a:rPr lang="es-ES" sz="1800" b="1" dirty="0">
-                <a:latin typeface="Times New Roman" panose="02020603050405020304" pitchFamily="18" charset="0"/>
-                <a:cs typeface="Times New Roman" panose="02020603050405020304" pitchFamily="18" charset="0"/>
-              </a:rPr>
-              <a:t> PV </a:t>
-            </a:r>
-            <a:r>
-              <a:rPr lang="es-ES" sz="1800" b="1" dirty="0" err="1">
-                <a:latin typeface="Times New Roman" panose="02020603050405020304" pitchFamily="18" charset="0"/>
-                <a:cs typeface="Times New Roman" panose="02020603050405020304" pitchFamily="18" charset="0"/>
-              </a:rPr>
-              <a:t>power</a:t>
-            </a:r>
-            <a:r>
-              <a:rPr lang="es-ES" sz="1800" b="1" dirty="0">
-                <a:latin typeface="Times New Roman" panose="02020603050405020304" pitchFamily="18" charset="0"/>
-                <a:cs typeface="Times New Roman" panose="02020603050405020304" pitchFamily="18" charset="0"/>
-              </a:rPr>
-              <a:t> </a:t>
-            </a:r>
-            <a:r>
-              <a:rPr lang="es-ES" sz="1800" b="1" dirty="0" err="1">
-                <a:latin typeface="Times New Roman" panose="02020603050405020304" pitchFamily="18" charset="0"/>
-                <a:cs typeface="Times New Roman" panose="02020603050405020304" pitchFamily="18" charset="0"/>
-              </a:rPr>
-              <a:t>generation</a:t>
-            </a:r>
-            <a:r>
-              <a:rPr lang="es-ES" sz="1800" b="1" dirty="0">
-                <a:latin typeface="Times New Roman" panose="02020603050405020304" pitchFamily="18" charset="0"/>
-                <a:cs typeface="Times New Roman" panose="02020603050405020304" pitchFamily="18" charset="0"/>
-              </a:rPr>
-              <a:t> </a:t>
-            </a:r>
-            <a:r>
-              <a:rPr lang="es-ES" sz="1800" b="1" dirty="0" err="1">
-                <a:latin typeface="Times New Roman" panose="02020603050405020304" pitchFamily="18" charset="0"/>
-                <a:cs typeface="Times New Roman" panose="02020603050405020304" pitchFamily="18" charset="0"/>
-              </a:rPr>
-              <a:t>under</a:t>
-            </a:r>
-            <a:r>
-              <a:rPr lang="es-ES" sz="1800" b="1" dirty="0">
-                <a:latin typeface="Times New Roman" panose="02020603050405020304" pitchFamily="18" charset="0"/>
-                <a:cs typeface="Times New Roman" panose="02020603050405020304" pitchFamily="18" charset="0"/>
-              </a:rPr>
-              <a:t> real </a:t>
-            </a:r>
-            <a:r>
-              <a:rPr lang="es-ES" sz="1800" b="1" dirty="0" err="1">
-                <a:latin typeface="Times New Roman" panose="02020603050405020304" pitchFamily="18" charset="0"/>
-                <a:cs typeface="Times New Roman" panose="02020603050405020304" pitchFamily="18" charset="0"/>
-              </a:rPr>
-              <a:t>conditions</a:t>
-            </a:r>
-            <a:r>
-              <a:rPr lang="es-ES" sz="1800" b="1" dirty="0">
-                <a:latin typeface="Times New Roman" panose="02020603050405020304" pitchFamily="18" charset="0"/>
-                <a:cs typeface="Times New Roman" panose="02020603050405020304" pitchFamily="18" charset="0"/>
-              </a:rPr>
-              <a:t>? </a:t>
-            </a:r>
-            <a:endParaRPr lang="es-ES" sz="1800" b="1" dirty="0">
-              <a:latin typeface="Times New Roman" panose="02020603050405020304" pitchFamily="18" charset="0"/>
-              <a:cs typeface="Times New Roman" panose="02020603050405020304" pitchFamily="18" charset="0"/>
-              <a:sym typeface="Wingdings" panose="05000000000000000000" pitchFamily="2" charset="2"/>
-            </a:endParaRPr>
-          </a:p>
-          <a:p>
-            <a:pPr marL="1028700">
-              <a:spcBef>
-                <a:spcPts val="360"/>
-              </a:spcBef>
-              <a:buClr>
-                <a:srgbClr val="211A52"/>
-              </a:buClr>
-              <a:buSzPct val="100000"/>
-            </a:pPr>
-            <a:endParaRPr lang="es-ES" sz="1800" dirty="0">
-              <a:solidFill>
-                <a:srgbClr val="211A52"/>
-              </a:solidFill>
-              <a:latin typeface="Times New Roman" panose="02020603050405020304" pitchFamily="18" charset="0"/>
-              <a:cs typeface="Times New Roman" panose="02020603050405020304" pitchFamily="18" charset="0"/>
-              <a:sym typeface="Wingdings" panose="05000000000000000000" pitchFamily="2" charset="2"/>
-            </a:endParaRPr>
-          </a:p>
-          <a:p>
-            <a:pPr marL="1028700">
-              <a:spcBef>
-                <a:spcPts val="360"/>
-              </a:spcBef>
-              <a:buClr>
-                <a:srgbClr val="211A52"/>
-              </a:buClr>
-              <a:buSzPct val="100000"/>
-            </a:pPr>
-            <a:endParaRPr lang="es-ES" sz="1800" dirty="0">
-              <a:solidFill>
-                <a:srgbClr val="211A52"/>
-              </a:solidFill>
-              <a:latin typeface="Times New Roman" panose="02020603050405020304" pitchFamily="18" charset="0"/>
-              <a:cs typeface="Times New Roman" panose="02020603050405020304" pitchFamily="18" charset="0"/>
-              <a:sym typeface="Wingdings" panose="05000000000000000000" pitchFamily="2" charset="2"/>
-            </a:endParaRPr>
-          </a:p>
-          <a:p>
-            <a:pPr marL="1314450" indent="-285750">
-              <a:spcBef>
-                <a:spcPts val="360"/>
-              </a:spcBef>
-              <a:buClr>
-                <a:srgbClr val="211A52"/>
-              </a:buClr>
-              <a:buSzPct val="100000"/>
-              <a:buFont typeface="Wingdings" panose="05000000000000000000" pitchFamily="2" charset="2"/>
-              <a:buChar char="ü"/>
-            </a:pPr>
-            <a:r>
-              <a:rPr lang="es-ES" sz="1800" b="1" dirty="0" err="1">
-                <a:solidFill>
-                  <a:srgbClr val="211A52"/>
-                </a:solidFill>
-                <a:latin typeface="Times New Roman" panose="02020603050405020304" pitchFamily="18" charset="0"/>
-                <a:cs typeface="Times New Roman" panose="02020603050405020304" pitchFamily="18" charset="0"/>
-                <a:sym typeface="Wingdings" panose="05000000000000000000" pitchFamily="2" charset="2"/>
-              </a:rPr>
-              <a:t>Objectives</a:t>
-            </a:r>
-            <a:r>
-              <a:rPr lang="es-ES" sz="1800" b="1" dirty="0">
-                <a:solidFill>
-                  <a:srgbClr val="211A52"/>
-                </a:solidFill>
-                <a:latin typeface="Times New Roman" panose="02020603050405020304" pitchFamily="18" charset="0"/>
-                <a:cs typeface="Times New Roman" panose="02020603050405020304" pitchFamily="18" charset="0"/>
-                <a:sym typeface="Wingdings" panose="05000000000000000000" pitchFamily="2" charset="2"/>
-              </a:rPr>
-              <a:t>:</a:t>
-            </a:r>
-            <a:endParaRPr lang="da-DK" sz="1800" b="1" dirty="0">
-              <a:solidFill>
-                <a:srgbClr val="211A52"/>
-              </a:solidFill>
-              <a:latin typeface="Times New Roman" panose="02020603050405020304" pitchFamily="18" charset="0"/>
-              <a:cs typeface="Times New Roman" panose="02020603050405020304" pitchFamily="18" charset="0"/>
-            </a:endParaRPr>
-          </a:p>
-          <a:p>
-            <a:pPr marL="1143000" lvl="2" indent="-114300">
-              <a:spcBef>
-                <a:spcPts val="360"/>
-              </a:spcBef>
-              <a:buClr>
-                <a:srgbClr val="211A52"/>
-              </a:buClr>
-              <a:buSzPct val="100000"/>
-              <a:buFont typeface="Arial" panose="020B0604020202020204" pitchFamily="34" charset="0"/>
-              <a:buChar char="•"/>
-            </a:pPr>
-            <a:r>
-              <a:rPr lang="da-DK" dirty="0">
-                <a:solidFill>
-                  <a:srgbClr val="211A52"/>
-                </a:solidFill>
-                <a:latin typeface="Times New Roman" panose="02020603050405020304" pitchFamily="18" charset="0"/>
-                <a:cs typeface="Times New Roman" panose="02020603050405020304" pitchFamily="18" charset="0"/>
-              </a:rPr>
-              <a:t>Design of DC-DC converter.</a:t>
-            </a:r>
-          </a:p>
-          <a:p>
-            <a:pPr marL="1143000" lvl="2" indent="-114300">
-              <a:spcBef>
-                <a:spcPts val="360"/>
-              </a:spcBef>
-              <a:buClr>
-                <a:srgbClr val="211A52"/>
-              </a:buClr>
-              <a:buSzPct val="100000"/>
-              <a:buFont typeface="Arial" panose="020B0604020202020204" pitchFamily="34" charset="0"/>
-              <a:buChar char="•"/>
-            </a:pPr>
-            <a:r>
-              <a:rPr lang="da-DK" dirty="0">
-                <a:solidFill>
-                  <a:srgbClr val="211A52"/>
-                </a:solidFill>
-                <a:latin typeface="Times New Roman" panose="02020603050405020304" pitchFamily="18" charset="0"/>
-                <a:cs typeface="Times New Roman" panose="02020603050405020304" pitchFamily="18" charset="0"/>
-              </a:rPr>
-              <a:t>MPPT techniques.</a:t>
-            </a:r>
-          </a:p>
-          <a:p>
-            <a:pPr marL="1143000" lvl="2" indent="-114300">
-              <a:spcBef>
-                <a:spcPts val="360"/>
-              </a:spcBef>
-              <a:buClr>
-                <a:srgbClr val="211A52"/>
-              </a:buClr>
-              <a:buSzPct val="100000"/>
-              <a:buFont typeface="Arial" panose="020B0604020202020204" pitchFamily="34" charset="0"/>
-              <a:buChar char="•"/>
-            </a:pPr>
-            <a:r>
-              <a:rPr lang="da-DK" dirty="0">
-                <a:solidFill>
-                  <a:srgbClr val="211A52"/>
-                </a:solidFill>
-                <a:latin typeface="Times New Roman" panose="02020603050405020304" pitchFamily="18" charset="0"/>
-                <a:cs typeface="Times New Roman" panose="02020603050405020304" pitchFamily="18" charset="0"/>
-              </a:rPr>
-              <a:t>Design of control system.</a:t>
-            </a:r>
-          </a:p>
-          <a:p>
-            <a:pPr marL="1143000" lvl="2" indent="-114300">
-              <a:spcBef>
-                <a:spcPts val="360"/>
-              </a:spcBef>
-              <a:buClr>
-                <a:srgbClr val="211A52"/>
-              </a:buClr>
-              <a:buSzPct val="100000"/>
-              <a:buFont typeface="Arial" panose="020B0604020202020204" pitchFamily="34" charset="0"/>
-              <a:buChar char="•"/>
-            </a:pPr>
-            <a:r>
-              <a:rPr lang="da-DK" dirty="0">
-                <a:solidFill>
-                  <a:srgbClr val="211A52"/>
-                </a:solidFill>
-                <a:latin typeface="Times New Roman" panose="02020603050405020304" pitchFamily="18" charset="0"/>
-                <a:cs typeface="Times New Roman" panose="02020603050405020304" pitchFamily="18" charset="0"/>
-              </a:rPr>
-              <a:t>Hardware implementation.</a:t>
-            </a:r>
-          </a:p>
-          <a:p>
-            <a:pPr marL="1143000" lvl="2" indent="-114300">
-              <a:spcBef>
-                <a:spcPts val="360"/>
-              </a:spcBef>
-              <a:buClr>
-                <a:srgbClr val="211A52"/>
-              </a:buClr>
-              <a:buSzPct val="100000"/>
-              <a:buFont typeface="Arial" panose="020B0604020202020204" pitchFamily="34" charset="0"/>
-              <a:buChar char="•"/>
-            </a:pPr>
-            <a:r>
-              <a:rPr lang="da-DK" dirty="0">
-                <a:solidFill>
-                  <a:srgbClr val="211A52"/>
-                </a:solidFill>
-                <a:latin typeface="Times New Roman" panose="02020603050405020304" pitchFamily="18" charset="0"/>
-                <a:cs typeface="Times New Roman" panose="02020603050405020304" pitchFamily="18" charset="0"/>
-              </a:rPr>
-              <a:t>Test &amp; Validation using PV simulator.</a:t>
-            </a:r>
-          </a:p>
-          <a:p>
-            <a:pPr marL="285750" indent="-285750">
-              <a:buFont typeface="Arial" panose="020B0604020202020204" pitchFamily="34" charset="0"/>
-              <a:buChar char="•"/>
-            </a:pPr>
-            <a:endParaRPr lang="es-ES" dirty="0">
-              <a:sym typeface="Wingdings" panose="05000000000000000000" pitchFamily="2" charset="2"/>
-            </a:endParaRPr>
-          </a:p>
-          <a:p>
-            <a:endParaRPr lang="es-ES" dirty="0"/>
-          </a:p>
-          <a:p>
-            <a:endParaRPr lang="es-ES" dirty="0"/>
-          </a:p>
-        </p:txBody>
-      </p:sp>
-    </p:spTree>
-    <p:extLst>
-      <p:ext uri="{BB962C8B-B14F-4D97-AF65-F5344CB8AC3E}">
-        <p14:creationId xmlns:p14="http://schemas.microsoft.com/office/powerpoint/2010/main" val="2103370712"/>
-      </p:ext>
-    </p:extLst>
-  </p:cSld>
-  <p:clrMapOvr>
-    <a:masterClrMapping/>
-  </p:clrMapOvr>
-</p:sld>
-</file>
-
-<file path=ppt/slides/slide17.xml><?xml version="1.0" encoding="utf-8"?>
-<p:sld xmlns:a="http://schemas.openxmlformats.org/drawingml/2006/main" xmlns:r="http://schemas.openxmlformats.org/officeDocument/2006/relationships" xmlns:p="http://schemas.openxmlformats.org/presentationml/2006/main">
-  <p:cSld>
-    <p:spTree>
-      <p:nvGrpSpPr>
-        <p:cNvPr id="1" name=""/>
-        <p:cNvGrpSpPr/>
-        <p:nvPr/>
-      </p:nvGrpSpPr>
-      <p:grpSpPr>
-        <a:xfrm>
-          <a:off x="0" y="0"/>
-          <a:ext cx="0" cy="0"/>
-          <a:chOff x="0" y="0"/>
-          <a:chExt cx="0" cy="0"/>
-        </a:xfrm>
-      </p:grpSpPr>
-      <p:sp>
-        <p:nvSpPr>
-          <p:cNvPr id="2" name="Titel 1">
-            <a:extLst>
-              <a:ext uri="{FF2B5EF4-FFF2-40B4-BE49-F238E27FC236}">
-                <a16:creationId xmlns:a16="http://schemas.microsoft.com/office/drawing/2014/main" id="{7A41F82B-177A-4594-B9B4-405109C97155}"/>
-              </a:ext>
-            </a:extLst>
-          </p:cNvPr>
-          <p:cNvSpPr>
-            <a:spLocks noGrp="1"/>
-          </p:cNvSpPr>
-          <p:nvPr>
-            <p:ph type="title"/>
-          </p:nvPr>
-        </p:nvSpPr>
-        <p:spPr>
-          <a:xfrm>
-            <a:off x="457200" y="192464"/>
-            <a:ext cx="8348968" cy="636352"/>
-          </a:xfrm>
-        </p:spPr>
-        <p:txBody>
-          <a:bodyPr/>
-          <a:lstStyle/>
-          <a:p>
-            <a:r>
-              <a:rPr lang="da-DK" dirty="0">
-                <a:solidFill>
-                  <a:schemeClr val="tx1"/>
-                </a:solidFill>
-                <a:latin typeface="Times New Roman" panose="02020603050405020304" pitchFamily="18" charset="0"/>
-                <a:cs typeface="Times New Roman" panose="02020603050405020304" pitchFamily="18" charset="0"/>
-              </a:rPr>
-              <a:t>Group process</a:t>
-            </a:r>
-            <a:endParaRPr lang="en-US" dirty="0">
-              <a:solidFill>
-                <a:schemeClr val="tx1"/>
-              </a:solidFill>
-              <a:latin typeface="Times New Roman" panose="02020603050405020304" pitchFamily="18" charset="0"/>
-              <a:cs typeface="Times New Roman" panose="02020603050405020304" pitchFamily="18" charset="0"/>
-            </a:endParaRPr>
-          </a:p>
-        </p:txBody>
-      </p:sp>
-      <p:sp>
-        <p:nvSpPr>
-          <p:cNvPr id="5" name="Pladsholder til slidenummer 4">
-            <a:extLst>
-              <a:ext uri="{FF2B5EF4-FFF2-40B4-BE49-F238E27FC236}">
-                <a16:creationId xmlns:a16="http://schemas.microsoft.com/office/drawing/2014/main" id="{4CF00402-4836-49BB-85FA-4CD4C7A794E5}"/>
-              </a:ext>
-            </a:extLst>
-          </p:cNvPr>
-          <p:cNvSpPr>
-            <a:spLocks noGrp="1"/>
-          </p:cNvSpPr>
-          <p:nvPr>
-            <p:ph type="sldNum" idx="12"/>
-          </p:nvPr>
-        </p:nvSpPr>
-        <p:spPr/>
-        <p:txBody>
-          <a:bodyPr/>
-          <a:lstStyle/>
-          <a:p>
-            <a:pPr lvl="0" algn="r">
-              <a:buSzPct val="25000"/>
-            </a:pPr>
-            <a:r>
-              <a:rPr lang="da" sz="1000" b="0" i="0" u="none" strike="noStrike" cap="none" dirty="0">
-                <a:solidFill>
-                  <a:srgbClr val="54616E"/>
-                </a:solidFill>
-                <a:latin typeface="Arial"/>
-                <a:ea typeface="Arial"/>
-                <a:cs typeface="Arial"/>
-                <a:sym typeface="Arial"/>
-              </a:rPr>
-              <a:t>1</a:t>
-            </a:r>
-            <a:r>
-              <a:rPr lang="de-DE" sz="1000" dirty="0">
-                <a:solidFill>
-                  <a:srgbClr val="54616E"/>
-                </a:solidFill>
-              </a:rPr>
-              <a:t>0/11</a:t>
-            </a:r>
-            <a:endParaRPr lang="da" sz="1000" b="0" i="0" u="none" strike="noStrike" cap="none" dirty="0">
-              <a:solidFill>
-                <a:srgbClr val="54616E"/>
-              </a:solidFill>
-              <a:latin typeface="Arial"/>
-              <a:ea typeface="Arial"/>
-              <a:cs typeface="Arial"/>
-              <a:sym typeface="Arial"/>
-            </a:endParaRPr>
-          </a:p>
-        </p:txBody>
-      </p:sp>
-      <p:sp>
-        <p:nvSpPr>
-          <p:cNvPr id="6" name="Pladsholder til dato 3">
-            <a:extLst>
-              <a:ext uri="{FF2B5EF4-FFF2-40B4-BE49-F238E27FC236}">
-                <a16:creationId xmlns:a16="http://schemas.microsoft.com/office/drawing/2014/main" id="{F4838450-7D83-4704-9410-F82812C0E789}"/>
-              </a:ext>
-            </a:extLst>
-          </p:cNvPr>
-          <p:cNvSpPr>
-            <a:spLocks noGrp="1"/>
-          </p:cNvSpPr>
-          <p:nvPr>
-            <p:ph type="dt" sz="half" idx="10"/>
-          </p:nvPr>
-        </p:nvSpPr>
-        <p:spPr>
-          <a:xfrm>
-            <a:off x="403147" y="4736893"/>
-            <a:ext cx="2133600" cy="304271"/>
-          </a:xfrm>
-        </p:spPr>
-        <p:txBody>
-          <a:bodyPr/>
-          <a:lstStyle/>
-          <a:p>
-            <a:r>
-              <a:rPr lang="da-DK" dirty="0"/>
-              <a:t>Marianne Rasborg Knudsen</a:t>
-            </a:r>
-          </a:p>
-        </p:txBody>
-      </p:sp>
-      <p:sp>
-        <p:nvSpPr>
-          <p:cNvPr id="8" name="CuadroTexto 7">
-            <a:extLst>
-              <a:ext uri="{FF2B5EF4-FFF2-40B4-BE49-F238E27FC236}">
-                <a16:creationId xmlns:a16="http://schemas.microsoft.com/office/drawing/2014/main" id="{BCEA971B-D870-490F-8EC4-65A19DC6D0B9}"/>
-              </a:ext>
-            </a:extLst>
-          </p:cNvPr>
-          <p:cNvSpPr txBox="1"/>
-          <p:nvPr/>
-        </p:nvSpPr>
-        <p:spPr>
-          <a:xfrm>
-            <a:off x="4631684" y="4132521"/>
-            <a:ext cx="45719" cy="307777"/>
-          </a:xfrm>
-          <a:prstGeom prst="rect">
-            <a:avLst/>
-          </a:prstGeom>
-          <a:noFill/>
-        </p:spPr>
-        <p:txBody>
-          <a:bodyPr wrap="square" rtlCol="0">
-            <a:spAutoFit/>
-          </a:bodyPr>
-          <a:lstStyle/>
-          <a:p>
-            <a:endParaRPr lang="es-ES" dirty="0"/>
-          </a:p>
-        </p:txBody>
-      </p:sp>
-      <p:sp>
-        <p:nvSpPr>
-          <p:cNvPr id="10" name="CuadroTexto 9">
-            <a:extLst>
-              <a:ext uri="{FF2B5EF4-FFF2-40B4-BE49-F238E27FC236}">
-                <a16:creationId xmlns:a16="http://schemas.microsoft.com/office/drawing/2014/main" id="{4D642FBE-958C-46FE-A68B-A4E878B3DBC0}"/>
-              </a:ext>
-            </a:extLst>
-          </p:cNvPr>
-          <p:cNvSpPr txBox="1"/>
-          <p:nvPr/>
-        </p:nvSpPr>
-        <p:spPr>
-          <a:xfrm>
-            <a:off x="978195" y="1084522"/>
-            <a:ext cx="7074195" cy="738664"/>
-          </a:xfrm>
-          <a:prstGeom prst="rect">
-            <a:avLst/>
-          </a:prstGeom>
-          <a:noFill/>
-        </p:spPr>
-        <p:txBody>
-          <a:bodyPr wrap="square" rtlCol="0">
-            <a:spAutoFit/>
-          </a:bodyPr>
-          <a:lstStyle/>
-          <a:p>
-            <a:pPr marL="285750" indent="-285750">
-              <a:buFont typeface="Arial" panose="020B0604020202020204" pitchFamily="34" charset="0"/>
-              <a:buChar char="•"/>
-            </a:pPr>
-            <a:endParaRPr lang="es-ES" dirty="0">
-              <a:sym typeface="Wingdings" panose="05000000000000000000" pitchFamily="2" charset="2"/>
-            </a:endParaRPr>
-          </a:p>
-          <a:p>
-            <a:endParaRPr lang="es-ES" dirty="0"/>
-          </a:p>
-          <a:p>
-            <a:endParaRPr lang="es-ES" dirty="0"/>
-          </a:p>
-        </p:txBody>
-      </p:sp>
     </p:spTree>
     <p:extLst>
       <p:ext uri="{BB962C8B-B14F-4D97-AF65-F5344CB8AC3E}">
@@ -13044,7 +10293,7 @@
 </p:sld>
 </file>
 
-<file path=ppt/slides/slide18.xml><?xml version="1.0" encoding="utf-8"?>
+<file path=ppt/slides/slide13.xml><?xml version="1.0" encoding="utf-8"?>
 <p:sld xmlns:a="http://schemas.openxmlformats.org/drawingml/2006/main" xmlns:r="http://schemas.openxmlformats.org/officeDocument/2006/relationships" xmlns:p="http://schemas.openxmlformats.org/presentationml/2006/main">
   <p:cSld>
     <p:spTree>
@@ -13145,7 +10394,7 @@
                 <a:cs typeface="Arial"/>
                 <a:sym typeface="Arial"/>
               </a:rPr>
-              <a:t>11/11</a:t>
+              <a:t>13/13</a:t>
             </a:r>
           </a:p>
         </p:txBody>
@@ -13287,7 +10536,7 @@
                   <a:srgbClr val="54616E"/>
                 </a:solidFill>
               </a:rPr>
-              <a:t>/11</a:t>
+              <a:t>/13</a:t>
             </a:r>
             <a:endParaRPr lang="da" sz="1000" b="0" i="0" u="none" strike="noStrike" cap="none" dirty="0">
               <a:solidFill>
@@ -13368,7 +10617,7 @@
           <a:lstStyle/>
           <a:p>
             <a:r>
-              <a:rPr lang="da-DK" sz="1600" dirty="0">
+              <a:rPr lang="da-DK" sz="1600" b="1" dirty="0">
                 <a:latin typeface="Times New Roman" panose="02020603050405020304" pitchFamily="18" charset="0"/>
                 <a:cs typeface="Times New Roman" panose="02020603050405020304" pitchFamily="18" charset="0"/>
               </a:rPr>
@@ -13376,28 +10625,7 @@
             </a:r>
           </a:p>
           <a:p>
-            <a:pPr lvl="1"/>
-            <a:r>
-              <a:rPr lang="da-DK" sz="1600" b="1" dirty="0">
-                <a:latin typeface="Times New Roman" panose="02020603050405020304" pitchFamily="18" charset="0"/>
-                <a:cs typeface="Times New Roman" panose="02020603050405020304" pitchFamily="18" charset="0"/>
-              </a:rPr>
-              <a:t>PV generation</a:t>
-            </a:r>
-          </a:p>
-          <a:p>
-            <a:pPr lvl="1"/>
-            <a:r>
-              <a:rPr lang="da-DK" sz="1400" dirty="0">
-                <a:latin typeface="Times New Roman" panose="02020603050405020304" pitchFamily="18" charset="0"/>
-                <a:cs typeface="Times New Roman" panose="02020603050405020304" pitchFamily="18" charset="0"/>
-              </a:rPr>
-              <a:t>Module Integrated Converter (MIC)</a:t>
-            </a:r>
-          </a:p>
-          <a:p>
-            <a:pPr lvl="1"/>
-            <a:endParaRPr lang="da-DK" sz="1400" dirty="0">
+            <a:endParaRPr lang="da-DK" sz="1600" b="1" dirty="0">
               <a:latin typeface="Times New Roman" panose="02020603050405020304" pitchFamily="18" charset="0"/>
               <a:cs typeface="Times New Roman" panose="02020603050405020304" pitchFamily="18" charset="0"/>
             </a:endParaRPr>
@@ -13408,21 +10636,35 @@
                 <a:latin typeface="Times New Roman" panose="02020603050405020304" pitchFamily="18" charset="0"/>
                 <a:cs typeface="Times New Roman" panose="02020603050405020304" pitchFamily="18" charset="0"/>
               </a:rPr>
-              <a:t>CONVERTER TOPOLOGIES</a:t>
+              <a:t>MODULE INTEGRATED  CONVERTER (MIC)</a:t>
             </a:r>
-          </a:p>
-          <a:p>
-            <a:pPr lvl="1"/>
+            <a:endParaRPr lang="da-DK" sz="1600" b="1" dirty="0">
+              <a:latin typeface="Times New Roman" panose="02020603050405020304" pitchFamily="18" charset="0"/>
+              <a:cs typeface="Times New Roman" panose="02020603050405020304" pitchFamily="18" charset="0"/>
+            </a:endParaRPr>
+          </a:p>
+          <a:p>
+            <a:pPr marL="571500" lvl="1" indent="0">
+              <a:buNone/>
+            </a:pPr>
+            <a:endParaRPr lang="da-DK" sz="1400" dirty="0">
+              <a:latin typeface="Times New Roman" panose="02020603050405020304" pitchFamily="18" charset="0"/>
+              <a:cs typeface="Times New Roman" panose="02020603050405020304" pitchFamily="18" charset="0"/>
+            </a:endParaRPr>
+          </a:p>
+          <a:p>
             <a:r>
               <a:rPr lang="da-DK" sz="1600" dirty="0">
                 <a:latin typeface="Times New Roman" panose="02020603050405020304" pitchFamily="18" charset="0"/>
                 <a:cs typeface="Times New Roman" panose="02020603050405020304" pitchFamily="18" charset="0"/>
               </a:rPr>
-              <a:t>Selection of the MIC topology</a:t>
+              <a:t>PROBLEM STATEMENT</a:t>
             </a:r>
           </a:p>
           <a:p>
-            <a:pPr lvl="1"/>
+            <a:pPr marL="114300" indent="0">
+              <a:buNone/>
+            </a:pPr>
             <a:endParaRPr lang="da-DK" sz="1600" dirty="0">
               <a:latin typeface="Times New Roman" panose="02020603050405020304" pitchFamily="18" charset="0"/>
               <a:cs typeface="Times New Roman" panose="02020603050405020304" pitchFamily="18" charset="0"/>
@@ -13431,38 +10673,34 @@
           <a:p>
             <a:r>
               <a:rPr lang="da-DK" sz="1600" dirty="0">
+                <a:solidFill>
+                  <a:srgbClr val="423C6C"/>
+                </a:solidFill>
                 <a:latin typeface="Times New Roman" panose="02020603050405020304" pitchFamily="18" charset="0"/>
                 <a:cs typeface="Times New Roman" panose="02020603050405020304" pitchFamily="18" charset="0"/>
               </a:rPr>
-              <a:t>PROBLEM ANALYSIS</a:t>
+              <a:t>OBJECTIVES</a:t>
             </a:r>
           </a:p>
           <a:p>
-            <a:pPr lvl="1"/>
+            <a:endParaRPr lang="da-DK" sz="1600" dirty="0">
+              <a:solidFill>
+                <a:srgbClr val="423C6C"/>
+              </a:solidFill>
+              <a:latin typeface="Times New Roman" panose="02020603050405020304" pitchFamily="18" charset="0"/>
+              <a:cs typeface="Times New Roman" panose="02020603050405020304" pitchFamily="18" charset="0"/>
+            </a:endParaRPr>
+          </a:p>
+          <a:p>
             <a:r>
               <a:rPr lang="da-DK" sz="1600" dirty="0">
+                <a:solidFill>
+                  <a:srgbClr val="423C6C"/>
+                </a:solidFill>
                 <a:latin typeface="Times New Roman" panose="02020603050405020304" pitchFamily="18" charset="0"/>
                 <a:cs typeface="Times New Roman" panose="02020603050405020304" pitchFamily="18" charset="0"/>
               </a:rPr>
-              <a:t>Problem statement</a:t>
-            </a:r>
-          </a:p>
-          <a:p>
-            <a:endParaRPr lang="da-DK" sz="1600" dirty="0">
-              <a:latin typeface="Times New Roman" panose="02020603050405020304" pitchFamily="18" charset="0"/>
-              <a:cs typeface="Times New Roman" panose="02020603050405020304" pitchFamily="18" charset="0"/>
-            </a:endParaRPr>
-          </a:p>
-          <a:p>
-            <a:r>
-              <a:rPr lang="da-DK" sz="1600" dirty="0">
-                <a:solidFill>
-                  <a:srgbClr val="423C6C"/>
-                </a:solidFill>
-                <a:latin typeface="Times New Roman" panose="02020603050405020304" pitchFamily="18" charset="0"/>
-                <a:cs typeface="Times New Roman" panose="02020603050405020304" pitchFamily="18" charset="0"/>
-              </a:rPr>
-              <a:t>FUTURE WORK</a:t>
+              <a:t>GROUP PROCESS</a:t>
             </a:r>
           </a:p>
           <a:p>
@@ -13501,7 +10739,7 @@
           <a:p>
             <a:r>
               <a:rPr lang="da-DK" dirty="0"/>
-              <a:t>Name presenter</a:t>
+              <a:t>Aitor Terán</a:t>
             </a:r>
           </a:p>
           <a:p>
@@ -13519,6 +10757,232 @@
   <p:clrMapOvr>
     <a:masterClrMapping/>
   </p:clrMapOvr>
+  <p:timing>
+    <p:tnLst>
+      <p:par>
+        <p:cTn id="1" dur="indefinite" restart="never" nodeType="tmRoot">
+          <p:childTnLst>
+            <p:seq concurrent="1" nextAc="seek">
+              <p:cTn id="2" dur="indefinite" nodeType="mainSeq">
+                <p:childTnLst>
+                  <p:par>
+                    <p:cTn id="3" fill="hold">
+                      <p:stCondLst>
+                        <p:cond delay="indefinite"/>
+                      </p:stCondLst>
+                      <p:childTnLst>
+                        <p:par>
+                          <p:cTn id="4" fill="hold">
+                            <p:stCondLst>
+                              <p:cond delay="0"/>
+                            </p:stCondLst>
+                            <p:childTnLst>
+                              <p:par>
+                                <p:cTn id="5" presetID="1" presetClass="entr" presetSubtype="0" fill="hold" nodeType="clickEffect">
+                                  <p:stCondLst>
+                                    <p:cond delay="0"/>
+                                  </p:stCondLst>
+                                  <p:childTnLst>
+                                    <p:set>
+                                      <p:cBhvr>
+                                        <p:cTn id="6" dur="1" fill="hold">
+                                          <p:stCondLst>
+                                            <p:cond delay="0"/>
+                                          </p:stCondLst>
+                                        </p:cTn>
+                                        <p:tgtEl>
+                                          <p:spTgt spid="4">
+                                            <p:txEl>
+                                              <p:pRg st="2" end="2"/>
+                                            </p:txEl>
+                                          </p:spTgt>
+                                        </p:tgtEl>
+                                        <p:attrNameLst>
+                                          <p:attrName>style.visibility</p:attrName>
+                                        </p:attrNameLst>
+                                      </p:cBhvr>
+                                      <p:to>
+                                        <p:strVal val="visible"/>
+                                      </p:to>
+                                    </p:set>
+                                  </p:childTnLst>
+                                </p:cTn>
+                              </p:par>
+                            </p:childTnLst>
+                          </p:cTn>
+                        </p:par>
+                      </p:childTnLst>
+                    </p:cTn>
+                  </p:par>
+                  <p:par>
+                    <p:cTn id="7" fill="hold">
+                      <p:stCondLst>
+                        <p:cond delay="indefinite"/>
+                      </p:stCondLst>
+                      <p:childTnLst>
+                        <p:par>
+                          <p:cTn id="8" fill="hold">
+                            <p:stCondLst>
+                              <p:cond delay="0"/>
+                            </p:stCondLst>
+                            <p:childTnLst>
+                              <p:par>
+                                <p:cTn id="9" presetID="1" presetClass="entr" presetSubtype="0" fill="hold" nodeType="clickEffect">
+                                  <p:stCondLst>
+                                    <p:cond delay="0"/>
+                                  </p:stCondLst>
+                                  <p:childTnLst>
+                                    <p:set>
+                                      <p:cBhvr>
+                                        <p:cTn id="10" dur="1" fill="hold">
+                                          <p:stCondLst>
+                                            <p:cond delay="0"/>
+                                          </p:stCondLst>
+                                        </p:cTn>
+                                        <p:tgtEl>
+                                          <p:spTgt spid="4">
+                                            <p:txEl>
+                                              <p:pRg st="4" end="4"/>
+                                            </p:txEl>
+                                          </p:spTgt>
+                                        </p:tgtEl>
+                                        <p:attrNameLst>
+                                          <p:attrName>style.visibility</p:attrName>
+                                        </p:attrNameLst>
+                                      </p:cBhvr>
+                                      <p:to>
+                                        <p:strVal val="visible"/>
+                                      </p:to>
+                                    </p:set>
+                                  </p:childTnLst>
+                                </p:cTn>
+                              </p:par>
+                            </p:childTnLst>
+                          </p:cTn>
+                        </p:par>
+                      </p:childTnLst>
+                    </p:cTn>
+                  </p:par>
+                  <p:par>
+                    <p:cTn id="11" fill="hold">
+                      <p:stCondLst>
+                        <p:cond delay="indefinite"/>
+                      </p:stCondLst>
+                      <p:childTnLst>
+                        <p:par>
+                          <p:cTn id="12" fill="hold">
+                            <p:stCondLst>
+                              <p:cond delay="0"/>
+                            </p:stCondLst>
+                            <p:childTnLst>
+                              <p:par>
+                                <p:cTn id="13" presetID="1" presetClass="entr" presetSubtype="0" fill="hold" nodeType="clickEffect">
+                                  <p:stCondLst>
+                                    <p:cond delay="0"/>
+                                  </p:stCondLst>
+                                  <p:childTnLst>
+                                    <p:set>
+                                      <p:cBhvr>
+                                        <p:cTn id="14" dur="1" fill="hold">
+                                          <p:stCondLst>
+                                            <p:cond delay="0"/>
+                                          </p:stCondLst>
+                                        </p:cTn>
+                                        <p:tgtEl>
+                                          <p:spTgt spid="4">
+                                            <p:txEl>
+                                              <p:pRg st="6" end="6"/>
+                                            </p:txEl>
+                                          </p:spTgt>
+                                        </p:tgtEl>
+                                        <p:attrNameLst>
+                                          <p:attrName>style.visibility</p:attrName>
+                                        </p:attrNameLst>
+                                      </p:cBhvr>
+                                      <p:to>
+                                        <p:strVal val="visible"/>
+                                      </p:to>
+                                    </p:set>
+                                  </p:childTnLst>
+                                </p:cTn>
+                              </p:par>
+                            </p:childTnLst>
+                          </p:cTn>
+                        </p:par>
+                      </p:childTnLst>
+                    </p:cTn>
+                  </p:par>
+                  <p:par>
+                    <p:cTn id="15" fill="hold">
+                      <p:stCondLst>
+                        <p:cond delay="indefinite"/>
+                      </p:stCondLst>
+                      <p:childTnLst>
+                        <p:par>
+                          <p:cTn id="16" fill="hold">
+                            <p:stCondLst>
+                              <p:cond delay="0"/>
+                            </p:stCondLst>
+                            <p:childTnLst>
+                              <p:par>
+                                <p:cTn id="17" presetID="1" presetClass="entr" presetSubtype="0" fill="hold" nodeType="clickEffect">
+                                  <p:stCondLst>
+                                    <p:cond delay="0"/>
+                                  </p:stCondLst>
+                                  <p:childTnLst>
+                                    <p:set>
+                                      <p:cBhvr>
+                                        <p:cTn id="18" dur="1" fill="hold">
+                                          <p:stCondLst>
+                                            <p:cond delay="0"/>
+                                          </p:stCondLst>
+                                        </p:cTn>
+                                        <p:tgtEl>
+                                          <p:spTgt spid="4">
+                                            <p:txEl>
+                                              <p:pRg st="8" end="8"/>
+                                            </p:txEl>
+                                          </p:spTgt>
+                                        </p:tgtEl>
+                                        <p:attrNameLst>
+                                          <p:attrName>style.visibility</p:attrName>
+                                        </p:attrNameLst>
+                                      </p:cBhvr>
+                                      <p:to>
+                                        <p:strVal val="visible"/>
+                                      </p:to>
+                                    </p:set>
+                                  </p:childTnLst>
+                                </p:cTn>
+                              </p:par>
+                            </p:childTnLst>
+                          </p:cTn>
+                        </p:par>
+                      </p:childTnLst>
+                    </p:cTn>
+                  </p:par>
+                </p:childTnLst>
+              </p:cTn>
+              <p:prevCondLst>
+                <p:cond evt="onPrev" delay="0">
+                  <p:tgtEl>
+                    <p:sldTgt/>
+                  </p:tgtEl>
+                </p:cond>
+              </p:prevCondLst>
+              <p:nextCondLst>
+                <p:cond evt="onNext" delay="0">
+                  <p:tgtEl>
+                    <p:sldTgt/>
+                  </p:tgtEl>
+                </p:cond>
+              </p:nextCondLst>
+            </p:seq>
+          </p:childTnLst>
+        </p:cTn>
+      </p:par>
+    </p:tnLst>
+  </p:timing>
 </p:sld>
 </file>
 
@@ -13573,7 +11037,7 @@
                 <a:latin typeface="Times New Roman" panose="02020603050405020304" pitchFamily="18" charset="0"/>
                 <a:cs typeface="Times New Roman" panose="02020603050405020304" pitchFamily="18" charset="0"/>
               </a:rPr>
-              <a:t>INTRODUCTION – PV generation</a:t>
+              <a:t>INTRODUCTION</a:t>
             </a:r>
             <a:endParaRPr lang="en-US" dirty="0">
               <a:solidFill>
@@ -13582,54 +11046,6 @@
               <a:latin typeface="Times New Roman" panose="02020603050405020304" pitchFamily="18" charset="0"/>
               <a:cs typeface="Times New Roman" panose="02020603050405020304" pitchFamily="18" charset="0"/>
             </a:endParaRPr>
-          </a:p>
-        </p:txBody>
-      </p:sp>
-      <p:sp>
-        <p:nvSpPr>
-          <p:cNvPr id="3" name="Pladsholder til tekst 2">
-            <a:extLst>
-              <a:ext uri="{FF2B5EF4-FFF2-40B4-BE49-F238E27FC236}">
-                <a16:creationId xmlns:a16="http://schemas.microsoft.com/office/drawing/2014/main" id="{E93A0280-2F25-4ECE-A307-2B05D45D3B2C}"/>
-              </a:ext>
-            </a:extLst>
-          </p:cNvPr>
-          <p:cNvSpPr>
-            <a:spLocks noGrp="1"/>
-          </p:cNvSpPr>
-          <p:nvPr>
-            <p:ph type="body" idx="1"/>
-          </p:nvPr>
-        </p:nvSpPr>
-        <p:spPr>
-          <a:xfrm>
-            <a:off x="457200" y="887755"/>
-            <a:ext cx="8348968" cy="3486049"/>
-          </a:xfrm>
-        </p:spPr>
-        <p:txBody>
-          <a:bodyPr/>
-          <a:lstStyle/>
-          <a:p>
-            <a:r>
-              <a:rPr lang="da-DK" sz="1600" dirty="0">
-                <a:latin typeface="Times New Roman" panose="02020603050405020304" pitchFamily="18" charset="0"/>
-                <a:cs typeface="Times New Roman" panose="02020603050405020304" pitchFamily="18" charset="0"/>
-              </a:rPr>
-              <a:t>Photovoltaic effect</a:t>
-            </a:r>
-          </a:p>
-          <a:p>
-            <a:r>
-              <a:rPr lang="da-DK" sz="1600" dirty="0">
-                <a:latin typeface="Times New Roman" panose="02020603050405020304" pitchFamily="18" charset="0"/>
-                <a:cs typeface="Times New Roman" panose="02020603050405020304" pitchFamily="18" charset="0"/>
-              </a:rPr>
-              <a:t>   Irradiance                  Power            Temperature                  Power</a:t>
-            </a:r>
-          </a:p>
-          <a:p>
-            <a:endParaRPr lang="da-DK" dirty="0"/>
           </a:p>
         </p:txBody>
       </p:sp>
@@ -13678,7 +11094,7 @@
                   <a:srgbClr val="54616E"/>
                 </a:solidFill>
               </a:rPr>
-              <a:t>/11</a:t>
+              <a:t>/13</a:t>
             </a:r>
             <a:endParaRPr lang="da" sz="1000" b="0" i="0" u="none" strike="noStrike" cap="none" dirty="0">
               <a:solidFill>
@@ -13720,398 +11136,20 @@
           <a:p>
             <a:r>
               <a:rPr lang="da-DK" dirty="0"/>
-              <a:t>Marianne Rasborg Knudsen</a:t>
+              <a:t>Aitor Terán / Estefanía Ruiz</a:t>
             </a:r>
+          </a:p>
+          <a:p>
+            <a:endParaRPr lang="da-DK" dirty="0"/>
           </a:p>
         </p:txBody>
       </p:sp>
-      <p:sp>
-        <p:nvSpPr>
-          <p:cNvPr id="13" name="CuadroTexto 12">
+      <p:pic>
+        <p:nvPicPr>
+          <p:cNvPr id="8" name="Imagen 7">
             <a:extLst>
               <a:ext uri="{FF2B5EF4-FFF2-40B4-BE49-F238E27FC236}">
-                <a16:creationId xmlns:a16="http://schemas.microsoft.com/office/drawing/2014/main" id="{2424FA66-FD5F-41C6-980C-302FAA37B200}"/>
-              </a:ext>
-            </a:extLst>
-          </p:cNvPr>
-          <p:cNvSpPr txBox="1"/>
-          <p:nvPr/>
-        </p:nvSpPr>
-        <p:spPr>
-          <a:xfrm>
-            <a:off x="2536747" y="3964047"/>
-            <a:ext cx="6291820" cy="276999"/>
-          </a:xfrm>
-          <a:prstGeom prst="rect">
-            <a:avLst/>
-          </a:prstGeom>
-          <a:noFill/>
-        </p:spPr>
-        <p:txBody>
-          <a:bodyPr wrap="square" rtlCol="0">
-            <a:spAutoFit/>
-          </a:bodyPr>
-          <a:lstStyle/>
-          <a:p>
-            <a:r>
-              <a:rPr lang="es-ES" sz="1200" dirty="0">
-                <a:latin typeface="Times New Roman" panose="02020603050405020304" pitchFamily="18" charset="0"/>
-                <a:cs typeface="Times New Roman" panose="02020603050405020304" pitchFamily="18" charset="0"/>
-              </a:rPr>
-              <a:t>Basic </a:t>
-            </a:r>
-            <a:r>
-              <a:rPr lang="es-ES" sz="1200" dirty="0" err="1">
-                <a:latin typeface="Times New Roman" panose="02020603050405020304" pitchFamily="18" charset="0"/>
-                <a:cs typeface="Times New Roman" panose="02020603050405020304" pitchFamily="18" charset="0"/>
-              </a:rPr>
-              <a:t>diagram</a:t>
-            </a:r>
-            <a:r>
-              <a:rPr lang="es-ES" sz="1200" dirty="0">
-                <a:latin typeface="Times New Roman" panose="02020603050405020304" pitchFamily="18" charset="0"/>
-                <a:cs typeface="Times New Roman" panose="02020603050405020304" pitchFamily="18" charset="0"/>
-              </a:rPr>
-              <a:t> </a:t>
-            </a:r>
-            <a:r>
-              <a:rPr lang="es-ES" sz="1200" dirty="0" err="1">
-                <a:latin typeface="Times New Roman" panose="02020603050405020304" pitchFamily="18" charset="0"/>
-                <a:cs typeface="Times New Roman" panose="02020603050405020304" pitchFamily="18" charset="0"/>
-              </a:rPr>
-              <a:t>of</a:t>
-            </a:r>
-            <a:r>
-              <a:rPr lang="es-ES" sz="1200" dirty="0">
-                <a:latin typeface="Times New Roman" panose="02020603050405020304" pitchFamily="18" charset="0"/>
-                <a:cs typeface="Times New Roman" panose="02020603050405020304" pitchFamily="18" charset="0"/>
-              </a:rPr>
-              <a:t> a PV </a:t>
-            </a:r>
-            <a:r>
-              <a:rPr lang="es-ES" sz="1200" dirty="0" err="1">
-                <a:latin typeface="Times New Roman" panose="02020603050405020304" pitchFamily="18" charset="0"/>
-                <a:cs typeface="Times New Roman" panose="02020603050405020304" pitchFamily="18" charset="0"/>
-              </a:rPr>
-              <a:t>grid-tie</a:t>
-            </a:r>
-            <a:r>
-              <a:rPr lang="es-ES" sz="1200" dirty="0">
-                <a:latin typeface="Times New Roman" panose="02020603050405020304" pitchFamily="18" charset="0"/>
-                <a:cs typeface="Times New Roman" panose="02020603050405020304" pitchFamily="18" charset="0"/>
-              </a:rPr>
-              <a:t> </a:t>
-            </a:r>
-            <a:r>
-              <a:rPr lang="es-ES" sz="1200" dirty="0" err="1">
-                <a:latin typeface="Times New Roman" panose="02020603050405020304" pitchFamily="18" charset="0"/>
-                <a:cs typeface="Times New Roman" panose="02020603050405020304" pitchFamily="18" charset="0"/>
-              </a:rPr>
-              <a:t>with</a:t>
-            </a:r>
-            <a:r>
-              <a:rPr lang="es-ES" sz="1200" dirty="0">
-                <a:latin typeface="Times New Roman" panose="02020603050405020304" pitchFamily="18" charset="0"/>
-                <a:cs typeface="Times New Roman" panose="02020603050405020304" pitchFamily="18" charset="0"/>
-              </a:rPr>
-              <a:t> </a:t>
-            </a:r>
-            <a:r>
-              <a:rPr lang="es-ES" sz="1200" dirty="0" err="1">
-                <a:latin typeface="Times New Roman" panose="02020603050405020304" pitchFamily="18" charset="0"/>
-                <a:cs typeface="Times New Roman" panose="02020603050405020304" pitchFamily="18" charset="0"/>
-              </a:rPr>
-              <a:t>battery</a:t>
-            </a:r>
-            <a:r>
-              <a:rPr lang="es-ES" sz="1200" dirty="0">
-                <a:latin typeface="Times New Roman" panose="02020603050405020304" pitchFamily="18" charset="0"/>
-                <a:cs typeface="Times New Roman" panose="02020603050405020304" pitchFamily="18" charset="0"/>
-              </a:rPr>
-              <a:t> </a:t>
-            </a:r>
-            <a:r>
-              <a:rPr lang="es-ES" sz="1200" dirty="0" err="1">
-                <a:latin typeface="Times New Roman" panose="02020603050405020304" pitchFamily="18" charset="0"/>
-                <a:cs typeface="Times New Roman" panose="02020603050405020304" pitchFamily="18" charset="0"/>
-              </a:rPr>
-              <a:t>backup</a:t>
-            </a:r>
-            <a:r>
-              <a:rPr lang="es-ES" sz="1200" dirty="0">
-                <a:latin typeface="Times New Roman" panose="02020603050405020304" pitchFamily="18" charset="0"/>
-                <a:cs typeface="Times New Roman" panose="02020603050405020304" pitchFamily="18" charset="0"/>
-              </a:rPr>
-              <a:t> </a:t>
-            </a:r>
-            <a:r>
-              <a:rPr lang="es-ES" sz="1200" dirty="0" err="1">
-                <a:latin typeface="Times New Roman" panose="02020603050405020304" pitchFamily="18" charset="0"/>
-                <a:cs typeface="Times New Roman" panose="02020603050405020304" pitchFamily="18" charset="0"/>
-              </a:rPr>
-              <a:t>system</a:t>
-            </a:r>
-            <a:endParaRPr lang="es-ES" sz="1200" dirty="0">
-              <a:latin typeface="Times New Roman" panose="02020603050405020304" pitchFamily="18" charset="0"/>
-              <a:cs typeface="Times New Roman" panose="02020603050405020304" pitchFamily="18" charset="0"/>
-            </a:endParaRPr>
-          </a:p>
-        </p:txBody>
-      </p:sp>
-      <p:cxnSp>
-        <p:nvCxnSpPr>
-          <p:cNvPr id="18" name="Conector recto de flecha 17">
-            <a:extLst>
-              <a:ext uri="{FF2B5EF4-FFF2-40B4-BE49-F238E27FC236}">
-                <a16:creationId xmlns:a16="http://schemas.microsoft.com/office/drawing/2014/main" id="{4B6FC8C2-90D6-49F4-923D-099642FB6A03}"/>
-              </a:ext>
-            </a:extLst>
-          </p:cNvPr>
-          <p:cNvCxnSpPr/>
-          <p:nvPr/>
-        </p:nvCxnSpPr>
-        <p:spPr>
-          <a:xfrm flipV="1">
-            <a:off x="914400" y="1268819"/>
-            <a:ext cx="0" cy="226828"/>
-          </a:xfrm>
-          <a:prstGeom prst="straightConnector1">
-            <a:avLst/>
-          </a:prstGeom>
-          <a:ln>
-            <a:tailEnd type="triangle"/>
-          </a:ln>
-        </p:spPr>
-        <p:style>
-          <a:lnRef idx="1">
-            <a:schemeClr val="accent1"/>
-          </a:lnRef>
-          <a:fillRef idx="0">
-            <a:schemeClr val="accent1"/>
-          </a:fillRef>
-          <a:effectRef idx="0">
-            <a:schemeClr val="accent1"/>
-          </a:effectRef>
-          <a:fontRef idx="minor">
-            <a:schemeClr val="tx1"/>
-          </a:fontRef>
-        </p:style>
-      </p:cxnSp>
-      <p:sp>
-        <p:nvSpPr>
-          <p:cNvPr id="19" name="Flecha: a la derecha 18">
-            <a:extLst>
-              <a:ext uri="{FF2B5EF4-FFF2-40B4-BE49-F238E27FC236}">
-                <a16:creationId xmlns:a16="http://schemas.microsoft.com/office/drawing/2014/main" id="{B0B3405B-E2B7-42EB-AEB0-A31CE50E1D8F}"/>
-              </a:ext>
-            </a:extLst>
-          </p:cNvPr>
-          <p:cNvSpPr/>
-          <p:nvPr/>
-        </p:nvSpPr>
-        <p:spPr>
-          <a:xfrm>
-            <a:off x="2055628" y="1396409"/>
-            <a:ext cx="297706" cy="45719"/>
-          </a:xfrm>
-          <a:prstGeom prst="rightArrow">
-            <a:avLst/>
-          </a:prstGeom>
-        </p:spPr>
-        <p:style>
-          <a:lnRef idx="2">
-            <a:schemeClr val="accent1">
-              <a:shade val="50000"/>
-            </a:schemeClr>
-          </a:lnRef>
-          <a:fillRef idx="1">
-            <a:schemeClr val="accent1"/>
-          </a:fillRef>
-          <a:effectRef idx="0">
-            <a:schemeClr val="accent1"/>
-          </a:effectRef>
-          <a:fontRef idx="minor">
-            <a:schemeClr val="lt1"/>
-          </a:fontRef>
-        </p:style>
-        <p:txBody>
-          <a:bodyPr rtlCol="0" anchor="ctr"/>
-          <a:lstStyle/>
-          <a:p>
-            <a:pPr algn="ctr"/>
-            <a:endParaRPr lang="es-ES"/>
-          </a:p>
-        </p:txBody>
-      </p:sp>
-      <p:cxnSp>
-        <p:nvCxnSpPr>
-          <p:cNvPr id="20" name="Conector recto de flecha 19">
-            <a:extLst>
-              <a:ext uri="{FF2B5EF4-FFF2-40B4-BE49-F238E27FC236}">
-                <a16:creationId xmlns:a16="http://schemas.microsoft.com/office/drawing/2014/main" id="{18AC6572-0070-49D1-A056-137BEE296E54}"/>
-              </a:ext>
-            </a:extLst>
-          </p:cNvPr>
-          <p:cNvCxnSpPr/>
-          <p:nvPr/>
-        </p:nvCxnSpPr>
-        <p:spPr>
-          <a:xfrm flipV="1">
-            <a:off x="2536747" y="1265274"/>
-            <a:ext cx="0" cy="226828"/>
-          </a:xfrm>
-          <a:prstGeom prst="straightConnector1">
-            <a:avLst/>
-          </a:prstGeom>
-          <a:ln>
-            <a:tailEnd type="triangle"/>
-          </a:ln>
-        </p:spPr>
-        <p:style>
-          <a:lnRef idx="1">
-            <a:schemeClr val="accent1"/>
-          </a:lnRef>
-          <a:fillRef idx="0">
-            <a:schemeClr val="accent1"/>
-          </a:fillRef>
-          <a:effectRef idx="0">
-            <a:schemeClr val="accent1"/>
-          </a:effectRef>
-          <a:fontRef idx="minor">
-            <a:schemeClr val="tx1"/>
-          </a:fontRef>
-        </p:style>
-      </p:cxnSp>
-      <p:cxnSp>
-        <p:nvCxnSpPr>
-          <p:cNvPr id="21" name="Conector recto de flecha 20">
-            <a:extLst>
-              <a:ext uri="{FF2B5EF4-FFF2-40B4-BE49-F238E27FC236}">
-                <a16:creationId xmlns:a16="http://schemas.microsoft.com/office/drawing/2014/main" id="{62C11F23-B577-436F-8985-DE6DA7FE37E7}"/>
-              </a:ext>
-            </a:extLst>
-          </p:cNvPr>
-          <p:cNvCxnSpPr/>
-          <p:nvPr/>
-        </p:nvCxnSpPr>
-        <p:spPr>
-          <a:xfrm flipV="1">
-            <a:off x="3788735" y="1268819"/>
-            <a:ext cx="0" cy="226828"/>
-          </a:xfrm>
-          <a:prstGeom prst="straightConnector1">
-            <a:avLst/>
-          </a:prstGeom>
-          <a:ln>
-            <a:tailEnd type="triangle"/>
-          </a:ln>
-        </p:spPr>
-        <p:style>
-          <a:lnRef idx="1">
-            <a:schemeClr val="accent1"/>
-          </a:lnRef>
-          <a:fillRef idx="0">
-            <a:schemeClr val="accent1"/>
-          </a:fillRef>
-          <a:effectRef idx="0">
-            <a:schemeClr val="accent1"/>
-          </a:effectRef>
-          <a:fontRef idx="minor">
-            <a:schemeClr val="tx1"/>
-          </a:fontRef>
-        </p:style>
-      </p:cxnSp>
-      <p:sp>
-        <p:nvSpPr>
-          <p:cNvPr id="22" name="Flecha: a la derecha 21">
-            <a:extLst>
-              <a:ext uri="{FF2B5EF4-FFF2-40B4-BE49-F238E27FC236}">
-                <a16:creationId xmlns:a16="http://schemas.microsoft.com/office/drawing/2014/main" id="{15E71CD9-2434-4CDF-81A9-4B184CC63778}"/>
-              </a:ext>
-            </a:extLst>
-          </p:cNvPr>
-          <p:cNvSpPr/>
-          <p:nvPr/>
-        </p:nvSpPr>
-        <p:spPr>
-          <a:xfrm>
-            <a:off x="5138186" y="1382233"/>
-            <a:ext cx="297706" cy="45719"/>
-          </a:xfrm>
-          <a:prstGeom prst="rightArrow">
-            <a:avLst/>
-          </a:prstGeom>
-        </p:spPr>
-        <p:style>
-          <a:lnRef idx="2">
-            <a:schemeClr val="accent1">
-              <a:shade val="50000"/>
-            </a:schemeClr>
-          </a:lnRef>
-          <a:fillRef idx="1">
-            <a:schemeClr val="accent1"/>
-          </a:fillRef>
-          <a:effectRef idx="0">
-            <a:schemeClr val="accent1"/>
-          </a:effectRef>
-          <a:fontRef idx="minor">
-            <a:schemeClr val="lt1"/>
-          </a:fontRef>
-        </p:style>
-        <p:txBody>
-          <a:bodyPr rtlCol="0" anchor="ctr"/>
-          <a:lstStyle/>
-          <a:p>
-            <a:pPr algn="ctr"/>
-            <a:endParaRPr lang="es-ES"/>
-          </a:p>
-        </p:txBody>
-      </p:sp>
-      <p:cxnSp>
-        <p:nvCxnSpPr>
-          <p:cNvPr id="24" name="Conector recto de flecha 23">
-            <a:extLst>
-              <a:ext uri="{FF2B5EF4-FFF2-40B4-BE49-F238E27FC236}">
-                <a16:creationId xmlns:a16="http://schemas.microsoft.com/office/drawing/2014/main" id="{48489DF1-0378-4F15-97C5-6B38814B2688}"/>
-              </a:ext>
-            </a:extLst>
-          </p:cNvPr>
-          <p:cNvCxnSpPr/>
-          <p:nvPr/>
-        </p:nvCxnSpPr>
-        <p:spPr>
-          <a:xfrm>
-            <a:off x="5738038" y="1259779"/>
-            <a:ext cx="0" cy="226828"/>
-          </a:xfrm>
-          <a:prstGeom prst="straightConnector1">
-            <a:avLst/>
-          </a:prstGeom>
-          <a:ln>
-            <a:tailEnd type="triangle"/>
-          </a:ln>
-        </p:spPr>
-        <p:style>
-          <a:lnRef idx="1">
-            <a:schemeClr val="accent1"/>
-          </a:lnRef>
-          <a:fillRef idx="0">
-            <a:schemeClr val="accent1"/>
-          </a:fillRef>
-          <a:effectRef idx="0">
-            <a:schemeClr val="accent1"/>
-          </a:effectRef>
-          <a:fontRef idx="minor">
-            <a:schemeClr val="tx1"/>
-          </a:fontRef>
-        </p:style>
-      </p:cxnSp>
-      <p:pic>
-        <p:nvPicPr>
-          <p:cNvPr id="7" name="Grafik 6">
-            <a:extLst>
-              <a:ext uri="{FF2B5EF4-FFF2-40B4-BE49-F238E27FC236}">
-                <a16:creationId xmlns:a16="http://schemas.microsoft.com/office/drawing/2014/main" id="{A4ED2976-950E-4C7F-999F-FB20D81DD4E6}"/>
+                <a16:creationId xmlns:a16="http://schemas.microsoft.com/office/drawing/2014/main" id="{E016927D-DF6A-4A93-9A85-8EA8CD2A2772}"/>
               </a:ext>
             </a:extLst>
           </p:cNvPr>
@@ -14128,14 +11166,245 @@
         </p:blipFill>
         <p:spPr>
           <a:xfrm>
-            <a:off x="1446589" y="1585166"/>
-            <a:ext cx="6250821" cy="2293060"/>
+            <a:off x="3513697" y="1067570"/>
+            <a:ext cx="5091069" cy="3008359"/>
           </a:xfrm>
           <a:prstGeom prst="rect">
             <a:avLst/>
           </a:prstGeom>
         </p:spPr>
       </p:pic>
+      <p:sp>
+        <p:nvSpPr>
+          <p:cNvPr id="9" name="CuadroTexto 8">
+            <a:extLst>
+              <a:ext uri="{FF2B5EF4-FFF2-40B4-BE49-F238E27FC236}">
+                <a16:creationId xmlns:a16="http://schemas.microsoft.com/office/drawing/2014/main" id="{55323269-2ADB-43F5-A2EC-3D558C821FC6}"/>
+              </a:ext>
+            </a:extLst>
+          </p:cNvPr>
+          <p:cNvSpPr txBox="1"/>
+          <p:nvPr/>
+        </p:nvSpPr>
+        <p:spPr>
+          <a:xfrm>
+            <a:off x="469160" y="1939032"/>
+            <a:ext cx="2615610" cy="338554"/>
+          </a:xfrm>
+          <a:prstGeom prst="rect">
+            <a:avLst/>
+          </a:prstGeom>
+          <a:noFill/>
+        </p:spPr>
+        <p:txBody>
+          <a:bodyPr wrap="square" rtlCol="0">
+            <a:spAutoFit/>
+          </a:bodyPr>
+          <a:lstStyle/>
+          <a:p>
+            <a:pPr marL="285750" indent="-285750">
+              <a:buFont typeface="Wingdings" panose="05000000000000000000" pitchFamily="2" charset="2"/>
+              <a:buChar char="Ø"/>
+            </a:pPr>
+            <a:r>
+              <a:rPr lang="es-ES" sz="1600" dirty="0" err="1">
+                <a:latin typeface="Times New Roman" panose="02020603050405020304" pitchFamily="18" charset="0"/>
+                <a:cs typeface="Times New Roman" panose="02020603050405020304" pitchFamily="18" charset="0"/>
+              </a:rPr>
+              <a:t>Why</a:t>
+            </a:r>
+            <a:r>
+              <a:rPr lang="es-ES" sz="1600" dirty="0">
+                <a:latin typeface="Times New Roman" panose="02020603050405020304" pitchFamily="18" charset="0"/>
+                <a:cs typeface="Times New Roman" panose="02020603050405020304" pitchFamily="18" charset="0"/>
+              </a:rPr>
+              <a:t> PV solar </a:t>
+            </a:r>
+            <a:r>
+              <a:rPr lang="es-ES" sz="1600" dirty="0" err="1">
+                <a:latin typeface="Times New Roman" panose="02020603050405020304" pitchFamily="18" charset="0"/>
+                <a:cs typeface="Times New Roman" panose="02020603050405020304" pitchFamily="18" charset="0"/>
+              </a:rPr>
+              <a:t>energy</a:t>
+            </a:r>
+            <a:r>
+              <a:rPr lang="es-ES" sz="1600" dirty="0">
+                <a:latin typeface="Times New Roman" panose="02020603050405020304" pitchFamily="18" charset="0"/>
+                <a:cs typeface="Times New Roman" panose="02020603050405020304" pitchFamily="18" charset="0"/>
+              </a:rPr>
+              <a:t>?</a:t>
+            </a:r>
+          </a:p>
+        </p:txBody>
+      </p:sp>
+      <p:sp>
+        <p:nvSpPr>
+          <p:cNvPr id="23" name="CuadroTexto 22">
+            <a:extLst>
+              <a:ext uri="{FF2B5EF4-FFF2-40B4-BE49-F238E27FC236}">
+                <a16:creationId xmlns:a16="http://schemas.microsoft.com/office/drawing/2014/main" id="{F7CB1393-274C-441D-ADD0-5F31E96A6956}"/>
+              </a:ext>
+            </a:extLst>
+          </p:cNvPr>
+          <p:cNvSpPr txBox="1"/>
+          <p:nvPr/>
+        </p:nvSpPr>
+        <p:spPr>
+          <a:xfrm>
+            <a:off x="469160" y="2459486"/>
+            <a:ext cx="2615610" cy="338554"/>
+          </a:xfrm>
+          <a:prstGeom prst="rect">
+            <a:avLst/>
+          </a:prstGeom>
+          <a:noFill/>
+        </p:spPr>
+        <p:txBody>
+          <a:bodyPr wrap="square" rtlCol="0">
+            <a:spAutoFit/>
+          </a:bodyPr>
+          <a:lstStyle/>
+          <a:p>
+            <a:pPr marL="285750" indent="-285750">
+              <a:buFont typeface="Wingdings" panose="05000000000000000000" pitchFamily="2" charset="2"/>
+              <a:buChar char="Ø"/>
+            </a:pPr>
+            <a:r>
+              <a:rPr lang="es-ES" sz="1600" dirty="0" err="1">
+                <a:latin typeface="Times New Roman" panose="02020603050405020304" pitchFamily="18" charset="0"/>
+                <a:cs typeface="Times New Roman" panose="02020603050405020304" pitchFamily="18" charset="0"/>
+              </a:rPr>
+              <a:t>What</a:t>
+            </a:r>
+            <a:r>
+              <a:rPr lang="es-ES" sz="1600" dirty="0">
+                <a:latin typeface="Times New Roman" panose="02020603050405020304" pitchFamily="18" charset="0"/>
+                <a:cs typeface="Times New Roman" panose="02020603050405020304" pitchFamily="18" charset="0"/>
+              </a:rPr>
+              <a:t> </a:t>
+            </a:r>
+            <a:r>
+              <a:rPr lang="es-ES" sz="1600" dirty="0" err="1">
+                <a:latin typeface="Times New Roman" panose="02020603050405020304" pitchFamily="18" charset="0"/>
+                <a:cs typeface="Times New Roman" panose="02020603050405020304" pitchFamily="18" charset="0"/>
+              </a:rPr>
+              <a:t>is</a:t>
+            </a:r>
+            <a:r>
+              <a:rPr lang="es-ES" sz="1600" dirty="0">
+                <a:latin typeface="Times New Roman" panose="02020603050405020304" pitchFamily="18" charset="0"/>
+                <a:cs typeface="Times New Roman" panose="02020603050405020304" pitchFamily="18" charset="0"/>
+              </a:rPr>
+              <a:t> </a:t>
+            </a:r>
+            <a:r>
+              <a:rPr lang="es-ES" sz="1600" dirty="0" err="1">
+                <a:latin typeface="Times New Roman" panose="02020603050405020304" pitchFamily="18" charset="0"/>
+                <a:cs typeface="Times New Roman" panose="02020603050405020304" pitchFamily="18" charset="0"/>
+              </a:rPr>
+              <a:t>the</a:t>
+            </a:r>
+            <a:r>
+              <a:rPr lang="es-ES" sz="1600" dirty="0">
+                <a:latin typeface="Times New Roman" panose="02020603050405020304" pitchFamily="18" charset="0"/>
+                <a:cs typeface="Times New Roman" panose="02020603050405020304" pitchFamily="18" charset="0"/>
+              </a:rPr>
+              <a:t> </a:t>
+            </a:r>
+            <a:r>
+              <a:rPr lang="es-ES" sz="1600" dirty="0" err="1">
+                <a:latin typeface="Times New Roman" panose="02020603050405020304" pitchFamily="18" charset="0"/>
+                <a:cs typeface="Times New Roman" panose="02020603050405020304" pitchFamily="18" charset="0"/>
+              </a:rPr>
+              <a:t>problem</a:t>
+            </a:r>
+            <a:r>
+              <a:rPr lang="es-ES" sz="1600" dirty="0">
+                <a:latin typeface="Times New Roman" panose="02020603050405020304" pitchFamily="18" charset="0"/>
+                <a:cs typeface="Times New Roman" panose="02020603050405020304" pitchFamily="18" charset="0"/>
+              </a:rPr>
+              <a:t>?</a:t>
+            </a:r>
+          </a:p>
+        </p:txBody>
+      </p:sp>
+      <p:sp>
+        <p:nvSpPr>
+          <p:cNvPr id="25" name="CuadroTexto 24">
+            <a:extLst>
+              <a:ext uri="{FF2B5EF4-FFF2-40B4-BE49-F238E27FC236}">
+                <a16:creationId xmlns:a16="http://schemas.microsoft.com/office/drawing/2014/main" id="{82B0F798-A9A1-416A-85E4-7C66FCCC6BFC}"/>
+              </a:ext>
+            </a:extLst>
+          </p:cNvPr>
+          <p:cNvSpPr txBox="1"/>
+          <p:nvPr/>
+        </p:nvSpPr>
+        <p:spPr>
+          <a:xfrm>
+            <a:off x="469160" y="2980268"/>
+            <a:ext cx="2615610" cy="338554"/>
+          </a:xfrm>
+          <a:prstGeom prst="rect">
+            <a:avLst/>
+          </a:prstGeom>
+          <a:noFill/>
+        </p:spPr>
+        <p:txBody>
+          <a:bodyPr wrap="square" rtlCol="0">
+            <a:spAutoFit/>
+          </a:bodyPr>
+          <a:lstStyle/>
+          <a:p>
+            <a:pPr marL="285750" indent="-285750">
+              <a:buFont typeface="Wingdings" panose="05000000000000000000" pitchFamily="2" charset="2"/>
+              <a:buChar char="Ø"/>
+            </a:pPr>
+            <a:r>
+              <a:rPr lang="es-ES" sz="1600" dirty="0" err="1">
+                <a:latin typeface="Times New Roman" panose="02020603050405020304" pitchFamily="18" charset="0"/>
+                <a:cs typeface="Times New Roman" panose="02020603050405020304" pitchFamily="18" charset="0"/>
+              </a:rPr>
+              <a:t>How</a:t>
+            </a:r>
+            <a:r>
+              <a:rPr lang="es-ES" sz="1600" dirty="0">
+                <a:latin typeface="Times New Roman" panose="02020603050405020304" pitchFamily="18" charset="0"/>
+                <a:cs typeface="Times New Roman" panose="02020603050405020304" pitchFamily="18" charset="0"/>
+              </a:rPr>
+              <a:t> can </a:t>
+            </a:r>
+            <a:r>
+              <a:rPr lang="es-ES" sz="1600" dirty="0" err="1">
+                <a:latin typeface="Times New Roman" panose="02020603050405020304" pitchFamily="18" charset="0"/>
+                <a:cs typeface="Times New Roman" panose="02020603050405020304" pitchFamily="18" charset="0"/>
+              </a:rPr>
+              <a:t>it</a:t>
+            </a:r>
+            <a:r>
+              <a:rPr lang="es-ES" sz="1600" dirty="0">
+                <a:latin typeface="Times New Roman" panose="02020603050405020304" pitchFamily="18" charset="0"/>
+                <a:cs typeface="Times New Roman" panose="02020603050405020304" pitchFamily="18" charset="0"/>
+              </a:rPr>
+              <a:t> be </a:t>
+            </a:r>
+            <a:r>
+              <a:rPr lang="es-ES" sz="1600" dirty="0" err="1">
+                <a:latin typeface="Times New Roman" panose="02020603050405020304" pitchFamily="18" charset="0"/>
+                <a:cs typeface="Times New Roman" panose="02020603050405020304" pitchFamily="18" charset="0"/>
+              </a:rPr>
+              <a:t>solved</a:t>
+            </a:r>
+            <a:r>
+              <a:rPr lang="es-ES" sz="1600" dirty="0">
+                <a:latin typeface="Times New Roman" panose="02020603050405020304" pitchFamily="18" charset="0"/>
+                <a:cs typeface="Times New Roman" panose="02020603050405020304" pitchFamily="18" charset="0"/>
+              </a:rPr>
+              <a:t>?  </a:t>
+            </a:r>
+          </a:p>
+        </p:txBody>
+      </p:sp>
     </p:spTree>
     <p:extLst>
       <p:ext uri="{BB962C8B-B14F-4D97-AF65-F5344CB8AC3E}">
@@ -14146,6 +11415,133 @@
   <p:clrMapOvr>
     <a:masterClrMapping/>
   </p:clrMapOvr>
+  <p:timing>
+    <p:tnLst>
+      <p:par>
+        <p:cTn id="1" dur="indefinite" restart="never" nodeType="tmRoot">
+          <p:childTnLst>
+            <p:seq concurrent="1" nextAc="seek">
+              <p:cTn id="2" dur="indefinite" nodeType="mainSeq">
+                <p:childTnLst>
+                  <p:par>
+                    <p:cTn id="3" fill="hold">
+                      <p:stCondLst>
+                        <p:cond delay="indefinite"/>
+                      </p:stCondLst>
+                      <p:childTnLst>
+                        <p:par>
+                          <p:cTn id="4" fill="hold">
+                            <p:stCondLst>
+                              <p:cond delay="0"/>
+                            </p:stCondLst>
+                            <p:childTnLst>
+                              <p:par>
+                                <p:cTn id="5" presetID="1" presetClass="entr" presetSubtype="0" fill="hold" grpId="0" nodeType="clickEffect">
+                                  <p:stCondLst>
+                                    <p:cond delay="0"/>
+                                  </p:stCondLst>
+                                  <p:childTnLst>
+                                    <p:set>
+                                      <p:cBhvr>
+                                        <p:cTn id="6" dur="1" fill="hold">
+                                          <p:stCondLst>
+                                            <p:cond delay="0"/>
+                                          </p:stCondLst>
+                                        </p:cTn>
+                                        <p:tgtEl>
+                                          <p:spTgt spid="23"/>
+                                        </p:tgtEl>
+                                        <p:attrNameLst>
+                                          <p:attrName>style.visibility</p:attrName>
+                                        </p:attrNameLst>
+                                      </p:cBhvr>
+                                      <p:to>
+                                        <p:strVal val="visible"/>
+                                      </p:to>
+                                    </p:set>
+                                  </p:childTnLst>
+                                </p:cTn>
+                              </p:par>
+                            </p:childTnLst>
+                          </p:cTn>
+                        </p:par>
+                      </p:childTnLst>
+                    </p:cTn>
+                  </p:par>
+                  <p:par>
+                    <p:cTn id="7" fill="hold">
+                      <p:stCondLst>
+                        <p:cond delay="indefinite"/>
+                      </p:stCondLst>
+                      <p:childTnLst>
+                        <p:par>
+                          <p:cTn id="8" fill="hold">
+                            <p:stCondLst>
+                              <p:cond delay="0"/>
+                            </p:stCondLst>
+                            <p:childTnLst>
+                              <p:par>
+                                <p:cTn id="9" presetID="1" presetClass="entr" presetSubtype="0" fill="hold" nodeType="clickEffect">
+                                  <p:stCondLst>
+                                    <p:cond delay="0"/>
+                                  </p:stCondLst>
+                                  <p:childTnLst>
+                                    <p:set>
+                                      <p:cBhvr>
+                                        <p:cTn id="10" dur="1" fill="hold">
+                                          <p:stCondLst>
+                                            <p:cond delay="0"/>
+                                          </p:stCondLst>
+                                        </p:cTn>
+                                        <p:tgtEl>
+                                          <p:spTgt spid="25">
+                                            <p:txEl>
+                                              <p:pRg st="0" end="0"/>
+                                            </p:txEl>
+                                          </p:spTgt>
+                                        </p:tgtEl>
+                                        <p:attrNameLst>
+                                          <p:attrName>style.visibility</p:attrName>
+                                        </p:attrNameLst>
+                                      </p:cBhvr>
+                                      <p:to>
+                                        <p:strVal val="visible"/>
+                                      </p:to>
+                                    </p:set>
+                                  </p:childTnLst>
+                                </p:cTn>
+                              </p:par>
+                            </p:childTnLst>
+                          </p:cTn>
+                        </p:par>
+                      </p:childTnLst>
+                    </p:cTn>
+                  </p:par>
+                </p:childTnLst>
+              </p:cTn>
+              <p:prevCondLst>
+                <p:cond evt="onPrev" delay="0">
+                  <p:tgtEl>
+                    <p:sldTgt/>
+                  </p:tgtEl>
+                </p:cond>
+              </p:prevCondLst>
+              <p:nextCondLst>
+                <p:cond evt="onNext" delay="0">
+                  <p:tgtEl>
+                    <p:sldTgt/>
+                  </p:tgtEl>
+                </p:cond>
+              </p:nextCondLst>
+            </p:seq>
+          </p:childTnLst>
+        </p:cTn>
+      </p:par>
+    </p:tnLst>
+    <p:bldLst>
+      <p:bldP spid="23" grpId="0"/>
+    </p:bldLst>
+  </p:timing>
 </p:sld>
 </file>
 
@@ -14182,7 +11578,12 @@
             <p:ph type="sldNum" idx="12"/>
           </p:nvPr>
         </p:nvSpPr>
-        <p:spPr/>
+        <p:spPr>
+          <a:xfrm>
+            <a:off x="6607253" y="4767264"/>
+            <a:ext cx="2133600" cy="273900"/>
+          </a:xfrm>
+        </p:spPr>
         <p:txBody>
           <a:bodyPr/>
           <a:lstStyle/>
@@ -14211,7 +11612,7 @@
                   <a:srgbClr val="54616E"/>
                 </a:solidFill>
               </a:rPr>
-              <a:t>/11</a:t>
+              <a:t>/13</a:t>
             </a:r>
             <a:endParaRPr lang="da" sz="1000" b="0" i="0" u="none" strike="noStrike" cap="none" dirty="0">
               <a:solidFill>
@@ -14300,27 +11701,40 @@
             </a:r>
           </a:p>
           <a:p>
-            <a:pPr lvl="1"/>
+            <a:endParaRPr lang="da-DK" sz="1600" b="1" dirty="0">
+              <a:latin typeface="Times New Roman" panose="02020603050405020304" pitchFamily="18" charset="0"/>
+              <a:cs typeface="Times New Roman" panose="02020603050405020304" pitchFamily="18" charset="0"/>
+            </a:endParaRPr>
+          </a:p>
+          <a:p>
+            <a:r>
+              <a:rPr lang="da-DK" sz="1600" b="1" dirty="0">
+                <a:latin typeface="Times New Roman" panose="02020603050405020304" pitchFamily="18" charset="0"/>
+                <a:cs typeface="Times New Roman" panose="02020603050405020304" pitchFamily="18" charset="0"/>
+              </a:rPr>
+              <a:t>MODULE INTEGRATED  CONVERTER (MIC)</a:t>
+            </a:r>
+          </a:p>
+          <a:p>
+            <a:pPr marL="571500" lvl="1" indent="0">
+              <a:buNone/>
+            </a:pPr>
+            <a:endParaRPr lang="da-DK" sz="1400" dirty="0">
+              <a:latin typeface="Times New Roman" panose="02020603050405020304" pitchFamily="18" charset="0"/>
+              <a:cs typeface="Times New Roman" panose="02020603050405020304" pitchFamily="18" charset="0"/>
+            </a:endParaRPr>
+          </a:p>
+          <a:p>
             <a:r>
               <a:rPr lang="da-DK" sz="1600" dirty="0">
                 <a:latin typeface="Times New Roman" panose="02020603050405020304" pitchFamily="18" charset="0"/>
                 <a:cs typeface="Times New Roman" panose="02020603050405020304" pitchFamily="18" charset="0"/>
               </a:rPr>
-              <a:t>PV generation</a:t>
+              <a:t>PROBLEM STATEMENT</a:t>
             </a:r>
           </a:p>
           <a:p>
-            <a:pPr lvl="1"/>
-            <a:r>
-              <a:rPr lang="da-DK" sz="1400" b="1" dirty="0">
-                <a:latin typeface="Times New Roman" panose="02020603050405020304" pitchFamily="18" charset="0"/>
-                <a:cs typeface="Times New Roman" panose="02020603050405020304" pitchFamily="18" charset="0"/>
-              </a:rPr>
-              <a:t>Module Integrated Converter (MIC)</a:t>
-            </a:r>
-          </a:p>
-          <a:p>
-            <a:pPr marL="571500" lvl="1" indent="0">
+            <a:pPr marL="114300" indent="0">
               <a:buNone/>
             </a:pPr>
             <a:endParaRPr lang="da-DK" sz="1600" dirty="0">
@@ -14331,38 +11745,34 @@
           <a:p>
             <a:r>
               <a:rPr lang="da-DK" sz="1600" dirty="0">
+                <a:solidFill>
+                  <a:srgbClr val="423C6C"/>
+                </a:solidFill>
                 <a:latin typeface="Times New Roman" panose="02020603050405020304" pitchFamily="18" charset="0"/>
                 <a:cs typeface="Times New Roman" panose="02020603050405020304" pitchFamily="18" charset="0"/>
               </a:rPr>
-              <a:t>PROBLEM ANALYSIS</a:t>
+              <a:t>OBJECTIVES</a:t>
             </a:r>
           </a:p>
           <a:p>
-            <a:pPr lvl="1"/>
+            <a:endParaRPr lang="da-DK" sz="1600" dirty="0">
+              <a:solidFill>
+                <a:srgbClr val="423C6C"/>
+              </a:solidFill>
+              <a:latin typeface="Times New Roman" panose="02020603050405020304" pitchFamily="18" charset="0"/>
+              <a:cs typeface="Times New Roman" panose="02020603050405020304" pitchFamily="18" charset="0"/>
+            </a:endParaRPr>
+          </a:p>
+          <a:p>
             <a:r>
               <a:rPr lang="da-DK" sz="1600" dirty="0">
+                <a:solidFill>
+                  <a:srgbClr val="423C6C"/>
+                </a:solidFill>
                 <a:latin typeface="Times New Roman" panose="02020603050405020304" pitchFamily="18" charset="0"/>
                 <a:cs typeface="Times New Roman" panose="02020603050405020304" pitchFamily="18" charset="0"/>
               </a:rPr>
-              <a:t>Problem statement</a:t>
-            </a:r>
-          </a:p>
-          <a:p>
-            <a:endParaRPr lang="da-DK" sz="1600" dirty="0">
-              <a:latin typeface="Times New Roman" panose="02020603050405020304" pitchFamily="18" charset="0"/>
-              <a:cs typeface="Times New Roman" panose="02020603050405020304" pitchFamily="18" charset="0"/>
-            </a:endParaRPr>
-          </a:p>
-          <a:p>
-            <a:r>
-              <a:rPr lang="da-DK" sz="1600" dirty="0">
-                <a:solidFill>
-                  <a:srgbClr val="423C6C"/>
-                </a:solidFill>
-                <a:latin typeface="Times New Roman" panose="02020603050405020304" pitchFamily="18" charset="0"/>
-                <a:cs typeface="Times New Roman" panose="02020603050405020304" pitchFamily="18" charset="0"/>
-              </a:rPr>
-              <a:t>FUTURE WORK</a:t>
+              <a:t>GROUP PROCESS</a:t>
             </a:r>
           </a:p>
           <a:p>
@@ -14401,7 +11811,7 @@
           <a:p>
             <a:r>
               <a:rPr lang="da-DK" dirty="0"/>
-              <a:t>Name presenter</a:t>
+              <a:t>Thassilo Lang </a:t>
             </a:r>
           </a:p>
           <a:p>
@@ -14412,7 +11822,7 @@
     </p:spTree>
     <p:extLst>
       <p:ext uri="{BB962C8B-B14F-4D97-AF65-F5344CB8AC3E}">
-        <p14:creationId xmlns:p14="http://schemas.microsoft.com/office/powerpoint/2010/main" val="2783389513"/>
+        <p14:creationId xmlns:p14="http://schemas.microsoft.com/office/powerpoint/2010/main" val="2725848262"/>
       </p:ext>
     </p:extLst>
   </p:cSld>
@@ -14473,7 +11883,7 @@
                 <a:latin typeface="Times New Roman" panose="02020603050405020304" pitchFamily="18" charset="0"/>
                 <a:cs typeface="Times New Roman" panose="02020603050405020304" pitchFamily="18" charset="0"/>
               </a:rPr>
-              <a:t>INTRODUCTION – Module Integrated Converter </a:t>
+              <a:t>MODULE INTEGRATED CONVERTER - MIC</a:t>
             </a:r>
             <a:endParaRPr lang="en-US" dirty="0">
               <a:solidFill>
@@ -14511,30 +11921,17 @@
           <a:bodyPr/>
           <a:lstStyle/>
           <a:p>
-            <a:r>
-              <a:rPr lang="da-DK" dirty="0">
-                <a:latin typeface="Times New Roman" panose="02020603050405020304" pitchFamily="18" charset="0"/>
-                <a:cs typeface="Times New Roman" panose="02020603050405020304" pitchFamily="18" charset="0"/>
-              </a:rPr>
-              <a:t>MICs </a:t>
-            </a:r>
+            <a:pPr>
+              <a:buFont typeface="Wingdings" panose="05000000000000000000" pitchFamily="2" charset="2"/>
+              <a:buChar char="Ø"/>
+            </a:pPr>
             <a:r>
               <a:rPr lang="da-DK" dirty="0">
                 <a:latin typeface="Times New Roman" panose="02020603050405020304" pitchFamily="18" charset="0"/>
                 <a:cs typeface="Times New Roman" panose="02020603050405020304" pitchFamily="18" charset="0"/>
                 <a:sym typeface="Wingdings" panose="05000000000000000000" pitchFamily="2" charset="2"/>
               </a:rPr>
-              <a:t>         DC-DC converters / Microinverters</a:t>
-            </a:r>
-          </a:p>
-          <a:p>
-            <a:r>
-              <a:rPr lang="da-DK" dirty="0">
-                <a:latin typeface="Times New Roman" panose="02020603050405020304" pitchFamily="18" charset="0"/>
-                <a:cs typeface="Times New Roman" panose="02020603050405020304" pitchFamily="18" charset="0"/>
-                <a:sym typeface="Wingdings" panose="05000000000000000000" pitchFamily="2" charset="2"/>
-              </a:rPr>
-              <a:t>MPPT         Maximum Power Point Tracking</a:t>
+              <a:t>   MPPT         Maximum Power Point Tracking</a:t>
             </a:r>
             <a:endParaRPr lang="da-DK" dirty="0">
               <a:latin typeface="Times New Roman" panose="02020603050405020304" pitchFamily="18" charset="0"/>
@@ -14588,7 +11985,7 @@
                   <a:srgbClr val="54616E"/>
                 </a:solidFill>
               </a:rPr>
-              <a:t>/11</a:t>
+              <a:t>/13</a:t>
             </a:r>
             <a:endParaRPr lang="da" sz="1000" b="0" i="0" u="none" strike="noStrike" cap="none" dirty="0">
               <a:solidFill>
@@ -14630,7 +12027,7 @@
           <a:p>
             <a:r>
               <a:rPr lang="da-DK" dirty="0"/>
-              <a:t>Name</a:t>
+              <a:t>Thassilo Lang</a:t>
             </a:r>
           </a:p>
           <a:p>
@@ -14672,48 +12069,10 @@
       </p:sp>
       <p:sp>
         <p:nvSpPr>
-          <p:cNvPr id="9" name="CuadroTexto 8">
+          <p:cNvPr id="25" name="Flecha: a la derecha 24">
             <a:extLst>
               <a:ext uri="{FF2B5EF4-FFF2-40B4-BE49-F238E27FC236}">
-                <a16:creationId xmlns:a16="http://schemas.microsoft.com/office/drawing/2014/main" id="{A9E99313-4ECA-4293-B56E-50FE590FEFD6}"/>
-              </a:ext>
-            </a:extLst>
-          </p:cNvPr>
-          <p:cNvSpPr txBox="1"/>
-          <p:nvPr/>
-        </p:nvSpPr>
-        <p:spPr>
-          <a:xfrm>
-            <a:off x="2732461" y="4078947"/>
-            <a:ext cx="3844164" cy="276999"/>
-          </a:xfrm>
-          <a:prstGeom prst="rect">
-            <a:avLst/>
-          </a:prstGeom>
-          <a:noFill/>
-        </p:spPr>
-        <p:txBody>
-          <a:bodyPr wrap="square" rtlCol="0">
-            <a:spAutoFit/>
-          </a:bodyPr>
-          <a:lstStyle/>
-          <a:p>
-            <a:r>
-              <a:rPr lang="es-ES" sz="1200" dirty="0">
-                <a:latin typeface="Times New Roman" panose="02020603050405020304" pitchFamily="18" charset="0"/>
-                <a:cs typeface="Times New Roman" panose="02020603050405020304" pitchFamily="18" charset="0"/>
-              </a:rPr>
-              <a:t>Maximum Power Point of generic solar panel [].</a:t>
-            </a:r>
-          </a:p>
-        </p:txBody>
-      </p:sp>
-      <p:sp>
-        <p:nvSpPr>
-          <p:cNvPr id="23" name="Flecha: a la derecha 22">
-            <a:extLst>
-              <a:ext uri="{FF2B5EF4-FFF2-40B4-BE49-F238E27FC236}">
-                <a16:creationId xmlns:a16="http://schemas.microsoft.com/office/drawing/2014/main" id="{418FAE1B-0B11-4724-8450-ECD8C5AA8E96}"/>
+                <a16:creationId xmlns:a16="http://schemas.microsoft.com/office/drawing/2014/main" id="{88469EA0-84BB-451B-A581-AE81C06F9868}"/>
               </a:ext>
             </a:extLst>
           </p:cNvPr>
@@ -14722,7 +12081,7 @@
         </p:nvSpPr>
         <p:spPr>
           <a:xfrm>
-            <a:off x="1533742" y="1118891"/>
+            <a:off x="1764113" y="1089396"/>
             <a:ext cx="297706" cy="45719"/>
           </a:xfrm>
           <a:prstGeom prst="rightArrow">
@@ -14754,58 +12113,12 @@
           </a:p>
         </p:txBody>
       </p:sp>
-      <p:sp>
-        <p:nvSpPr>
-          <p:cNvPr id="25" name="Flecha: a la derecha 24">
+      <p:pic>
+        <p:nvPicPr>
+          <p:cNvPr id="7" name="Imagen 6">
             <a:extLst>
               <a:ext uri="{FF2B5EF4-FFF2-40B4-BE49-F238E27FC236}">
-                <a16:creationId xmlns:a16="http://schemas.microsoft.com/office/drawing/2014/main" id="{88469EA0-84BB-451B-A581-AE81C06F9868}"/>
-              </a:ext>
-            </a:extLst>
-          </p:cNvPr>
-          <p:cNvSpPr/>
-          <p:nvPr/>
-        </p:nvSpPr>
-        <p:spPr>
-          <a:xfrm>
-            <a:off x="1608169" y="1436726"/>
-            <a:ext cx="297706" cy="45719"/>
-          </a:xfrm>
-          <a:prstGeom prst="rightArrow">
-            <a:avLst/>
-          </a:prstGeom>
-        </p:spPr>
-        <p:style>
-          <a:lnRef idx="2">
-            <a:schemeClr val="accent1">
-              <a:shade val="50000"/>
-            </a:schemeClr>
-          </a:lnRef>
-          <a:fillRef idx="1">
-            <a:schemeClr val="accent1"/>
-          </a:fillRef>
-          <a:effectRef idx="0">
-            <a:schemeClr val="accent1"/>
-          </a:effectRef>
-          <a:fontRef idx="minor">
-            <a:schemeClr val="lt1"/>
-          </a:fontRef>
-        </p:style>
-        <p:txBody>
-          <a:bodyPr rtlCol="0" anchor="ctr"/>
-          <a:lstStyle/>
-          <a:p>
-            <a:pPr algn="ctr"/>
-            <a:endParaRPr lang="es-ES"/>
-          </a:p>
-        </p:txBody>
-      </p:sp>
-      <p:pic>
-        <p:nvPicPr>
-          <p:cNvPr id="10" name="Grafik 9">
-            <a:extLst>
-              <a:ext uri="{FF2B5EF4-FFF2-40B4-BE49-F238E27FC236}">
-                <a16:creationId xmlns:a16="http://schemas.microsoft.com/office/drawing/2014/main" id="{7283B0A9-70AA-4872-BD7A-77D592B0640A}"/>
+                <a16:creationId xmlns:a16="http://schemas.microsoft.com/office/drawing/2014/main" id="{A2675076-DA38-4CC3-B407-39743F13AF7D}"/>
               </a:ext>
             </a:extLst>
           </p:cNvPr>
@@ -14822,8 +12135,8 @@
         </p:blipFill>
         <p:spPr>
           <a:xfrm>
-            <a:off x="3098145" y="1717158"/>
-            <a:ext cx="2947710" cy="2203959"/>
+            <a:off x="1964532" y="1398178"/>
+            <a:ext cx="4681537" cy="2975626"/>
           </a:xfrm>
           <a:prstGeom prst="rect">
             <a:avLst/>
@@ -14845,279 +12158,6 @@
 
 <file path=ppt/slides/slide6.xml><?xml version="1.0" encoding="utf-8"?>
 <p:sld xmlns:a="http://schemas.openxmlformats.org/drawingml/2006/main" xmlns:r="http://schemas.openxmlformats.org/officeDocument/2006/relationships" xmlns:p="http://schemas.openxmlformats.org/presentationml/2006/main">
-  <p:cSld>
-    <p:spTree>
-      <p:nvGrpSpPr>
-        <p:cNvPr id="1" name=""/>
-        <p:cNvGrpSpPr/>
-        <p:nvPr/>
-      </p:nvGrpSpPr>
-      <p:grpSpPr>
-        <a:xfrm>
-          <a:off x="0" y="0"/>
-          <a:ext cx="0" cy="0"/>
-          <a:chOff x="0" y="0"/>
-          <a:chExt cx="0" cy="0"/>
-        </a:xfrm>
-      </p:grpSpPr>
-      <p:sp>
-        <p:nvSpPr>
-          <p:cNvPr id="2" name="Pladsholder til slidenummer 1">
-            <a:extLst>
-              <a:ext uri="{FF2B5EF4-FFF2-40B4-BE49-F238E27FC236}">
-                <a16:creationId xmlns:a16="http://schemas.microsoft.com/office/drawing/2014/main" id="{6FC65677-B603-4E1E-8F95-7DABEFE7B9A2}"/>
-              </a:ext>
-            </a:extLst>
-          </p:cNvPr>
-          <p:cNvSpPr>
-            <a:spLocks noGrp="1"/>
-          </p:cNvSpPr>
-          <p:nvPr>
-            <p:ph type="sldNum" idx="12"/>
-          </p:nvPr>
-        </p:nvSpPr>
-        <p:spPr/>
-        <p:txBody>
-          <a:bodyPr/>
-          <a:lstStyle/>
-          <a:p>
-            <a:pPr lvl="0" algn="r">
-              <a:buSzPct val="25000"/>
-            </a:pPr>
-            <a:fld id="{00000000-1234-1234-1234-123412341234}" type="slidenum">
-              <a:rPr lang="da" sz="1000" b="0" i="0" u="none" strike="noStrike" cap="none" smtClean="0">
-                <a:solidFill>
-                  <a:srgbClr val="54616E"/>
-                </a:solidFill>
-                <a:latin typeface="Arial"/>
-                <a:ea typeface="Arial"/>
-                <a:cs typeface="Arial"/>
-                <a:sym typeface="Arial"/>
-              </a:rPr>
-              <a:pPr lvl="0" algn="r">
-                <a:buSzPct val="25000"/>
-              </a:pPr>
-              <a:t>6</a:t>
-            </a:fld>
-            <a:r>
-              <a:rPr lang="da" sz="1000" dirty="0">
-                <a:solidFill>
-                  <a:srgbClr val="54616E"/>
-                </a:solidFill>
-              </a:rPr>
-              <a:t>/11</a:t>
-            </a:r>
-            <a:endParaRPr lang="da" sz="1000" b="0" i="0" u="none" strike="noStrike" cap="none" dirty="0">
-              <a:solidFill>
-                <a:srgbClr val="54616E"/>
-              </a:solidFill>
-              <a:latin typeface="Arial"/>
-              <a:ea typeface="Arial"/>
-              <a:cs typeface="Arial"/>
-              <a:sym typeface="Arial"/>
-            </a:endParaRPr>
-          </a:p>
-        </p:txBody>
-      </p:sp>
-      <p:sp>
-        <p:nvSpPr>
-          <p:cNvPr id="3" name="Titel 2">
-            <a:extLst>
-              <a:ext uri="{FF2B5EF4-FFF2-40B4-BE49-F238E27FC236}">
-                <a16:creationId xmlns:a16="http://schemas.microsoft.com/office/drawing/2014/main" id="{BAD2D4CC-ACAB-4C22-9AA4-2978B27CB069}"/>
-              </a:ext>
-            </a:extLst>
-          </p:cNvPr>
-          <p:cNvSpPr>
-            <a:spLocks noGrp="1"/>
-          </p:cNvSpPr>
-          <p:nvPr>
-            <p:ph type="title"/>
-          </p:nvPr>
-        </p:nvSpPr>
-        <p:spPr>
-          <a:xfrm>
-            <a:off x="457200" y="205977"/>
-            <a:ext cx="8229600" cy="582299"/>
-          </a:xfrm>
-        </p:spPr>
-        <p:txBody>
-          <a:bodyPr/>
-          <a:lstStyle/>
-          <a:p>
-            <a:r>
-              <a:rPr lang="da-DK" dirty="0">
-                <a:latin typeface="Times New Roman" panose="02020603050405020304" pitchFamily="18" charset="0"/>
-                <a:cs typeface="Times New Roman" panose="02020603050405020304" pitchFamily="18" charset="0"/>
-              </a:rPr>
-              <a:t>AGENDA</a:t>
-            </a:r>
-            <a:endParaRPr lang="en-US" dirty="0">
-              <a:latin typeface="Times New Roman" panose="02020603050405020304" pitchFamily="18" charset="0"/>
-              <a:cs typeface="Times New Roman" panose="02020603050405020304" pitchFamily="18" charset="0"/>
-            </a:endParaRPr>
-          </a:p>
-        </p:txBody>
-      </p:sp>
-      <p:sp>
-        <p:nvSpPr>
-          <p:cNvPr id="4" name="Pladsholder til tekst 3">
-            <a:extLst>
-              <a:ext uri="{FF2B5EF4-FFF2-40B4-BE49-F238E27FC236}">
-                <a16:creationId xmlns:a16="http://schemas.microsoft.com/office/drawing/2014/main" id="{441F1E0B-EE15-4F8C-B4AB-0F27D0475D14}"/>
-              </a:ext>
-            </a:extLst>
-          </p:cNvPr>
-          <p:cNvSpPr>
-            <a:spLocks noGrp="1"/>
-          </p:cNvSpPr>
-          <p:nvPr>
-            <p:ph type="body" idx="1"/>
-          </p:nvPr>
-        </p:nvSpPr>
-        <p:spPr>
-          <a:xfrm>
-            <a:off x="457200" y="922955"/>
-            <a:ext cx="8229600" cy="3508954"/>
-          </a:xfrm>
-        </p:spPr>
-        <p:txBody>
-          <a:bodyPr/>
-          <a:lstStyle/>
-          <a:p>
-            <a:r>
-              <a:rPr lang="da-DK" sz="1600" dirty="0">
-                <a:latin typeface="Times New Roman" panose="02020603050405020304" pitchFamily="18" charset="0"/>
-                <a:cs typeface="Times New Roman" panose="02020603050405020304" pitchFamily="18" charset="0"/>
-              </a:rPr>
-              <a:t>INTRODUCTION</a:t>
-            </a:r>
-          </a:p>
-          <a:p>
-            <a:pPr lvl="1"/>
-            <a:r>
-              <a:rPr lang="da-DK" sz="1600" dirty="0">
-                <a:latin typeface="Times New Roman" panose="02020603050405020304" pitchFamily="18" charset="0"/>
-                <a:cs typeface="Times New Roman" panose="02020603050405020304" pitchFamily="18" charset="0"/>
-              </a:rPr>
-              <a:t>PV generation</a:t>
-            </a:r>
-          </a:p>
-          <a:p>
-            <a:pPr lvl="1"/>
-            <a:r>
-              <a:rPr lang="da-DK" sz="1400" dirty="0">
-                <a:latin typeface="Times New Roman" panose="02020603050405020304" pitchFamily="18" charset="0"/>
-                <a:cs typeface="Times New Roman" panose="02020603050405020304" pitchFamily="18" charset="0"/>
-              </a:rPr>
-              <a:t>Module Integrated Converter (MIC)</a:t>
-            </a:r>
-          </a:p>
-          <a:p>
-            <a:pPr marL="571500" lvl="1" indent="0">
-              <a:buNone/>
-            </a:pPr>
-            <a:endParaRPr lang="da-DK" sz="1600" dirty="0">
-              <a:latin typeface="Times New Roman" panose="02020603050405020304" pitchFamily="18" charset="0"/>
-              <a:cs typeface="Times New Roman" panose="02020603050405020304" pitchFamily="18" charset="0"/>
-            </a:endParaRPr>
-          </a:p>
-          <a:p>
-            <a:r>
-              <a:rPr lang="da-DK" sz="1600" dirty="0">
-                <a:latin typeface="Times New Roman" panose="02020603050405020304" pitchFamily="18" charset="0"/>
-                <a:cs typeface="Times New Roman" panose="02020603050405020304" pitchFamily="18" charset="0"/>
-              </a:rPr>
-              <a:t>PROBLEM ANALYSIS</a:t>
-            </a:r>
-          </a:p>
-          <a:p>
-            <a:pPr lvl="1"/>
-            <a:r>
-              <a:rPr lang="da-DK" sz="1600" dirty="0">
-                <a:latin typeface="Times New Roman" panose="02020603050405020304" pitchFamily="18" charset="0"/>
-                <a:cs typeface="Times New Roman" panose="02020603050405020304" pitchFamily="18" charset="0"/>
-              </a:rPr>
-              <a:t>Problem statement</a:t>
-            </a:r>
-          </a:p>
-          <a:p>
-            <a:endParaRPr lang="da-DK" sz="1600" dirty="0">
-              <a:latin typeface="Times New Roman" panose="02020603050405020304" pitchFamily="18" charset="0"/>
-              <a:cs typeface="Times New Roman" panose="02020603050405020304" pitchFamily="18" charset="0"/>
-            </a:endParaRPr>
-          </a:p>
-          <a:p>
-            <a:r>
-              <a:rPr lang="da-DK" sz="1600" dirty="0">
-                <a:solidFill>
-                  <a:srgbClr val="423C6C"/>
-                </a:solidFill>
-                <a:latin typeface="Times New Roman" panose="02020603050405020304" pitchFamily="18" charset="0"/>
-                <a:cs typeface="Times New Roman" panose="02020603050405020304" pitchFamily="18" charset="0"/>
-              </a:rPr>
-              <a:t>FUTURE WORK</a:t>
-            </a:r>
-          </a:p>
-          <a:p>
-            <a:pPr marL="114300" indent="0">
-              <a:buNone/>
-            </a:pPr>
-            <a:endParaRPr lang="da-DK" sz="1400" dirty="0"/>
-          </a:p>
-        </p:txBody>
-      </p:sp>
-      <p:sp>
-        <p:nvSpPr>
-          <p:cNvPr id="5" name="Pladsholder til dato 3">
-            <a:extLst>
-              <a:ext uri="{FF2B5EF4-FFF2-40B4-BE49-F238E27FC236}">
-                <a16:creationId xmlns:a16="http://schemas.microsoft.com/office/drawing/2014/main" id="{6AA825D5-5F64-49E2-BA19-3ACE2BA08BAE}"/>
-              </a:ext>
-            </a:extLst>
-          </p:cNvPr>
-          <p:cNvSpPr>
-            <a:spLocks noGrp="1"/>
-          </p:cNvSpPr>
-          <p:nvPr>
-            <p:ph type="dt" sz="half" idx="10"/>
-          </p:nvPr>
-        </p:nvSpPr>
-        <p:spPr>
-          <a:xfrm>
-            <a:off x="403147" y="4736893"/>
-            <a:ext cx="2133600" cy="304271"/>
-          </a:xfrm>
-        </p:spPr>
-        <p:txBody>
-          <a:bodyPr/>
-          <a:lstStyle/>
-          <a:p>
-            <a:r>
-              <a:rPr lang="da-DK" dirty="0"/>
-              <a:t>Name presenter</a:t>
-            </a:r>
-          </a:p>
-          <a:p>
-            <a:endParaRPr lang="da-DK" dirty="0"/>
-          </a:p>
-        </p:txBody>
-      </p:sp>
-    </p:spTree>
-    <p:extLst>
-      <p:ext uri="{BB962C8B-B14F-4D97-AF65-F5344CB8AC3E}">
-        <p14:creationId xmlns:p14="http://schemas.microsoft.com/office/powerpoint/2010/main" val="3348681081"/>
-      </p:ext>
-    </p:extLst>
-  </p:cSld>
-  <p:clrMapOvr>
-    <a:masterClrMapping/>
-  </p:clrMapOvr>
-</p:sld>
-</file>
-
-<file path=ppt/slides/slide7.xml><?xml version="1.0" encoding="utf-8"?>
-<p:sld xmlns:a="http://schemas.openxmlformats.org/drawingml/2006/main" xmlns:r="http://schemas.openxmlformats.org/officeDocument/2006/relationships" xmlns:p="http://schemas.openxmlformats.org/presentationml/2006/main" show="0">
   <p:cSld>
     <p:spTree>
       <p:nvGrpSpPr>
@@ -15167,7 +12207,7 @@
                 <a:latin typeface="Times New Roman" panose="02020603050405020304" pitchFamily="18" charset="0"/>
                 <a:cs typeface="Times New Roman" panose="02020603050405020304" pitchFamily="18" charset="0"/>
               </a:rPr>
-              <a:t>CONVERTER TOPOLOGIES </a:t>
+              <a:t>MODULE INTEGRATED CONVERTER - MIC</a:t>
             </a:r>
             <a:endParaRPr lang="en-US" dirty="0">
               <a:solidFill>
@@ -15176,45 +12216,6 @@
               <a:latin typeface="Times New Roman" panose="02020603050405020304" pitchFamily="18" charset="0"/>
               <a:cs typeface="Times New Roman" panose="02020603050405020304" pitchFamily="18" charset="0"/>
             </a:endParaRPr>
-          </a:p>
-        </p:txBody>
-      </p:sp>
-      <p:sp>
-        <p:nvSpPr>
-          <p:cNvPr id="3" name="Pladsholder til tekst 2">
-            <a:extLst>
-              <a:ext uri="{FF2B5EF4-FFF2-40B4-BE49-F238E27FC236}">
-                <a16:creationId xmlns:a16="http://schemas.microsoft.com/office/drawing/2014/main" id="{E93A0280-2F25-4ECE-A307-2B05D45D3B2C}"/>
-              </a:ext>
-            </a:extLst>
-          </p:cNvPr>
-          <p:cNvSpPr>
-            <a:spLocks noGrp="1"/>
-          </p:cNvSpPr>
-          <p:nvPr>
-            <p:ph type="body" idx="1"/>
-          </p:nvPr>
-        </p:nvSpPr>
-        <p:spPr>
-          <a:xfrm>
-            <a:off x="457200" y="887755"/>
-            <a:ext cx="8348968" cy="3486049"/>
-          </a:xfrm>
-        </p:spPr>
-        <p:txBody>
-          <a:bodyPr/>
-          <a:lstStyle/>
-          <a:p>
-            <a:pPr marL="114300" indent="0">
-              <a:buNone/>
-            </a:pPr>
-            <a:r>
-              <a:rPr lang="da-DK" dirty="0"/>
-              <a:t>				</a:t>
-            </a:r>
-          </a:p>
-          <a:p>
-            <a:endParaRPr lang="da-DK" dirty="0"/>
           </a:p>
         </p:txBody>
       </p:sp>
@@ -15255,7 +12256,7 @@
               <a:pPr lvl="0" algn="r">
                 <a:buSzPct val="25000"/>
               </a:pPr>
-              <a:t>7</a:t>
+              <a:t>6</a:t>
             </a:fld>
             <a:r>
               <a:rPr lang="da" sz="1000" dirty="0">
@@ -15263,7 +12264,7 @@
                   <a:srgbClr val="54616E"/>
                 </a:solidFill>
               </a:rPr>
-              <a:t>/49</a:t>
+              <a:t>/13</a:t>
             </a:r>
             <a:endParaRPr lang="da" sz="1000" b="0" i="0" u="none" strike="noStrike" cap="none" dirty="0">
               <a:solidFill>
@@ -15305,7 +12306,7 @@
           <a:p>
             <a:r>
               <a:rPr lang="da-DK" dirty="0"/>
-              <a:t>Name</a:t>
+              <a:t>Nicolás Murguizur</a:t>
             </a:r>
           </a:p>
           <a:p>
@@ -15345,56 +12346,12 @@
           </a:p>
         </p:txBody>
       </p:sp>
-      <p:sp>
-        <p:nvSpPr>
-          <p:cNvPr id="9" name="CuadroTexto 8">
-            <a:extLst>
-              <a:ext uri="{FF2B5EF4-FFF2-40B4-BE49-F238E27FC236}">
-                <a16:creationId xmlns:a16="http://schemas.microsoft.com/office/drawing/2014/main" id="{A9E99313-4ECA-4293-B56E-50FE590FEFD6}"/>
-              </a:ext>
-            </a:extLst>
-          </p:cNvPr>
-          <p:cNvSpPr txBox="1"/>
-          <p:nvPr/>
-        </p:nvSpPr>
-        <p:spPr>
-          <a:xfrm>
-            <a:off x="1570252" y="2841085"/>
-            <a:ext cx="1994099" cy="276999"/>
-          </a:xfrm>
-          <a:prstGeom prst="rect">
-            <a:avLst/>
-          </a:prstGeom>
-          <a:noFill/>
-        </p:spPr>
-        <p:txBody>
-          <a:bodyPr wrap="square" rtlCol="0">
-            <a:spAutoFit/>
-          </a:bodyPr>
-          <a:lstStyle/>
-          <a:p>
-            <a:r>
-              <a:rPr lang="es-ES" sz="1200" dirty="0" err="1"/>
-              <a:t>Schematic</a:t>
-            </a:r>
-            <a:r>
-              <a:rPr lang="es-ES" sz="1200" dirty="0"/>
-              <a:t> Buck </a:t>
-            </a:r>
-            <a:r>
-              <a:rPr lang="es-ES" sz="1200" dirty="0" err="1"/>
-              <a:t>converter</a:t>
-            </a:r>
-            <a:endParaRPr lang="es-ES" sz="1200" dirty="0"/>
-          </a:p>
-        </p:txBody>
-      </p:sp>
       <p:pic>
         <p:nvPicPr>
           <p:cNvPr id="10" name="Imagen 9">
             <a:extLst>
               <a:ext uri="{FF2B5EF4-FFF2-40B4-BE49-F238E27FC236}">
-                <a16:creationId xmlns:a16="http://schemas.microsoft.com/office/drawing/2014/main" id="{BDF34D12-2B96-4E1B-B24C-AD0BDD2FE167}"/>
+                <a16:creationId xmlns:a16="http://schemas.microsoft.com/office/drawing/2014/main" id="{97A5F636-14B0-4432-A978-FE43EFC95F8B}"/>
               </a:ext>
             </a:extLst>
           </p:cNvPr>
@@ -15411,404 +12368,300 @@
         </p:blipFill>
         <p:spPr>
           <a:xfrm>
-            <a:off x="744517" y="1100355"/>
-            <a:ext cx="3584457" cy="1682500"/>
+            <a:off x="1182997" y="850881"/>
+            <a:ext cx="5837142" cy="3215146"/>
           </a:xfrm>
           <a:prstGeom prst="rect">
             <a:avLst/>
           </a:prstGeom>
         </p:spPr>
       </p:pic>
-      <p:pic>
-        <p:nvPicPr>
-          <p:cNvPr id="12" name="Imagen 11">
+    </p:spTree>
+    <p:extLst>
+      <p:ext uri="{BB962C8B-B14F-4D97-AF65-F5344CB8AC3E}">
+        <p14:creationId xmlns:p14="http://schemas.microsoft.com/office/powerpoint/2010/main" val="4119077242"/>
+      </p:ext>
+    </p:extLst>
+  </p:cSld>
+  <p:clrMapOvr>
+    <a:masterClrMapping/>
+  </p:clrMapOvr>
+</p:sld>
+</file>
+
+<file path=ppt/slides/slide7.xml><?xml version="1.0" encoding="utf-8"?>
+<p:sld xmlns:a="http://schemas.openxmlformats.org/drawingml/2006/main" xmlns:r="http://schemas.openxmlformats.org/officeDocument/2006/relationships" xmlns:p="http://schemas.openxmlformats.org/presentationml/2006/main">
+  <p:cSld>
+    <p:spTree>
+      <p:nvGrpSpPr>
+        <p:cNvPr id="1" name=""/>
+        <p:cNvGrpSpPr/>
+        <p:nvPr/>
+      </p:nvGrpSpPr>
+      <p:grpSpPr>
+        <a:xfrm>
+          <a:off x="0" y="0"/>
+          <a:ext cx="0" cy="0"/>
+          <a:chOff x="0" y="0"/>
+          <a:chExt cx="0" cy="0"/>
+        </a:xfrm>
+      </p:grpSpPr>
+      <p:sp>
+        <p:nvSpPr>
+          <p:cNvPr id="2" name="Pladsholder til slidenummer 1">
             <a:extLst>
               <a:ext uri="{FF2B5EF4-FFF2-40B4-BE49-F238E27FC236}">
-                <a16:creationId xmlns:a16="http://schemas.microsoft.com/office/drawing/2014/main" id="{D4A90230-7E71-4066-9AE9-AE21FDF91CE1}"/>
+                <a16:creationId xmlns:a16="http://schemas.microsoft.com/office/drawing/2014/main" id="{6FC65677-B603-4E1E-8F95-7DABEFE7B9A2}"/>
               </a:ext>
             </a:extLst>
           </p:cNvPr>
-          <p:cNvPicPr>
-            <a:picLocks noChangeAspect="1"/>
-          </p:cNvPicPr>
-          <p:nvPr/>
-        </p:nvPicPr>
-        <p:blipFill>
-          <a:blip r:embed="rId3"/>
-          <a:stretch>
-            <a:fillRect/>
-          </a:stretch>
-        </p:blipFill>
-        <p:spPr>
-          <a:xfrm>
-            <a:off x="4572000" y="916621"/>
-            <a:ext cx="3828296" cy="1866104"/>
-          </a:xfrm>
-          <a:prstGeom prst="rect">
-            <a:avLst/>
-          </a:prstGeom>
-        </p:spPr>
-      </p:pic>
+          <p:cNvSpPr>
+            <a:spLocks noGrp="1"/>
+          </p:cNvSpPr>
+          <p:nvPr>
+            <p:ph type="sldNum" idx="12"/>
+          </p:nvPr>
+        </p:nvSpPr>
+        <p:spPr/>
+        <p:txBody>
+          <a:bodyPr/>
+          <a:lstStyle/>
+          <a:p>
+            <a:pPr lvl="0" algn="r">
+              <a:buSzPct val="25000"/>
+            </a:pPr>
+            <a:fld id="{00000000-1234-1234-1234-123412341234}" type="slidenum">
+              <a:rPr lang="da" sz="1000" b="0" i="0" u="none" strike="noStrike" cap="none" smtClean="0">
+                <a:solidFill>
+                  <a:srgbClr val="54616E"/>
+                </a:solidFill>
+                <a:latin typeface="Arial"/>
+                <a:ea typeface="Arial"/>
+                <a:cs typeface="Arial"/>
+                <a:sym typeface="Arial"/>
+              </a:rPr>
+              <a:pPr lvl="0" algn="r">
+                <a:buSzPct val="25000"/>
+              </a:pPr>
+              <a:t>7</a:t>
+            </a:fld>
+            <a:r>
+              <a:rPr lang="da" sz="1000" dirty="0">
+                <a:solidFill>
+                  <a:srgbClr val="54616E"/>
+                </a:solidFill>
+              </a:rPr>
+              <a:t>/13</a:t>
+            </a:r>
+            <a:endParaRPr lang="da" sz="1000" b="0" i="0" u="none" strike="noStrike" cap="none" dirty="0">
+              <a:solidFill>
+                <a:srgbClr val="54616E"/>
+              </a:solidFill>
+              <a:latin typeface="Arial"/>
+              <a:ea typeface="Arial"/>
+              <a:cs typeface="Arial"/>
+              <a:sym typeface="Arial"/>
+            </a:endParaRPr>
+          </a:p>
+        </p:txBody>
+      </p:sp>
       <p:sp>
         <p:nvSpPr>
-          <p:cNvPr id="15" name="CuadroTexto 14">
+          <p:cNvPr id="3" name="Titel 2">
             <a:extLst>
               <a:ext uri="{FF2B5EF4-FFF2-40B4-BE49-F238E27FC236}">
-                <a16:creationId xmlns:a16="http://schemas.microsoft.com/office/drawing/2014/main" id="{398C9807-26AB-4DD2-9A12-B4278253EC89}"/>
+                <a16:creationId xmlns:a16="http://schemas.microsoft.com/office/drawing/2014/main" id="{BAD2D4CC-ACAB-4C22-9AA4-2978B27CB069}"/>
               </a:ext>
             </a:extLst>
           </p:cNvPr>
-          <p:cNvSpPr txBox="1"/>
-          <p:nvPr/>
+          <p:cNvSpPr>
+            <a:spLocks noGrp="1"/>
+          </p:cNvSpPr>
+          <p:nvPr>
+            <p:ph type="title"/>
+          </p:nvPr>
         </p:nvSpPr>
         <p:spPr>
           <a:xfrm>
-            <a:off x="5579651" y="2825770"/>
-            <a:ext cx="2140553" cy="276999"/>
+            <a:off x="457200" y="205977"/>
+            <a:ext cx="8229600" cy="582299"/>
           </a:xfrm>
-          <a:prstGeom prst="rect">
-            <a:avLst/>
-          </a:prstGeom>
-          <a:noFill/>
         </p:spPr>
         <p:txBody>
-          <a:bodyPr wrap="square" rtlCol="0">
-            <a:spAutoFit/>
-          </a:bodyPr>
+          <a:bodyPr/>
           <a:lstStyle/>
           <a:p>
             <a:r>
-              <a:rPr lang="es-ES" sz="1200" dirty="0" err="1"/>
-              <a:t>Schematic</a:t>
+              <a:rPr lang="da-DK" dirty="0">
+                <a:latin typeface="Times New Roman" panose="02020603050405020304" pitchFamily="18" charset="0"/>
+                <a:cs typeface="Times New Roman" panose="02020603050405020304" pitchFamily="18" charset="0"/>
+              </a:rPr>
+              <a:t>AGENDA</a:t>
             </a:r>
-            <a:r>
-              <a:rPr lang="es-ES" sz="1200" dirty="0"/>
-              <a:t> </a:t>
-            </a:r>
-            <a:r>
-              <a:rPr lang="es-ES" sz="1200" dirty="0" err="1"/>
-              <a:t>Boost</a:t>
-            </a:r>
-            <a:r>
-              <a:rPr lang="es-ES" sz="1200" dirty="0"/>
-              <a:t> </a:t>
-            </a:r>
-            <a:r>
-              <a:rPr lang="es-ES" sz="1200" dirty="0" err="1"/>
-              <a:t>converter</a:t>
-            </a:r>
-            <a:endParaRPr lang="es-ES" sz="1200" dirty="0"/>
+            <a:endParaRPr lang="en-US" dirty="0">
+              <a:latin typeface="Times New Roman" panose="02020603050405020304" pitchFamily="18" charset="0"/>
+              <a:cs typeface="Times New Roman" panose="02020603050405020304" pitchFamily="18" charset="0"/>
+            </a:endParaRPr>
           </a:p>
         </p:txBody>
       </p:sp>
-      <mc:AlternateContent xmlns:mc="http://schemas.openxmlformats.org/markup-compatibility/2006" xmlns:a14="http://schemas.microsoft.com/office/drawing/2010/main">
-        <mc:Choice Requires="a14">
-          <p:sp>
-            <p:nvSpPr>
-              <p:cNvPr id="14" name="CuadroTexto 13">
-                <a:extLst>
-                  <a:ext uri="{FF2B5EF4-FFF2-40B4-BE49-F238E27FC236}">
-                    <a16:creationId xmlns:a16="http://schemas.microsoft.com/office/drawing/2014/main" id="{34873C05-DB76-4289-A0ED-C00686067E9E}"/>
-                  </a:ext>
-                </a:extLst>
-              </p:cNvPr>
-              <p:cNvSpPr txBox="1"/>
-              <p:nvPr/>
-            </p:nvSpPr>
-            <p:spPr>
-              <a:xfrm>
-                <a:off x="1297172" y="3366977"/>
-                <a:ext cx="2565991" cy="324384"/>
-              </a:xfrm>
-              <a:prstGeom prst="rect">
-                <a:avLst/>
-              </a:prstGeom>
-              <a:noFill/>
-            </p:spPr>
-            <p:txBody>
-              <a:bodyPr wrap="square" rtlCol="0">
-                <a:spAutoFit/>
-              </a:bodyPr>
-              <a:lstStyle/>
-              <a:p>
-                <a:pPr/>
-                <a14:m>
-                  <m:oMathPara xmlns:m="http://schemas.openxmlformats.org/officeDocument/2006/math">
-                    <m:oMathParaPr>
-                      <m:jc m:val="centerGroup"/>
-                    </m:oMathParaPr>
-                    <m:oMath xmlns:m="http://schemas.openxmlformats.org/officeDocument/2006/math">
-                      <m:sSub>
-                        <m:sSubPr>
-                          <m:ctrlPr>
-                            <a:rPr lang="es-ES" i="1" smtClean="0">
-                              <a:latin typeface="Cambria Math" panose="02040503050406030204" pitchFamily="18" charset="0"/>
-                            </a:rPr>
-                          </m:ctrlPr>
-                        </m:sSubPr>
-                        <m:e>
-                          <m:r>
-                            <a:rPr lang="es-ES" b="0" i="1" smtClean="0">
-                              <a:latin typeface="Cambria Math" panose="02040503050406030204" pitchFamily="18" charset="0"/>
-                            </a:rPr>
-                            <m:t>𝑉</m:t>
-                          </m:r>
-                        </m:e>
-                        <m:sub>
-                          <m:r>
-                            <a:rPr lang="es-ES" b="0" i="1" smtClean="0">
-                              <a:latin typeface="Cambria Math" panose="02040503050406030204" pitchFamily="18" charset="0"/>
-                            </a:rPr>
-                            <m:t>𝑖𝑛𝑝𝑢𝑡</m:t>
-                          </m:r>
-                          <m:r>
-                            <a:rPr lang="es-ES" b="0" i="1" smtClean="0">
-                              <a:latin typeface="Cambria Math" panose="02040503050406030204" pitchFamily="18" charset="0"/>
-                            </a:rPr>
-                            <m:t> </m:t>
-                          </m:r>
-                        </m:sub>
-                      </m:sSub>
-                      <m:r>
-                        <a:rPr lang="es-ES" b="0" i="1" smtClean="0">
-                          <a:latin typeface="Cambria Math" panose="02040503050406030204" pitchFamily="18" charset="0"/>
-                        </a:rPr>
-                        <m:t>&gt; </m:t>
-                      </m:r>
-                      <m:sSub>
-                        <m:sSubPr>
-                          <m:ctrlPr>
-                            <a:rPr lang="es-ES" b="0" i="1" smtClean="0">
-                              <a:latin typeface="Cambria Math" panose="02040503050406030204" pitchFamily="18" charset="0"/>
-                            </a:rPr>
-                          </m:ctrlPr>
-                        </m:sSubPr>
-                        <m:e>
-                          <m:r>
-                            <a:rPr lang="es-ES" b="0" i="1" smtClean="0">
-                              <a:latin typeface="Cambria Math" panose="02040503050406030204" pitchFamily="18" charset="0"/>
-                            </a:rPr>
-                            <m:t>𝑉</m:t>
-                          </m:r>
-                        </m:e>
-                        <m:sub>
-                          <m:r>
-                            <a:rPr lang="es-ES" b="0" i="1" smtClean="0">
-                              <a:latin typeface="Cambria Math" panose="02040503050406030204" pitchFamily="18" charset="0"/>
-                            </a:rPr>
-                            <m:t>𝑙𝑜𝑎𝑑</m:t>
-                          </m:r>
-                        </m:sub>
-                      </m:sSub>
-                    </m:oMath>
-                  </m:oMathPara>
-                </a14:m>
-                <a:endParaRPr lang="es-ES" dirty="0"/>
-              </a:p>
-            </p:txBody>
-          </p:sp>
-        </mc:Choice>
-        <mc:Fallback xmlns="">
-          <p:sp>
-            <p:nvSpPr>
-              <p:cNvPr id="14" name="CuadroTexto 13">
-                <a:extLst>
-                  <a:ext uri="{FF2B5EF4-FFF2-40B4-BE49-F238E27FC236}">
-                    <a16:creationId xmlns:a16="http://schemas.microsoft.com/office/drawing/2014/main" id="{34873C05-DB76-4289-A0ED-C00686067E9E}"/>
-                  </a:ext>
-                </a:extLst>
-              </p:cNvPr>
-              <p:cNvSpPr txBox="1">
-                <a:spLocks noRot="1" noChangeAspect="1" noMove="1" noResize="1" noEditPoints="1" noAdjustHandles="1" noChangeArrowheads="1" noChangeShapeType="1" noTextEdit="1"/>
-              </p:cNvSpPr>
-              <p:nvPr/>
-            </p:nvSpPr>
-            <p:spPr>
-              <a:xfrm>
-                <a:off x="1297172" y="3366977"/>
-                <a:ext cx="2565991" cy="324384"/>
-              </a:xfrm>
-              <a:prstGeom prst="rect">
-                <a:avLst/>
-              </a:prstGeom>
-              <a:blipFill>
-                <a:blip r:embed="rId4"/>
-                <a:stretch>
-                  <a:fillRect b="-1852"/>
-                </a:stretch>
-              </a:blipFill>
-            </p:spPr>
-            <p:txBody>
-              <a:bodyPr/>
-              <a:lstStyle/>
-              <a:p>
-                <a:r>
-                  <a:rPr lang="es-ES">
-                    <a:noFill/>
-                  </a:rPr>
-                  <a:t> </a:t>
-                </a:r>
-              </a:p>
-            </p:txBody>
-          </p:sp>
-        </mc:Fallback>
-      </mc:AlternateContent>
-      <mc:AlternateContent xmlns:mc="http://schemas.openxmlformats.org/markup-compatibility/2006" xmlns:a14="http://schemas.microsoft.com/office/drawing/2010/main">
-        <mc:Choice Requires="a14">
-          <p:sp>
-            <p:nvSpPr>
-              <p:cNvPr id="18" name="CuadroTexto 17">
-                <a:extLst>
-                  <a:ext uri="{FF2B5EF4-FFF2-40B4-BE49-F238E27FC236}">
-                    <a16:creationId xmlns:a16="http://schemas.microsoft.com/office/drawing/2014/main" id="{511B8199-41AF-40D3-99F3-E65D5B6B4653}"/>
-                  </a:ext>
-                </a:extLst>
-              </p:cNvPr>
-              <p:cNvSpPr txBox="1"/>
-              <p:nvPr/>
-            </p:nvSpPr>
-            <p:spPr>
-              <a:xfrm>
-                <a:off x="5154213" y="3366977"/>
-                <a:ext cx="2565991" cy="324384"/>
-              </a:xfrm>
-              <a:prstGeom prst="rect">
-                <a:avLst/>
-              </a:prstGeom>
-              <a:noFill/>
-            </p:spPr>
-            <p:txBody>
-              <a:bodyPr wrap="square" rtlCol="0">
-                <a:spAutoFit/>
-              </a:bodyPr>
-              <a:lstStyle/>
-              <a:p>
-                <a:pPr/>
-                <a14:m>
-                  <m:oMathPara xmlns:m="http://schemas.openxmlformats.org/officeDocument/2006/math">
-                    <m:oMathParaPr>
-                      <m:jc m:val="centerGroup"/>
-                    </m:oMathParaPr>
-                    <m:oMath xmlns:m="http://schemas.openxmlformats.org/officeDocument/2006/math">
-                      <m:sSub>
-                        <m:sSubPr>
-                          <m:ctrlPr>
-                            <a:rPr lang="es-ES" i="1" smtClean="0">
-                              <a:latin typeface="Cambria Math" panose="02040503050406030204" pitchFamily="18" charset="0"/>
-                            </a:rPr>
-                          </m:ctrlPr>
-                        </m:sSubPr>
-                        <m:e>
-                          <m:r>
-                            <a:rPr lang="es-ES" b="0" i="1" smtClean="0">
-                              <a:latin typeface="Cambria Math" panose="02040503050406030204" pitchFamily="18" charset="0"/>
-                            </a:rPr>
-                            <m:t>𝑉</m:t>
-                          </m:r>
-                        </m:e>
-                        <m:sub>
-                          <m:r>
-                            <a:rPr lang="es-ES" b="0" i="1" smtClean="0">
-                              <a:latin typeface="Cambria Math" panose="02040503050406030204" pitchFamily="18" charset="0"/>
-                            </a:rPr>
-                            <m:t>𝑖𝑛𝑝𝑢𝑡</m:t>
-                          </m:r>
-                          <m:r>
-                            <a:rPr lang="es-ES" b="0" i="1" smtClean="0">
-                              <a:latin typeface="Cambria Math" panose="02040503050406030204" pitchFamily="18" charset="0"/>
-                            </a:rPr>
-                            <m:t> </m:t>
-                          </m:r>
-                        </m:sub>
-                      </m:sSub>
-                      <m:r>
-                        <a:rPr lang="es-ES" b="0" i="1" smtClean="0">
-                          <a:latin typeface="Cambria Math" panose="02040503050406030204" pitchFamily="18" charset="0"/>
-                        </a:rPr>
-                        <m:t>&lt;  </m:t>
-                      </m:r>
-                      <m:sSub>
-                        <m:sSubPr>
-                          <m:ctrlPr>
-                            <a:rPr lang="es-ES" b="0" i="1" smtClean="0">
-                              <a:latin typeface="Cambria Math" panose="02040503050406030204" pitchFamily="18" charset="0"/>
-                            </a:rPr>
-                          </m:ctrlPr>
-                        </m:sSubPr>
-                        <m:e>
-                          <m:r>
-                            <a:rPr lang="es-ES" b="0" i="1" smtClean="0">
-                              <a:latin typeface="Cambria Math" panose="02040503050406030204" pitchFamily="18" charset="0"/>
-                            </a:rPr>
-                            <m:t>𝑉</m:t>
-                          </m:r>
-                        </m:e>
-                        <m:sub>
-                          <m:r>
-                            <a:rPr lang="es-ES" b="0" i="1" smtClean="0">
-                              <a:latin typeface="Cambria Math" panose="02040503050406030204" pitchFamily="18" charset="0"/>
-                            </a:rPr>
-                            <m:t>𝑙𝑜𝑎𝑑</m:t>
-                          </m:r>
-                        </m:sub>
-                      </m:sSub>
-                    </m:oMath>
-                  </m:oMathPara>
-                </a14:m>
-                <a:endParaRPr lang="es-ES" dirty="0"/>
-              </a:p>
-            </p:txBody>
-          </p:sp>
-        </mc:Choice>
-        <mc:Fallback xmlns="">
-          <p:sp>
-            <p:nvSpPr>
-              <p:cNvPr id="18" name="CuadroTexto 17">
-                <a:extLst>
-                  <a:ext uri="{FF2B5EF4-FFF2-40B4-BE49-F238E27FC236}">
-                    <a16:creationId xmlns:a16="http://schemas.microsoft.com/office/drawing/2014/main" id="{511B8199-41AF-40D3-99F3-E65D5B6B4653}"/>
-                  </a:ext>
-                </a:extLst>
-              </p:cNvPr>
-              <p:cNvSpPr txBox="1">
-                <a:spLocks noRot="1" noChangeAspect="1" noMove="1" noResize="1" noEditPoints="1" noAdjustHandles="1" noChangeArrowheads="1" noChangeShapeType="1" noTextEdit="1"/>
-              </p:cNvSpPr>
-              <p:nvPr/>
-            </p:nvSpPr>
-            <p:spPr>
-              <a:xfrm>
-                <a:off x="5154213" y="3366977"/>
-                <a:ext cx="2565991" cy="324384"/>
-              </a:xfrm>
-              <a:prstGeom prst="rect">
-                <a:avLst/>
-              </a:prstGeom>
-              <a:blipFill>
-                <a:blip r:embed="rId5"/>
-                <a:stretch>
-                  <a:fillRect b="-1852"/>
-                </a:stretch>
-              </a:blipFill>
-            </p:spPr>
-            <p:txBody>
-              <a:bodyPr/>
-              <a:lstStyle/>
-              <a:p>
-                <a:r>
-                  <a:rPr lang="es-ES">
-                    <a:noFill/>
-                  </a:rPr>
-                  <a:t> </a:t>
-                </a:r>
-              </a:p>
-            </p:txBody>
-          </p:sp>
-        </mc:Fallback>
-      </mc:AlternateContent>
+      <p:sp>
+        <p:nvSpPr>
+          <p:cNvPr id="4" name="Pladsholder til tekst 3">
+            <a:extLst>
+              <a:ext uri="{FF2B5EF4-FFF2-40B4-BE49-F238E27FC236}">
+                <a16:creationId xmlns:a16="http://schemas.microsoft.com/office/drawing/2014/main" id="{441F1E0B-EE15-4F8C-B4AB-0F27D0475D14}"/>
+              </a:ext>
+            </a:extLst>
+          </p:cNvPr>
+          <p:cNvSpPr>
+            <a:spLocks noGrp="1"/>
+          </p:cNvSpPr>
+          <p:nvPr>
+            <p:ph type="body" idx="1"/>
+          </p:nvPr>
+        </p:nvSpPr>
+        <p:spPr>
+          <a:xfrm>
+            <a:off x="457200" y="922955"/>
+            <a:ext cx="8229600" cy="3508954"/>
+          </a:xfrm>
+        </p:spPr>
+        <p:txBody>
+          <a:bodyPr/>
+          <a:lstStyle/>
+          <a:p>
+            <a:r>
+              <a:rPr lang="da-DK" sz="1600" dirty="0">
+                <a:latin typeface="Times New Roman" panose="02020603050405020304" pitchFamily="18" charset="0"/>
+                <a:cs typeface="Times New Roman" panose="02020603050405020304" pitchFamily="18" charset="0"/>
+              </a:rPr>
+              <a:t>INTRODUCTION</a:t>
+            </a:r>
+          </a:p>
+          <a:p>
+            <a:endParaRPr lang="da-DK" sz="1600" b="1" dirty="0">
+              <a:latin typeface="Times New Roman" panose="02020603050405020304" pitchFamily="18" charset="0"/>
+              <a:cs typeface="Times New Roman" panose="02020603050405020304" pitchFamily="18" charset="0"/>
+            </a:endParaRPr>
+          </a:p>
+          <a:p>
+            <a:r>
+              <a:rPr lang="da-DK" sz="1600" dirty="0">
+                <a:latin typeface="Times New Roman" panose="02020603050405020304" pitchFamily="18" charset="0"/>
+                <a:cs typeface="Times New Roman" panose="02020603050405020304" pitchFamily="18" charset="0"/>
+              </a:rPr>
+              <a:t>MODULE INTEGRATED  CONVERTER (MIC)</a:t>
+            </a:r>
+          </a:p>
+          <a:p>
+            <a:pPr marL="571500" lvl="1" indent="0">
+              <a:buNone/>
+            </a:pPr>
+            <a:endParaRPr lang="da-DK" sz="1400" dirty="0">
+              <a:latin typeface="Times New Roman" panose="02020603050405020304" pitchFamily="18" charset="0"/>
+              <a:cs typeface="Times New Roman" panose="02020603050405020304" pitchFamily="18" charset="0"/>
+            </a:endParaRPr>
+          </a:p>
+          <a:p>
+            <a:r>
+              <a:rPr lang="da-DK" sz="1600" b="1" dirty="0">
+                <a:latin typeface="Times New Roman" panose="02020603050405020304" pitchFamily="18" charset="0"/>
+                <a:cs typeface="Times New Roman" panose="02020603050405020304" pitchFamily="18" charset="0"/>
+              </a:rPr>
+              <a:t>PROBLEM STATEMENT</a:t>
+            </a:r>
+          </a:p>
+          <a:p>
+            <a:pPr marL="114300" indent="0">
+              <a:buNone/>
+            </a:pPr>
+            <a:endParaRPr lang="da-DK" sz="1600" dirty="0">
+              <a:latin typeface="Times New Roman" panose="02020603050405020304" pitchFamily="18" charset="0"/>
+              <a:cs typeface="Times New Roman" panose="02020603050405020304" pitchFamily="18" charset="0"/>
+            </a:endParaRPr>
+          </a:p>
+          <a:p>
+            <a:r>
+              <a:rPr lang="da-DK" sz="1600" dirty="0">
+                <a:solidFill>
+                  <a:srgbClr val="423C6C"/>
+                </a:solidFill>
+                <a:latin typeface="Times New Roman" panose="02020603050405020304" pitchFamily="18" charset="0"/>
+                <a:cs typeface="Times New Roman" panose="02020603050405020304" pitchFamily="18" charset="0"/>
+              </a:rPr>
+              <a:t>OBJECTIVES</a:t>
+            </a:r>
+          </a:p>
+          <a:p>
+            <a:endParaRPr lang="da-DK" sz="1600" dirty="0">
+              <a:solidFill>
+                <a:srgbClr val="423C6C"/>
+              </a:solidFill>
+              <a:latin typeface="Times New Roman" panose="02020603050405020304" pitchFamily="18" charset="0"/>
+              <a:cs typeface="Times New Roman" panose="02020603050405020304" pitchFamily="18" charset="0"/>
+            </a:endParaRPr>
+          </a:p>
+          <a:p>
+            <a:r>
+              <a:rPr lang="da-DK" sz="1600" dirty="0">
+                <a:solidFill>
+                  <a:srgbClr val="423C6C"/>
+                </a:solidFill>
+                <a:latin typeface="Times New Roman" panose="02020603050405020304" pitchFamily="18" charset="0"/>
+                <a:cs typeface="Times New Roman" panose="02020603050405020304" pitchFamily="18" charset="0"/>
+              </a:rPr>
+              <a:t>GROUP PROCESS</a:t>
+            </a:r>
+          </a:p>
+          <a:p>
+            <a:pPr marL="114300" indent="0">
+              <a:buNone/>
+            </a:pPr>
+            <a:endParaRPr lang="da-DK" sz="1400" dirty="0"/>
+          </a:p>
+        </p:txBody>
+      </p:sp>
+      <p:sp>
+        <p:nvSpPr>
+          <p:cNvPr id="5" name="Pladsholder til dato 3">
+            <a:extLst>
+              <a:ext uri="{FF2B5EF4-FFF2-40B4-BE49-F238E27FC236}">
+                <a16:creationId xmlns:a16="http://schemas.microsoft.com/office/drawing/2014/main" id="{6AA825D5-5F64-49E2-BA19-3ACE2BA08BAE}"/>
+              </a:ext>
+            </a:extLst>
+          </p:cNvPr>
+          <p:cNvSpPr>
+            <a:spLocks noGrp="1"/>
+          </p:cNvSpPr>
+          <p:nvPr>
+            <p:ph type="dt" sz="half" idx="10"/>
+          </p:nvPr>
+        </p:nvSpPr>
+        <p:spPr>
+          <a:xfrm>
+            <a:off x="403147" y="4736893"/>
+            <a:ext cx="2133600" cy="304271"/>
+          </a:xfrm>
+        </p:spPr>
+        <p:txBody>
+          <a:bodyPr/>
+          <a:lstStyle/>
+          <a:p>
+            <a:r>
+              <a:rPr lang="da-DK" dirty="0"/>
+              <a:t>Nicolás Murguizur</a:t>
+            </a:r>
+          </a:p>
+          <a:p>
+            <a:endParaRPr lang="da-DK" dirty="0"/>
+          </a:p>
+        </p:txBody>
+      </p:sp>
     </p:spTree>
     <p:extLst>
       <p:ext uri="{BB962C8B-B14F-4D97-AF65-F5344CB8AC3E}">
-        <p14:creationId xmlns:p14="http://schemas.microsoft.com/office/powerpoint/2010/main" val="2181163379"/>
+        <p14:creationId xmlns:p14="http://schemas.microsoft.com/office/powerpoint/2010/main" val="920528559"/>
       </p:ext>
     </p:extLst>
   </p:cSld>
@@ -15819,7 +12672,7 @@
 </file>
 
 <file path=ppt/slides/slide8.xml><?xml version="1.0" encoding="utf-8"?>
-<p:sld xmlns:a="http://schemas.openxmlformats.org/drawingml/2006/main" xmlns:r="http://schemas.openxmlformats.org/officeDocument/2006/relationships" xmlns:p="http://schemas.openxmlformats.org/presentationml/2006/main" show="0">
+<p:sld xmlns:a="http://schemas.openxmlformats.org/drawingml/2006/main" xmlns:r="http://schemas.openxmlformats.org/officeDocument/2006/relationships" xmlns:p="http://schemas.openxmlformats.org/presentationml/2006/main">
   <p:cSld>
     <p:spTree>
       <p:nvGrpSpPr>
@@ -15869,7 +12722,7 @@
                 <a:latin typeface="Times New Roman" panose="02020603050405020304" pitchFamily="18" charset="0"/>
                 <a:cs typeface="Times New Roman" panose="02020603050405020304" pitchFamily="18" charset="0"/>
               </a:rPr>
-              <a:t>CONVERTER TOPOLOGIES </a:t>
+              <a:t>PROBLEM STATEMENT</a:t>
             </a:r>
             <a:endParaRPr lang="en-US" dirty="0">
               <a:solidFill>
@@ -15878,66 +12731,6 @@
               <a:latin typeface="Times New Roman" panose="02020603050405020304" pitchFamily="18" charset="0"/>
               <a:cs typeface="Times New Roman" panose="02020603050405020304" pitchFamily="18" charset="0"/>
             </a:endParaRPr>
-          </a:p>
-        </p:txBody>
-      </p:sp>
-      <p:sp>
-        <p:nvSpPr>
-          <p:cNvPr id="3" name="Pladsholder til tekst 2">
-            <a:extLst>
-              <a:ext uri="{FF2B5EF4-FFF2-40B4-BE49-F238E27FC236}">
-                <a16:creationId xmlns:a16="http://schemas.microsoft.com/office/drawing/2014/main" id="{E93A0280-2F25-4ECE-A307-2B05D45D3B2C}"/>
-              </a:ext>
-            </a:extLst>
-          </p:cNvPr>
-          <p:cNvSpPr>
-            <a:spLocks noGrp="1"/>
-          </p:cNvSpPr>
-          <p:nvPr>
-            <p:ph type="body" idx="1"/>
-          </p:nvPr>
-        </p:nvSpPr>
-        <p:spPr>
-          <a:xfrm>
-            <a:off x="457200" y="887755"/>
-            <a:ext cx="8348968" cy="3336915"/>
-          </a:xfrm>
-        </p:spPr>
-        <p:txBody>
-          <a:bodyPr/>
-          <a:lstStyle/>
-          <a:p>
-            <a:pPr>
-              <a:buFont typeface="Arial" panose="020B0604020202020204" pitchFamily="34" charset="0"/>
-              <a:buChar char="•"/>
-            </a:pPr>
-            <a:r>
-              <a:rPr lang="da-DK" dirty="0">
-                <a:latin typeface="Times New Roman" panose="02020603050405020304" pitchFamily="18" charset="0"/>
-                <a:cs typeface="Times New Roman" panose="02020603050405020304" pitchFamily="18" charset="0"/>
-              </a:rPr>
-              <a:t>Galvanic isolation</a:t>
-            </a:r>
-          </a:p>
-          <a:p>
-            <a:pPr>
-              <a:buFont typeface="Arial" panose="020B0604020202020204" pitchFamily="34" charset="0"/>
-              <a:buChar char="•"/>
-            </a:pPr>
-            <a:r>
-              <a:rPr lang="da-DK" dirty="0">
-                <a:latin typeface="Times New Roman" panose="02020603050405020304" pitchFamily="18" charset="0"/>
-                <a:cs typeface="Times New Roman" panose="02020603050405020304" pitchFamily="18" charset="0"/>
-              </a:rPr>
-              <a:t>Buck-boost (inductor split to form a transformer)	</a:t>
-            </a:r>
-            <a:r>
-              <a:rPr lang="da-DK" dirty="0"/>
-              <a:t>			</a:t>
-            </a:r>
-          </a:p>
-          <a:p>
-            <a:endParaRPr lang="da-DK" dirty="0"/>
           </a:p>
         </p:txBody>
       </p:sp>
@@ -15965,28 +12758,21 @@
             <a:pPr lvl="0" algn="r">
               <a:buSzPct val="25000"/>
             </a:pPr>
-            <a:fld id="{00000000-1234-1234-1234-123412341234}" type="slidenum">
-              <a:rPr lang="da" sz="1000" b="0" i="0" u="none" strike="noStrike" cap="none" smtClean="0">
-                <a:solidFill>
-                  <a:srgbClr val="54616E"/>
-                </a:solidFill>
-                <a:latin typeface="Arial"/>
-                <a:ea typeface="Arial"/>
-                <a:cs typeface="Arial"/>
-                <a:sym typeface="Arial"/>
-              </a:rPr>
-              <a:pPr lvl="0" algn="r">
-                <a:buSzPct val="25000"/>
-              </a:pPr>
-              <a:t>8</a:t>
-            </a:fld>
             <a:r>
               <a:rPr lang="da" sz="1000" dirty="0">
                 <a:solidFill>
                   <a:srgbClr val="54616E"/>
                 </a:solidFill>
               </a:rPr>
-              <a:t>/49</a:t>
+              <a:t>8</a:t>
+            </a:r>
+            <a:r>
+              <a:rPr lang="de-DE" sz="1000" dirty="0">
+                <a:solidFill>
+                  <a:srgbClr val="54616E"/>
+                </a:solidFill>
+              </a:rPr>
+              <a:t>/13</a:t>
             </a:r>
             <a:endParaRPr lang="da" sz="1000" b="0" i="0" u="none" strike="noStrike" cap="none" dirty="0">
               <a:solidFill>
@@ -16028,8 +12814,11 @@
           <a:p>
             <a:r>
               <a:rPr lang="da-DK" dirty="0"/>
-              <a:t>Marianne Rasborg Knudsen</a:t>
+              <a:t>Nicolás Murguizur</a:t>
             </a:r>
+          </a:p>
+          <a:p>
+            <a:endParaRPr lang="da-DK" dirty="0"/>
           </a:p>
         </p:txBody>
       </p:sp>
@@ -16067,10 +12856,10 @@
       </p:sp>
       <p:sp>
         <p:nvSpPr>
-          <p:cNvPr id="15" name="CuadroTexto 14">
+          <p:cNvPr id="10" name="CuadroTexto 9">
             <a:extLst>
               <a:ext uri="{FF2B5EF4-FFF2-40B4-BE49-F238E27FC236}">
-                <a16:creationId xmlns:a16="http://schemas.microsoft.com/office/drawing/2014/main" id="{398C9807-26AB-4DD2-9A12-B4278253EC89}"/>
+                <a16:creationId xmlns:a16="http://schemas.microsoft.com/office/drawing/2014/main" id="{4D642FBE-958C-46FE-A68B-A4E878B3DBC0}"/>
               </a:ext>
             </a:extLst>
           </p:cNvPr>
@@ -16079,8 +12868,8 @@
         </p:nvSpPr>
         <p:spPr>
           <a:xfrm>
-            <a:off x="3379983" y="3630932"/>
-            <a:ext cx="2140553" cy="276999"/>
+            <a:off x="907311" y="1460206"/>
+            <a:ext cx="7074195" cy="2174954"/>
           </a:xfrm>
           <a:prstGeom prst="rect">
             <a:avLst/>
@@ -16093,64 +12882,285 @@
           </a:bodyPr>
           <a:lstStyle/>
           <a:p>
+            <a:pPr marL="285750" indent="-285750" algn="ctr">
+              <a:buFont typeface="Wingdings" panose="05000000000000000000" pitchFamily="2" charset="2"/>
+              <a:buChar char="Ø"/>
+            </a:pPr>
             <a:r>
-              <a:rPr lang="es-ES" sz="1200" dirty="0" err="1"/>
-              <a:t>Schematic</a:t>
-            </a:r>
-            <a:r>
-              <a:rPr lang="es-ES" sz="1200" dirty="0"/>
+              <a:rPr lang="es-ES" sz="2400" b="1" dirty="0">
+                <a:solidFill>
+                  <a:schemeClr val="tx1"/>
+                </a:solidFill>
+                <a:latin typeface="Times New Roman" panose="02020603050405020304" pitchFamily="18" charset="0"/>
+                <a:cs typeface="Times New Roman" panose="02020603050405020304" pitchFamily="18" charset="0"/>
+              </a:rPr>
               <a:t> </a:t>
             </a:r>
             <a:r>
-              <a:rPr lang="es-ES" sz="1200" dirty="0" err="1"/>
-              <a:t>Flyback</a:t>
+              <a:rPr lang="es-ES" sz="2400" b="1" dirty="0" err="1">
+                <a:solidFill>
+                  <a:schemeClr val="tx1"/>
+                </a:solidFill>
+                <a:latin typeface="Times New Roman" panose="02020603050405020304" pitchFamily="18" charset="0"/>
+                <a:cs typeface="Times New Roman" panose="02020603050405020304" pitchFamily="18" charset="0"/>
+              </a:rPr>
+              <a:t>How</a:t>
             </a:r>
             <a:r>
-              <a:rPr lang="es-ES" sz="1200" dirty="0"/>
+              <a:rPr lang="es-ES" sz="2400" b="1" dirty="0">
+                <a:solidFill>
+                  <a:schemeClr val="tx1"/>
+                </a:solidFill>
+                <a:latin typeface="Times New Roman" panose="02020603050405020304" pitchFamily="18" charset="0"/>
+                <a:cs typeface="Times New Roman" panose="02020603050405020304" pitchFamily="18" charset="0"/>
+              </a:rPr>
+              <a:t> can a module </a:t>
+            </a:r>
+            <a:r>
+              <a:rPr lang="es-ES" sz="2400" b="1" dirty="0" err="1">
+                <a:solidFill>
+                  <a:schemeClr val="tx1"/>
+                </a:solidFill>
+                <a:latin typeface="Times New Roman" panose="02020603050405020304" pitchFamily="18" charset="0"/>
+                <a:cs typeface="Times New Roman" panose="02020603050405020304" pitchFamily="18" charset="0"/>
+              </a:rPr>
+              <a:t>integrated</a:t>
+            </a:r>
+            <a:r>
+              <a:rPr lang="es-ES" sz="2400" b="1" dirty="0">
+                <a:solidFill>
+                  <a:schemeClr val="tx1"/>
+                </a:solidFill>
+                <a:latin typeface="Times New Roman" panose="02020603050405020304" pitchFamily="18" charset="0"/>
+                <a:cs typeface="Times New Roman" panose="02020603050405020304" pitchFamily="18" charset="0"/>
+              </a:rPr>
               <a:t> </a:t>
             </a:r>
             <a:r>
-              <a:rPr lang="es-ES" sz="1200" dirty="0" err="1"/>
+              <a:rPr lang="es-ES" sz="2400" b="1" dirty="0" err="1">
+                <a:solidFill>
+                  <a:schemeClr val="tx1"/>
+                </a:solidFill>
+                <a:latin typeface="Times New Roman" panose="02020603050405020304" pitchFamily="18" charset="0"/>
+                <a:cs typeface="Times New Roman" panose="02020603050405020304" pitchFamily="18" charset="0"/>
+              </a:rPr>
               <a:t>converter</a:t>
             </a:r>
-            <a:endParaRPr lang="es-ES" sz="1200" dirty="0"/>
+            <a:r>
+              <a:rPr lang="es-ES" sz="2400" b="1" dirty="0">
+                <a:solidFill>
+                  <a:schemeClr val="tx1"/>
+                </a:solidFill>
+                <a:latin typeface="Times New Roman" panose="02020603050405020304" pitchFamily="18" charset="0"/>
+                <a:cs typeface="Times New Roman" panose="02020603050405020304" pitchFamily="18" charset="0"/>
+              </a:rPr>
+              <a:t> be </a:t>
+            </a:r>
+            <a:r>
+              <a:rPr lang="es-ES" sz="2400" b="1" dirty="0" err="1">
+                <a:solidFill>
+                  <a:schemeClr val="tx1"/>
+                </a:solidFill>
+                <a:latin typeface="Times New Roman" panose="02020603050405020304" pitchFamily="18" charset="0"/>
+                <a:cs typeface="Times New Roman" panose="02020603050405020304" pitchFamily="18" charset="0"/>
+              </a:rPr>
+              <a:t>designed</a:t>
+            </a:r>
+            <a:r>
+              <a:rPr lang="es-ES" sz="2400" b="1" dirty="0">
+                <a:solidFill>
+                  <a:schemeClr val="tx1"/>
+                </a:solidFill>
+                <a:latin typeface="Times New Roman" panose="02020603050405020304" pitchFamily="18" charset="0"/>
+                <a:cs typeface="Times New Roman" panose="02020603050405020304" pitchFamily="18" charset="0"/>
+              </a:rPr>
+              <a:t> </a:t>
+            </a:r>
+            <a:r>
+              <a:rPr lang="es-ES" sz="2400" b="1" dirty="0" err="1">
+                <a:solidFill>
+                  <a:schemeClr val="tx1"/>
+                </a:solidFill>
+                <a:latin typeface="Times New Roman" panose="02020603050405020304" pitchFamily="18" charset="0"/>
+                <a:cs typeface="Times New Roman" panose="02020603050405020304" pitchFamily="18" charset="0"/>
+              </a:rPr>
+              <a:t>to</a:t>
+            </a:r>
+            <a:r>
+              <a:rPr lang="es-ES" sz="2400" b="1" dirty="0">
+                <a:solidFill>
+                  <a:schemeClr val="tx1"/>
+                </a:solidFill>
+                <a:latin typeface="Times New Roman" panose="02020603050405020304" pitchFamily="18" charset="0"/>
+                <a:cs typeface="Times New Roman" panose="02020603050405020304" pitchFamily="18" charset="0"/>
+              </a:rPr>
+              <a:t> </a:t>
+            </a:r>
+            <a:r>
+              <a:rPr lang="es-ES" sz="2400" b="1" dirty="0" err="1">
+                <a:solidFill>
+                  <a:schemeClr val="tx1"/>
+                </a:solidFill>
+                <a:latin typeface="Times New Roman" panose="02020603050405020304" pitchFamily="18" charset="0"/>
+                <a:cs typeface="Times New Roman" panose="02020603050405020304" pitchFamily="18" charset="0"/>
+              </a:rPr>
+              <a:t>maximize</a:t>
+            </a:r>
+            <a:r>
+              <a:rPr lang="es-ES" sz="2400" b="1" dirty="0">
+                <a:solidFill>
+                  <a:schemeClr val="tx1"/>
+                </a:solidFill>
+                <a:latin typeface="Times New Roman" panose="02020603050405020304" pitchFamily="18" charset="0"/>
+                <a:cs typeface="Times New Roman" panose="02020603050405020304" pitchFamily="18" charset="0"/>
+              </a:rPr>
+              <a:t> </a:t>
+            </a:r>
+            <a:r>
+              <a:rPr lang="es-ES" sz="2400" b="1" dirty="0" err="1">
+                <a:solidFill>
+                  <a:schemeClr val="tx1"/>
+                </a:solidFill>
+                <a:latin typeface="Times New Roman" panose="02020603050405020304" pitchFamily="18" charset="0"/>
+                <a:cs typeface="Times New Roman" panose="02020603050405020304" pitchFamily="18" charset="0"/>
+              </a:rPr>
+              <a:t>the</a:t>
+            </a:r>
+            <a:r>
+              <a:rPr lang="es-ES" sz="2400" b="1" dirty="0">
+                <a:solidFill>
+                  <a:schemeClr val="tx1"/>
+                </a:solidFill>
+                <a:latin typeface="Times New Roman" panose="02020603050405020304" pitchFamily="18" charset="0"/>
+                <a:cs typeface="Times New Roman" panose="02020603050405020304" pitchFamily="18" charset="0"/>
+              </a:rPr>
+              <a:t> PV </a:t>
+            </a:r>
+            <a:r>
+              <a:rPr lang="es-ES" sz="2400" b="1" dirty="0" err="1">
+                <a:solidFill>
+                  <a:schemeClr val="tx1"/>
+                </a:solidFill>
+                <a:latin typeface="Times New Roman" panose="02020603050405020304" pitchFamily="18" charset="0"/>
+                <a:cs typeface="Times New Roman" panose="02020603050405020304" pitchFamily="18" charset="0"/>
+              </a:rPr>
+              <a:t>power</a:t>
+            </a:r>
+            <a:r>
+              <a:rPr lang="es-ES" sz="2400" b="1" dirty="0">
+                <a:solidFill>
+                  <a:schemeClr val="tx1"/>
+                </a:solidFill>
+                <a:latin typeface="Times New Roman" panose="02020603050405020304" pitchFamily="18" charset="0"/>
+                <a:cs typeface="Times New Roman" panose="02020603050405020304" pitchFamily="18" charset="0"/>
+              </a:rPr>
+              <a:t> </a:t>
+            </a:r>
+            <a:r>
+              <a:rPr lang="es-ES" sz="2400" b="1" dirty="0" err="1">
+                <a:solidFill>
+                  <a:schemeClr val="tx1"/>
+                </a:solidFill>
+                <a:latin typeface="Times New Roman" panose="02020603050405020304" pitchFamily="18" charset="0"/>
+                <a:cs typeface="Times New Roman" panose="02020603050405020304" pitchFamily="18" charset="0"/>
+              </a:rPr>
+              <a:t>generation</a:t>
+            </a:r>
+            <a:r>
+              <a:rPr lang="es-ES" sz="2400" b="1" dirty="0">
+                <a:solidFill>
+                  <a:schemeClr val="tx1"/>
+                </a:solidFill>
+                <a:latin typeface="Times New Roman" panose="02020603050405020304" pitchFamily="18" charset="0"/>
+                <a:cs typeface="Times New Roman" panose="02020603050405020304" pitchFamily="18" charset="0"/>
+              </a:rPr>
+              <a:t> </a:t>
+            </a:r>
+            <a:r>
+              <a:rPr lang="es-ES" sz="2400" b="1" dirty="0" err="1">
+                <a:solidFill>
+                  <a:schemeClr val="tx1"/>
+                </a:solidFill>
+                <a:latin typeface="Times New Roman" panose="02020603050405020304" pitchFamily="18" charset="0"/>
+                <a:cs typeface="Times New Roman" panose="02020603050405020304" pitchFamily="18" charset="0"/>
+              </a:rPr>
+              <a:t>under</a:t>
+            </a:r>
+            <a:r>
+              <a:rPr lang="es-ES" sz="2400" b="1" dirty="0">
+                <a:solidFill>
+                  <a:schemeClr val="tx1"/>
+                </a:solidFill>
+                <a:latin typeface="Times New Roman" panose="02020603050405020304" pitchFamily="18" charset="0"/>
+                <a:cs typeface="Times New Roman" panose="02020603050405020304" pitchFamily="18" charset="0"/>
+              </a:rPr>
+              <a:t> real </a:t>
+            </a:r>
+            <a:r>
+              <a:rPr lang="es-ES" sz="2400" b="1" dirty="0" err="1">
+                <a:solidFill>
+                  <a:schemeClr val="tx1"/>
+                </a:solidFill>
+                <a:latin typeface="Times New Roman" panose="02020603050405020304" pitchFamily="18" charset="0"/>
+                <a:cs typeface="Times New Roman" panose="02020603050405020304" pitchFamily="18" charset="0"/>
+              </a:rPr>
+              <a:t>conditions</a:t>
+            </a:r>
+            <a:r>
+              <a:rPr lang="es-ES" sz="2400" b="1" dirty="0">
+                <a:solidFill>
+                  <a:schemeClr val="tx1"/>
+                </a:solidFill>
+                <a:latin typeface="Times New Roman" panose="02020603050405020304" pitchFamily="18" charset="0"/>
+                <a:cs typeface="Times New Roman" panose="02020603050405020304" pitchFamily="18" charset="0"/>
+              </a:rPr>
+              <a:t>? </a:t>
+            </a:r>
+            <a:endParaRPr lang="es-ES" sz="2400" b="1" dirty="0">
+              <a:solidFill>
+                <a:schemeClr val="tx1"/>
+              </a:solidFill>
+              <a:latin typeface="Times New Roman" panose="02020603050405020304" pitchFamily="18" charset="0"/>
+              <a:cs typeface="Times New Roman" panose="02020603050405020304" pitchFamily="18" charset="0"/>
+              <a:sym typeface="Wingdings" panose="05000000000000000000" pitchFamily="2" charset="2"/>
+            </a:endParaRPr>
+          </a:p>
+          <a:p>
+            <a:pPr marL="1028700">
+              <a:spcBef>
+                <a:spcPts val="360"/>
+              </a:spcBef>
+              <a:buClr>
+                <a:srgbClr val="211A52"/>
+              </a:buClr>
+              <a:buSzPct val="100000"/>
+            </a:pPr>
+            <a:endParaRPr lang="es-ES" sz="1800" dirty="0">
+              <a:solidFill>
+                <a:srgbClr val="211A52"/>
+              </a:solidFill>
+              <a:latin typeface="Times New Roman" panose="02020603050405020304" pitchFamily="18" charset="0"/>
+              <a:cs typeface="Times New Roman" panose="02020603050405020304" pitchFamily="18" charset="0"/>
+              <a:sym typeface="Wingdings" panose="05000000000000000000" pitchFamily="2" charset="2"/>
+            </a:endParaRPr>
+          </a:p>
+          <a:p>
+            <a:endParaRPr lang="es-ES" dirty="0">
+              <a:sym typeface="Wingdings" panose="05000000000000000000" pitchFamily="2" charset="2"/>
+            </a:endParaRPr>
+          </a:p>
+          <a:p>
+            <a:endParaRPr lang="es-ES" dirty="0"/>
+          </a:p>
+          <a:p>
+            <a:endParaRPr lang="es-ES" dirty="0"/>
           </a:p>
         </p:txBody>
       </p:sp>
-      <p:pic>
-        <p:nvPicPr>
-          <p:cNvPr id="13" name="Imagen 12">
-            <a:extLst>
-              <a:ext uri="{FF2B5EF4-FFF2-40B4-BE49-F238E27FC236}">
-                <a16:creationId xmlns:a16="http://schemas.microsoft.com/office/drawing/2014/main" id="{6276D9D2-65F0-446E-B317-3DE6F49EF106}"/>
-              </a:ext>
-            </a:extLst>
-          </p:cNvPr>
-          <p:cNvPicPr>
-            <a:picLocks noChangeAspect="1"/>
-          </p:cNvPicPr>
-          <p:nvPr/>
-        </p:nvPicPr>
-        <p:blipFill>
-          <a:blip r:embed="rId2"/>
-          <a:stretch>
-            <a:fillRect/>
-          </a:stretch>
-        </p:blipFill>
-        <p:spPr>
-          <a:xfrm>
-            <a:off x="2676216" y="1883801"/>
-            <a:ext cx="3548088" cy="1632498"/>
-          </a:xfrm>
-          <a:prstGeom prst="rect">
-            <a:avLst/>
-          </a:prstGeom>
-        </p:spPr>
-      </p:pic>
     </p:spTree>
     <p:extLst>
       <p:ext uri="{BB962C8B-B14F-4D97-AF65-F5344CB8AC3E}">
-        <p14:creationId xmlns:p14="http://schemas.microsoft.com/office/powerpoint/2010/main" val="4111525922"/>
+        <p14:creationId xmlns:p14="http://schemas.microsoft.com/office/powerpoint/2010/main" val="2799284659"/>
       </p:ext>
     </p:extLst>
   </p:cSld>
@@ -16161,7 +13171,7 @@
 </file>
 
 <file path=ppt/slides/slide9.xml><?xml version="1.0" encoding="utf-8"?>
-<p:sld xmlns:a="http://schemas.openxmlformats.org/drawingml/2006/main" xmlns:r="http://schemas.openxmlformats.org/officeDocument/2006/relationships" xmlns:p="http://schemas.openxmlformats.org/presentationml/2006/main" show="0">
+<p:sld xmlns:a="http://schemas.openxmlformats.org/drawingml/2006/main" xmlns:r="http://schemas.openxmlformats.org/officeDocument/2006/relationships" xmlns:p="http://schemas.openxmlformats.org/presentationml/2006/main">
   <p:cSld>
     <p:spTree>
       <p:nvGrpSpPr>
@@ -16179,95 +13189,10 @@
       </p:grpSpPr>
       <p:sp>
         <p:nvSpPr>
-          <p:cNvPr id="2" name="Titel 1">
+          <p:cNvPr id="2" name="Pladsholder til slidenummer 1">
             <a:extLst>
               <a:ext uri="{FF2B5EF4-FFF2-40B4-BE49-F238E27FC236}">
-                <a16:creationId xmlns:a16="http://schemas.microsoft.com/office/drawing/2014/main" id="{7A41F82B-177A-4594-B9B4-405109C97155}"/>
-              </a:ext>
-            </a:extLst>
-          </p:cNvPr>
-          <p:cNvSpPr>
-            <a:spLocks noGrp="1"/>
-          </p:cNvSpPr>
-          <p:nvPr>
-            <p:ph type="title"/>
-          </p:nvPr>
-        </p:nvSpPr>
-        <p:spPr>
-          <a:xfrm>
-            <a:off x="457200" y="192464"/>
-            <a:ext cx="8348968" cy="636352"/>
-          </a:xfrm>
-        </p:spPr>
-        <p:txBody>
-          <a:bodyPr/>
-          <a:lstStyle/>
-          <a:p>
-            <a:r>
-              <a:rPr lang="da-DK" dirty="0">
-                <a:solidFill>
-                  <a:schemeClr val="tx1"/>
-                </a:solidFill>
-                <a:latin typeface="Times New Roman" panose="02020603050405020304" pitchFamily="18" charset="0"/>
-                <a:cs typeface="Times New Roman" panose="02020603050405020304" pitchFamily="18" charset="0"/>
-              </a:rPr>
-              <a:t>CONVERTER TOPOLOGIES </a:t>
-            </a:r>
-            <a:endParaRPr lang="en-US" dirty="0">
-              <a:solidFill>
-                <a:schemeClr val="tx1"/>
-              </a:solidFill>
-              <a:latin typeface="Times New Roman" panose="02020603050405020304" pitchFamily="18" charset="0"/>
-              <a:cs typeface="Times New Roman" panose="02020603050405020304" pitchFamily="18" charset="0"/>
-            </a:endParaRPr>
-          </a:p>
-        </p:txBody>
-      </p:sp>
-      <p:sp>
-        <p:nvSpPr>
-          <p:cNvPr id="3" name="Pladsholder til tekst 2">
-            <a:extLst>
-              <a:ext uri="{FF2B5EF4-FFF2-40B4-BE49-F238E27FC236}">
-                <a16:creationId xmlns:a16="http://schemas.microsoft.com/office/drawing/2014/main" id="{E93A0280-2F25-4ECE-A307-2B05D45D3B2C}"/>
-              </a:ext>
-            </a:extLst>
-          </p:cNvPr>
-          <p:cNvSpPr>
-            <a:spLocks noGrp="1"/>
-          </p:cNvSpPr>
-          <p:nvPr>
-            <p:ph type="body" idx="1"/>
-          </p:nvPr>
-        </p:nvSpPr>
-        <p:spPr>
-          <a:xfrm>
-            <a:off x="457200" y="887755"/>
-            <a:ext cx="8348968" cy="3336915"/>
-          </a:xfrm>
-        </p:spPr>
-        <p:txBody>
-          <a:bodyPr/>
-          <a:lstStyle/>
-          <a:p>
-            <a:pPr marL="114300" indent="0">
-              <a:buNone/>
-            </a:pPr>
-            <a:r>
-              <a:rPr lang="da-DK" dirty="0"/>
-              <a:t>			</a:t>
-            </a:r>
-          </a:p>
-          <a:p>
-            <a:endParaRPr lang="da-DK" dirty="0"/>
-          </a:p>
-        </p:txBody>
-      </p:sp>
-      <p:sp>
-        <p:nvSpPr>
-          <p:cNvPr id="5" name="Pladsholder til slidenummer 4">
-            <a:extLst>
-              <a:ext uri="{FF2B5EF4-FFF2-40B4-BE49-F238E27FC236}">
-                <a16:creationId xmlns:a16="http://schemas.microsoft.com/office/drawing/2014/main" id="{4CF00402-4836-49BB-85FA-4CD4C7A794E5}"/>
+                <a16:creationId xmlns:a16="http://schemas.microsoft.com/office/drawing/2014/main" id="{6FC65677-B603-4E1E-8F95-7DABEFE7B9A2}"/>
               </a:ext>
             </a:extLst>
           </p:cNvPr>
@@ -16307,7 +13232,7 @@
                   <a:srgbClr val="54616E"/>
                 </a:solidFill>
               </a:rPr>
-              <a:t>/49</a:t>
+              <a:t>/13</a:t>
             </a:r>
             <a:endParaRPr lang="da" sz="1000" b="0" i="0" u="none" strike="noStrike" cap="none" dirty="0">
               <a:solidFill>
@@ -16323,10 +13248,167 @@
       </p:sp>
       <p:sp>
         <p:nvSpPr>
-          <p:cNvPr id="6" name="Pladsholder til dato 3">
+          <p:cNvPr id="3" name="Titel 2">
             <a:extLst>
               <a:ext uri="{FF2B5EF4-FFF2-40B4-BE49-F238E27FC236}">
-                <a16:creationId xmlns:a16="http://schemas.microsoft.com/office/drawing/2014/main" id="{F4838450-7D83-4704-9410-F82812C0E789}"/>
+                <a16:creationId xmlns:a16="http://schemas.microsoft.com/office/drawing/2014/main" id="{BAD2D4CC-ACAB-4C22-9AA4-2978B27CB069}"/>
+              </a:ext>
+            </a:extLst>
+          </p:cNvPr>
+          <p:cNvSpPr>
+            <a:spLocks noGrp="1"/>
+          </p:cNvSpPr>
+          <p:nvPr>
+            <p:ph type="title"/>
+          </p:nvPr>
+        </p:nvSpPr>
+        <p:spPr>
+          <a:xfrm>
+            <a:off x="457200" y="205977"/>
+            <a:ext cx="8229600" cy="582299"/>
+          </a:xfrm>
+        </p:spPr>
+        <p:txBody>
+          <a:bodyPr/>
+          <a:lstStyle/>
+          <a:p>
+            <a:r>
+              <a:rPr lang="da-DK" dirty="0">
+                <a:latin typeface="Times New Roman" panose="02020603050405020304" pitchFamily="18" charset="0"/>
+                <a:cs typeface="Times New Roman" panose="02020603050405020304" pitchFamily="18" charset="0"/>
+              </a:rPr>
+              <a:t>AGENDA</a:t>
+            </a:r>
+            <a:endParaRPr lang="en-US" dirty="0">
+              <a:latin typeface="Times New Roman" panose="02020603050405020304" pitchFamily="18" charset="0"/>
+              <a:cs typeface="Times New Roman" panose="02020603050405020304" pitchFamily="18" charset="0"/>
+            </a:endParaRPr>
+          </a:p>
+        </p:txBody>
+      </p:sp>
+      <p:sp>
+        <p:nvSpPr>
+          <p:cNvPr id="4" name="Pladsholder til tekst 3">
+            <a:extLst>
+              <a:ext uri="{FF2B5EF4-FFF2-40B4-BE49-F238E27FC236}">
+                <a16:creationId xmlns:a16="http://schemas.microsoft.com/office/drawing/2014/main" id="{441F1E0B-EE15-4F8C-B4AB-0F27D0475D14}"/>
+              </a:ext>
+            </a:extLst>
+          </p:cNvPr>
+          <p:cNvSpPr>
+            <a:spLocks noGrp="1"/>
+          </p:cNvSpPr>
+          <p:nvPr>
+            <p:ph type="body" idx="1"/>
+          </p:nvPr>
+        </p:nvSpPr>
+        <p:spPr>
+          <a:xfrm>
+            <a:off x="457200" y="922955"/>
+            <a:ext cx="8229600" cy="3508954"/>
+          </a:xfrm>
+        </p:spPr>
+        <p:txBody>
+          <a:bodyPr/>
+          <a:lstStyle/>
+          <a:p>
+            <a:r>
+              <a:rPr lang="da-DK" sz="1600" dirty="0">
+                <a:latin typeface="Times New Roman" panose="02020603050405020304" pitchFamily="18" charset="0"/>
+                <a:cs typeface="Times New Roman" panose="02020603050405020304" pitchFamily="18" charset="0"/>
+              </a:rPr>
+              <a:t>INTRODUCTION</a:t>
+            </a:r>
+          </a:p>
+          <a:p>
+            <a:endParaRPr lang="da-DK" sz="1600" b="1" dirty="0">
+              <a:latin typeface="Times New Roman" panose="02020603050405020304" pitchFamily="18" charset="0"/>
+              <a:cs typeface="Times New Roman" panose="02020603050405020304" pitchFamily="18" charset="0"/>
+            </a:endParaRPr>
+          </a:p>
+          <a:p>
+            <a:r>
+              <a:rPr lang="da-DK" sz="1600" dirty="0">
+                <a:latin typeface="Times New Roman" panose="02020603050405020304" pitchFamily="18" charset="0"/>
+                <a:cs typeface="Times New Roman" panose="02020603050405020304" pitchFamily="18" charset="0"/>
+              </a:rPr>
+              <a:t>MODULE INTEGRATED  CONVERTER (MIC)</a:t>
+            </a:r>
+          </a:p>
+          <a:p>
+            <a:pPr marL="571500" lvl="1" indent="0">
+              <a:buNone/>
+            </a:pPr>
+            <a:endParaRPr lang="da-DK" sz="1400" dirty="0">
+              <a:latin typeface="Times New Roman" panose="02020603050405020304" pitchFamily="18" charset="0"/>
+              <a:cs typeface="Times New Roman" panose="02020603050405020304" pitchFamily="18" charset="0"/>
+            </a:endParaRPr>
+          </a:p>
+          <a:p>
+            <a:r>
+              <a:rPr lang="da-DK" sz="1600" dirty="0">
+                <a:latin typeface="Times New Roman" panose="02020603050405020304" pitchFamily="18" charset="0"/>
+                <a:cs typeface="Times New Roman" panose="02020603050405020304" pitchFamily="18" charset="0"/>
+              </a:rPr>
+              <a:t>PROBLEM STATEMENT</a:t>
+            </a:r>
+          </a:p>
+          <a:p>
+            <a:pPr marL="114300" indent="0">
+              <a:buNone/>
+            </a:pPr>
+            <a:endParaRPr lang="da-DK" sz="1600" dirty="0">
+              <a:latin typeface="Times New Roman" panose="02020603050405020304" pitchFamily="18" charset="0"/>
+              <a:cs typeface="Times New Roman" panose="02020603050405020304" pitchFamily="18" charset="0"/>
+            </a:endParaRPr>
+          </a:p>
+          <a:p>
+            <a:r>
+              <a:rPr lang="da-DK" sz="1600" b="1" dirty="0">
+                <a:solidFill>
+                  <a:srgbClr val="423C6C"/>
+                </a:solidFill>
+                <a:latin typeface="Times New Roman" panose="02020603050405020304" pitchFamily="18" charset="0"/>
+                <a:cs typeface="Times New Roman" panose="02020603050405020304" pitchFamily="18" charset="0"/>
+              </a:rPr>
+              <a:t>OBJECTIVES</a:t>
+            </a:r>
+          </a:p>
+          <a:p>
+            <a:endParaRPr lang="da-DK" sz="1600" dirty="0">
+              <a:solidFill>
+                <a:srgbClr val="423C6C"/>
+              </a:solidFill>
+              <a:latin typeface="Times New Roman" panose="02020603050405020304" pitchFamily="18" charset="0"/>
+              <a:cs typeface="Times New Roman" panose="02020603050405020304" pitchFamily="18" charset="0"/>
+            </a:endParaRPr>
+          </a:p>
+          <a:p>
+            <a:r>
+              <a:rPr lang="da-DK" sz="1600" dirty="0">
+                <a:solidFill>
+                  <a:srgbClr val="423C6C"/>
+                </a:solidFill>
+                <a:latin typeface="Times New Roman" panose="02020603050405020304" pitchFamily="18" charset="0"/>
+                <a:cs typeface="Times New Roman" panose="02020603050405020304" pitchFamily="18" charset="0"/>
+              </a:rPr>
+              <a:t>GROUP PROCESS</a:t>
+            </a:r>
+          </a:p>
+          <a:p>
+            <a:pPr marL="114300" indent="0">
+              <a:buNone/>
+            </a:pPr>
+            <a:endParaRPr lang="da-DK" sz="1400" dirty="0"/>
+          </a:p>
+        </p:txBody>
+      </p:sp>
+      <p:sp>
+        <p:nvSpPr>
+          <p:cNvPr id="5" name="Pladsholder til dato 3">
+            <a:extLst>
+              <a:ext uri="{FF2B5EF4-FFF2-40B4-BE49-F238E27FC236}">
+                <a16:creationId xmlns:a16="http://schemas.microsoft.com/office/drawing/2014/main" id="{6AA825D5-5F64-49E2-BA19-3ACE2BA08BAE}"/>
               </a:ext>
             </a:extLst>
           </p:cNvPr>
@@ -16349,501 +13431,18 @@
           <a:p>
             <a:r>
               <a:rPr lang="da-DK" dirty="0"/>
-              <a:t>Marianne Rasborg Knudsen</a:t>
+              <a:t>Nicolai H. Fransen</a:t>
             </a:r>
           </a:p>
-        </p:txBody>
-      </p:sp>
-      <p:sp>
-        <p:nvSpPr>
-          <p:cNvPr id="8" name="CuadroTexto 7">
-            <a:extLst>
-              <a:ext uri="{FF2B5EF4-FFF2-40B4-BE49-F238E27FC236}">
-                <a16:creationId xmlns:a16="http://schemas.microsoft.com/office/drawing/2014/main" id="{BCEA971B-D870-490F-8EC4-65A19DC6D0B9}"/>
-              </a:ext>
-            </a:extLst>
-          </p:cNvPr>
-          <p:cNvSpPr txBox="1"/>
-          <p:nvPr/>
-        </p:nvSpPr>
-        <p:spPr>
-          <a:xfrm>
-            <a:off x="4631684" y="4132521"/>
-            <a:ext cx="45719" cy="307777"/>
-          </a:xfrm>
-          <a:prstGeom prst="rect">
-            <a:avLst/>
-          </a:prstGeom>
-          <a:noFill/>
-        </p:spPr>
-        <p:txBody>
-          <a:bodyPr wrap="square" rtlCol="0">
-            <a:spAutoFit/>
-          </a:bodyPr>
-          <a:lstStyle/>
-          <a:p>
-            <a:endParaRPr lang="es-ES" dirty="0"/>
-          </a:p>
-        </p:txBody>
-      </p:sp>
-      <p:sp>
-        <p:nvSpPr>
-          <p:cNvPr id="15" name="CuadroTexto 14">
-            <a:extLst>
-              <a:ext uri="{FF2B5EF4-FFF2-40B4-BE49-F238E27FC236}">
-                <a16:creationId xmlns:a16="http://schemas.microsoft.com/office/drawing/2014/main" id="{398C9807-26AB-4DD2-9A12-B4278253EC89}"/>
-              </a:ext>
-            </a:extLst>
-          </p:cNvPr>
-          <p:cNvSpPr txBox="1"/>
-          <p:nvPr/>
-        </p:nvSpPr>
-        <p:spPr>
-          <a:xfrm>
-            <a:off x="1032919" y="2756024"/>
-            <a:ext cx="3410048" cy="276999"/>
-          </a:xfrm>
-          <a:prstGeom prst="rect">
-            <a:avLst/>
-          </a:prstGeom>
-          <a:noFill/>
-        </p:spPr>
-        <p:txBody>
-          <a:bodyPr wrap="square" rtlCol="0">
-            <a:spAutoFit/>
-          </a:bodyPr>
-          <a:lstStyle/>
-          <a:p>
-            <a:r>
-              <a:rPr lang="es-ES" sz="1200" dirty="0"/>
-              <a:t>Non-</a:t>
-            </a:r>
-            <a:r>
-              <a:rPr lang="es-ES" sz="1200" dirty="0" err="1"/>
-              <a:t>inverting</a:t>
-            </a:r>
-            <a:r>
-              <a:rPr lang="es-ES" sz="1200" dirty="0"/>
-              <a:t> Buck-</a:t>
-            </a:r>
-            <a:r>
-              <a:rPr lang="es-ES" sz="1200" dirty="0" err="1"/>
-              <a:t>boost</a:t>
-            </a:r>
-            <a:r>
-              <a:rPr lang="es-ES" sz="1200" dirty="0"/>
-              <a:t> </a:t>
-            </a:r>
-            <a:r>
-              <a:rPr lang="es-ES" sz="1200" dirty="0" err="1"/>
-              <a:t>converter</a:t>
-            </a:r>
-            <a:r>
-              <a:rPr lang="es-ES" sz="1200" dirty="0"/>
-              <a:t> – 2 SW</a:t>
-            </a:r>
-          </a:p>
-        </p:txBody>
-      </p:sp>
-      <p:pic>
-        <p:nvPicPr>
-          <p:cNvPr id="7" name="Imagen 6">
-            <a:extLst>
-              <a:ext uri="{FF2B5EF4-FFF2-40B4-BE49-F238E27FC236}">
-                <a16:creationId xmlns:a16="http://schemas.microsoft.com/office/drawing/2014/main" id="{E806910A-CF80-4997-8870-EC5D09B8EB52}"/>
-              </a:ext>
-            </a:extLst>
-          </p:cNvPr>
-          <p:cNvPicPr>
-            <a:picLocks noChangeAspect="1"/>
-          </p:cNvPicPr>
-          <p:nvPr/>
-        </p:nvPicPr>
-        <p:blipFill>
-          <a:blip r:embed="rId2"/>
-          <a:stretch>
-            <a:fillRect/>
-          </a:stretch>
-        </p:blipFill>
-        <p:spPr>
-          <a:xfrm>
-            <a:off x="794904" y="1264526"/>
-            <a:ext cx="3738998" cy="1535984"/>
-          </a:xfrm>
-          <a:prstGeom prst="rect">
-            <a:avLst/>
-          </a:prstGeom>
-        </p:spPr>
-      </p:pic>
-      <p:pic>
-        <p:nvPicPr>
-          <p:cNvPr id="10" name="Imagen 9">
-            <a:extLst>
-              <a:ext uri="{FF2B5EF4-FFF2-40B4-BE49-F238E27FC236}">
-                <a16:creationId xmlns:a16="http://schemas.microsoft.com/office/drawing/2014/main" id="{28199F62-EC88-4768-A286-B2772E10A8EB}"/>
-              </a:ext>
-            </a:extLst>
-          </p:cNvPr>
-          <p:cNvPicPr>
-            <a:picLocks noChangeAspect="1"/>
-          </p:cNvPicPr>
-          <p:nvPr/>
-        </p:nvPicPr>
-        <p:blipFill>
-          <a:blip r:embed="rId3"/>
-          <a:stretch>
-            <a:fillRect/>
-          </a:stretch>
-        </p:blipFill>
-        <p:spPr>
-          <a:xfrm>
-            <a:off x="4743212" y="1256245"/>
-            <a:ext cx="3853645" cy="1535983"/>
-          </a:xfrm>
-          <a:prstGeom prst="rect">
-            <a:avLst/>
-          </a:prstGeom>
-        </p:spPr>
-      </p:pic>
-      <p:sp>
-        <p:nvSpPr>
-          <p:cNvPr id="14" name="CuadroTexto 13">
-            <a:extLst>
-              <a:ext uri="{FF2B5EF4-FFF2-40B4-BE49-F238E27FC236}">
-                <a16:creationId xmlns:a16="http://schemas.microsoft.com/office/drawing/2014/main" id="{3D95698E-0332-43DE-A9D9-22C314E1BDB2}"/>
-              </a:ext>
-            </a:extLst>
-          </p:cNvPr>
-          <p:cNvSpPr txBox="1"/>
-          <p:nvPr/>
-        </p:nvSpPr>
-        <p:spPr>
-          <a:xfrm>
-            <a:off x="5010478" y="2777951"/>
-            <a:ext cx="3410048" cy="276999"/>
-          </a:xfrm>
-          <a:prstGeom prst="rect">
-            <a:avLst/>
-          </a:prstGeom>
-          <a:noFill/>
-        </p:spPr>
-        <p:txBody>
-          <a:bodyPr wrap="square" rtlCol="0">
-            <a:spAutoFit/>
-          </a:bodyPr>
-          <a:lstStyle/>
-          <a:p>
-            <a:r>
-              <a:rPr lang="es-ES" sz="1200" dirty="0"/>
-              <a:t>Non-</a:t>
-            </a:r>
-            <a:r>
-              <a:rPr lang="es-ES" sz="1200" dirty="0" err="1"/>
-              <a:t>inverting</a:t>
-            </a:r>
-            <a:r>
-              <a:rPr lang="es-ES" sz="1200" dirty="0"/>
-              <a:t> Buck-</a:t>
-            </a:r>
-            <a:r>
-              <a:rPr lang="es-ES" sz="1200" dirty="0" err="1"/>
-              <a:t>boost</a:t>
-            </a:r>
-            <a:r>
-              <a:rPr lang="es-ES" sz="1200" dirty="0"/>
-              <a:t> </a:t>
-            </a:r>
-            <a:r>
-              <a:rPr lang="es-ES" sz="1200" dirty="0" err="1"/>
-              <a:t>converter</a:t>
-            </a:r>
-            <a:r>
-              <a:rPr lang="es-ES" sz="1200" dirty="0"/>
-              <a:t> – 4 SW</a:t>
-            </a:r>
-          </a:p>
-        </p:txBody>
-      </p:sp>
-      <mc:AlternateContent xmlns:mc="http://schemas.openxmlformats.org/markup-compatibility/2006" xmlns:a14="http://schemas.microsoft.com/office/drawing/2010/main">
-        <mc:Choice Requires="a14">
-          <p:sp>
-            <p:nvSpPr>
-              <p:cNvPr id="16" name="CuadroTexto 15">
-                <a:extLst>
-                  <a:ext uri="{FF2B5EF4-FFF2-40B4-BE49-F238E27FC236}">
-                    <a16:creationId xmlns:a16="http://schemas.microsoft.com/office/drawing/2014/main" id="{D8D151FC-775C-4F83-9FB3-CF2A444FD87A}"/>
-                  </a:ext>
-                </a:extLst>
-              </p:cNvPr>
-              <p:cNvSpPr txBox="1"/>
-              <p:nvPr/>
-            </p:nvSpPr>
-            <p:spPr>
-              <a:xfrm>
-                <a:off x="3316790" y="3183592"/>
-                <a:ext cx="2629787" cy="326564"/>
-              </a:xfrm>
-              <a:prstGeom prst="rect">
-                <a:avLst/>
-              </a:prstGeom>
-              <a:noFill/>
-              <a:ln>
-                <a:solidFill>
-                  <a:srgbClr val="423C6C"/>
-                </a:solidFill>
-              </a:ln>
-            </p:spPr>
-            <p:txBody>
-              <a:bodyPr wrap="square" rtlCol="0">
-                <a:spAutoFit/>
-              </a:bodyPr>
-              <a:lstStyle/>
-              <a:p>
-                <a:pPr/>
-                <a14:m>
-                  <m:oMathPara xmlns:m="http://schemas.openxmlformats.org/officeDocument/2006/math">
-                    <m:oMathParaPr>
-                      <m:jc m:val="centerGroup"/>
-                    </m:oMathParaPr>
-                    <m:oMath xmlns:m="http://schemas.openxmlformats.org/officeDocument/2006/math">
-                      <m:sSub>
-                        <m:sSubPr>
-                          <m:ctrlPr>
-                            <a:rPr lang="es-ES" i="1" smtClean="0">
-                              <a:latin typeface="Cambria Math" panose="02040503050406030204" pitchFamily="18" charset="0"/>
-                            </a:rPr>
-                          </m:ctrlPr>
-                        </m:sSubPr>
-                        <m:e>
-                          <m:r>
-                            <a:rPr lang="es-ES" b="0" i="1" smtClean="0">
-                              <a:latin typeface="Cambria Math" panose="02040503050406030204" pitchFamily="18" charset="0"/>
-                            </a:rPr>
-                            <m:t>𝑉</m:t>
-                          </m:r>
-                        </m:e>
-                        <m:sub>
-                          <m:r>
-                            <a:rPr lang="es-ES" b="0" i="1" smtClean="0">
-                              <a:latin typeface="Cambria Math" panose="02040503050406030204" pitchFamily="18" charset="0"/>
-                            </a:rPr>
-                            <m:t>𝑖𝑛𝑝𝑢𝑡</m:t>
-                          </m:r>
-                          <m:r>
-                            <a:rPr lang="es-ES" b="0" i="1" smtClean="0">
-                              <a:latin typeface="Cambria Math" panose="02040503050406030204" pitchFamily="18" charset="0"/>
-                            </a:rPr>
-                            <m:t> </m:t>
-                          </m:r>
-                        </m:sub>
-                      </m:sSub>
-                      <m:sPre>
-                        <m:sPrePr>
-                          <m:ctrlPr>
-                            <a:rPr lang="es-ES" i="1" smtClean="0">
-                              <a:latin typeface="Cambria Math" panose="02040503050406030204" pitchFamily="18" charset="0"/>
-                            </a:rPr>
-                          </m:ctrlPr>
-                        </m:sPrePr>
-                        <m:sub>
-                          <m:r>
-                            <a:rPr lang="es-ES" b="0" i="1" smtClean="0">
-                              <a:latin typeface="Cambria Math" panose="02040503050406030204" pitchFamily="18" charset="0"/>
-                            </a:rPr>
-                            <m:t>&lt;</m:t>
-                          </m:r>
-                        </m:sub>
-                        <m:sup>
-                          <m:r>
-                            <a:rPr lang="es-ES" b="0" i="1" smtClean="0">
-                              <a:latin typeface="Cambria Math" panose="02040503050406030204" pitchFamily="18" charset="0"/>
-                            </a:rPr>
-                            <m:t>&gt;</m:t>
-                          </m:r>
-                        </m:sup>
-                        <m:e>
-                          <m:r>
-                            <a:rPr lang="es-ES" b="0" i="1" smtClean="0">
-                              <a:latin typeface="Cambria Math" panose="02040503050406030204" pitchFamily="18" charset="0"/>
-                            </a:rPr>
-                            <m:t> </m:t>
-                          </m:r>
-                        </m:e>
-                      </m:sPre>
-                      <m:r>
-                        <a:rPr lang="es-ES" b="0" i="1" smtClean="0">
-                          <a:latin typeface="Cambria Math" panose="02040503050406030204" pitchFamily="18" charset="0"/>
-                        </a:rPr>
-                        <m:t> </m:t>
-                      </m:r>
-                      <m:sSub>
-                        <m:sSubPr>
-                          <m:ctrlPr>
-                            <a:rPr lang="es-ES" b="0" i="1" smtClean="0">
-                              <a:latin typeface="Cambria Math" panose="02040503050406030204" pitchFamily="18" charset="0"/>
-                            </a:rPr>
-                          </m:ctrlPr>
-                        </m:sSubPr>
-                        <m:e>
-                          <m:r>
-                            <a:rPr lang="es-ES" b="0" i="1" smtClean="0">
-                              <a:latin typeface="Cambria Math" panose="02040503050406030204" pitchFamily="18" charset="0"/>
-                            </a:rPr>
-                            <m:t>𝑉</m:t>
-                          </m:r>
-                        </m:e>
-                        <m:sub>
-                          <m:r>
-                            <a:rPr lang="es-ES" b="0" i="1" smtClean="0">
-                              <a:latin typeface="Cambria Math" panose="02040503050406030204" pitchFamily="18" charset="0"/>
-                            </a:rPr>
-                            <m:t>𝑙𝑜𝑎𝑑</m:t>
-                          </m:r>
-                        </m:sub>
-                      </m:sSub>
-                    </m:oMath>
-                  </m:oMathPara>
-                </a14:m>
-                <a:endParaRPr lang="es-ES" dirty="0"/>
-              </a:p>
-            </p:txBody>
-          </p:sp>
-        </mc:Choice>
-        <mc:Fallback xmlns="">
-          <p:sp>
-            <p:nvSpPr>
-              <p:cNvPr id="16" name="CuadroTexto 15">
-                <a:extLst>
-                  <a:ext uri="{FF2B5EF4-FFF2-40B4-BE49-F238E27FC236}">
-                    <a16:creationId xmlns:a16="http://schemas.microsoft.com/office/drawing/2014/main" id="{D8D151FC-775C-4F83-9FB3-CF2A444FD87A}"/>
-                  </a:ext>
-                </a:extLst>
-              </p:cNvPr>
-              <p:cNvSpPr txBox="1">
-                <a:spLocks noRot="1" noChangeAspect="1" noMove="1" noResize="1" noEditPoints="1" noAdjustHandles="1" noChangeArrowheads="1" noChangeShapeType="1" noTextEdit="1"/>
-              </p:cNvSpPr>
-              <p:nvPr/>
-            </p:nvSpPr>
-            <p:spPr>
-              <a:xfrm>
-                <a:off x="3316790" y="3183592"/>
-                <a:ext cx="2629787" cy="326564"/>
-              </a:xfrm>
-              <a:prstGeom prst="rect">
-                <a:avLst/>
-              </a:prstGeom>
-              <a:blipFill>
-                <a:blip r:embed="rId4"/>
-                <a:stretch>
-                  <a:fillRect/>
-                </a:stretch>
-              </a:blipFill>
-              <a:ln>
-                <a:solidFill>
-                  <a:srgbClr val="423C6C"/>
-                </a:solidFill>
-              </a:ln>
-            </p:spPr>
-            <p:txBody>
-              <a:bodyPr/>
-              <a:lstStyle/>
-              <a:p>
-                <a:r>
-                  <a:rPr lang="es-ES">
-                    <a:noFill/>
-                  </a:rPr>
-                  <a:t> </a:t>
-                </a:r>
-              </a:p>
-            </p:txBody>
-          </p:sp>
-        </mc:Fallback>
-      </mc:AlternateContent>
-      <p:sp>
-        <p:nvSpPr>
-          <p:cNvPr id="17" name="Flecha: a la derecha 16">
-            <a:extLst>
-              <a:ext uri="{FF2B5EF4-FFF2-40B4-BE49-F238E27FC236}">
-                <a16:creationId xmlns:a16="http://schemas.microsoft.com/office/drawing/2014/main" id="{B0DA49AC-30E5-4917-8DE5-6AA1D0BAF3E8}"/>
-              </a:ext>
-            </a:extLst>
-          </p:cNvPr>
-          <p:cNvSpPr/>
-          <p:nvPr/>
-        </p:nvSpPr>
-        <p:spPr>
-          <a:xfrm>
-            <a:off x="4423147" y="3856114"/>
-            <a:ext cx="297706" cy="45719"/>
-          </a:xfrm>
-          <a:prstGeom prst="rightArrow">
-            <a:avLst/>
-          </a:prstGeom>
-        </p:spPr>
-        <p:style>
-          <a:lnRef idx="2">
-            <a:schemeClr val="accent1">
-              <a:shade val="50000"/>
-            </a:schemeClr>
-          </a:lnRef>
-          <a:fillRef idx="1">
-            <a:schemeClr val="accent1"/>
-          </a:fillRef>
-          <a:effectRef idx="0">
-            <a:schemeClr val="accent1"/>
-          </a:effectRef>
-          <a:fontRef idx="minor">
-            <a:schemeClr val="lt1"/>
-          </a:fontRef>
-        </p:style>
-        <p:txBody>
-          <a:bodyPr rtlCol="0" anchor="ctr"/>
-          <a:lstStyle/>
-          <a:p>
-            <a:pPr algn="ctr"/>
-            <a:endParaRPr lang="es-ES"/>
-          </a:p>
-        </p:txBody>
-      </p:sp>
-      <p:sp>
-        <p:nvSpPr>
-          <p:cNvPr id="11" name="Rectángulo 10">
-            <a:extLst>
-              <a:ext uri="{FF2B5EF4-FFF2-40B4-BE49-F238E27FC236}">
-                <a16:creationId xmlns:a16="http://schemas.microsoft.com/office/drawing/2014/main" id="{0EB4208D-51AF-4985-8445-211465F41820}"/>
-              </a:ext>
-            </a:extLst>
-          </p:cNvPr>
-          <p:cNvSpPr/>
-          <p:nvPr/>
-        </p:nvSpPr>
-        <p:spPr>
-          <a:xfrm>
-            <a:off x="3351161" y="3725084"/>
-            <a:ext cx="2642070" cy="307777"/>
-          </a:xfrm>
-          <a:prstGeom prst="rect">
-            <a:avLst/>
-          </a:prstGeom>
-        </p:spPr>
-        <p:txBody>
-          <a:bodyPr wrap="none">
-            <a:spAutoFit/>
-          </a:bodyPr>
-          <a:lstStyle/>
-          <a:p>
-            <a:r>
-              <a:rPr lang="da-DK" dirty="0"/>
-              <a:t>Full bridge             Bidirectional</a:t>
-            </a:r>
-            <a:endParaRPr lang="es-ES" dirty="0"/>
+          <a:p>
+            <a:endParaRPr lang="da-DK" dirty="0"/>
           </a:p>
         </p:txBody>
       </p:sp>
     </p:spTree>
     <p:extLst>
       <p:ext uri="{BB962C8B-B14F-4D97-AF65-F5344CB8AC3E}">
-        <p14:creationId xmlns:p14="http://schemas.microsoft.com/office/powerpoint/2010/main" val="4242938280"/>
+        <p14:creationId xmlns:p14="http://schemas.microsoft.com/office/powerpoint/2010/main" val="4166856259"/>
       </p:ext>
     </p:extLst>
   </p:cSld>

--- a/Reports/Presentation_P0_11_10.pptx
+++ b/Reports/Presentation_P0_11_10.pptx
@@ -9727,6 +9727,36 @@
           </a:p>
         </p:txBody>
       </p:sp>
+      <p:pic>
+        <p:nvPicPr>
+          <p:cNvPr id="7" name="Imagen 6">
+            <a:extLst>
+              <a:ext uri="{FF2B5EF4-FFF2-40B4-BE49-F238E27FC236}">
+                <a16:creationId xmlns:a16="http://schemas.microsoft.com/office/drawing/2014/main" id="{DA18D0F5-C767-4AA4-B979-A255AA4D9060}"/>
+              </a:ext>
+            </a:extLst>
+          </p:cNvPr>
+          <p:cNvPicPr>
+            <a:picLocks noChangeAspect="1"/>
+          </p:cNvPicPr>
+          <p:nvPr/>
+        </p:nvPicPr>
+        <p:blipFill>
+          <a:blip r:embed="rId2"/>
+          <a:stretch>
+            <a:fillRect/>
+          </a:stretch>
+        </p:blipFill>
+        <p:spPr>
+          <a:xfrm>
+            <a:off x="4572000" y="1406073"/>
+            <a:ext cx="4056466" cy="1756840"/>
+          </a:xfrm>
+          <a:prstGeom prst="rect">
+            <a:avLst/>
+          </a:prstGeom>
+        </p:spPr>
+      </p:pic>
     </p:spTree>
     <p:extLst>
       <p:ext uri="{BB962C8B-B14F-4D97-AF65-F5344CB8AC3E}">

--- a/Reports/Presentation_P0_11_10.pptx
+++ b/Reports/Presentation_P0_11_10.pptx
@@ -593,6 +593,172 @@
 </file>
 
 <file path=ppt/notesSlides/notesSlide2.xml><?xml version="1.0" encoding="utf-8"?>
+<p:notes xmlns:a="http://schemas.openxmlformats.org/drawingml/2006/main" xmlns:r="http://schemas.openxmlformats.org/officeDocument/2006/relationships" xmlns:p="http://schemas.openxmlformats.org/presentationml/2006/main">
+  <p:cSld>
+    <p:spTree>
+      <p:nvGrpSpPr>
+        <p:cNvPr id="1" name=""/>
+        <p:cNvGrpSpPr/>
+        <p:nvPr/>
+      </p:nvGrpSpPr>
+      <p:grpSpPr>
+        <a:xfrm>
+          <a:off x="0" y="0"/>
+          <a:ext cx="0" cy="0"/>
+          <a:chOff x="0" y="0"/>
+          <a:chExt cx="0" cy="0"/>
+        </a:xfrm>
+      </p:grpSpPr>
+      <p:sp>
+        <p:nvSpPr>
+          <p:cNvPr id="2" name="Marcador de imagen de diapositiva 1"/>
+          <p:cNvSpPr>
+            <a:spLocks noGrp="1" noRot="1" noChangeAspect="1"/>
+          </p:cNvSpPr>
+          <p:nvPr>
+            <p:ph type="sldImg"/>
+          </p:nvPr>
+        </p:nvSpPr>
+        <p:spPr>
+          <a:xfrm>
+            <a:off x="381000" y="685800"/>
+            <a:ext cx="6096000" cy="3429000"/>
+          </a:xfrm>
+        </p:spPr>
+      </p:sp>
+      <p:sp>
+        <p:nvSpPr>
+          <p:cNvPr id="3" name="Marcador de notas 2"/>
+          <p:cNvSpPr>
+            <a:spLocks noGrp="1"/>
+          </p:cNvSpPr>
+          <p:nvPr>
+            <p:ph type="body" idx="1"/>
+          </p:nvPr>
+        </p:nvSpPr>
+        <p:spPr/>
+        <p:txBody>
+          <a:bodyPr/>
+          <a:lstStyle/>
+          <a:p>
+            <a:r>
+              <a:rPr lang="en-US" dirty="0"/>
+              <a:t>Intro</a:t>
+            </a:r>
+          </a:p>
+          <a:p>
+            <a:r>
+              <a:rPr lang="en-US" dirty="0"/>
+              <a:t>Module Integrated Converter (MIC)</a:t>
+            </a:r>
+          </a:p>
+          <a:p>
+            <a:r>
+              <a:rPr lang="en-US" dirty="0"/>
+              <a:t>Problem Statement</a:t>
+            </a:r>
+          </a:p>
+          <a:p>
+            <a:r>
+              <a:rPr lang="en-US" dirty="0"/>
+              <a:t>Objectives</a:t>
+            </a:r>
+          </a:p>
+          <a:p>
+            <a:r>
+              <a:rPr lang="en-US" dirty="0"/>
+              <a:t>Group Process</a:t>
+            </a:r>
+          </a:p>
+        </p:txBody>
+      </p:sp>
+    </p:spTree>
+    <p:extLst>
+      <p:ext uri="{BB962C8B-B14F-4D97-AF65-F5344CB8AC3E}">
+        <p14:creationId xmlns:p14="http://schemas.microsoft.com/office/powerpoint/2010/main" val="2837848979"/>
+      </p:ext>
+    </p:extLst>
+  </p:cSld>
+  <p:clrMapOvr>
+    <a:masterClrMapping/>
+  </p:clrMapOvr>
+</p:notes>
+</file>
+
+<file path=ppt/notesSlides/notesSlide3.xml><?xml version="1.0" encoding="utf-8"?>
+<p:notes xmlns:a="http://schemas.openxmlformats.org/drawingml/2006/main" xmlns:r="http://schemas.openxmlformats.org/officeDocument/2006/relationships" xmlns:p="http://schemas.openxmlformats.org/presentationml/2006/main">
+  <p:cSld>
+    <p:spTree>
+      <p:nvGrpSpPr>
+        <p:cNvPr id="1" name=""/>
+        <p:cNvGrpSpPr/>
+        <p:nvPr/>
+      </p:nvGrpSpPr>
+      <p:grpSpPr>
+        <a:xfrm>
+          <a:off x="0" y="0"/>
+          <a:ext cx="0" cy="0"/>
+          <a:chOff x="0" y="0"/>
+          <a:chExt cx="0" cy="0"/>
+        </a:xfrm>
+      </p:grpSpPr>
+      <p:sp>
+        <p:nvSpPr>
+          <p:cNvPr id="2" name="Marcador de imagen de diapositiva 1"/>
+          <p:cNvSpPr>
+            <a:spLocks noGrp="1" noRot="1" noChangeAspect="1"/>
+          </p:cNvSpPr>
+          <p:nvPr>
+            <p:ph type="sldImg"/>
+          </p:nvPr>
+        </p:nvSpPr>
+        <p:spPr>
+          <a:xfrm>
+            <a:off x="381000" y="685800"/>
+            <a:ext cx="6096000" cy="3429000"/>
+          </a:xfrm>
+        </p:spPr>
+      </p:sp>
+      <p:sp>
+        <p:nvSpPr>
+          <p:cNvPr id="3" name="Marcador de notas 2"/>
+          <p:cNvSpPr>
+            <a:spLocks noGrp="1"/>
+          </p:cNvSpPr>
+          <p:nvPr>
+            <p:ph type="body" idx="1"/>
+          </p:nvPr>
+        </p:nvSpPr>
+        <p:spPr/>
+        <p:txBody>
+          <a:bodyPr/>
+          <a:lstStyle/>
+          <a:p>
+            <a:pPr marL="171450" indent="-171450">
+              <a:buFontTx/>
+              <a:buChar char="-"/>
+            </a:pPr>
+            <a:r>
+              <a:rPr lang="en-US" dirty="0"/>
+              <a:t>Problem with environment and energy.</a:t>
+            </a:r>
+          </a:p>
+        </p:txBody>
+      </p:sp>
+    </p:spTree>
+    <p:extLst>
+      <p:ext uri="{BB962C8B-B14F-4D97-AF65-F5344CB8AC3E}">
+        <p14:creationId xmlns:p14="http://schemas.microsoft.com/office/powerpoint/2010/main" val="934921523"/>
+      </p:ext>
+    </p:extLst>
+  </p:cSld>
+  <p:clrMapOvr>
+    <a:masterClrMapping/>
+  </p:clrMapOvr>
+</p:notes>
+</file>
+
+<file path=ppt/notesSlides/notesSlide4.xml><?xml version="1.0" encoding="utf-8"?>
 <p:notes xmlns:a="http://schemas.openxmlformats.org/drawingml/2006/main" xmlns:r="http://schemas.openxmlformats.org/officeDocument/2006/relationships" xmlns:p="http://schemas.openxmlformats.org/presentationml/2006/main" showMasterSp="0" showMasterPhAnim="0">
   <p:cSld>
     <p:spTree>
@@ -11189,7 +11355,7 @@
           <p:nvPr/>
         </p:nvPicPr>
         <p:blipFill>
-          <a:blip r:embed="rId2"/>
+          <a:blip r:embed="rId3"/>
           <a:stretch>
             <a:fillRect/>
           </a:stretch>
